--- a/Slides/SYCL intro.pptx
+++ b/Slides/SYCL intro.pptx
@@ -7,13 +7,17 @@
     <p:sldMasterId id="2147483676" r:id="rId6"/>
   </p:sldMasterIdLst>
   <p:notesMasterIdLst>
-    <p:notesMasterId r:id="rId11"/>
+    <p:notesMasterId r:id="rId15"/>
   </p:notesMasterIdLst>
   <p:sldIdLst>
     <p:sldId id="321" r:id="rId7"/>
     <p:sldId id="350" r:id="rId8"/>
     <p:sldId id="351" r:id="rId9"/>
     <p:sldId id="352" r:id="rId10"/>
+    <p:sldId id="353" r:id="rId11"/>
+    <p:sldId id="354" r:id="rId12"/>
+    <p:sldId id="355" r:id="rId13"/>
+    <p:sldId id="356" r:id="rId14"/>
   </p:sldIdLst>
   <p:sldSz cx="12192000" cy="6858000"/>
   <p:notesSz cx="6858000" cy="9144000"/>
@@ -100,6 +104,10 @@
             <p14:sldId id="350"/>
             <p14:sldId id="351"/>
             <p14:sldId id="352"/>
+            <p14:sldId id="353"/>
+            <p14:sldId id="354"/>
+            <p14:sldId id="355"/>
+            <p14:sldId id="356"/>
           </p14:sldIdLst>
         </p14:section>
       </p14:sectionLst>
@@ -5931,7 +5939,7 @@
           </a:ln>
           <a:extLst>
             <a:ext uri="{C572A759-6A51-4108-AA02-DFA0A04FC94B}">
-              <ma14:wrappingTextBoxFlag xmlns:ma14="http://schemas.microsoft.com/office/mac/drawingml/2011/main" xmlns="" val="1"/>
+              <ma14:wrappingTextBoxFlag xmlns="" xmlns:ma14="http://schemas.microsoft.com/office/mac/drawingml/2011/main" val="1"/>
             </a:ext>
           </a:extLst>
         </p:spPr>
@@ -6138,7 +6146,7 @@
           </a:ln>
           <a:extLst>
             <a:ext uri="{C572A759-6A51-4108-AA02-DFA0A04FC94B}">
-              <ma14:wrappingTextBoxFlag xmlns:ma14="http://schemas.microsoft.com/office/mac/drawingml/2011/main" xmlns="" val="1"/>
+              <ma14:wrappingTextBoxFlag xmlns="" xmlns:ma14="http://schemas.microsoft.com/office/mac/drawingml/2011/main" val="1"/>
             </a:ext>
           </a:extLst>
         </p:spPr>
@@ -7037,7 +7045,7 @@
           </a:ln>
           <a:extLst>
             <a:ext uri="{C572A759-6A51-4108-AA02-DFA0A04FC94B}">
-              <ma14:wrappingTextBoxFlag xmlns:ma14="http://schemas.microsoft.com/office/mac/drawingml/2011/main" xmlns="" val="1"/>
+              <ma14:wrappingTextBoxFlag xmlns="" xmlns:ma14="http://schemas.microsoft.com/office/mac/drawingml/2011/main" val="1"/>
             </a:ext>
           </a:extLst>
         </p:spPr>
@@ -7872,7 +7880,7 @@
           </a:ln>
           <a:extLst>
             <a:ext uri="{C572A759-6A51-4108-AA02-DFA0A04FC94B}">
-              <ma14:wrappingTextBoxFlag xmlns:ma14="http://schemas.microsoft.com/office/mac/drawingml/2011/main" xmlns="" val="1"/>
+              <ma14:wrappingTextBoxFlag xmlns="" xmlns:ma14="http://schemas.microsoft.com/office/mac/drawingml/2011/main" val="1"/>
             </a:ext>
           </a:extLst>
         </p:spPr>
@@ -12895,6 +12903,1008 @@
 </p:sld>
 </file>
 
+<file path=ppt/slides/slide5.xml><?xml version="1.0" encoding="utf-8"?>
+<p:sld xmlns:a="http://schemas.openxmlformats.org/drawingml/2006/main" xmlns:r="http://schemas.openxmlformats.org/officeDocument/2006/relationships" xmlns:p="http://schemas.openxmlformats.org/presentationml/2006/main">
+  <p:cSld>
+    <p:spTree>
+      <p:nvGrpSpPr>
+        <p:cNvPr id="1" name=""/>
+        <p:cNvGrpSpPr/>
+        <p:nvPr/>
+      </p:nvGrpSpPr>
+      <p:grpSpPr>
+        <a:xfrm>
+          <a:off x="0" y="0"/>
+          <a:ext cx="0" cy="0"/>
+          <a:chOff x="0" y="0"/>
+          <a:chExt cx="0" cy="0"/>
+        </a:xfrm>
+      </p:grpSpPr>
+      <p:sp>
+        <p:nvSpPr>
+          <p:cNvPr id="2" name="Text Placeholder 1">
+            <a:extLst>
+              <a:ext uri="{FF2B5EF4-FFF2-40B4-BE49-F238E27FC236}">
+                <a16:creationId xmlns:a16="http://schemas.microsoft.com/office/drawing/2014/main" id="{3B148F8C-873A-42DF-A5FB-7AE127AE422C}"/>
+              </a:ext>
+            </a:extLst>
+          </p:cNvPr>
+          <p:cNvSpPr>
+            <a:spLocks noGrp="1"/>
+          </p:cNvSpPr>
+          <p:nvPr>
+            <p:ph type="body" sz="quarter" idx="11"/>
+          </p:nvPr>
+        </p:nvSpPr>
+        <p:spPr/>
+        <p:txBody>
+          <a:bodyPr/>
+          <a:lstStyle/>
+          <a:p>
+            <a:r>
+              <a:rPr lang="en-US" sz="2400" dirty="0"/>
+              <a:t>Abstractions used for submitting work to a device</a:t>
+            </a:r>
+          </a:p>
+          <a:p>
+            <a:pPr lvl="1"/>
+            <a:r>
+              <a:rPr lang="en-US" sz="2000" dirty="0"/>
+              <a:t>Bound to a single device upon creation</a:t>
+            </a:r>
+          </a:p>
+          <a:p>
+            <a:pPr lvl="1"/>
+            <a:r>
+              <a:rPr lang="en-US" sz="2000" dirty="0"/>
+              <a:t>Device is selected via </a:t>
+            </a:r>
+            <a:r>
+              <a:rPr lang="en-US" sz="2000" dirty="0" err="1"/>
+              <a:t>device_selector</a:t>
+            </a:r>
+            <a:r>
+              <a:rPr lang="en-US" sz="2000" dirty="0"/>
+              <a:t> class</a:t>
+            </a:r>
+          </a:p>
+          <a:p>
+            <a:pPr lvl="1"/>
+            <a:r>
+              <a:rPr lang="en-US" sz="2000" dirty="0"/>
+              <a:t>Can allow selector to select from a class of devices or write custom selector</a:t>
+            </a:r>
+          </a:p>
+          <a:p>
+            <a:r>
+              <a:rPr lang="en-US" sz="2400" dirty="0"/>
+              <a:t>Tasks submitted to queue are offloaded to device when conditions are met</a:t>
+            </a:r>
+          </a:p>
+          <a:p>
+            <a:pPr lvl="1"/>
+            <a:r>
+              <a:rPr lang="en-GB" sz="2000" dirty="0"/>
+              <a:t>Host continues execution of the program after submission to the queue</a:t>
+            </a:r>
+            <a:endParaRPr lang="en-US" sz="2000" dirty="0"/>
+          </a:p>
+        </p:txBody>
+      </p:sp>
+      <p:sp>
+        <p:nvSpPr>
+          <p:cNvPr id="3" name="Title 2">
+            <a:extLst>
+              <a:ext uri="{FF2B5EF4-FFF2-40B4-BE49-F238E27FC236}">
+                <a16:creationId xmlns:a16="http://schemas.microsoft.com/office/drawing/2014/main" id="{CB1B5C22-C9E9-4DDD-0A17-C7F34F9CB7A7}"/>
+              </a:ext>
+            </a:extLst>
+          </p:cNvPr>
+          <p:cNvSpPr>
+            <a:spLocks noGrp="1"/>
+          </p:cNvSpPr>
+          <p:nvPr>
+            <p:ph type="title"/>
+          </p:nvPr>
+        </p:nvSpPr>
+        <p:spPr/>
+        <p:txBody>
+          <a:bodyPr/>
+          <a:lstStyle/>
+          <a:p>
+            <a:r>
+              <a:rPr lang="en-US" sz="4000" dirty="0"/>
+              <a:t>Queues	</a:t>
+            </a:r>
+          </a:p>
+        </p:txBody>
+      </p:sp>
+    </p:spTree>
+    <p:extLst>
+      <p:ext uri="{BB962C8B-B14F-4D97-AF65-F5344CB8AC3E}">
+        <p14:creationId xmlns:p14="http://schemas.microsoft.com/office/powerpoint/2010/main" val="3178228203"/>
+      </p:ext>
+    </p:extLst>
+  </p:cSld>
+  <p:clrMapOvr>
+    <a:masterClrMapping/>
+  </p:clrMapOvr>
+  <p:transition spd="med"/>
+</p:sld>
+</file>
+
+<file path=ppt/slides/slide6.xml><?xml version="1.0" encoding="utf-8"?>
+<p:sld xmlns:a="http://schemas.openxmlformats.org/drawingml/2006/main" xmlns:r="http://schemas.openxmlformats.org/officeDocument/2006/relationships" xmlns:p="http://schemas.openxmlformats.org/presentationml/2006/main">
+  <p:cSld>
+    <p:spTree>
+      <p:nvGrpSpPr>
+        <p:cNvPr id="1" name=""/>
+        <p:cNvGrpSpPr/>
+        <p:nvPr/>
+      </p:nvGrpSpPr>
+      <p:grpSpPr>
+        <a:xfrm>
+          <a:off x="0" y="0"/>
+          <a:ext cx="0" cy="0"/>
+          <a:chOff x="0" y="0"/>
+          <a:chExt cx="0" cy="0"/>
+        </a:xfrm>
+      </p:grpSpPr>
+      <p:sp>
+        <p:nvSpPr>
+          <p:cNvPr id="2" name="Text Placeholder 1">
+            <a:extLst>
+              <a:ext uri="{FF2B5EF4-FFF2-40B4-BE49-F238E27FC236}">
+                <a16:creationId xmlns:a16="http://schemas.microsoft.com/office/drawing/2014/main" id="{BAA91BAA-AE1C-4B57-74D8-76174A2532B7}"/>
+              </a:ext>
+            </a:extLst>
+          </p:cNvPr>
+          <p:cNvSpPr>
+            <a:spLocks noGrp="1"/>
+          </p:cNvSpPr>
+          <p:nvPr>
+            <p:ph type="body" sz="quarter" idx="11"/>
+          </p:nvPr>
+        </p:nvSpPr>
+        <p:spPr/>
+        <p:txBody>
+          <a:bodyPr/>
+          <a:lstStyle/>
+          <a:p>
+            <a:r>
+              <a:rPr lang="en-US" sz="2400" dirty="0"/>
+              <a:t>Default selector chooses most capable device at runtime</a:t>
+            </a:r>
+          </a:p>
+          <a:p>
+            <a:r>
+              <a:rPr lang="en-US" sz="2400" dirty="0"/>
+              <a:t>Device selector classes exist to choose from specific class of device</a:t>
+            </a:r>
+          </a:p>
+          <a:p>
+            <a:pPr lvl="1"/>
+            <a:r>
+              <a:rPr lang="en-US" sz="2000" dirty="0" err="1"/>
+              <a:t>gpu_selector</a:t>
+            </a:r>
+            <a:endParaRPr lang="en-US" sz="2000" dirty="0"/>
+          </a:p>
+          <a:p>
+            <a:pPr lvl="1"/>
+            <a:r>
+              <a:rPr lang="en-US" sz="2000" dirty="0" err="1"/>
+              <a:t>cpu_selector</a:t>
+            </a:r>
+            <a:endParaRPr lang="en-US" sz="2000" dirty="0"/>
+          </a:p>
+          <a:p>
+            <a:pPr lvl="1"/>
+            <a:r>
+              <a:rPr lang="en-US" sz="2000" dirty="0" err="1"/>
+              <a:t>accelerator_selector</a:t>
+            </a:r>
+            <a:endParaRPr lang="en-US" sz="2000" dirty="0"/>
+          </a:p>
+          <a:p>
+            <a:pPr lvl="1"/>
+            <a:r>
+              <a:rPr lang="en-US" sz="2000" dirty="0" err="1"/>
+              <a:t>fpga_selector</a:t>
+            </a:r>
+            <a:r>
+              <a:rPr lang="en-US" sz="2000" dirty="0"/>
+              <a:t> exists via intel extension</a:t>
+            </a:r>
+          </a:p>
+          <a:p>
+            <a:pPr lvl="1"/>
+            <a:r>
+              <a:rPr lang="en-US" sz="2000" dirty="0"/>
+              <a:t>Useful for quick development, but typically want specific device for a task</a:t>
+            </a:r>
+          </a:p>
+          <a:p>
+            <a:r>
+              <a:rPr lang="en-US" sz="2400" dirty="0"/>
+              <a:t>Custom selectors created by extending </a:t>
+            </a:r>
+            <a:r>
+              <a:rPr lang="en-US" sz="2400" dirty="0" err="1"/>
+              <a:t>device_selector</a:t>
+            </a:r>
+            <a:r>
+              <a:rPr lang="en-US" sz="2400" dirty="0"/>
+              <a:t> base class</a:t>
+            </a:r>
+            <a:endParaRPr lang="en-GB" sz="2000" dirty="0">
+              <a:solidFill>
+                <a:srgbClr val="000000"/>
+              </a:solidFill>
+              <a:highlight>
+                <a:srgbClr val="FFFFFF"/>
+              </a:highlight>
+              <a:latin typeface="Consolas" panose="020B0609020204030204" pitchFamily="49" charset="0"/>
+            </a:endParaRPr>
+          </a:p>
+          <a:p>
+            <a:pPr marL="684047" lvl="2" indent="0">
+              <a:buNone/>
+            </a:pPr>
+            <a:r>
+              <a:rPr lang="en-GB" sz="2000" dirty="0">
+                <a:solidFill>
+                  <a:srgbClr val="000000"/>
+                </a:solidFill>
+                <a:highlight>
+                  <a:srgbClr val="FFFFFF"/>
+                </a:highlight>
+                <a:latin typeface="Consolas" panose="020B0609020204030204" pitchFamily="49" charset="0"/>
+              </a:rPr>
+              <a:t>virtual</a:t>
+            </a:r>
+            <a:r>
+              <a:rPr lang="en-GB" sz="2000" dirty="0">
+                <a:solidFill>
+                  <a:srgbClr val="A31515"/>
+                </a:solidFill>
+                <a:highlight>
+                  <a:srgbClr val="FFFFFF"/>
+                </a:highlight>
+                <a:latin typeface="Consolas" panose="020B0609020204030204" pitchFamily="49" charset="0"/>
+              </a:rPr>
+              <a:t> </a:t>
+            </a:r>
+            <a:r>
+              <a:rPr lang="en-GB" sz="2000" dirty="0">
+                <a:solidFill>
+                  <a:schemeClr val="accent1"/>
+                </a:solidFill>
+                <a:highlight>
+                  <a:srgbClr val="FFFFFF"/>
+                </a:highlight>
+                <a:latin typeface="Consolas" panose="020B0609020204030204" pitchFamily="49" charset="0"/>
+              </a:rPr>
+              <a:t>int</a:t>
+            </a:r>
+            <a:r>
+              <a:rPr lang="en-GB" sz="2000" dirty="0">
+                <a:solidFill>
+                  <a:srgbClr val="A31515"/>
+                </a:solidFill>
+                <a:highlight>
+                  <a:srgbClr val="FFFFFF"/>
+                </a:highlight>
+                <a:latin typeface="Consolas" panose="020B0609020204030204" pitchFamily="49" charset="0"/>
+              </a:rPr>
+              <a:t> </a:t>
+            </a:r>
+            <a:r>
+              <a:rPr lang="en-GB" sz="2000" dirty="0">
+                <a:solidFill>
+                  <a:srgbClr val="000000"/>
+                </a:solidFill>
+                <a:highlight>
+                  <a:srgbClr val="FFFFFF"/>
+                </a:highlight>
+                <a:latin typeface="Consolas" panose="020B0609020204030204" pitchFamily="49" charset="0"/>
+              </a:rPr>
+              <a:t>operator()(</a:t>
+            </a:r>
+            <a:r>
+              <a:rPr lang="en-GB" sz="2000" dirty="0" err="1">
+                <a:solidFill>
+                  <a:schemeClr val="accent1"/>
+                </a:solidFill>
+                <a:highlight>
+                  <a:srgbClr val="FFFFFF"/>
+                </a:highlight>
+                <a:latin typeface="Consolas" panose="020B0609020204030204" pitchFamily="49" charset="0"/>
+              </a:rPr>
+              <a:t>const</a:t>
+            </a:r>
+            <a:r>
+              <a:rPr lang="en-GB" sz="2000" dirty="0">
+                <a:solidFill>
+                  <a:srgbClr val="A31515"/>
+                </a:solidFill>
+                <a:highlight>
+                  <a:srgbClr val="FFFFFF"/>
+                </a:highlight>
+                <a:latin typeface="Consolas" panose="020B0609020204030204" pitchFamily="49" charset="0"/>
+              </a:rPr>
+              <a:t> </a:t>
+            </a:r>
+            <a:r>
+              <a:rPr lang="en-GB" sz="2000" dirty="0">
+                <a:solidFill>
+                  <a:srgbClr val="000080"/>
+                </a:solidFill>
+                <a:highlight>
+                  <a:srgbClr val="FFFFFF"/>
+                </a:highlight>
+                <a:latin typeface="Consolas" panose="020B0609020204030204" pitchFamily="49" charset="0"/>
+              </a:rPr>
+              <a:t>device</a:t>
+            </a:r>
+            <a:r>
+              <a:rPr lang="en-GB" sz="2000" dirty="0">
+                <a:solidFill>
+                  <a:srgbClr val="A31515"/>
+                </a:solidFill>
+                <a:highlight>
+                  <a:srgbClr val="FFFFFF"/>
+                </a:highlight>
+                <a:latin typeface="Consolas" panose="020B0609020204030204" pitchFamily="49" charset="0"/>
+              </a:rPr>
+              <a:t> </a:t>
+            </a:r>
+            <a:r>
+              <a:rPr lang="en-GB" sz="2000" dirty="0">
+                <a:solidFill>
+                  <a:srgbClr val="000000"/>
+                </a:solidFill>
+                <a:highlight>
+                  <a:srgbClr val="FFFFFF"/>
+                </a:highlight>
+                <a:latin typeface="Consolas" panose="020B0609020204030204" pitchFamily="49" charset="0"/>
+              </a:rPr>
+              <a:t>&amp;</a:t>
+            </a:r>
+            <a:r>
+              <a:rPr lang="en-GB" sz="2000" dirty="0">
+                <a:solidFill>
+                  <a:srgbClr val="000080"/>
+                </a:solidFill>
+                <a:highlight>
+                  <a:srgbClr val="FFFFFF"/>
+                </a:highlight>
+                <a:latin typeface="Consolas" panose="020B0609020204030204" pitchFamily="49" charset="0"/>
+              </a:rPr>
+              <a:t>dev</a:t>
+            </a:r>
+            <a:r>
+              <a:rPr lang="en-GB" sz="2000" dirty="0">
+                <a:solidFill>
+                  <a:srgbClr val="000000"/>
+                </a:solidFill>
+                <a:highlight>
+                  <a:srgbClr val="FFFFFF"/>
+                </a:highlight>
+                <a:latin typeface="Consolas" panose="020B0609020204030204" pitchFamily="49" charset="0"/>
+              </a:rPr>
+              <a:t>)</a:t>
+            </a:r>
+            <a:r>
+              <a:rPr lang="en-GB" sz="2000" dirty="0">
+                <a:solidFill>
+                  <a:srgbClr val="A31515"/>
+                </a:solidFill>
+                <a:highlight>
+                  <a:srgbClr val="FFFFFF"/>
+                </a:highlight>
+                <a:latin typeface="Consolas" panose="020B0609020204030204" pitchFamily="49" charset="0"/>
+              </a:rPr>
+              <a:t> </a:t>
+            </a:r>
+            <a:r>
+              <a:rPr lang="en-GB" sz="2000" dirty="0" err="1">
+                <a:solidFill>
+                  <a:schemeClr val="accent1"/>
+                </a:solidFill>
+                <a:highlight>
+                  <a:srgbClr val="FFFFFF"/>
+                </a:highlight>
+                <a:latin typeface="Consolas" panose="020B0609020204030204" pitchFamily="49" charset="0"/>
+              </a:rPr>
+              <a:t>const</a:t>
+            </a:r>
+            <a:r>
+              <a:rPr lang="en-GB" sz="2000" dirty="0">
+                <a:solidFill>
+                  <a:srgbClr val="A31515"/>
+                </a:solidFill>
+                <a:highlight>
+                  <a:srgbClr val="FFFFFF"/>
+                </a:highlight>
+                <a:latin typeface="Consolas" panose="020B0609020204030204" pitchFamily="49" charset="0"/>
+              </a:rPr>
+              <a:t> </a:t>
+            </a:r>
+            <a:r>
+              <a:rPr lang="en-GB" sz="2000" dirty="0">
+                <a:solidFill>
+                  <a:srgbClr val="000000"/>
+                </a:solidFill>
+                <a:highlight>
+                  <a:srgbClr val="FFFFFF"/>
+                </a:highlight>
+                <a:latin typeface="Consolas" panose="020B0609020204030204" pitchFamily="49" charset="0"/>
+              </a:rPr>
+              <a:t>{</a:t>
+            </a:r>
+          </a:p>
+          <a:p>
+            <a:pPr marL="684047" lvl="2" indent="0">
+              <a:buNone/>
+            </a:pPr>
+            <a:r>
+              <a:rPr lang="en-US" sz="2000" dirty="0">
+                <a:solidFill>
+                  <a:srgbClr val="A31515"/>
+                </a:solidFill>
+                <a:highlight>
+                  <a:srgbClr val="FFFFFF"/>
+                </a:highlight>
+                <a:latin typeface="Consolas" panose="020B0609020204030204" pitchFamily="49" charset="0"/>
+              </a:rPr>
+              <a:t>		</a:t>
+            </a:r>
+            <a:r>
+              <a:rPr lang="en-US" sz="2000" dirty="0">
+                <a:solidFill>
+                  <a:schemeClr val="accent2"/>
+                </a:solidFill>
+                <a:highlight>
+                  <a:srgbClr val="FFFFFF"/>
+                </a:highlight>
+                <a:latin typeface="Consolas" panose="020B0609020204030204" pitchFamily="49" charset="0"/>
+              </a:rPr>
+              <a:t>/* Device selection logic */</a:t>
+            </a:r>
+          </a:p>
+          <a:p>
+            <a:pPr marL="684047" lvl="2" indent="0">
+              <a:buNone/>
+            </a:pPr>
+            <a:r>
+              <a:rPr lang="en-US" sz="2000" dirty="0">
+                <a:solidFill>
+                  <a:srgbClr val="000000"/>
+                </a:solidFill>
+                <a:highlight>
+                  <a:srgbClr val="FFFFFF"/>
+                </a:highlight>
+                <a:latin typeface="Consolas" panose="020B0609020204030204" pitchFamily="49" charset="0"/>
+              </a:rPr>
+              <a:t>}</a:t>
+            </a:r>
+            <a:endParaRPr lang="en-US" sz="2000" dirty="0"/>
+          </a:p>
+        </p:txBody>
+      </p:sp>
+      <p:sp>
+        <p:nvSpPr>
+          <p:cNvPr id="3" name="Title 2">
+            <a:extLst>
+              <a:ext uri="{FF2B5EF4-FFF2-40B4-BE49-F238E27FC236}">
+                <a16:creationId xmlns:a16="http://schemas.microsoft.com/office/drawing/2014/main" id="{C6199DC5-494D-B309-311C-2E71E93FC696}"/>
+              </a:ext>
+            </a:extLst>
+          </p:cNvPr>
+          <p:cNvSpPr>
+            <a:spLocks noGrp="1"/>
+          </p:cNvSpPr>
+          <p:nvPr>
+            <p:ph type="title"/>
+          </p:nvPr>
+        </p:nvSpPr>
+        <p:spPr/>
+        <p:txBody>
+          <a:bodyPr/>
+          <a:lstStyle/>
+          <a:p>
+            <a:r>
+              <a:rPr lang="en-US" sz="4000" dirty="0"/>
+              <a:t>Device Selection</a:t>
+            </a:r>
+          </a:p>
+        </p:txBody>
+      </p:sp>
+    </p:spTree>
+    <p:extLst>
+      <p:ext uri="{BB962C8B-B14F-4D97-AF65-F5344CB8AC3E}">
+        <p14:creationId xmlns:p14="http://schemas.microsoft.com/office/powerpoint/2010/main" val="2682491685"/>
+      </p:ext>
+    </p:extLst>
+  </p:cSld>
+  <p:clrMapOvr>
+    <a:masterClrMapping/>
+  </p:clrMapOvr>
+  <p:transition spd="med"/>
+</p:sld>
+</file>
+
+<file path=ppt/slides/slide7.xml><?xml version="1.0" encoding="utf-8"?>
+<p:sld xmlns:a="http://schemas.openxmlformats.org/drawingml/2006/main" xmlns:r="http://schemas.openxmlformats.org/officeDocument/2006/relationships" xmlns:p="http://schemas.openxmlformats.org/presentationml/2006/main">
+  <p:cSld>
+    <p:spTree>
+      <p:nvGrpSpPr>
+        <p:cNvPr id="1" name=""/>
+        <p:cNvGrpSpPr/>
+        <p:nvPr/>
+      </p:nvGrpSpPr>
+      <p:grpSpPr>
+        <a:xfrm>
+          <a:off x="0" y="0"/>
+          <a:ext cx="0" cy="0"/>
+          <a:chOff x="0" y="0"/>
+          <a:chExt cx="0" cy="0"/>
+        </a:xfrm>
+      </p:grpSpPr>
+      <p:sp>
+        <p:nvSpPr>
+          <p:cNvPr id="2" name="Text Placeholder 1">
+            <a:extLst>
+              <a:ext uri="{FF2B5EF4-FFF2-40B4-BE49-F238E27FC236}">
+                <a16:creationId xmlns:a16="http://schemas.microsoft.com/office/drawing/2014/main" id="{DDF92F08-23B2-CF92-23C8-BA44DE075FF0}"/>
+              </a:ext>
+            </a:extLst>
+          </p:cNvPr>
+          <p:cNvSpPr>
+            <a:spLocks noGrp="1"/>
+          </p:cNvSpPr>
+          <p:nvPr>
+            <p:ph type="body" sz="quarter" idx="11"/>
+          </p:nvPr>
+        </p:nvSpPr>
+        <p:spPr/>
+        <p:txBody>
+          <a:bodyPr/>
+          <a:lstStyle/>
+          <a:p>
+            <a:r>
+              <a:rPr lang="en-US" dirty="0"/>
+              <a:t>operator() is key to device selection</a:t>
+            </a:r>
+          </a:p>
+          <a:p>
+            <a:pPr lvl="1"/>
+            <a:r>
+              <a:rPr lang="en-US" dirty="0"/>
+              <a:t>Runs on each available device</a:t>
+            </a:r>
+          </a:p>
+          <a:p>
+            <a:pPr lvl="1"/>
+            <a:r>
+              <a:rPr lang="en-US" dirty="0"/>
+              <a:t>Returns an integer score for each device</a:t>
+            </a:r>
+          </a:p>
+          <a:p>
+            <a:pPr lvl="2"/>
+            <a:r>
+              <a:rPr lang="en-US" dirty="0"/>
+              <a:t>Device which returns highest score is selected</a:t>
+            </a:r>
+          </a:p>
+          <a:p>
+            <a:pPr lvl="2"/>
+            <a:r>
+              <a:rPr lang="en-US" dirty="0"/>
+              <a:t>Devices which return negative scores will never be selected</a:t>
+            </a:r>
+          </a:p>
+          <a:p>
+            <a:r>
+              <a:rPr lang="en-US" dirty="0"/>
+              <a:t>User is free to define any logic for scoring</a:t>
+            </a:r>
+          </a:p>
+          <a:p>
+            <a:pPr lvl="1"/>
+            <a:r>
+              <a:rPr lang="en-US" dirty="0"/>
+              <a:t>Allows for arbitrarily complex device selection logic</a:t>
+            </a:r>
+          </a:p>
+          <a:p>
+            <a:pPr lvl="1"/>
+            <a:r>
+              <a:rPr lang="en-US" dirty="0"/>
+              <a:t>In simple cases, selecting based on device name or vendor is sufficient</a:t>
+            </a:r>
+          </a:p>
+          <a:p>
+            <a:pPr lvl="1"/>
+            <a:endParaRPr lang="en-US" dirty="0"/>
+          </a:p>
+        </p:txBody>
+      </p:sp>
+      <p:sp>
+        <p:nvSpPr>
+          <p:cNvPr id="3" name="Title 2">
+            <a:extLst>
+              <a:ext uri="{FF2B5EF4-FFF2-40B4-BE49-F238E27FC236}">
+                <a16:creationId xmlns:a16="http://schemas.microsoft.com/office/drawing/2014/main" id="{5F41B62B-C379-7ADA-E458-B4786D2E87F4}"/>
+              </a:ext>
+            </a:extLst>
+          </p:cNvPr>
+          <p:cNvSpPr>
+            <a:spLocks noGrp="1"/>
+          </p:cNvSpPr>
+          <p:nvPr>
+            <p:ph type="title"/>
+          </p:nvPr>
+        </p:nvSpPr>
+        <p:spPr/>
+        <p:txBody>
+          <a:bodyPr/>
+          <a:lstStyle/>
+          <a:p>
+            <a:r>
+              <a:rPr lang="en-US" sz="4000" dirty="0"/>
+              <a:t>Custom Device Selection</a:t>
+            </a:r>
+          </a:p>
+        </p:txBody>
+      </p:sp>
+    </p:spTree>
+    <p:extLst>
+      <p:ext uri="{BB962C8B-B14F-4D97-AF65-F5344CB8AC3E}">
+        <p14:creationId xmlns:p14="http://schemas.microsoft.com/office/powerpoint/2010/main" val="16247701"/>
+      </p:ext>
+    </p:extLst>
+  </p:cSld>
+  <p:clrMapOvr>
+    <a:masterClrMapping/>
+  </p:clrMapOvr>
+  <p:transition spd="med"/>
+</p:sld>
+</file>
+
+<file path=ppt/slides/slide8.xml><?xml version="1.0" encoding="utf-8"?>
+<p:sld xmlns:a="http://schemas.openxmlformats.org/drawingml/2006/main" xmlns:r="http://schemas.openxmlformats.org/officeDocument/2006/relationships" xmlns:p="http://schemas.openxmlformats.org/presentationml/2006/main">
+  <p:cSld>
+    <p:spTree>
+      <p:nvGrpSpPr>
+        <p:cNvPr id="1" name=""/>
+        <p:cNvGrpSpPr/>
+        <p:nvPr/>
+      </p:nvGrpSpPr>
+      <p:grpSpPr>
+        <a:xfrm>
+          <a:off x="0" y="0"/>
+          <a:ext cx="0" cy="0"/>
+          <a:chOff x="0" y="0"/>
+          <a:chExt cx="0" cy="0"/>
+        </a:xfrm>
+      </p:grpSpPr>
+      <p:sp>
+        <p:nvSpPr>
+          <p:cNvPr id="2" name="Text Placeholder 1">
+            <a:extLst>
+              <a:ext uri="{FF2B5EF4-FFF2-40B4-BE49-F238E27FC236}">
+                <a16:creationId xmlns:a16="http://schemas.microsoft.com/office/drawing/2014/main" id="{8125CE29-810F-B059-3558-301534123DD1}"/>
+              </a:ext>
+            </a:extLst>
+          </p:cNvPr>
+          <p:cNvSpPr>
+            <a:spLocks noGrp="1"/>
+          </p:cNvSpPr>
+          <p:nvPr>
+            <p:ph type="body" sz="quarter" idx="11"/>
+          </p:nvPr>
+        </p:nvSpPr>
+        <p:spPr/>
+        <p:txBody>
+          <a:bodyPr/>
+          <a:lstStyle/>
+          <a:p>
+            <a:pPr marL="55397" indent="0">
+              <a:buNone/>
+            </a:pPr>
+            <a:r>
+              <a:rPr lang="en-US" sz="2000" dirty="0">
+                <a:solidFill>
+                  <a:schemeClr val="accent1"/>
+                </a:solidFill>
+              </a:rPr>
+              <a:t>class</a:t>
+            </a:r>
+            <a:r>
+              <a:rPr lang="en-US" sz="2000" dirty="0"/>
+              <a:t> </a:t>
+            </a:r>
+            <a:r>
+              <a:rPr lang="en-US" sz="2000" dirty="0" err="1"/>
+              <a:t>my_selector</a:t>
+            </a:r>
+            <a:r>
+              <a:rPr lang="en-US" sz="2000" dirty="0"/>
+              <a:t> : public </a:t>
+            </a:r>
+            <a:r>
+              <a:rPr lang="en-US" sz="2000" dirty="0" err="1"/>
+              <a:t>device_selector</a:t>
+            </a:r>
+            <a:r>
+              <a:rPr lang="en-US" sz="2000" dirty="0"/>
+              <a:t> {</a:t>
+            </a:r>
+          </a:p>
+          <a:p>
+            <a:pPr marL="55397" indent="0">
+              <a:buNone/>
+            </a:pPr>
+            <a:r>
+              <a:rPr lang="en-US" sz="2000" dirty="0"/>
+              <a:t>	public:</a:t>
+            </a:r>
+          </a:p>
+          <a:p>
+            <a:pPr marL="55397" indent="0">
+              <a:buNone/>
+            </a:pPr>
+            <a:r>
+              <a:rPr lang="en-US" sz="2000" dirty="0"/>
+              <a:t>	</a:t>
+            </a:r>
+            <a:r>
+              <a:rPr lang="en-US" sz="2000" dirty="0">
+                <a:solidFill>
+                  <a:schemeClr val="accent1"/>
+                </a:solidFill>
+              </a:rPr>
+              <a:t>int</a:t>
+            </a:r>
+            <a:r>
+              <a:rPr lang="en-US" sz="2000" dirty="0"/>
+              <a:t> operator()(</a:t>
+            </a:r>
+            <a:r>
+              <a:rPr lang="en-US" sz="2000" dirty="0">
+                <a:solidFill>
+                  <a:schemeClr val="accent1"/>
+                </a:solidFill>
+              </a:rPr>
+              <a:t>const</a:t>
+            </a:r>
+            <a:r>
+              <a:rPr lang="en-US" sz="2000" dirty="0"/>
+              <a:t> device &amp;dev) </a:t>
+            </a:r>
+            <a:r>
+              <a:rPr lang="en-US" sz="2000" dirty="0">
+                <a:solidFill>
+                  <a:schemeClr val="accent1"/>
+                </a:solidFill>
+              </a:rPr>
+              <a:t>const</a:t>
+            </a:r>
+            <a:r>
+              <a:rPr lang="en-US" sz="2000" dirty="0"/>
+              <a:t> override {</a:t>
+            </a:r>
+          </a:p>
+          <a:p>
+            <a:pPr marL="55397" indent="0">
+              <a:buNone/>
+            </a:pPr>
+            <a:r>
+              <a:rPr lang="en-US" sz="2000" dirty="0"/>
+              <a:t>		</a:t>
+            </a:r>
+            <a:r>
+              <a:rPr lang="en-US" sz="2000" dirty="0">
+                <a:solidFill>
+                  <a:schemeClr val="accent1"/>
+                </a:solidFill>
+              </a:rPr>
+              <a:t>if</a:t>
+            </a:r>
+            <a:r>
+              <a:rPr lang="en-US" sz="2000" dirty="0"/>
+              <a:t> (</a:t>
+            </a:r>
+          </a:p>
+          <a:p>
+            <a:pPr marL="55397" indent="0">
+              <a:buNone/>
+            </a:pPr>
+            <a:r>
+              <a:rPr lang="en-US" sz="2000" dirty="0"/>
+              <a:t>		</a:t>
+            </a:r>
+            <a:r>
+              <a:rPr lang="en-US" sz="2000" dirty="0" err="1"/>
+              <a:t>dev.get_info</a:t>
+            </a:r>
+            <a:r>
+              <a:rPr lang="en-US" sz="2000" dirty="0"/>
+              <a:t>&lt;info::device::name&gt;().find("</a:t>
+            </a:r>
+            <a:r>
+              <a:rPr lang="en-US" sz="2000" dirty="0" err="1"/>
+              <a:t>Arria</a:t>
+            </a:r>
+            <a:r>
+              <a:rPr lang="en-US" sz="2000" dirty="0"/>
+              <a:t>") != std::string::</a:t>
+            </a:r>
+            <a:r>
+              <a:rPr lang="en-US" sz="2000" dirty="0" err="1"/>
+              <a:t>npos</a:t>
+            </a:r>
+            <a:r>
+              <a:rPr lang="en-US" sz="2000" dirty="0"/>
+              <a:t> &amp;&amp;</a:t>
+            </a:r>
+          </a:p>
+          <a:p>
+            <a:pPr marL="55397" indent="0">
+              <a:buNone/>
+            </a:pPr>
+            <a:r>
+              <a:rPr lang="en-US" sz="2000" dirty="0"/>
+              <a:t>		</a:t>
+            </a:r>
+            <a:r>
+              <a:rPr lang="en-US" sz="2000" dirty="0" err="1"/>
+              <a:t>dev.get_info</a:t>
+            </a:r>
+            <a:r>
+              <a:rPr lang="en-US" sz="2000" dirty="0"/>
+              <a:t>&lt;info::device::vendor&gt;().find("Intel") != std::string::</a:t>
+            </a:r>
+            <a:r>
+              <a:rPr lang="en-US" sz="2000" dirty="0" err="1"/>
+              <a:t>npos</a:t>
+            </a:r>
+            <a:r>
+              <a:rPr lang="en-US" sz="2000" dirty="0"/>
+              <a:t>) {</a:t>
+            </a:r>
+          </a:p>
+          <a:p>
+            <a:pPr marL="55397" indent="0">
+              <a:buNone/>
+            </a:pPr>
+            <a:r>
+              <a:rPr lang="en-US" sz="2000" dirty="0"/>
+              <a:t>			</a:t>
+            </a:r>
+            <a:r>
+              <a:rPr lang="en-US" sz="2000" dirty="0">
+                <a:solidFill>
+                  <a:schemeClr val="accent1"/>
+                </a:solidFill>
+              </a:rPr>
+              <a:t>return</a:t>
+            </a:r>
+            <a:r>
+              <a:rPr lang="en-US" sz="2000" dirty="0"/>
+              <a:t> 1;</a:t>
+            </a:r>
+          </a:p>
+          <a:p>
+            <a:pPr marL="55397" indent="0">
+              <a:buNone/>
+            </a:pPr>
+            <a:r>
+              <a:rPr lang="en-US" sz="2000" dirty="0"/>
+              <a:t>		}</a:t>
+            </a:r>
+          </a:p>
+          <a:p>
+            <a:pPr marL="55397" indent="0">
+              <a:buNone/>
+            </a:pPr>
+            <a:r>
+              <a:rPr lang="en-US" sz="2000" dirty="0"/>
+              <a:t>		</a:t>
+            </a:r>
+            <a:r>
+              <a:rPr lang="en-US" sz="2000" dirty="0">
+                <a:solidFill>
+                  <a:schemeClr val="accent1"/>
+                </a:solidFill>
+              </a:rPr>
+              <a:t>return</a:t>
+            </a:r>
+            <a:r>
+              <a:rPr lang="en-US" sz="2000" dirty="0"/>
+              <a:t> -1;</a:t>
+            </a:r>
+          </a:p>
+          <a:p>
+            <a:pPr marL="55397" indent="0">
+              <a:buNone/>
+            </a:pPr>
+            <a:r>
+              <a:rPr lang="en-US" sz="2000" dirty="0"/>
+              <a:t>	}</a:t>
+            </a:r>
+          </a:p>
+          <a:p>
+            <a:pPr marL="55397" indent="0">
+              <a:buNone/>
+            </a:pPr>
+            <a:r>
+              <a:rPr lang="en-US" sz="2000" dirty="0"/>
+              <a:t>};</a:t>
+            </a:r>
+          </a:p>
+          <a:p>
+            <a:pPr marL="55397" indent="0">
+              <a:buNone/>
+            </a:pPr>
+            <a:endParaRPr lang="en-US" sz="2000" i="1" dirty="0"/>
+          </a:p>
+          <a:p>
+            <a:pPr marL="55397" indent="0">
+              <a:buNone/>
+            </a:pPr>
+            <a:r>
+              <a:rPr lang="en-US" sz="2000" i="1" dirty="0"/>
+              <a:t>Source: Data Parallel C++, James Reinders et al. pp. 72</a:t>
+            </a:r>
+          </a:p>
+        </p:txBody>
+      </p:sp>
+      <p:sp>
+        <p:nvSpPr>
+          <p:cNvPr id="3" name="Title 2">
+            <a:extLst>
+              <a:ext uri="{FF2B5EF4-FFF2-40B4-BE49-F238E27FC236}">
+                <a16:creationId xmlns:a16="http://schemas.microsoft.com/office/drawing/2014/main" id="{6FAB9D38-4349-2077-9ED8-B67A9FB7CEBB}"/>
+              </a:ext>
+            </a:extLst>
+          </p:cNvPr>
+          <p:cNvSpPr>
+            <a:spLocks noGrp="1"/>
+          </p:cNvSpPr>
+          <p:nvPr>
+            <p:ph type="title"/>
+          </p:nvPr>
+        </p:nvSpPr>
+        <p:spPr/>
+        <p:txBody>
+          <a:bodyPr/>
+          <a:lstStyle/>
+          <a:p>
+            <a:r>
+              <a:rPr lang="en-US" sz="4000" dirty="0"/>
+              <a:t>Custom Device Selection Example</a:t>
+            </a:r>
+          </a:p>
+        </p:txBody>
+      </p:sp>
+    </p:spTree>
+    <p:extLst>
+      <p:ext uri="{BB962C8B-B14F-4D97-AF65-F5344CB8AC3E}">
+        <p14:creationId xmlns:p14="http://schemas.microsoft.com/office/powerpoint/2010/main" val="484224936"/>
+      </p:ext>
+    </p:extLst>
+  </p:cSld>
+  <p:clrMapOvr>
+    <a:masterClrMapping/>
+  </p:clrMapOvr>
+  <p:transition spd="med"/>
+</p:sld>
+</file>
+
 <file path=ppt/tags/tag1.xml><?xml version="1.0" encoding="utf-8"?>
 <p:tagLst xmlns:a="http://schemas.openxmlformats.org/drawingml/2006/main" xmlns:r="http://schemas.openxmlformats.org/officeDocument/2006/relationships" xmlns:p="http://schemas.openxmlformats.org/presentationml/2006/main">
   <p:tag name="TIMING" val="|71.9|107.7"/>
@@ -17447,18 +18457,18 @@
 </file>
 
 <file path=customXml/item2.xml><?xml version="1.0" encoding="utf-8"?>
-<p:properties xmlns:p="http://schemas.microsoft.com/office/2006/metadata/properties" xmlns:xsi="http://www.w3.org/2001/XMLSchema-instance" xmlns:pc="http://schemas.microsoft.com/office/infopath/2007/PartnerControls">
-  <documentManagement/>
-</p:properties>
-</file>
-
-<file path=customXml/item3.xml><?xml version="1.0" encoding="utf-8"?>
 <?mso-contentType ?>
 <FormTemplates xmlns="http://schemas.microsoft.com/sharepoint/v3/contenttype/forms">
   <Display>DocumentLibraryForm</Display>
   <Edit>DocumentLibraryForm</Edit>
   <New>DocumentLibraryForm</New>
 </FormTemplates>
+</file>
+
+<file path=customXml/item3.xml><?xml version="1.0" encoding="utf-8"?>
+<p:properties xmlns:p="http://schemas.microsoft.com/office/2006/metadata/properties" xmlns:xsi="http://www.w3.org/2001/XMLSchema-instance" xmlns:pc="http://schemas.microsoft.com/office/infopath/2007/PartnerControls">
+  <documentManagement/>
+</p:properties>
 </file>
 
 <file path=customXml/itemProps1.xml><?xml version="1.0" encoding="utf-8"?>
@@ -17480,6 +18490,14 @@
 </file>
 
 <file path=customXml/itemProps2.xml><?xml version="1.0" encoding="utf-8"?>
+<ds:datastoreItem xmlns:ds="http://schemas.openxmlformats.org/officeDocument/2006/customXml" ds:itemID="{39D54C70-8A1F-433D-B3DF-B7287D9E1633}">
+  <ds:schemaRefs>
+    <ds:schemaRef ds:uri="http://schemas.microsoft.com/sharepoint/v3/contenttype/forms"/>
+  </ds:schemaRefs>
+</ds:datastoreItem>
+</file>
+
+<file path=customXml/itemProps3.xml><?xml version="1.0" encoding="utf-8"?>
 <ds:datastoreItem xmlns:ds="http://schemas.openxmlformats.org/officeDocument/2006/customXml" ds:itemID="{796C1367-8D37-49A1-BF4B-2E9150DA2B52}">
   <ds:schemaRefs>
     <ds:schemaRef ds:uri="http://purl.org/dc/dcmitype/"/>
@@ -17493,12 +18511,4 @@
     <ds:schemaRef ds:uri="63fc63a6-18cf-4814-8dee-b8d6616a2bda"/>
   </ds:schemaRefs>
 </ds:datastoreItem>
-</file>
-
-<file path=customXml/itemProps3.xml><?xml version="1.0" encoding="utf-8"?>
-<ds:datastoreItem xmlns:ds="http://schemas.openxmlformats.org/officeDocument/2006/customXml" ds:itemID="{39D54C70-8A1F-433D-B3DF-B7287D9E1633}">
-  <ds:schemaRefs>
-    <ds:schemaRef ds:uri="http://schemas.microsoft.com/sharepoint/v3/contenttype/forms"/>
-  </ds:schemaRefs>
-</ds:datastoreItem>
 </file>
--- a/Slides/SYCL intro.pptx
+++ b/Slides/SYCL intro.pptx
@@ -7,7 +7,7 @@
     <p:sldMasterId id="2147483676" r:id="rId6"/>
   </p:sldMasterIdLst>
   <p:notesMasterIdLst>
-    <p:notesMasterId r:id="rId15"/>
+    <p:notesMasterId r:id="rId22"/>
   </p:notesMasterIdLst>
   <p:sldIdLst>
     <p:sldId id="321" r:id="rId7"/>
@@ -18,6 +18,13 @@
     <p:sldId id="354" r:id="rId12"/>
     <p:sldId id="355" r:id="rId13"/>
     <p:sldId id="356" r:id="rId14"/>
+    <p:sldId id="357" r:id="rId15"/>
+    <p:sldId id="358" r:id="rId16"/>
+    <p:sldId id="359" r:id="rId17"/>
+    <p:sldId id="360" r:id="rId18"/>
+    <p:sldId id="361" r:id="rId19"/>
+    <p:sldId id="362" r:id="rId20"/>
+    <p:sldId id="363" r:id="rId21"/>
   </p:sldIdLst>
   <p:sldSz cx="12192000" cy="6858000"/>
   <p:notesSz cx="6858000" cy="9144000"/>
@@ -108,6 +115,13 @@
             <p14:sldId id="354"/>
             <p14:sldId id="355"/>
             <p14:sldId id="356"/>
+            <p14:sldId id="357"/>
+            <p14:sldId id="358"/>
+            <p14:sldId id="359"/>
+            <p14:sldId id="360"/>
+            <p14:sldId id="361"/>
+            <p14:sldId id="362"/>
+            <p14:sldId id="363"/>
           </p14:sldIdLst>
         </p14:section>
       </p14:sectionLst>
@@ -5939,7 +5953,7 @@
           </a:ln>
           <a:extLst>
             <a:ext uri="{C572A759-6A51-4108-AA02-DFA0A04FC94B}">
-              <ma14:wrappingTextBoxFlag xmlns="" xmlns:ma14="http://schemas.microsoft.com/office/mac/drawingml/2011/main" val="1"/>
+              <ma14:wrappingTextBoxFlag xmlns:ma14="http://schemas.microsoft.com/office/mac/drawingml/2011/main" xmlns="" val="1"/>
             </a:ext>
           </a:extLst>
         </p:spPr>
@@ -6146,7 +6160,7 @@
           </a:ln>
           <a:extLst>
             <a:ext uri="{C572A759-6A51-4108-AA02-DFA0A04FC94B}">
-              <ma14:wrappingTextBoxFlag xmlns="" xmlns:ma14="http://schemas.microsoft.com/office/mac/drawingml/2011/main" val="1"/>
+              <ma14:wrappingTextBoxFlag xmlns:ma14="http://schemas.microsoft.com/office/mac/drawingml/2011/main" xmlns="" val="1"/>
             </a:ext>
           </a:extLst>
         </p:spPr>
@@ -7045,7 +7059,7 @@
           </a:ln>
           <a:extLst>
             <a:ext uri="{C572A759-6A51-4108-AA02-DFA0A04FC94B}">
-              <ma14:wrappingTextBoxFlag xmlns="" xmlns:ma14="http://schemas.microsoft.com/office/mac/drawingml/2011/main" val="1"/>
+              <ma14:wrappingTextBoxFlag xmlns:ma14="http://schemas.microsoft.com/office/mac/drawingml/2011/main" xmlns="" val="1"/>
             </a:ext>
           </a:extLst>
         </p:spPr>
@@ -7880,7 +7894,7 @@
           </a:ln>
           <a:extLst>
             <a:ext uri="{C572A759-6A51-4108-AA02-DFA0A04FC94B}">
-              <ma14:wrappingTextBoxFlag xmlns="" xmlns:ma14="http://schemas.microsoft.com/office/mac/drawingml/2011/main" val="1"/>
+              <ma14:wrappingTextBoxFlag xmlns:ma14="http://schemas.microsoft.com/office/mac/drawingml/2011/main" xmlns="" val="1"/>
             </a:ext>
           </a:extLst>
         </p:spPr>
@@ -12235,6 +12249,1334 @@
 </p:sld>
 </file>
 
+<file path=ppt/slides/slide10.xml><?xml version="1.0" encoding="utf-8"?>
+<p:sld xmlns:a="http://schemas.openxmlformats.org/drawingml/2006/main" xmlns:r="http://schemas.openxmlformats.org/officeDocument/2006/relationships" xmlns:p="http://schemas.openxmlformats.org/presentationml/2006/main">
+  <p:cSld>
+    <p:spTree>
+      <p:nvGrpSpPr>
+        <p:cNvPr id="1" name=""/>
+        <p:cNvGrpSpPr/>
+        <p:nvPr/>
+      </p:nvGrpSpPr>
+      <p:grpSpPr>
+        <a:xfrm>
+          <a:off x="0" y="0"/>
+          <a:ext cx="0" cy="0"/>
+          <a:chOff x="0" y="0"/>
+          <a:chExt cx="0" cy="0"/>
+        </a:xfrm>
+      </p:grpSpPr>
+      <p:sp>
+        <p:nvSpPr>
+          <p:cNvPr id="2" name="Text Placeholder 1">
+            <a:extLst>
+              <a:ext uri="{FF2B5EF4-FFF2-40B4-BE49-F238E27FC236}">
+                <a16:creationId xmlns:a16="http://schemas.microsoft.com/office/drawing/2014/main" id="{71DE8418-632F-2354-801D-974AEB04AD4A}"/>
+              </a:ext>
+            </a:extLst>
+          </p:cNvPr>
+          <p:cNvSpPr>
+            <a:spLocks noGrp="1"/>
+          </p:cNvSpPr>
+          <p:nvPr>
+            <p:ph type="body" sz="quarter" idx="11"/>
+          </p:nvPr>
+        </p:nvSpPr>
+        <p:spPr/>
+        <p:txBody>
+          <a:bodyPr/>
+          <a:lstStyle/>
+          <a:p>
+            <a:pPr marL="55397" indent="0">
+              <a:buNone/>
+            </a:pPr>
+            <a:r>
+              <a:rPr lang="en-GB" sz="2000" dirty="0" err="1">
+                <a:solidFill>
+                  <a:srgbClr val="000000"/>
+                </a:solidFill>
+              </a:rPr>
+              <a:t>Q.submit</a:t>
+            </a:r>
+            <a:r>
+              <a:rPr lang="en-GB" sz="2000" dirty="0">
+                <a:solidFill>
+                  <a:srgbClr val="000000"/>
+                </a:solidFill>
+              </a:rPr>
+              <a:t>([&amp;](handler&amp; h) {		</a:t>
+            </a:r>
+            <a:r>
+              <a:rPr lang="en-GB" sz="2000" dirty="0">
+                <a:solidFill>
+                  <a:srgbClr val="008000"/>
+                </a:solidFill>
+              </a:rPr>
+              <a:t>// function called on host</a:t>
+            </a:r>
+            <a:endParaRPr lang="en-GB" sz="2000" dirty="0">
+              <a:solidFill>
+                <a:srgbClr val="000000"/>
+              </a:solidFill>
+            </a:endParaRPr>
+          </a:p>
+          <a:p>
+            <a:pPr marL="55397" indent="0">
+              <a:buNone/>
+            </a:pPr>
+            <a:r>
+              <a:rPr lang="en-GB" sz="2000" dirty="0">
+                <a:solidFill>
+                  <a:srgbClr val="000000"/>
+                </a:solidFill>
+              </a:rPr>
+              <a:t>	accessor </a:t>
+            </a:r>
+            <a:r>
+              <a:rPr lang="en-GB" sz="2000" dirty="0" err="1">
+                <a:solidFill>
+                  <a:srgbClr val="000000"/>
+                </a:solidFill>
+              </a:rPr>
+              <a:t>acc</a:t>
+            </a:r>
+            <a:r>
+              <a:rPr lang="en-GB" sz="2000" dirty="0">
+                <a:solidFill>
+                  <a:srgbClr val="000000"/>
+                </a:solidFill>
+              </a:rPr>
+              <a:t>{ B, h };			</a:t>
+            </a:r>
+            <a:r>
+              <a:rPr lang="en-GB" sz="2000" dirty="0">
+                <a:solidFill>
+                  <a:srgbClr val="008000"/>
+                </a:solidFill>
+              </a:rPr>
+              <a:t>// host code defining accessor, setting up dependencies</a:t>
+            </a:r>
+            <a:endParaRPr lang="en-GB" sz="2000" dirty="0">
+              <a:solidFill>
+                <a:srgbClr val="000000"/>
+              </a:solidFill>
+            </a:endParaRPr>
+          </a:p>
+          <a:p>
+            <a:pPr marL="55397" indent="0">
+              <a:buNone/>
+            </a:pPr>
+            <a:r>
+              <a:rPr lang="en-US" sz="2000" dirty="0">
+                <a:solidFill>
+                  <a:srgbClr val="000000"/>
+                </a:solidFill>
+              </a:rPr>
+              <a:t>	</a:t>
+            </a:r>
+            <a:r>
+              <a:rPr lang="en-GB" sz="2000" dirty="0" err="1">
+                <a:solidFill>
+                  <a:srgbClr val="000000"/>
+                </a:solidFill>
+              </a:rPr>
+              <a:t>h.parallel_for</a:t>
+            </a:r>
+            <a:r>
+              <a:rPr lang="en-GB" sz="2000" dirty="0">
+                <a:solidFill>
+                  <a:srgbClr val="000000"/>
+                </a:solidFill>
+              </a:rPr>
+              <a:t>(size, [=](</a:t>
+            </a:r>
+            <a:r>
+              <a:rPr lang="en-GB" sz="2000" dirty="0">
+                <a:solidFill>
+                  <a:srgbClr val="0000FF"/>
+                </a:solidFill>
+              </a:rPr>
+              <a:t>auto</a:t>
+            </a:r>
+            <a:r>
+              <a:rPr lang="en-GB" sz="2000" dirty="0">
+                <a:solidFill>
+                  <a:srgbClr val="000000"/>
+                </a:solidFill>
+              </a:rPr>
+              <a:t>&amp; </a:t>
+            </a:r>
+            <a:r>
+              <a:rPr lang="en-GB" sz="2000" dirty="0" err="1">
+                <a:solidFill>
+                  <a:srgbClr val="000000"/>
+                </a:solidFill>
+              </a:rPr>
+              <a:t>idx</a:t>
+            </a:r>
+            <a:r>
+              <a:rPr lang="en-GB" sz="2000" dirty="0">
+                <a:solidFill>
+                  <a:srgbClr val="000000"/>
+                </a:solidFill>
+              </a:rPr>
+              <a:t>) {</a:t>
+            </a:r>
+          </a:p>
+          <a:p>
+            <a:pPr marL="55397" indent="0">
+              <a:buNone/>
+            </a:pPr>
+            <a:r>
+              <a:rPr lang="en-GB" sz="2000" dirty="0">
+                <a:solidFill>
+                  <a:srgbClr val="000000"/>
+                </a:solidFill>
+              </a:rPr>
+              <a:t>		</a:t>
+            </a:r>
+            <a:r>
+              <a:rPr lang="en-GB" sz="2000" dirty="0" err="1">
+                <a:solidFill>
+                  <a:srgbClr val="000000"/>
+                </a:solidFill>
+              </a:rPr>
+              <a:t>acc</a:t>
+            </a:r>
+            <a:r>
+              <a:rPr lang="en-GB" sz="2000" dirty="0">
+                <a:solidFill>
+                  <a:srgbClr val="000000"/>
+                </a:solidFill>
+              </a:rPr>
+              <a:t>[</a:t>
+            </a:r>
+            <a:r>
+              <a:rPr lang="en-GB" sz="2000" dirty="0" err="1">
+                <a:solidFill>
+                  <a:srgbClr val="000000"/>
+                </a:solidFill>
+              </a:rPr>
+              <a:t>idx</a:t>
+            </a:r>
+            <a:r>
+              <a:rPr lang="en-GB" sz="2000" dirty="0">
+                <a:solidFill>
+                  <a:srgbClr val="000000"/>
+                </a:solidFill>
+              </a:rPr>
+              <a:t>] = </a:t>
+            </a:r>
+            <a:r>
+              <a:rPr lang="en-GB" sz="2000" dirty="0" err="1">
+                <a:solidFill>
+                  <a:srgbClr val="000000"/>
+                </a:solidFill>
+              </a:rPr>
+              <a:t>idx</a:t>
+            </a:r>
+            <a:r>
+              <a:rPr lang="en-GB" sz="2000" dirty="0">
+                <a:solidFill>
+                  <a:srgbClr val="000000"/>
+                </a:solidFill>
+              </a:rPr>
+              <a:t>;				</a:t>
+            </a:r>
+            <a:r>
+              <a:rPr lang="en-GB" sz="2000" dirty="0">
+                <a:solidFill>
+                  <a:srgbClr val="008000"/>
+                </a:solidFill>
+              </a:rPr>
+              <a:t>// Device code to be run when runtime dependencies are met</a:t>
+            </a:r>
+            <a:endParaRPr lang="en-GB" sz="2000" dirty="0">
+              <a:solidFill>
+                <a:srgbClr val="000000"/>
+              </a:solidFill>
+            </a:endParaRPr>
+          </a:p>
+          <a:p>
+            <a:pPr marL="55397" indent="0">
+              <a:buNone/>
+            </a:pPr>
+            <a:r>
+              <a:rPr lang="en-US" sz="2000" dirty="0">
+                <a:solidFill>
+                  <a:srgbClr val="000000"/>
+                </a:solidFill>
+              </a:rPr>
+              <a:t>	});</a:t>
+            </a:r>
+          </a:p>
+          <a:p>
+            <a:pPr marL="55397" indent="0">
+              <a:buNone/>
+            </a:pPr>
+            <a:r>
+              <a:rPr lang="en-US" sz="2000" dirty="0">
+                <a:solidFill>
+                  <a:srgbClr val="000000"/>
+                </a:solidFill>
+              </a:rPr>
+              <a:t>});</a:t>
+            </a:r>
+          </a:p>
+          <a:p>
+            <a:pPr marL="55397" indent="0">
+              <a:buNone/>
+            </a:pPr>
+            <a:endParaRPr lang="en-US" sz="2000" dirty="0">
+              <a:solidFill>
+                <a:srgbClr val="000000"/>
+              </a:solidFill>
+            </a:endParaRPr>
+          </a:p>
+          <a:p>
+            <a:pPr marL="55397" indent="0">
+              <a:buNone/>
+            </a:pPr>
+            <a:endParaRPr lang="en-US" sz="2000" dirty="0">
+              <a:solidFill>
+                <a:srgbClr val="000000"/>
+              </a:solidFill>
+            </a:endParaRPr>
+          </a:p>
+          <a:p>
+            <a:pPr marL="55397" indent="0">
+              <a:buNone/>
+            </a:pPr>
+            <a:endParaRPr lang="en-US" sz="2000" dirty="0">
+              <a:solidFill>
+                <a:srgbClr val="000000"/>
+              </a:solidFill>
+            </a:endParaRPr>
+          </a:p>
+          <a:p>
+            <a:pPr marL="55397" indent="0">
+              <a:buNone/>
+            </a:pPr>
+            <a:endParaRPr lang="en-US" sz="2000" dirty="0">
+              <a:solidFill>
+                <a:srgbClr val="000000"/>
+              </a:solidFill>
+            </a:endParaRPr>
+          </a:p>
+          <a:p>
+            <a:pPr marL="55397" indent="0">
+              <a:buNone/>
+            </a:pPr>
+            <a:endParaRPr lang="en-US" sz="2000" dirty="0">
+              <a:solidFill>
+                <a:srgbClr val="000000"/>
+              </a:solidFill>
+            </a:endParaRPr>
+          </a:p>
+          <a:p>
+            <a:pPr marL="55397" indent="0">
+              <a:buNone/>
+            </a:pPr>
+            <a:endParaRPr lang="en-US" sz="2000" dirty="0">
+              <a:solidFill>
+                <a:srgbClr val="000000"/>
+              </a:solidFill>
+            </a:endParaRPr>
+          </a:p>
+          <a:p>
+            <a:pPr marL="55397" indent="0">
+              <a:buNone/>
+            </a:pPr>
+            <a:r>
+              <a:rPr lang="en-US" sz="2000" i="1" dirty="0"/>
+              <a:t>Source: Data Parallel C++, James Reinders et al. pg. 27</a:t>
+            </a:r>
+          </a:p>
+          <a:p>
+            <a:pPr marL="55397" indent="0">
+              <a:buNone/>
+            </a:pPr>
+            <a:endParaRPr lang="en-US" sz="2000" dirty="0"/>
+          </a:p>
+        </p:txBody>
+      </p:sp>
+      <p:sp>
+        <p:nvSpPr>
+          <p:cNvPr id="3" name="Title 2">
+            <a:extLst>
+              <a:ext uri="{FF2B5EF4-FFF2-40B4-BE49-F238E27FC236}">
+                <a16:creationId xmlns:a16="http://schemas.microsoft.com/office/drawing/2014/main" id="{CFDE7D4A-1B7C-A57B-3028-9B6BE534194C}"/>
+              </a:ext>
+            </a:extLst>
+          </p:cNvPr>
+          <p:cNvSpPr>
+            <a:spLocks noGrp="1"/>
+          </p:cNvSpPr>
+          <p:nvPr>
+            <p:ph type="title"/>
+          </p:nvPr>
+        </p:nvSpPr>
+        <p:spPr/>
+        <p:txBody>
+          <a:bodyPr/>
+          <a:lstStyle/>
+          <a:p>
+            <a:r>
+              <a:rPr lang="en-US" sz="4000" dirty="0"/>
+              <a:t>Device Work Submission Example</a:t>
+            </a:r>
+          </a:p>
+        </p:txBody>
+      </p:sp>
+    </p:spTree>
+    <p:extLst>
+      <p:ext uri="{BB962C8B-B14F-4D97-AF65-F5344CB8AC3E}">
+        <p14:creationId xmlns:p14="http://schemas.microsoft.com/office/powerpoint/2010/main" val="825401750"/>
+      </p:ext>
+    </p:extLst>
+  </p:cSld>
+  <p:clrMapOvr>
+    <a:masterClrMapping/>
+  </p:clrMapOvr>
+  <p:transition spd="med"/>
+</p:sld>
+</file>
+
+<file path=ppt/slides/slide11.xml><?xml version="1.0" encoding="utf-8"?>
+<p:sld xmlns:a="http://schemas.openxmlformats.org/drawingml/2006/main" xmlns:r="http://schemas.openxmlformats.org/officeDocument/2006/relationships" xmlns:p="http://schemas.openxmlformats.org/presentationml/2006/main">
+  <p:cSld>
+    <p:spTree>
+      <p:nvGrpSpPr>
+        <p:cNvPr id="1" name=""/>
+        <p:cNvGrpSpPr/>
+        <p:nvPr/>
+      </p:nvGrpSpPr>
+      <p:grpSpPr>
+        <a:xfrm>
+          <a:off x="0" y="0"/>
+          <a:ext cx="0" cy="0"/>
+          <a:chOff x="0" y="0"/>
+          <a:chExt cx="0" cy="0"/>
+        </a:xfrm>
+      </p:grpSpPr>
+      <p:sp>
+        <p:nvSpPr>
+          <p:cNvPr id="2" name="Text Placeholder 1">
+            <a:extLst>
+              <a:ext uri="{FF2B5EF4-FFF2-40B4-BE49-F238E27FC236}">
+                <a16:creationId xmlns:a16="http://schemas.microsoft.com/office/drawing/2014/main" id="{AF0688D6-0E11-0E8A-EBEE-42D04AC1746A}"/>
+              </a:ext>
+            </a:extLst>
+          </p:cNvPr>
+          <p:cNvSpPr>
+            <a:spLocks noGrp="1"/>
+          </p:cNvSpPr>
+          <p:nvPr>
+            <p:ph type="body" sz="quarter" idx="11"/>
+          </p:nvPr>
+        </p:nvSpPr>
+        <p:spPr/>
+        <p:txBody>
+          <a:bodyPr/>
+          <a:lstStyle/>
+          <a:p>
+            <a:r>
+              <a:rPr lang="en-GB" sz="2000" dirty="0"/>
+              <a:t>Running heterogeneous computing systems efficiently requires careful handling of data</a:t>
+            </a:r>
+          </a:p>
+          <a:p>
+            <a:pPr lvl="1"/>
+            <a:r>
+              <a:rPr lang="en-GB" sz="1600" dirty="0"/>
+              <a:t>Data must be available for accelerator execution as promptly as possible as any idle time is wasted</a:t>
+            </a:r>
+          </a:p>
+          <a:p>
+            <a:r>
+              <a:rPr lang="en-GB" sz="2000" dirty="0"/>
+              <a:t>There are two methods for managing data in DPC++</a:t>
+            </a:r>
+          </a:p>
+          <a:p>
+            <a:pPr lvl="1"/>
+            <a:r>
+              <a:rPr lang="en-GB" sz="1600" dirty="0"/>
+              <a:t>Unified Shared Memory (USM)</a:t>
+            </a:r>
+          </a:p>
+          <a:p>
+            <a:pPr lvl="1"/>
+            <a:r>
+              <a:rPr lang="en-GB" sz="1600" dirty="0"/>
+              <a:t>Buffers</a:t>
+            </a:r>
+          </a:p>
+          <a:p>
+            <a:r>
+              <a:rPr lang="en-GB" sz="2000" dirty="0"/>
+              <a:t>Device code requires data as input and may output its own data</a:t>
+            </a:r>
+          </a:p>
+          <a:p>
+            <a:r>
+              <a:rPr lang="en-GB" sz="2000" dirty="0"/>
+              <a:t>Devices may have their own distinct memory which cannot be accessed by the host</a:t>
+            </a:r>
+          </a:p>
+          <a:p>
+            <a:pPr lvl="1"/>
+            <a:r>
+              <a:rPr lang="en-GB" sz="1600" dirty="0"/>
+              <a:t>Proper data management deals with the safe and efficient storage and movement of data between memory pools</a:t>
+            </a:r>
+          </a:p>
+          <a:p>
+            <a:r>
+              <a:rPr lang="en-GB" sz="2000" i="1" dirty="0"/>
+              <a:t>Remote Accesses</a:t>
+            </a:r>
+            <a:r>
+              <a:rPr lang="en-GB" sz="2000" dirty="0"/>
+              <a:t> are accesses to data in another device’s memory</a:t>
+            </a:r>
+          </a:p>
+          <a:p>
+            <a:pPr lvl="1"/>
+            <a:r>
+              <a:rPr lang="en-GB" sz="1600" dirty="0"/>
+              <a:t>Very slow</a:t>
+            </a:r>
+          </a:p>
+          <a:p>
+            <a:r>
+              <a:rPr lang="en-GB" sz="2000" i="1" dirty="0"/>
+              <a:t>Local Accesses</a:t>
+            </a:r>
+            <a:r>
+              <a:rPr lang="en-GB" sz="2000" dirty="0"/>
+              <a:t> are accesses to data in directly-attached memory</a:t>
+            </a:r>
+          </a:p>
+          <a:p>
+            <a:pPr lvl="1"/>
+            <a:r>
+              <a:rPr lang="en-GB" sz="1600" dirty="0"/>
+              <a:t>Much faster than remote accesses</a:t>
+            </a:r>
+          </a:p>
+          <a:p>
+            <a:pPr lvl="1"/>
+            <a:r>
+              <a:rPr lang="en-GB" sz="1600" dirty="0"/>
+              <a:t>It is desirable for a device to utilize local memory for computation</a:t>
+            </a:r>
+          </a:p>
+          <a:p>
+            <a:pPr lvl="2"/>
+            <a:r>
+              <a:rPr lang="en-GB" sz="1200" dirty="0"/>
+              <a:t>May require manual movement of data between memory pools to ensure data is in local scope</a:t>
+            </a:r>
+          </a:p>
+          <a:p>
+            <a:pPr lvl="1"/>
+            <a:endParaRPr lang="en-GB" sz="1600" i="1" dirty="0"/>
+          </a:p>
+        </p:txBody>
+      </p:sp>
+      <p:sp>
+        <p:nvSpPr>
+          <p:cNvPr id="3" name="Title 2">
+            <a:extLst>
+              <a:ext uri="{FF2B5EF4-FFF2-40B4-BE49-F238E27FC236}">
+                <a16:creationId xmlns:a16="http://schemas.microsoft.com/office/drawing/2014/main" id="{E5F46027-0F99-3A3B-D842-CDD910638A8D}"/>
+              </a:ext>
+            </a:extLst>
+          </p:cNvPr>
+          <p:cNvSpPr>
+            <a:spLocks noGrp="1"/>
+          </p:cNvSpPr>
+          <p:nvPr>
+            <p:ph type="title"/>
+          </p:nvPr>
+        </p:nvSpPr>
+        <p:spPr/>
+        <p:txBody>
+          <a:bodyPr/>
+          <a:lstStyle/>
+          <a:p>
+            <a:r>
+              <a:rPr lang="en-US" sz="4000" dirty="0"/>
+              <a:t>Data Management</a:t>
+            </a:r>
+          </a:p>
+        </p:txBody>
+      </p:sp>
+    </p:spTree>
+    <p:extLst>
+      <p:ext uri="{BB962C8B-B14F-4D97-AF65-F5344CB8AC3E}">
+        <p14:creationId xmlns:p14="http://schemas.microsoft.com/office/powerpoint/2010/main" val="4245748294"/>
+      </p:ext>
+    </p:extLst>
+  </p:cSld>
+  <p:clrMapOvr>
+    <a:masterClrMapping/>
+  </p:clrMapOvr>
+  <p:transition spd="med"/>
+</p:sld>
+</file>
+
+<file path=ppt/slides/slide12.xml><?xml version="1.0" encoding="utf-8"?>
+<p:sld xmlns:a="http://schemas.openxmlformats.org/drawingml/2006/main" xmlns:r="http://schemas.openxmlformats.org/officeDocument/2006/relationships" xmlns:p="http://schemas.openxmlformats.org/presentationml/2006/main">
+  <p:cSld>
+    <p:spTree>
+      <p:nvGrpSpPr>
+        <p:cNvPr id="1" name=""/>
+        <p:cNvGrpSpPr/>
+        <p:nvPr/>
+      </p:nvGrpSpPr>
+      <p:grpSpPr>
+        <a:xfrm>
+          <a:off x="0" y="0"/>
+          <a:ext cx="0" cy="0"/>
+          <a:chOff x="0" y="0"/>
+          <a:chExt cx="0" cy="0"/>
+        </a:xfrm>
+      </p:grpSpPr>
+      <p:sp>
+        <p:nvSpPr>
+          <p:cNvPr id="2" name="Text Placeholder 1">
+            <a:extLst>
+              <a:ext uri="{FF2B5EF4-FFF2-40B4-BE49-F238E27FC236}">
+                <a16:creationId xmlns:a16="http://schemas.microsoft.com/office/drawing/2014/main" id="{C3BD474B-A088-785E-CDD9-387C8DAC2FED}"/>
+              </a:ext>
+            </a:extLst>
+          </p:cNvPr>
+          <p:cNvSpPr>
+            <a:spLocks noGrp="1"/>
+          </p:cNvSpPr>
+          <p:nvPr>
+            <p:ph type="body" sz="quarter" idx="11"/>
+          </p:nvPr>
+        </p:nvSpPr>
+        <p:spPr/>
+        <p:txBody>
+          <a:bodyPr/>
+          <a:lstStyle/>
+          <a:p>
+            <a:r>
+              <a:rPr lang="en-US" sz="2400" dirty="0"/>
+              <a:t>Memory Management can be either implicit or explicit</a:t>
+            </a:r>
+          </a:p>
+          <a:p>
+            <a:pPr lvl="1"/>
+            <a:r>
+              <a:rPr lang="en-US" sz="2000" dirty="0"/>
+              <a:t>Explicitly copied within the program itself</a:t>
+            </a:r>
+          </a:p>
+          <a:p>
+            <a:pPr lvl="1"/>
+            <a:r>
+              <a:rPr lang="en-US" sz="2000" dirty="0"/>
+              <a:t>Implicitly copied by the runtime</a:t>
+            </a:r>
+          </a:p>
+          <a:p>
+            <a:r>
+              <a:rPr lang="en-US" sz="2400" dirty="0"/>
+              <a:t>Implicit Memory Management</a:t>
+            </a:r>
+          </a:p>
+          <a:p>
+            <a:pPr lvl="1"/>
+            <a:r>
+              <a:rPr lang="en-GB" sz="2000" dirty="0"/>
+              <a:t>Handled automatically by the runtime</a:t>
+            </a:r>
+          </a:p>
+          <a:p>
+            <a:pPr lvl="1"/>
+            <a:r>
+              <a:rPr lang="en-GB" sz="2000" dirty="0"/>
+              <a:t>Simple and safe</a:t>
+            </a:r>
+          </a:p>
+          <a:p>
+            <a:pPr lvl="1"/>
+            <a:r>
+              <a:rPr lang="en-GB" sz="2000" dirty="0"/>
+              <a:t>Often at the cost of potential performance</a:t>
+            </a:r>
+          </a:p>
+          <a:p>
+            <a:r>
+              <a:rPr lang="en-GB" sz="2400" dirty="0"/>
+              <a:t>Explicit Memory Management</a:t>
+            </a:r>
+          </a:p>
+          <a:p>
+            <a:pPr lvl="1"/>
+            <a:r>
+              <a:rPr lang="en-GB" sz="2000" dirty="0"/>
+              <a:t>Defined manually by the programmer</a:t>
+            </a:r>
+          </a:p>
+          <a:p>
+            <a:pPr lvl="1"/>
+            <a:r>
+              <a:rPr lang="en-GB" sz="2000" dirty="0"/>
+              <a:t>May be optimized for better performance</a:t>
+            </a:r>
+          </a:p>
+          <a:p>
+            <a:pPr lvl="2"/>
+            <a:r>
+              <a:rPr lang="en-GB" sz="1600" dirty="0"/>
+              <a:t>For example: transfer data while device is busy with execution</a:t>
+            </a:r>
+          </a:p>
+          <a:p>
+            <a:pPr lvl="1"/>
+            <a:r>
+              <a:rPr lang="en-GB" sz="2000" dirty="0"/>
+              <a:t>Time consuming and error prone</a:t>
+            </a:r>
+          </a:p>
+          <a:p>
+            <a:pPr lvl="1"/>
+            <a:r>
+              <a:rPr lang="en-GB" sz="2000" dirty="0"/>
+              <a:t>Should be reserved for the most performance-critical areas</a:t>
+            </a:r>
+          </a:p>
+          <a:p>
+            <a:endParaRPr lang="en-US" sz="2400" dirty="0"/>
+          </a:p>
+        </p:txBody>
+      </p:sp>
+      <p:sp>
+        <p:nvSpPr>
+          <p:cNvPr id="3" name="Title 2">
+            <a:extLst>
+              <a:ext uri="{FF2B5EF4-FFF2-40B4-BE49-F238E27FC236}">
+                <a16:creationId xmlns:a16="http://schemas.microsoft.com/office/drawing/2014/main" id="{DB04E827-A974-9EA8-94AB-C3812F0276B8}"/>
+              </a:ext>
+            </a:extLst>
+          </p:cNvPr>
+          <p:cNvSpPr>
+            <a:spLocks noGrp="1"/>
+          </p:cNvSpPr>
+          <p:nvPr>
+            <p:ph type="title"/>
+          </p:nvPr>
+        </p:nvSpPr>
+        <p:spPr/>
+        <p:txBody>
+          <a:bodyPr/>
+          <a:lstStyle/>
+          <a:p>
+            <a:r>
+              <a:rPr lang="en-US" sz="3600" dirty="0"/>
+              <a:t>Implicit vs Explicit Memory Management</a:t>
+            </a:r>
+          </a:p>
+        </p:txBody>
+      </p:sp>
+    </p:spTree>
+    <p:extLst>
+      <p:ext uri="{BB962C8B-B14F-4D97-AF65-F5344CB8AC3E}">
+        <p14:creationId xmlns:p14="http://schemas.microsoft.com/office/powerpoint/2010/main" val="868272073"/>
+      </p:ext>
+    </p:extLst>
+  </p:cSld>
+  <p:clrMapOvr>
+    <a:masterClrMapping/>
+  </p:clrMapOvr>
+  <p:transition spd="med"/>
+</p:sld>
+</file>
+
+<file path=ppt/slides/slide13.xml><?xml version="1.0" encoding="utf-8"?>
+<p:sld xmlns:a="http://schemas.openxmlformats.org/drawingml/2006/main" xmlns:r="http://schemas.openxmlformats.org/officeDocument/2006/relationships" xmlns:p="http://schemas.openxmlformats.org/presentationml/2006/main">
+  <p:cSld>
+    <p:spTree>
+      <p:nvGrpSpPr>
+        <p:cNvPr id="1" name=""/>
+        <p:cNvGrpSpPr/>
+        <p:nvPr/>
+      </p:nvGrpSpPr>
+      <p:grpSpPr>
+        <a:xfrm>
+          <a:off x="0" y="0"/>
+          <a:ext cx="0" cy="0"/>
+          <a:chOff x="0" y="0"/>
+          <a:chExt cx="0" cy="0"/>
+        </a:xfrm>
+      </p:grpSpPr>
+      <p:sp>
+        <p:nvSpPr>
+          <p:cNvPr id="2" name="Text Placeholder 1">
+            <a:extLst>
+              <a:ext uri="{FF2B5EF4-FFF2-40B4-BE49-F238E27FC236}">
+                <a16:creationId xmlns:a16="http://schemas.microsoft.com/office/drawing/2014/main" id="{41A680AE-732F-B6A3-194A-222AEDCDB074}"/>
+              </a:ext>
+            </a:extLst>
+          </p:cNvPr>
+          <p:cNvSpPr>
+            <a:spLocks noGrp="1"/>
+          </p:cNvSpPr>
+          <p:nvPr>
+            <p:ph type="body" sz="quarter" idx="11"/>
+          </p:nvPr>
+        </p:nvSpPr>
+        <p:spPr>
+          <a:xfrm>
+            <a:off x="271463" y="1116013"/>
+            <a:ext cx="11657824" cy="5173469"/>
+          </a:xfrm>
+        </p:spPr>
+        <p:txBody>
+          <a:bodyPr/>
+          <a:lstStyle/>
+          <a:p>
+            <a:r>
+              <a:rPr lang="en-US" sz="2000" dirty="0"/>
+              <a:t>Pointer-based memory management system, </a:t>
+            </a:r>
+            <a:r>
+              <a:rPr lang="en-US" sz="1800" dirty="0"/>
+              <a:t>similar to C/C++ </a:t>
+            </a:r>
+            <a:r>
+              <a:rPr lang="en-US" sz="1800" i="1" dirty="0"/>
+              <a:t>malloc()</a:t>
+            </a:r>
+            <a:r>
+              <a:rPr lang="en-US" sz="1800" dirty="0"/>
+              <a:t> or </a:t>
+            </a:r>
+            <a:r>
+              <a:rPr lang="en-US" sz="1800" i="1" dirty="0"/>
+              <a:t>new</a:t>
+            </a:r>
+          </a:p>
+          <a:p>
+            <a:r>
+              <a:rPr lang="en-US" sz="2000" dirty="0"/>
+              <a:t>Defines a unified virtual memory space shared between host and devices</a:t>
+            </a:r>
+          </a:p>
+          <a:p>
+            <a:pPr lvl="1"/>
+            <a:r>
+              <a:rPr lang="en-US" sz="1800" dirty="0"/>
+              <a:t>A pointer is valid both on the host and any devices, so no translation is necessary</a:t>
+            </a:r>
+          </a:p>
+          <a:p>
+            <a:r>
+              <a:rPr lang="en-US" sz="2000" dirty="0"/>
+              <a:t>Defines three types of allocation</a:t>
+            </a:r>
+          </a:p>
+          <a:p>
+            <a:pPr lvl="1"/>
+            <a:r>
+              <a:rPr lang="en-US" sz="1800" dirty="0"/>
+              <a:t>Device</a:t>
+            </a:r>
+          </a:p>
+          <a:p>
+            <a:pPr lvl="2"/>
+            <a:r>
+              <a:rPr lang="en-US" sz="1200" dirty="0"/>
+              <a:t>Explicit, accomplished via </a:t>
+            </a:r>
+            <a:r>
+              <a:rPr lang="en-US" sz="1200" dirty="0" err="1"/>
+              <a:t>memcpy</a:t>
+            </a:r>
+            <a:r>
+              <a:rPr lang="en-US" sz="1200" dirty="0"/>
+              <a:t>() function as part of the </a:t>
+            </a:r>
+            <a:r>
+              <a:rPr lang="en-US" sz="1200" i="1" dirty="0"/>
+              <a:t>queue</a:t>
+            </a:r>
+            <a:r>
+              <a:rPr lang="en-US" sz="1200" dirty="0"/>
+              <a:t> and </a:t>
+            </a:r>
+            <a:r>
+              <a:rPr lang="en-US" sz="1200" i="1" dirty="0"/>
+              <a:t>handler</a:t>
+            </a:r>
+            <a:r>
+              <a:rPr lang="en-US" sz="1200" dirty="0"/>
+              <a:t> classes</a:t>
+            </a:r>
+          </a:p>
+          <a:p>
+            <a:pPr lvl="2"/>
+            <a:r>
+              <a:rPr lang="en-US" sz="1200" dirty="0"/>
+              <a:t>Located on device-attached memory</a:t>
+            </a:r>
+          </a:p>
+          <a:p>
+            <a:pPr lvl="2"/>
+            <a:r>
+              <a:rPr lang="en-US" sz="1200" dirty="0"/>
+              <a:t>Only accessible via device. Data must be copied explicitly to move between host and device</a:t>
+            </a:r>
+          </a:p>
+          <a:p>
+            <a:pPr lvl="1"/>
+            <a:r>
+              <a:rPr lang="en-US" sz="1800" dirty="0"/>
+              <a:t>Host</a:t>
+            </a:r>
+          </a:p>
+          <a:p>
+            <a:pPr lvl="2"/>
+            <a:r>
+              <a:rPr lang="en-US" sz="1200" dirty="0"/>
+              <a:t>Implicit</a:t>
+            </a:r>
+          </a:p>
+          <a:p>
+            <a:pPr lvl="2"/>
+            <a:r>
+              <a:rPr lang="en-US" sz="1200" dirty="0"/>
+              <a:t>Accessible via both host and device</a:t>
+            </a:r>
+          </a:p>
+          <a:p>
+            <a:pPr lvl="2"/>
+            <a:r>
+              <a:rPr lang="en-US" sz="1200" dirty="0"/>
+              <a:t>Data accessed on host memory by devices does not transfer into local device memory</a:t>
+            </a:r>
+          </a:p>
+          <a:p>
+            <a:pPr lvl="3"/>
+            <a:r>
+              <a:rPr lang="en-US" sz="1100" dirty="0"/>
+              <a:t>Sent via bus such as PCI-E</a:t>
+            </a:r>
+          </a:p>
+          <a:p>
+            <a:pPr lvl="1"/>
+            <a:r>
+              <a:rPr lang="en-US" sz="1800" dirty="0"/>
+              <a:t>Shared</a:t>
+            </a:r>
+          </a:p>
+          <a:p>
+            <a:pPr lvl="2"/>
+            <a:r>
+              <a:rPr lang="en-US" sz="1200" dirty="0"/>
+              <a:t>Implicit</a:t>
+            </a:r>
+          </a:p>
+          <a:p>
+            <a:pPr lvl="2"/>
+            <a:r>
+              <a:rPr lang="en-US" sz="1200" dirty="0"/>
+              <a:t>Accessible via both host and device</a:t>
+            </a:r>
+          </a:p>
+          <a:p>
+            <a:pPr lvl="2"/>
+            <a:r>
+              <a:rPr lang="en-US" sz="1200" dirty="0"/>
+              <a:t>Can migrate between host and device, allowing for faster execution on device. Occurs automatically via runtime</a:t>
+            </a:r>
+          </a:p>
+          <a:p>
+            <a:pPr lvl="1"/>
+            <a:r>
+              <a:rPr lang="en-US" sz="1800" dirty="0"/>
+              <a:t>All allocations are performed by the host</a:t>
+            </a:r>
+          </a:p>
+          <a:p>
+            <a:endParaRPr lang="en-US" sz="2000" dirty="0"/>
+          </a:p>
+        </p:txBody>
+      </p:sp>
+      <p:sp>
+        <p:nvSpPr>
+          <p:cNvPr id="3" name="Title 2">
+            <a:extLst>
+              <a:ext uri="{FF2B5EF4-FFF2-40B4-BE49-F238E27FC236}">
+                <a16:creationId xmlns:a16="http://schemas.microsoft.com/office/drawing/2014/main" id="{810964E1-8454-EEFF-F692-1DD044D58A34}"/>
+              </a:ext>
+            </a:extLst>
+          </p:cNvPr>
+          <p:cNvSpPr>
+            <a:spLocks noGrp="1"/>
+          </p:cNvSpPr>
+          <p:nvPr>
+            <p:ph type="title"/>
+          </p:nvPr>
+        </p:nvSpPr>
+        <p:spPr/>
+        <p:txBody>
+          <a:bodyPr/>
+          <a:lstStyle/>
+          <a:p>
+            <a:r>
+              <a:rPr lang="en-US" sz="4000" dirty="0"/>
+              <a:t>Universal Shared Memory (USM)</a:t>
+            </a:r>
+          </a:p>
+        </p:txBody>
+      </p:sp>
+    </p:spTree>
+    <p:extLst>
+      <p:ext uri="{BB962C8B-B14F-4D97-AF65-F5344CB8AC3E}">
+        <p14:creationId xmlns:p14="http://schemas.microsoft.com/office/powerpoint/2010/main" val="2858336872"/>
+      </p:ext>
+    </p:extLst>
+  </p:cSld>
+  <p:clrMapOvr>
+    <a:masterClrMapping/>
+  </p:clrMapOvr>
+  <p:transition spd="med"/>
+</p:sld>
+</file>
+
+<file path=ppt/slides/slide14.xml><?xml version="1.0" encoding="utf-8"?>
+<p:sld xmlns:a="http://schemas.openxmlformats.org/drawingml/2006/main" xmlns:r="http://schemas.openxmlformats.org/officeDocument/2006/relationships" xmlns:p="http://schemas.openxmlformats.org/presentationml/2006/main">
+  <p:cSld>
+    <p:spTree>
+      <p:nvGrpSpPr>
+        <p:cNvPr id="1" name=""/>
+        <p:cNvGrpSpPr/>
+        <p:nvPr/>
+      </p:nvGrpSpPr>
+      <p:grpSpPr>
+        <a:xfrm>
+          <a:off x="0" y="0"/>
+          <a:ext cx="0" cy="0"/>
+          <a:chOff x="0" y="0"/>
+          <a:chExt cx="0" cy="0"/>
+        </a:xfrm>
+      </p:grpSpPr>
+      <p:sp>
+        <p:nvSpPr>
+          <p:cNvPr id="2" name="Text Placeholder 1">
+            <a:extLst>
+              <a:ext uri="{FF2B5EF4-FFF2-40B4-BE49-F238E27FC236}">
+                <a16:creationId xmlns:a16="http://schemas.microsoft.com/office/drawing/2014/main" id="{4D907494-8A92-93DB-9B91-24DE589D25AE}"/>
+              </a:ext>
+            </a:extLst>
+          </p:cNvPr>
+          <p:cNvSpPr>
+            <a:spLocks noGrp="1"/>
+          </p:cNvSpPr>
+          <p:nvPr>
+            <p:ph type="body" sz="quarter" idx="11"/>
+          </p:nvPr>
+        </p:nvSpPr>
+        <p:spPr/>
+        <p:txBody>
+          <a:bodyPr/>
+          <a:lstStyle/>
+          <a:p>
+            <a:r>
+              <a:rPr lang="en-US" sz="2400" dirty="0"/>
+              <a:t>Data abstractions of a certain C++ type</a:t>
+            </a:r>
+          </a:p>
+          <a:p>
+            <a:pPr lvl="1"/>
+            <a:r>
+              <a:rPr lang="en-US" sz="2000" dirty="0"/>
+              <a:t>Can be scalar data types, vectors, or other user-defined class/structure</a:t>
+            </a:r>
+          </a:p>
+          <a:p>
+            <a:pPr lvl="2"/>
+            <a:r>
+              <a:rPr lang="en-US" sz="1600" dirty="0"/>
+              <a:t>Must not require the use of copy constructors for copying</a:t>
+            </a:r>
+          </a:p>
+          <a:p>
+            <a:r>
+              <a:rPr lang="en-US" sz="2400" dirty="0"/>
+              <a:t>Represent data objects, not memory addresses</a:t>
+            </a:r>
+          </a:p>
+          <a:p>
+            <a:pPr lvl="1"/>
+            <a:r>
+              <a:rPr lang="en-US" sz="2000" dirty="0"/>
+              <a:t>Cannot be accessed like C++ arrays</a:t>
+            </a:r>
+          </a:p>
+          <a:p>
+            <a:pPr lvl="1"/>
+            <a:r>
+              <a:rPr lang="en-US" sz="2000" i="1" dirty="0"/>
+              <a:t>Accessors</a:t>
+            </a:r>
+            <a:r>
+              <a:rPr lang="en-US" sz="2000" dirty="0"/>
+              <a:t> must be used to read from and write to buffers</a:t>
+            </a:r>
+          </a:p>
+          <a:p>
+            <a:r>
+              <a:rPr lang="en-US" sz="2400" dirty="0"/>
+              <a:t>A single buffer may be distributed across multiple locations</a:t>
+            </a:r>
+          </a:p>
+          <a:p>
+            <a:pPr lvl="1"/>
+            <a:r>
+              <a:rPr lang="en-US" sz="2000" dirty="0"/>
+              <a:t>Between discrete memory locations and devices</a:t>
+            </a:r>
+          </a:p>
+          <a:p>
+            <a:r>
+              <a:rPr lang="en-US" sz="2400" dirty="0"/>
+              <a:t>An empty buffer may be created by specifying a range for size</a:t>
+            </a:r>
+          </a:p>
+          <a:p>
+            <a:pPr lvl="1"/>
+            <a:r>
+              <a:rPr lang="en-US" sz="2000" dirty="0"/>
+              <a:t>Data must later be initialized before the buffer can be read from</a:t>
+            </a:r>
+          </a:p>
+          <a:p>
+            <a:r>
+              <a:rPr lang="en-US" sz="2400" dirty="0"/>
+              <a:t>Existing host data may be used to initialize a new buffer</a:t>
+            </a:r>
+          </a:p>
+          <a:p>
+            <a:pPr lvl="1"/>
+            <a:r>
+              <a:rPr lang="en-US" sz="2000" dirty="0"/>
+              <a:t>Accomplished by invoking a constructor that takes a pointer to an existing host allocation</a:t>
+            </a:r>
+          </a:p>
+          <a:p>
+            <a:r>
+              <a:rPr lang="en-US" sz="2400" dirty="0"/>
+              <a:t>May also be created from existing </a:t>
+            </a:r>
+            <a:r>
+              <a:rPr lang="en-US" sz="2400" dirty="0" err="1"/>
+              <a:t>cl_mem</a:t>
+            </a:r>
+            <a:r>
+              <a:rPr lang="en-US" sz="2400" dirty="0"/>
+              <a:t> objects if using OpenCL compatibility</a:t>
+            </a:r>
+          </a:p>
+        </p:txBody>
+      </p:sp>
+      <p:sp>
+        <p:nvSpPr>
+          <p:cNvPr id="3" name="Title 2">
+            <a:extLst>
+              <a:ext uri="{FF2B5EF4-FFF2-40B4-BE49-F238E27FC236}">
+                <a16:creationId xmlns:a16="http://schemas.microsoft.com/office/drawing/2014/main" id="{FD123E51-4B05-EDA0-53E0-A70993ACDAC0}"/>
+              </a:ext>
+            </a:extLst>
+          </p:cNvPr>
+          <p:cNvSpPr>
+            <a:spLocks noGrp="1"/>
+          </p:cNvSpPr>
+          <p:nvPr>
+            <p:ph type="title"/>
+          </p:nvPr>
+        </p:nvSpPr>
+        <p:spPr/>
+        <p:txBody>
+          <a:bodyPr/>
+          <a:lstStyle/>
+          <a:p>
+            <a:r>
+              <a:rPr lang="en-US" sz="4000" dirty="0"/>
+              <a:t>Buffers</a:t>
+            </a:r>
+          </a:p>
+        </p:txBody>
+      </p:sp>
+    </p:spTree>
+    <p:extLst>
+      <p:ext uri="{BB962C8B-B14F-4D97-AF65-F5344CB8AC3E}">
+        <p14:creationId xmlns:p14="http://schemas.microsoft.com/office/powerpoint/2010/main" val="476712468"/>
+      </p:ext>
+    </p:extLst>
+  </p:cSld>
+  <p:clrMapOvr>
+    <a:masterClrMapping/>
+  </p:clrMapOvr>
+  <p:transition spd="med"/>
+</p:sld>
+</file>
+
+<file path=ppt/slides/slide15.xml><?xml version="1.0" encoding="utf-8"?>
+<p:sld xmlns:a="http://schemas.openxmlformats.org/drawingml/2006/main" xmlns:r="http://schemas.openxmlformats.org/officeDocument/2006/relationships" xmlns:p="http://schemas.openxmlformats.org/presentationml/2006/main">
+  <p:cSld>
+    <p:spTree>
+      <p:nvGrpSpPr>
+        <p:cNvPr id="1" name=""/>
+        <p:cNvGrpSpPr/>
+        <p:nvPr/>
+      </p:nvGrpSpPr>
+      <p:grpSpPr>
+        <a:xfrm>
+          <a:off x="0" y="0"/>
+          <a:ext cx="0" cy="0"/>
+          <a:chOff x="0" y="0"/>
+          <a:chExt cx="0" cy="0"/>
+        </a:xfrm>
+      </p:grpSpPr>
+      <p:sp>
+        <p:nvSpPr>
+          <p:cNvPr id="2" name="Text Placeholder 1">
+            <a:extLst>
+              <a:ext uri="{FF2B5EF4-FFF2-40B4-BE49-F238E27FC236}">
+                <a16:creationId xmlns:a16="http://schemas.microsoft.com/office/drawing/2014/main" id="{F7E2A174-6243-6AEA-61E3-DE0E4AA2E1A3}"/>
+              </a:ext>
+            </a:extLst>
+          </p:cNvPr>
+          <p:cNvSpPr>
+            <a:spLocks noGrp="1"/>
+          </p:cNvSpPr>
+          <p:nvPr>
+            <p:ph type="body" sz="quarter" idx="11"/>
+          </p:nvPr>
+        </p:nvSpPr>
+        <p:spPr/>
+        <p:txBody>
+          <a:bodyPr/>
+          <a:lstStyle/>
+          <a:p>
+            <a:r>
+              <a:rPr lang="en-US" dirty="0"/>
+              <a:t>The only way in which to read from or write to buffers</a:t>
+            </a:r>
+          </a:p>
+          <a:p>
+            <a:r>
+              <a:rPr lang="en-US" dirty="0"/>
+              <a:t>Can be instantiated with read, write, or </a:t>
+            </a:r>
+            <a:r>
+              <a:rPr lang="en-US" dirty="0" err="1"/>
+              <a:t>read_write</a:t>
+            </a:r>
+            <a:r>
+              <a:rPr lang="en-US" dirty="0"/>
+              <a:t> access modes</a:t>
+            </a:r>
+          </a:p>
+          <a:p>
+            <a:pPr lvl="1"/>
+            <a:r>
+              <a:rPr lang="en-US" dirty="0"/>
+              <a:t>Accessors are </a:t>
+            </a:r>
+            <a:r>
+              <a:rPr lang="en-US" dirty="0" err="1"/>
+              <a:t>read_write</a:t>
+            </a:r>
+            <a:r>
+              <a:rPr lang="en-US" dirty="0"/>
+              <a:t> by default</a:t>
+            </a:r>
+          </a:p>
+          <a:p>
+            <a:r>
+              <a:rPr lang="en-US" dirty="0"/>
+              <a:t>Using appropriate access modes is important</a:t>
+            </a:r>
+          </a:p>
+          <a:p>
+            <a:pPr lvl="1"/>
+            <a:r>
+              <a:rPr lang="en-US" dirty="0"/>
+              <a:t>Provides implicit information used to help the runtime manage memory</a:t>
+            </a:r>
+          </a:p>
+          <a:p>
+            <a:pPr lvl="2"/>
+            <a:r>
+              <a:rPr lang="en-US" dirty="0"/>
+              <a:t>For example: </a:t>
+            </a:r>
+            <a:r>
+              <a:rPr lang="en-GB" dirty="0"/>
+              <a:t>read mode tells the runtime that it does not need to copy memory back to the host, as the device has not changed it.</a:t>
+            </a:r>
+          </a:p>
+          <a:p>
+            <a:pPr lvl="1"/>
+            <a:r>
+              <a:rPr lang="en-GB" dirty="0"/>
+              <a:t>Appropriate use of access modes will help the runtime optimize kernel scheduling and data migration</a:t>
+            </a:r>
+            <a:endParaRPr lang="en-US" dirty="0"/>
+          </a:p>
+        </p:txBody>
+      </p:sp>
+      <p:sp>
+        <p:nvSpPr>
+          <p:cNvPr id="3" name="Title 2">
+            <a:extLst>
+              <a:ext uri="{FF2B5EF4-FFF2-40B4-BE49-F238E27FC236}">
+                <a16:creationId xmlns:a16="http://schemas.microsoft.com/office/drawing/2014/main" id="{125E0148-C8ED-74C8-D65E-4538E79CBD63}"/>
+              </a:ext>
+            </a:extLst>
+          </p:cNvPr>
+          <p:cNvSpPr>
+            <a:spLocks noGrp="1"/>
+          </p:cNvSpPr>
+          <p:nvPr>
+            <p:ph type="title"/>
+          </p:nvPr>
+        </p:nvSpPr>
+        <p:spPr/>
+        <p:txBody>
+          <a:bodyPr/>
+          <a:lstStyle/>
+          <a:p>
+            <a:r>
+              <a:rPr lang="en-US" sz="4000" dirty="0"/>
+              <a:t>Accessors</a:t>
+            </a:r>
+          </a:p>
+        </p:txBody>
+      </p:sp>
+    </p:spTree>
+    <p:extLst>
+      <p:ext uri="{BB962C8B-B14F-4D97-AF65-F5344CB8AC3E}">
+        <p14:creationId xmlns:p14="http://schemas.microsoft.com/office/powerpoint/2010/main" val="4214608404"/>
+      </p:ext>
+    </p:extLst>
+  </p:cSld>
+  <p:clrMapOvr>
+    <a:masterClrMapping/>
+  </p:clrMapOvr>
+  <p:transition spd="med"/>
+</p:sld>
+</file>
+
 <file path=ppt/slides/slide2.xml><?xml version="1.0" encoding="utf-8"?>
 <p:sld xmlns:a="http://schemas.openxmlformats.org/drawingml/2006/main" xmlns:r="http://schemas.openxmlformats.org/officeDocument/2006/relationships" xmlns:p="http://schemas.openxmlformats.org/presentationml/2006/main">
   <p:cSld>
@@ -13858,7 +15200,7 @@
             </a:pPr>
             <a:r>
               <a:rPr lang="en-US" sz="2000" i="1" dirty="0"/>
-              <a:t>Source: Data Parallel C++, James Reinders et al. pp. 72</a:t>
+              <a:t>Source: Data Parallel C++, James Reinders et al. pg. 46</a:t>
             </a:r>
           </a:p>
         </p:txBody>
@@ -13895,6 +15237,173 @@
     <p:extLst>
       <p:ext uri="{BB962C8B-B14F-4D97-AF65-F5344CB8AC3E}">
         <p14:creationId xmlns:p14="http://schemas.microsoft.com/office/powerpoint/2010/main" val="484224936"/>
+      </p:ext>
+    </p:extLst>
+  </p:cSld>
+  <p:clrMapOvr>
+    <a:masterClrMapping/>
+  </p:clrMapOvr>
+  <p:transition spd="med"/>
+</p:sld>
+</file>
+
+<file path=ppt/slides/slide9.xml><?xml version="1.0" encoding="utf-8"?>
+<p:sld xmlns:a="http://schemas.openxmlformats.org/drawingml/2006/main" xmlns:r="http://schemas.openxmlformats.org/officeDocument/2006/relationships" xmlns:p="http://schemas.openxmlformats.org/presentationml/2006/main">
+  <p:cSld>
+    <p:spTree>
+      <p:nvGrpSpPr>
+        <p:cNvPr id="1" name=""/>
+        <p:cNvGrpSpPr/>
+        <p:nvPr/>
+      </p:nvGrpSpPr>
+      <p:grpSpPr>
+        <a:xfrm>
+          <a:off x="0" y="0"/>
+          <a:ext cx="0" cy="0"/>
+          <a:chOff x="0" y="0"/>
+          <a:chExt cx="0" cy="0"/>
+        </a:xfrm>
+      </p:grpSpPr>
+      <p:sp>
+        <p:nvSpPr>
+          <p:cNvPr id="2" name="Text Placeholder 1">
+            <a:extLst>
+              <a:ext uri="{FF2B5EF4-FFF2-40B4-BE49-F238E27FC236}">
+                <a16:creationId xmlns:a16="http://schemas.microsoft.com/office/drawing/2014/main" id="{CD50BA46-67B7-F2EB-42AE-B257D93ECC5C}"/>
+              </a:ext>
+            </a:extLst>
+          </p:cNvPr>
+          <p:cNvSpPr>
+            <a:spLocks noGrp="1"/>
+          </p:cNvSpPr>
+          <p:nvPr>
+            <p:ph type="body" sz="quarter" idx="11"/>
+          </p:nvPr>
+        </p:nvSpPr>
+        <p:spPr/>
+        <p:txBody>
+          <a:bodyPr/>
+          <a:lstStyle/>
+          <a:p>
+            <a:r>
+              <a:rPr lang="en-US" sz="2400" dirty="0"/>
+              <a:t>Objects that specify a task and its </a:t>
+            </a:r>
+            <a:r>
+              <a:rPr lang="en-US" sz="2400" dirty="0" err="1"/>
+              <a:t>depdendencies</a:t>
+            </a:r>
+            <a:endParaRPr lang="en-US" sz="2400" dirty="0"/>
+          </a:p>
+          <a:p>
+            <a:r>
+              <a:rPr lang="en-US" sz="2400" dirty="0"/>
+              <a:t>Typically in the form of C++ Lambda functions</a:t>
+            </a:r>
+          </a:p>
+          <a:p>
+            <a:pPr lvl="1"/>
+            <a:r>
+              <a:rPr lang="en-US" sz="2000" dirty="0"/>
+              <a:t>The only parameter is a reference to a </a:t>
+            </a:r>
+            <a:r>
+              <a:rPr lang="en-US" sz="2000" i="1" dirty="0"/>
+              <a:t>handler </a:t>
+            </a:r>
+            <a:r>
+              <a:rPr lang="en-US" sz="2000" dirty="0"/>
+              <a:t>object</a:t>
+            </a:r>
+          </a:p>
+          <a:p>
+            <a:r>
+              <a:rPr lang="en-US" sz="2400" dirty="0"/>
+              <a:t>Passed as an argument to a queue object’s submit() function</a:t>
+            </a:r>
+          </a:p>
+          <a:p>
+            <a:r>
+              <a:rPr lang="en-US" sz="2400" dirty="0"/>
+              <a:t>Command Group structure:</a:t>
+            </a:r>
+          </a:p>
+          <a:p>
+            <a:pPr lvl="1"/>
+            <a:r>
+              <a:rPr lang="en-US" sz="2000" dirty="0"/>
+              <a:t>Exactly one action (and no more)</a:t>
+            </a:r>
+          </a:p>
+          <a:p>
+            <a:pPr lvl="2"/>
+            <a:r>
+              <a:rPr lang="en-US" sz="1400" dirty="0"/>
+              <a:t>Either device code submitted for execution or manual memory operations such as </a:t>
+            </a:r>
+            <a:r>
+              <a:rPr lang="en-US" sz="1400" i="1" dirty="0"/>
+              <a:t>copy</a:t>
+            </a:r>
+            <a:endParaRPr lang="en-US" sz="1400" dirty="0"/>
+          </a:p>
+          <a:p>
+            <a:pPr lvl="1"/>
+            <a:r>
+              <a:rPr lang="en-US" sz="2000" dirty="0"/>
+              <a:t>Host code that defines dependencies</a:t>
+            </a:r>
+          </a:p>
+          <a:p>
+            <a:pPr lvl="2"/>
+            <a:r>
+              <a:rPr lang="en-US" sz="1400" dirty="0"/>
+              <a:t>R</a:t>
+            </a:r>
+            <a:r>
+              <a:rPr lang="en-GB" sz="1400" dirty="0" err="1"/>
+              <a:t>estricts</a:t>
+            </a:r>
+            <a:r>
+              <a:rPr lang="en-GB" sz="1400" dirty="0"/>
+              <a:t> when asynchronous execution of the submitted work can begin. For example: creation of accessors or buffers</a:t>
+            </a:r>
+            <a:endParaRPr lang="en-US" sz="1400" dirty="0"/>
+          </a:p>
+        </p:txBody>
+      </p:sp>
+      <p:sp>
+        <p:nvSpPr>
+          <p:cNvPr id="3" name="Title 2">
+            <a:extLst>
+              <a:ext uri="{FF2B5EF4-FFF2-40B4-BE49-F238E27FC236}">
+                <a16:creationId xmlns:a16="http://schemas.microsoft.com/office/drawing/2014/main" id="{5BA0B09F-8115-1B58-0405-721C6E8B2265}"/>
+              </a:ext>
+            </a:extLst>
+          </p:cNvPr>
+          <p:cNvSpPr>
+            <a:spLocks noGrp="1"/>
+          </p:cNvSpPr>
+          <p:nvPr>
+            <p:ph type="title"/>
+          </p:nvPr>
+        </p:nvSpPr>
+        <p:spPr/>
+        <p:txBody>
+          <a:bodyPr/>
+          <a:lstStyle/>
+          <a:p>
+            <a:r>
+              <a:rPr lang="en-US" sz="4000" dirty="0"/>
+              <a:t>Command Groups</a:t>
+            </a:r>
+          </a:p>
+        </p:txBody>
+      </p:sp>
+    </p:spTree>
+    <p:extLst>
+      <p:ext uri="{BB962C8B-B14F-4D97-AF65-F5344CB8AC3E}">
+        <p14:creationId xmlns:p14="http://schemas.microsoft.com/office/powerpoint/2010/main" val="2458255169"/>
       </p:ext>
     </p:extLst>
   </p:cSld>
@@ -18299,6 +19808,21 @@
 </file>
 
 <file path=customXml/item1.xml><?xml version="1.0" encoding="utf-8"?>
+<p:properties xmlns:p="http://schemas.microsoft.com/office/2006/metadata/properties" xmlns:xsi="http://www.w3.org/2001/XMLSchema-instance" xmlns:pc="http://schemas.microsoft.com/office/infopath/2007/PartnerControls">
+  <documentManagement/>
+</p:properties>
+</file>
+
+<file path=customXml/item2.xml><?xml version="1.0" encoding="utf-8"?>
+<?mso-contentType ?>
+<FormTemplates xmlns="http://schemas.microsoft.com/sharepoint/v3/contenttype/forms">
+  <Display>DocumentLibraryForm</Display>
+  <Edit>DocumentLibraryForm</Edit>
+  <New>DocumentLibraryForm</New>
+</FormTemplates>
+</file>
+
+<file path=customXml/item3.xml><?xml version="1.0" encoding="utf-8"?>
 <ct:contentTypeSchema xmlns:ct="http://schemas.microsoft.com/office/2006/metadata/contentType" xmlns:ma="http://schemas.microsoft.com/office/2006/metadata/properties/metaAttributes" ct:_="" ma:_="" ma:contentTypeName="Document" ma:contentTypeID="0x010100DD15A10438976445A4F2A564A9063629" ma:contentTypeVersion="6" ma:contentTypeDescription="Create a new document." ma:contentTypeScope="" ma:versionID="45806b5510493321e140864de03fb7ad">
   <xsd:schema xmlns:xsd="http://www.w3.org/2001/XMLSchema" xmlns:xs="http://www.w3.org/2001/XMLSchema" xmlns:p="http://schemas.microsoft.com/office/2006/metadata/properties" xmlns:ns2="63fc63a6-18cf-4814-8dee-b8d6616a2bda" targetNamespace="http://schemas.microsoft.com/office/2006/metadata/properties" ma:root="true" ma:fieldsID="3db532ccb85098a64b7e52bb711c9525" ns2:_="">
     <xsd:import namespace="63fc63a6-18cf-4814-8dee-b8d6616a2bda"/>
@@ -18456,22 +19980,31 @@
 </ct:contentTypeSchema>
 </file>
 
-<file path=customXml/item2.xml><?xml version="1.0" encoding="utf-8"?>
-<?mso-contentType ?>
-<FormTemplates xmlns="http://schemas.microsoft.com/sharepoint/v3/contenttype/forms">
-  <Display>DocumentLibraryForm</Display>
-  <Edit>DocumentLibraryForm</Edit>
-  <New>DocumentLibraryForm</New>
-</FormTemplates>
+<file path=customXml/itemProps1.xml><?xml version="1.0" encoding="utf-8"?>
+<ds:datastoreItem xmlns:ds="http://schemas.openxmlformats.org/officeDocument/2006/customXml" ds:itemID="{796C1367-8D37-49A1-BF4B-2E9150DA2B52}">
+  <ds:schemaRefs>
+    <ds:schemaRef ds:uri="http://purl.org/dc/dcmitype/"/>
+    <ds:schemaRef ds:uri="http://www.w3.org/XML/1998/namespace"/>
+    <ds:schemaRef ds:uri="http://purl.org/dc/elements/1.1/"/>
+    <ds:schemaRef ds:uri="http://purl.org/dc/terms/"/>
+    <ds:schemaRef ds:uri="http://schemas.microsoft.com/office/infopath/2007/PartnerControls"/>
+    <ds:schemaRef ds:uri="http://schemas.microsoft.com/office/2006/documentManagement/types"/>
+    <ds:schemaRef ds:uri="http://schemas.microsoft.com/office/2006/metadata/properties"/>
+    <ds:schemaRef ds:uri="http://schemas.openxmlformats.org/package/2006/metadata/core-properties"/>
+    <ds:schemaRef ds:uri="63fc63a6-18cf-4814-8dee-b8d6616a2bda"/>
+  </ds:schemaRefs>
+</ds:datastoreItem>
 </file>
 
-<file path=customXml/item3.xml><?xml version="1.0" encoding="utf-8"?>
-<p:properties xmlns:p="http://schemas.microsoft.com/office/2006/metadata/properties" xmlns:xsi="http://www.w3.org/2001/XMLSchema-instance" xmlns:pc="http://schemas.microsoft.com/office/infopath/2007/PartnerControls">
-  <documentManagement/>
-</p:properties>
+<file path=customXml/itemProps2.xml><?xml version="1.0" encoding="utf-8"?>
+<ds:datastoreItem xmlns:ds="http://schemas.openxmlformats.org/officeDocument/2006/customXml" ds:itemID="{39D54C70-8A1F-433D-B3DF-B7287D9E1633}">
+  <ds:schemaRefs>
+    <ds:schemaRef ds:uri="http://schemas.microsoft.com/sharepoint/v3/contenttype/forms"/>
+  </ds:schemaRefs>
+</ds:datastoreItem>
 </file>
 
-<file path=customXml/itemProps1.xml><?xml version="1.0" encoding="utf-8"?>
+<file path=customXml/itemProps3.xml><?xml version="1.0" encoding="utf-8"?>
 <ds:datastoreItem xmlns:ds="http://schemas.openxmlformats.org/officeDocument/2006/customXml" ds:itemID="{25EF2080-A3D2-46D5-AF20-1C20554745AE}">
   <ds:schemaRefs>
     <ds:schemaRef ds:uri="http://schemas.microsoft.com/office/2006/metadata/contentType"/>
@@ -18487,28 +20020,4 @@
     <ds:schemaRef ds:uri="http://schemas.microsoft.com/internal/obd"/>
   </ds:schemaRefs>
 </ds:datastoreItem>
-</file>
-
-<file path=customXml/itemProps2.xml><?xml version="1.0" encoding="utf-8"?>
-<ds:datastoreItem xmlns:ds="http://schemas.openxmlformats.org/officeDocument/2006/customXml" ds:itemID="{39D54C70-8A1F-433D-B3DF-B7287D9E1633}">
-  <ds:schemaRefs>
-    <ds:schemaRef ds:uri="http://schemas.microsoft.com/sharepoint/v3/contenttype/forms"/>
-  </ds:schemaRefs>
-</ds:datastoreItem>
-</file>
-
-<file path=customXml/itemProps3.xml><?xml version="1.0" encoding="utf-8"?>
-<ds:datastoreItem xmlns:ds="http://schemas.openxmlformats.org/officeDocument/2006/customXml" ds:itemID="{796C1367-8D37-49A1-BF4B-2E9150DA2B52}">
-  <ds:schemaRefs>
-    <ds:schemaRef ds:uri="http://purl.org/dc/dcmitype/"/>
-    <ds:schemaRef ds:uri="http://www.w3.org/XML/1998/namespace"/>
-    <ds:schemaRef ds:uri="http://purl.org/dc/elements/1.1/"/>
-    <ds:schemaRef ds:uri="http://purl.org/dc/terms/"/>
-    <ds:schemaRef ds:uri="http://schemas.microsoft.com/office/infopath/2007/PartnerControls"/>
-    <ds:schemaRef ds:uri="http://schemas.microsoft.com/office/2006/documentManagement/types"/>
-    <ds:schemaRef ds:uri="http://schemas.microsoft.com/office/2006/metadata/properties"/>
-    <ds:schemaRef ds:uri="http://schemas.openxmlformats.org/package/2006/metadata/core-properties"/>
-    <ds:schemaRef ds:uri="63fc63a6-18cf-4814-8dee-b8d6616a2bda"/>
-  </ds:schemaRefs>
-</ds:datastoreItem>
 </file>
--- a/Slides/SYCL intro.pptx
+++ b/Slides/SYCL intro.pptx
@@ -7,7 +7,7 @@
     <p:sldMasterId id="2147483676" r:id="rId6"/>
   </p:sldMasterIdLst>
   <p:notesMasterIdLst>
-    <p:notesMasterId r:id="rId22"/>
+    <p:notesMasterId r:id="rId25"/>
   </p:notesMasterIdLst>
   <p:sldIdLst>
     <p:sldId id="321" r:id="rId7"/>
@@ -25,6 +25,9 @@
     <p:sldId id="361" r:id="rId19"/>
     <p:sldId id="362" r:id="rId20"/>
     <p:sldId id="363" r:id="rId21"/>
+    <p:sldId id="365" r:id="rId22"/>
+    <p:sldId id="364" r:id="rId23"/>
+    <p:sldId id="366" r:id="rId24"/>
   </p:sldIdLst>
   <p:sldSz cx="12192000" cy="6858000"/>
   <p:notesSz cx="6858000" cy="9144000"/>
@@ -122,6 +125,9 @@
             <p14:sldId id="361"/>
             <p14:sldId id="362"/>
             <p14:sldId id="363"/>
+            <p14:sldId id="365"/>
+            <p14:sldId id="364"/>
+            <p14:sldId id="366"/>
           </p14:sldIdLst>
         </p14:section>
       </p14:sectionLst>
@@ -5953,7 +5959,7 @@
           </a:ln>
           <a:extLst>
             <a:ext uri="{C572A759-6A51-4108-AA02-DFA0A04FC94B}">
-              <ma14:wrappingTextBoxFlag xmlns:ma14="http://schemas.microsoft.com/office/mac/drawingml/2011/main" xmlns="" val="1"/>
+              <ma14:wrappingTextBoxFlag xmlns="" xmlns:ma14="http://schemas.microsoft.com/office/mac/drawingml/2011/main" val="1"/>
             </a:ext>
           </a:extLst>
         </p:spPr>
@@ -6160,7 +6166,7 @@
           </a:ln>
           <a:extLst>
             <a:ext uri="{C572A759-6A51-4108-AA02-DFA0A04FC94B}">
-              <ma14:wrappingTextBoxFlag xmlns:ma14="http://schemas.microsoft.com/office/mac/drawingml/2011/main" xmlns="" val="1"/>
+              <ma14:wrappingTextBoxFlag xmlns="" xmlns:ma14="http://schemas.microsoft.com/office/mac/drawingml/2011/main" val="1"/>
             </a:ext>
           </a:extLst>
         </p:spPr>
@@ -7059,7 +7065,7 @@
           </a:ln>
           <a:extLst>
             <a:ext uri="{C572A759-6A51-4108-AA02-DFA0A04FC94B}">
-              <ma14:wrappingTextBoxFlag xmlns:ma14="http://schemas.microsoft.com/office/mac/drawingml/2011/main" xmlns="" val="1"/>
+              <ma14:wrappingTextBoxFlag xmlns="" xmlns:ma14="http://schemas.microsoft.com/office/mac/drawingml/2011/main" val="1"/>
             </a:ext>
           </a:extLst>
         </p:spPr>
@@ -7894,7 +7900,7 @@
           </a:ln>
           <a:extLst>
             <a:ext uri="{C572A759-6A51-4108-AA02-DFA0A04FC94B}">
-              <ma14:wrappingTextBoxFlag xmlns:ma14="http://schemas.microsoft.com/office/mac/drawingml/2011/main" xmlns="" val="1"/>
+              <ma14:wrappingTextBoxFlag xmlns="" xmlns:ma14="http://schemas.microsoft.com/office/mac/drawingml/2011/main" val="1"/>
             </a:ext>
           </a:extLst>
         </p:spPr>
@@ -13577,6 +13583,429 @@
 </p:sld>
 </file>
 
+<file path=ppt/slides/slide16.xml><?xml version="1.0" encoding="utf-8"?>
+<p:sld xmlns:a="http://schemas.openxmlformats.org/drawingml/2006/main" xmlns:r="http://schemas.openxmlformats.org/officeDocument/2006/relationships" xmlns:p="http://schemas.openxmlformats.org/presentationml/2006/main">
+  <p:cSld>
+    <p:spTree>
+      <p:nvGrpSpPr>
+        <p:cNvPr id="1" name=""/>
+        <p:cNvGrpSpPr/>
+        <p:nvPr/>
+      </p:nvGrpSpPr>
+      <p:grpSpPr>
+        <a:xfrm>
+          <a:off x="0" y="0"/>
+          <a:ext cx="0" cy="0"/>
+          <a:chOff x="0" y="0"/>
+          <a:chExt cx="0" cy="0"/>
+        </a:xfrm>
+      </p:grpSpPr>
+      <p:sp>
+        <p:nvSpPr>
+          <p:cNvPr id="2" name="Text Placeholder 1">
+            <a:extLst>
+              <a:ext uri="{FF2B5EF4-FFF2-40B4-BE49-F238E27FC236}">
+                <a16:creationId xmlns:a16="http://schemas.microsoft.com/office/drawing/2014/main" id="{DA06091D-5EE0-A7C9-F694-709DCE63152D}"/>
+              </a:ext>
+            </a:extLst>
+          </p:cNvPr>
+          <p:cNvSpPr>
+            <a:spLocks noGrp="1"/>
+          </p:cNvSpPr>
+          <p:nvPr>
+            <p:ph type="body" sz="quarter" idx="11"/>
+          </p:nvPr>
+        </p:nvSpPr>
+        <p:spPr/>
+        <p:txBody>
+          <a:bodyPr/>
+          <a:lstStyle/>
+          <a:p>
+            <a:r>
+              <a:rPr lang="en-US" dirty="0"/>
+              <a:t>Dependencies between tasks may be implicit or explicit</a:t>
+            </a:r>
+          </a:p>
+          <a:p>
+            <a:r>
+              <a:rPr lang="en-US" dirty="0"/>
+              <a:t>Explicit dependency refers to dependency between computations</a:t>
+            </a:r>
+          </a:p>
+          <a:p>
+            <a:pPr lvl="1"/>
+            <a:r>
+              <a:rPr lang="en-US" dirty="0"/>
+              <a:t>Most relevant to code utilizing USM for data management</a:t>
+            </a:r>
+          </a:p>
+          <a:p>
+            <a:pPr lvl="1"/>
+            <a:r>
+              <a:rPr lang="en-US" dirty="0"/>
+              <a:t>Dependencies specified using events</a:t>
+            </a:r>
+          </a:p>
+          <a:p>
+            <a:r>
+              <a:rPr lang="en-US" dirty="0"/>
+              <a:t>Implicit dependency refers to dependency between data accesses</a:t>
+            </a:r>
+          </a:p>
+          <a:p>
+            <a:pPr lvl="1"/>
+            <a:r>
+              <a:rPr lang="en-US" dirty="0"/>
+              <a:t>Relevant to code utilizing buffers for data management</a:t>
+            </a:r>
+          </a:p>
+          <a:p>
+            <a:pPr lvl="1"/>
+            <a:r>
+              <a:rPr lang="en-US" dirty="0"/>
+              <a:t>Dependencies specified through accessors</a:t>
+            </a:r>
+          </a:p>
+        </p:txBody>
+      </p:sp>
+      <p:sp>
+        <p:nvSpPr>
+          <p:cNvPr id="3" name="Title 2">
+            <a:extLst>
+              <a:ext uri="{FF2B5EF4-FFF2-40B4-BE49-F238E27FC236}">
+                <a16:creationId xmlns:a16="http://schemas.microsoft.com/office/drawing/2014/main" id="{126BB3AB-6339-E49B-632B-D44244FA6DFB}"/>
+              </a:ext>
+            </a:extLst>
+          </p:cNvPr>
+          <p:cNvSpPr>
+            <a:spLocks noGrp="1"/>
+          </p:cNvSpPr>
+          <p:nvPr>
+            <p:ph type="title"/>
+          </p:nvPr>
+        </p:nvSpPr>
+        <p:spPr/>
+        <p:txBody>
+          <a:bodyPr/>
+          <a:lstStyle/>
+          <a:p>
+            <a:r>
+              <a:rPr lang="en-US" sz="4000" dirty="0"/>
+              <a:t>Dependency</a:t>
+            </a:r>
+          </a:p>
+        </p:txBody>
+      </p:sp>
+    </p:spTree>
+    <p:extLst>
+      <p:ext uri="{BB962C8B-B14F-4D97-AF65-F5344CB8AC3E}">
+        <p14:creationId xmlns:p14="http://schemas.microsoft.com/office/powerpoint/2010/main" val="1234116064"/>
+      </p:ext>
+    </p:extLst>
+  </p:cSld>
+  <p:clrMapOvr>
+    <a:masterClrMapping/>
+  </p:clrMapOvr>
+  <p:transition spd="med"/>
+</p:sld>
+</file>
+
+<file path=ppt/slides/slide17.xml><?xml version="1.0" encoding="utf-8"?>
+<p:sld xmlns:a="http://schemas.openxmlformats.org/drawingml/2006/main" xmlns:r="http://schemas.openxmlformats.org/officeDocument/2006/relationships" xmlns:p="http://schemas.openxmlformats.org/presentationml/2006/main">
+  <p:cSld>
+    <p:spTree>
+      <p:nvGrpSpPr>
+        <p:cNvPr id="1" name=""/>
+        <p:cNvGrpSpPr/>
+        <p:nvPr/>
+      </p:nvGrpSpPr>
+      <p:grpSpPr>
+        <a:xfrm>
+          <a:off x="0" y="0"/>
+          <a:ext cx="0" cy="0"/>
+          <a:chOff x="0" y="0"/>
+          <a:chExt cx="0" cy="0"/>
+        </a:xfrm>
+      </p:grpSpPr>
+      <p:sp>
+        <p:nvSpPr>
+          <p:cNvPr id="2" name="Text Placeholder 1">
+            <a:extLst>
+              <a:ext uri="{FF2B5EF4-FFF2-40B4-BE49-F238E27FC236}">
+                <a16:creationId xmlns:a16="http://schemas.microsoft.com/office/drawing/2014/main" id="{B046716B-3344-F8B0-1CD3-64C7E657CD23}"/>
+              </a:ext>
+            </a:extLst>
+          </p:cNvPr>
+          <p:cNvSpPr>
+            <a:spLocks noGrp="1"/>
+          </p:cNvSpPr>
+          <p:nvPr>
+            <p:ph type="body" sz="quarter" idx="11"/>
+          </p:nvPr>
+        </p:nvSpPr>
+        <p:spPr/>
+        <p:txBody>
+          <a:bodyPr/>
+          <a:lstStyle/>
+          <a:p>
+            <a:r>
+              <a:rPr lang="en-US" dirty="0"/>
+              <a:t>Different tasks may depend on one another’s data</a:t>
+            </a:r>
+          </a:p>
+          <a:p>
+            <a:r>
+              <a:rPr lang="en-US" dirty="0"/>
+              <a:t>Data dependency exists in one of three forms</a:t>
+            </a:r>
+          </a:p>
+          <a:p>
+            <a:pPr lvl="1"/>
+            <a:r>
+              <a:rPr lang="en-US" dirty="0"/>
+              <a:t>Read-after-write: Task B must wait for Task A to read before it can write</a:t>
+            </a:r>
+          </a:p>
+          <a:p>
+            <a:pPr lvl="1"/>
+            <a:r>
+              <a:rPr lang="en-US" dirty="0"/>
+              <a:t>Write-after-read: Task B must wait for Task A to write before it can read</a:t>
+            </a:r>
+          </a:p>
+          <a:p>
+            <a:pPr lvl="1"/>
+            <a:r>
+              <a:rPr lang="en-US" dirty="0"/>
+              <a:t>Write-after-write: Task B must wait for Task A to write before it can write</a:t>
+            </a:r>
+          </a:p>
+          <a:p>
+            <a:r>
+              <a:rPr lang="en-US" dirty="0"/>
+              <a:t>These relationships are specified implicitly via</a:t>
+            </a:r>
+          </a:p>
+          <a:p>
+            <a:pPr lvl="1"/>
+            <a:r>
+              <a:rPr lang="en-US" dirty="0"/>
+              <a:t>Accessor access modes</a:t>
+            </a:r>
+          </a:p>
+          <a:p>
+            <a:pPr lvl="1"/>
+            <a:r>
+              <a:rPr lang="en-US" dirty="0"/>
+              <a:t>Task ordering</a:t>
+            </a:r>
+          </a:p>
+          <a:p>
+            <a:pPr lvl="2"/>
+            <a:r>
+              <a:rPr lang="en-GB" dirty="0"/>
+              <a:t>If two accessors exist for the same data, whichever task is submitted first will be executed first</a:t>
+            </a:r>
+          </a:p>
+          <a:p>
+            <a:pPr lvl="2"/>
+            <a:r>
+              <a:rPr lang="en-GB" dirty="0"/>
+              <a:t>An implicit dependency is created based on the types of access</a:t>
+            </a:r>
+            <a:endParaRPr lang="en-US" dirty="0"/>
+          </a:p>
+        </p:txBody>
+      </p:sp>
+      <p:sp>
+        <p:nvSpPr>
+          <p:cNvPr id="3" name="Title 2">
+            <a:extLst>
+              <a:ext uri="{FF2B5EF4-FFF2-40B4-BE49-F238E27FC236}">
+                <a16:creationId xmlns:a16="http://schemas.microsoft.com/office/drawing/2014/main" id="{EDAD6F0A-8C94-B427-B769-016D5681949C}"/>
+              </a:ext>
+            </a:extLst>
+          </p:cNvPr>
+          <p:cNvSpPr>
+            <a:spLocks noGrp="1"/>
+          </p:cNvSpPr>
+          <p:nvPr>
+            <p:ph type="title"/>
+          </p:nvPr>
+        </p:nvSpPr>
+        <p:spPr/>
+        <p:txBody>
+          <a:bodyPr/>
+          <a:lstStyle/>
+          <a:p>
+            <a:r>
+              <a:rPr lang="en-US" sz="4000" dirty="0"/>
+              <a:t>Data Dependency (Implicit)</a:t>
+            </a:r>
+          </a:p>
+        </p:txBody>
+      </p:sp>
+    </p:spTree>
+    <p:extLst>
+      <p:ext uri="{BB962C8B-B14F-4D97-AF65-F5344CB8AC3E}">
+        <p14:creationId xmlns:p14="http://schemas.microsoft.com/office/powerpoint/2010/main" val="3721103352"/>
+      </p:ext>
+    </p:extLst>
+  </p:cSld>
+  <p:clrMapOvr>
+    <a:masterClrMapping/>
+  </p:clrMapOvr>
+  <p:transition spd="med"/>
+</p:sld>
+</file>
+
+<file path=ppt/slides/slide18.xml><?xml version="1.0" encoding="utf-8"?>
+<p:sld xmlns:a="http://schemas.openxmlformats.org/drawingml/2006/main" xmlns:r="http://schemas.openxmlformats.org/officeDocument/2006/relationships" xmlns:p="http://schemas.openxmlformats.org/presentationml/2006/main">
+  <p:cSld>
+    <p:spTree>
+      <p:nvGrpSpPr>
+        <p:cNvPr id="1" name=""/>
+        <p:cNvGrpSpPr/>
+        <p:nvPr/>
+      </p:nvGrpSpPr>
+      <p:grpSpPr>
+        <a:xfrm>
+          <a:off x="0" y="0"/>
+          <a:ext cx="0" cy="0"/>
+          <a:chOff x="0" y="0"/>
+          <a:chExt cx="0" cy="0"/>
+        </a:xfrm>
+      </p:grpSpPr>
+      <p:sp>
+        <p:nvSpPr>
+          <p:cNvPr id="2" name="Text Placeholder 1">
+            <a:extLst>
+              <a:ext uri="{FF2B5EF4-FFF2-40B4-BE49-F238E27FC236}">
+                <a16:creationId xmlns:a16="http://schemas.microsoft.com/office/drawing/2014/main" id="{0747A3D8-0DE5-6F41-FB3C-D6028072CF68}"/>
+              </a:ext>
+            </a:extLst>
+          </p:cNvPr>
+          <p:cNvSpPr>
+            <a:spLocks noGrp="1"/>
+          </p:cNvSpPr>
+          <p:nvPr>
+            <p:ph type="body" sz="quarter" idx="11"/>
+          </p:nvPr>
+        </p:nvSpPr>
+        <p:spPr/>
+        <p:txBody>
+          <a:bodyPr/>
+          <a:lstStyle/>
+          <a:p>
+            <a:r>
+              <a:rPr lang="en-US" dirty="0"/>
+              <a:t>A queue’s submit() function returns an </a:t>
+            </a:r>
+            <a:r>
+              <a:rPr lang="en-US" i="1" dirty="0"/>
+              <a:t>event</a:t>
+            </a:r>
+            <a:endParaRPr lang="en-US" dirty="0"/>
+          </a:p>
+          <a:p>
+            <a:r>
+              <a:rPr lang="en-US" dirty="0"/>
+              <a:t>Event objects can be captured and referenced for other purposes</a:t>
+            </a:r>
+          </a:p>
+          <a:p>
+            <a:pPr lvl="1"/>
+            <a:r>
+              <a:rPr lang="en-US" dirty="0"/>
+              <a:t>wait()</a:t>
+            </a:r>
+          </a:p>
+          <a:p>
+            <a:pPr lvl="1"/>
+            <a:r>
+              <a:rPr lang="en-US" dirty="0" err="1"/>
+              <a:t>depends_on</a:t>
+            </a:r>
+            <a:r>
+              <a:rPr lang="en-US" dirty="0"/>
+              <a:t>()</a:t>
+            </a:r>
+          </a:p>
+          <a:p>
+            <a:r>
+              <a:rPr lang="en-US" dirty="0" err="1"/>
+              <a:t>depends_on</a:t>
+            </a:r>
+            <a:r>
+              <a:rPr lang="en-US" dirty="0"/>
+              <a:t>() is a handler function used to specify dependency</a:t>
+            </a:r>
+          </a:p>
+          <a:p>
+            <a:pPr lvl="1"/>
+            <a:r>
+              <a:rPr lang="en-US" dirty="0"/>
+              <a:t>Specifies events on which the current operation depends</a:t>
+            </a:r>
+          </a:p>
+          <a:p>
+            <a:pPr lvl="1"/>
+            <a:r>
+              <a:rPr lang="en-US" dirty="0"/>
+              <a:t>Takes an event or vector of events as parameters</a:t>
+            </a:r>
+          </a:p>
+          <a:p>
+            <a:pPr lvl="1"/>
+            <a:r>
+              <a:rPr lang="en-US" dirty="0"/>
+              <a:t>Will wait until all specified events have finished before continuing execution</a:t>
+            </a:r>
+          </a:p>
+        </p:txBody>
+      </p:sp>
+      <p:sp>
+        <p:nvSpPr>
+          <p:cNvPr id="3" name="Title 2">
+            <a:extLst>
+              <a:ext uri="{FF2B5EF4-FFF2-40B4-BE49-F238E27FC236}">
+                <a16:creationId xmlns:a16="http://schemas.microsoft.com/office/drawing/2014/main" id="{8864E37C-F6C7-4A94-942B-13EF46C13A57}"/>
+              </a:ext>
+            </a:extLst>
+          </p:cNvPr>
+          <p:cNvSpPr>
+            <a:spLocks noGrp="1"/>
+          </p:cNvSpPr>
+          <p:nvPr>
+            <p:ph type="title"/>
+          </p:nvPr>
+        </p:nvSpPr>
+        <p:spPr/>
+        <p:txBody>
+          <a:bodyPr/>
+          <a:lstStyle/>
+          <a:p>
+            <a:r>
+              <a:rPr lang="en-US" sz="4000" dirty="0"/>
+              <a:t>Computational Dependency (Explicit)</a:t>
+            </a:r>
+          </a:p>
+        </p:txBody>
+      </p:sp>
+    </p:spTree>
+    <p:extLst>
+      <p:ext uri="{BB962C8B-B14F-4D97-AF65-F5344CB8AC3E}">
+        <p14:creationId xmlns:p14="http://schemas.microsoft.com/office/powerpoint/2010/main" val="2057883510"/>
+      </p:ext>
+    </p:extLst>
+  </p:cSld>
+  <p:clrMapOvr>
+    <a:masterClrMapping/>
+  </p:clrMapOvr>
+  <p:transition spd="med"/>
+</p:sld>
+</file>
+
 <file path=ppt/slides/slide2.xml><?xml version="1.0" encoding="utf-8"?>
 <p:sld xmlns:a="http://schemas.openxmlformats.org/drawingml/2006/main" xmlns:r="http://schemas.openxmlformats.org/officeDocument/2006/relationships" xmlns:p="http://schemas.openxmlformats.org/presentationml/2006/main">
   <p:cSld>
@@ -14118,7 +14547,7 @@
             <a:pPr lvl="1"/>
             <a:r>
               <a:rPr lang="en-US" sz="1600" dirty="0"/>
-              <a:t>Code cannot be shared or re-used for use with other devices</a:t>
+              <a:t>Code cannot be shared or re-used with other devices</a:t>
             </a:r>
           </a:p>
           <a:p>
@@ -14329,7 +14758,26 @@
               <a:rPr lang="en-GB" sz="2000" dirty="0"/>
               <a:t>Host continues execution of the program after submission to the queue</a:t>
             </a:r>
-            <a:endParaRPr lang="en-US" sz="2000" dirty="0"/>
+          </a:p>
+          <a:p>
+            <a:r>
+              <a:rPr lang="en-GB" sz="2400" dirty="0"/>
+              <a:t>Task execution can be in-order or out-of-order</a:t>
+            </a:r>
+          </a:p>
+          <a:p>
+            <a:pPr lvl="1"/>
+            <a:r>
+              <a:rPr lang="en-GB" sz="2000" dirty="0"/>
+              <a:t>Out-of-order by default, execution order determined by runtime</a:t>
+            </a:r>
+          </a:p>
+          <a:p>
+            <a:pPr lvl="1"/>
+            <a:r>
+              <a:rPr lang="en-US" sz="2000" dirty="0"/>
+              <a:t>Can be instantiated with the in-order property for implicit dependency specification</a:t>
+            </a:r>
           </a:p>
         </p:txBody>
       </p:sp>
@@ -15287,13 +15735,8 @@
           <a:p>
             <a:r>
               <a:rPr lang="en-US" sz="2400" dirty="0"/>
-              <a:t>Objects that specify a task and its </a:t>
-            </a:r>
-            <a:r>
-              <a:rPr lang="en-US" sz="2400" dirty="0" err="1"/>
-              <a:t>depdendencies</a:t>
-            </a:r>
-            <a:endParaRPr lang="en-US" sz="2400" dirty="0"/>
+              <a:t>Objects that specify a task and its dependencies</a:t>
+            </a:r>
           </a:p>
           <a:p>
             <a:r>
@@ -19808,18 +20251,18 @@
 </file>
 
 <file path=customXml/item1.xml><?xml version="1.0" encoding="utf-8"?>
-<p:properties xmlns:p="http://schemas.microsoft.com/office/2006/metadata/properties" xmlns:xsi="http://www.w3.org/2001/XMLSchema-instance" xmlns:pc="http://schemas.microsoft.com/office/infopath/2007/PartnerControls">
-  <documentManagement/>
-</p:properties>
-</file>
-
-<file path=customXml/item2.xml><?xml version="1.0" encoding="utf-8"?>
 <?mso-contentType ?>
 <FormTemplates xmlns="http://schemas.microsoft.com/sharepoint/v3/contenttype/forms">
   <Display>DocumentLibraryForm</Display>
   <Edit>DocumentLibraryForm</Edit>
   <New>DocumentLibraryForm</New>
 </FormTemplates>
+</file>
+
+<file path=customXml/item2.xml><?xml version="1.0" encoding="utf-8"?>
+<p:properties xmlns:p="http://schemas.microsoft.com/office/2006/metadata/properties" xmlns:xsi="http://www.w3.org/2001/XMLSchema-instance" xmlns:pc="http://schemas.microsoft.com/office/infopath/2007/PartnerControls">
+  <documentManagement/>
+</p:properties>
 </file>
 
 <file path=customXml/item3.xml><?xml version="1.0" encoding="utf-8"?>
@@ -19981,6 +20424,14 @@
 </file>
 
 <file path=customXml/itemProps1.xml><?xml version="1.0" encoding="utf-8"?>
+<ds:datastoreItem xmlns:ds="http://schemas.openxmlformats.org/officeDocument/2006/customXml" ds:itemID="{39D54C70-8A1F-433D-B3DF-B7287D9E1633}">
+  <ds:schemaRefs>
+    <ds:schemaRef ds:uri="http://schemas.microsoft.com/sharepoint/v3/contenttype/forms"/>
+  </ds:schemaRefs>
+</ds:datastoreItem>
+</file>
+
+<file path=customXml/itemProps2.xml><?xml version="1.0" encoding="utf-8"?>
 <ds:datastoreItem xmlns:ds="http://schemas.openxmlformats.org/officeDocument/2006/customXml" ds:itemID="{796C1367-8D37-49A1-BF4B-2E9150DA2B52}">
   <ds:schemaRefs>
     <ds:schemaRef ds:uri="http://purl.org/dc/dcmitype/"/>
@@ -19992,14 +20443,6 @@
     <ds:schemaRef ds:uri="http://schemas.microsoft.com/office/2006/metadata/properties"/>
     <ds:schemaRef ds:uri="http://schemas.openxmlformats.org/package/2006/metadata/core-properties"/>
     <ds:schemaRef ds:uri="63fc63a6-18cf-4814-8dee-b8d6616a2bda"/>
-  </ds:schemaRefs>
-</ds:datastoreItem>
-</file>
-
-<file path=customXml/itemProps2.xml><?xml version="1.0" encoding="utf-8"?>
-<ds:datastoreItem xmlns:ds="http://schemas.openxmlformats.org/officeDocument/2006/customXml" ds:itemID="{39D54C70-8A1F-433D-B3DF-B7287D9E1633}">
-  <ds:schemaRefs>
-    <ds:schemaRef ds:uri="http://schemas.microsoft.com/sharepoint/v3/contenttype/forms"/>
   </ds:schemaRefs>
 </ds:datastoreItem>
 </file>

--- a/Slides/SYCL intro.pptx
+++ b/Slides/SYCL intro.pptx
@@ -7,7 +7,7 @@
     <p:sldMasterId id="2147483676" r:id="rId6"/>
   </p:sldMasterIdLst>
   <p:notesMasterIdLst>
-    <p:notesMasterId r:id="rId25"/>
+    <p:notesMasterId r:id="rId29"/>
   </p:notesMasterIdLst>
   <p:sldIdLst>
     <p:sldId id="321" r:id="rId7"/>
@@ -15,19 +15,23 @@
     <p:sldId id="351" r:id="rId9"/>
     <p:sldId id="352" r:id="rId10"/>
     <p:sldId id="353" r:id="rId11"/>
-    <p:sldId id="354" r:id="rId12"/>
-    <p:sldId id="355" r:id="rId13"/>
-    <p:sldId id="356" r:id="rId14"/>
-    <p:sldId id="357" r:id="rId15"/>
-    <p:sldId id="358" r:id="rId16"/>
+    <p:sldId id="362" r:id="rId12"/>
+    <p:sldId id="363" r:id="rId13"/>
+    <p:sldId id="357" r:id="rId14"/>
+    <p:sldId id="358" r:id="rId15"/>
+    <p:sldId id="367" r:id="rId16"/>
     <p:sldId id="359" r:id="rId17"/>
-    <p:sldId id="360" r:id="rId18"/>
-    <p:sldId id="361" r:id="rId19"/>
-    <p:sldId id="362" r:id="rId20"/>
-    <p:sldId id="363" r:id="rId21"/>
-    <p:sldId id="365" r:id="rId22"/>
-    <p:sldId id="364" r:id="rId23"/>
-    <p:sldId id="366" r:id="rId24"/>
+    <p:sldId id="365" r:id="rId18"/>
+    <p:sldId id="360" r:id="rId19"/>
+    <p:sldId id="364" r:id="rId20"/>
+    <p:sldId id="368" r:id="rId21"/>
+    <p:sldId id="366" r:id="rId22"/>
+    <p:sldId id="361" r:id="rId23"/>
+    <p:sldId id="369" r:id="rId24"/>
+    <p:sldId id="354" r:id="rId25"/>
+    <p:sldId id="355" r:id="rId26"/>
+    <p:sldId id="356" r:id="rId27"/>
+    <p:sldId id="370" r:id="rId28"/>
   </p:sldIdLst>
   <p:sldSz cx="12192000" cy="6858000"/>
   <p:notesSz cx="6858000" cy="9144000"/>
@@ -115,19 +119,23 @@
             <p14:sldId id="351"/>
             <p14:sldId id="352"/>
             <p14:sldId id="353"/>
+            <p14:sldId id="362"/>
+            <p14:sldId id="363"/>
+            <p14:sldId id="357"/>
+            <p14:sldId id="358"/>
+            <p14:sldId id="367"/>
+            <p14:sldId id="359"/>
+            <p14:sldId id="365"/>
+            <p14:sldId id="360"/>
+            <p14:sldId id="364"/>
+            <p14:sldId id="368"/>
+            <p14:sldId id="366"/>
+            <p14:sldId id="361"/>
+            <p14:sldId id="369"/>
             <p14:sldId id="354"/>
             <p14:sldId id="355"/>
             <p14:sldId id="356"/>
-            <p14:sldId id="357"/>
-            <p14:sldId id="358"/>
-            <p14:sldId id="359"/>
-            <p14:sldId id="360"/>
-            <p14:sldId id="361"/>
-            <p14:sldId id="362"/>
-            <p14:sldId id="363"/>
-            <p14:sldId id="365"/>
-            <p14:sldId id="364"/>
-            <p14:sldId id="366"/>
+            <p14:sldId id="370"/>
           </p14:sldIdLst>
         </p14:section>
       </p14:sectionLst>
@@ -5959,7 +5967,7 @@
           </a:ln>
           <a:extLst>
             <a:ext uri="{C572A759-6A51-4108-AA02-DFA0A04FC94B}">
-              <ma14:wrappingTextBoxFlag xmlns="" xmlns:ma14="http://schemas.microsoft.com/office/mac/drawingml/2011/main" val="1"/>
+              <ma14:wrappingTextBoxFlag xmlns:ma14="http://schemas.microsoft.com/office/mac/drawingml/2011/main" xmlns="" val="1"/>
             </a:ext>
           </a:extLst>
         </p:spPr>
@@ -6166,7 +6174,7 @@
           </a:ln>
           <a:extLst>
             <a:ext uri="{C572A759-6A51-4108-AA02-DFA0A04FC94B}">
-              <ma14:wrappingTextBoxFlag xmlns="" xmlns:ma14="http://schemas.microsoft.com/office/mac/drawingml/2011/main" val="1"/>
+              <ma14:wrappingTextBoxFlag xmlns:ma14="http://schemas.microsoft.com/office/mac/drawingml/2011/main" xmlns="" val="1"/>
             </a:ext>
           </a:extLst>
         </p:spPr>
@@ -7065,7 +7073,7 @@
           </a:ln>
           <a:extLst>
             <a:ext uri="{C572A759-6A51-4108-AA02-DFA0A04FC94B}">
-              <ma14:wrappingTextBoxFlag xmlns="" xmlns:ma14="http://schemas.microsoft.com/office/mac/drawingml/2011/main" val="1"/>
+              <ma14:wrappingTextBoxFlag xmlns:ma14="http://schemas.microsoft.com/office/mac/drawingml/2011/main" xmlns="" val="1"/>
             </a:ext>
           </a:extLst>
         </p:spPr>
@@ -7900,7 +7908,7 @@
           </a:ln>
           <a:extLst>
             <a:ext uri="{C572A759-6A51-4108-AA02-DFA0A04FC94B}">
-              <ma14:wrappingTextBoxFlag xmlns="" xmlns:ma14="http://schemas.microsoft.com/office/mac/drawingml/2011/main" val="1"/>
+              <ma14:wrappingTextBoxFlag xmlns:ma14="http://schemas.microsoft.com/office/mac/drawingml/2011/main" xmlns="" val="1"/>
             </a:ext>
           </a:extLst>
         </p:spPr>
@@ -12277,7 +12285,7 @@
           <p:cNvPr id="2" name="Text Placeholder 1">
             <a:extLst>
               <a:ext uri="{FF2B5EF4-FFF2-40B4-BE49-F238E27FC236}">
-                <a16:creationId xmlns:a16="http://schemas.microsoft.com/office/drawing/2014/main" id="{71DE8418-632F-2354-801D-974AEB04AD4A}"/>
+                <a16:creationId xmlns:a16="http://schemas.microsoft.com/office/drawing/2014/main" id="{B3F893BD-9D33-8B8F-DCD0-3EC00FAAFF3C}"/>
               </a:ext>
             </a:extLst>
           </p:cNvPr>
@@ -12293,316 +12301,17 @@
           <a:bodyPr/>
           <a:lstStyle/>
           <a:p>
-            <a:pPr marL="55397" indent="0">
-              <a:buNone/>
-            </a:pPr>
-            <a:r>
-              <a:rPr lang="en-GB" sz="2000" dirty="0" err="1">
-                <a:solidFill>
-                  <a:srgbClr val="000000"/>
-                </a:solidFill>
-              </a:rPr>
-              <a:t>Q.submit</a:t>
-            </a:r>
-            <a:r>
-              <a:rPr lang="en-GB" sz="2000" dirty="0">
-                <a:solidFill>
-                  <a:srgbClr val="000000"/>
-                </a:solidFill>
-              </a:rPr>
-              <a:t>([&amp;](handler&amp; h) {		</a:t>
-            </a:r>
-            <a:r>
-              <a:rPr lang="en-GB" sz="2000" dirty="0">
-                <a:solidFill>
-                  <a:srgbClr val="008000"/>
-                </a:solidFill>
-              </a:rPr>
-              <a:t>// function called on host</a:t>
-            </a:r>
-            <a:endParaRPr lang="en-GB" sz="2000" dirty="0">
-              <a:solidFill>
-                <a:srgbClr val="000000"/>
-              </a:solidFill>
-            </a:endParaRPr>
-          </a:p>
-          <a:p>
-            <a:pPr marL="55397" indent="0">
-              <a:buNone/>
-            </a:pPr>
-            <a:r>
-              <a:rPr lang="en-GB" sz="2000" dirty="0">
-                <a:solidFill>
-                  <a:srgbClr val="000000"/>
-                </a:solidFill>
-              </a:rPr>
-              <a:t>	accessor </a:t>
-            </a:r>
-            <a:r>
-              <a:rPr lang="en-GB" sz="2000" dirty="0" err="1">
-                <a:solidFill>
-                  <a:srgbClr val="000000"/>
-                </a:solidFill>
-              </a:rPr>
-              <a:t>acc</a:t>
-            </a:r>
-            <a:r>
-              <a:rPr lang="en-GB" sz="2000" dirty="0">
-                <a:solidFill>
-                  <a:srgbClr val="000000"/>
-                </a:solidFill>
-              </a:rPr>
-              <a:t>{ B, h };			</a:t>
-            </a:r>
-            <a:r>
-              <a:rPr lang="en-GB" sz="2000" dirty="0">
-                <a:solidFill>
-                  <a:srgbClr val="008000"/>
-                </a:solidFill>
-              </a:rPr>
-              <a:t>// host code defining accessor, setting up dependencies</a:t>
-            </a:r>
-            <a:endParaRPr lang="en-GB" sz="2000" dirty="0">
-              <a:solidFill>
-                <a:srgbClr val="000000"/>
-              </a:solidFill>
-            </a:endParaRPr>
-          </a:p>
-          <a:p>
-            <a:pPr marL="55397" indent="0">
-              <a:buNone/>
-            </a:pPr>
-            <a:r>
-              <a:rPr lang="en-US" sz="2000" dirty="0">
-                <a:solidFill>
-                  <a:srgbClr val="000000"/>
-                </a:solidFill>
-              </a:rPr>
-              <a:t>	</a:t>
-            </a:r>
-            <a:r>
-              <a:rPr lang="en-GB" sz="2000" dirty="0" err="1">
-                <a:solidFill>
-                  <a:srgbClr val="000000"/>
-                </a:solidFill>
-              </a:rPr>
-              <a:t>h.parallel_for</a:t>
-            </a:r>
-            <a:r>
-              <a:rPr lang="en-GB" sz="2000" dirty="0">
-                <a:solidFill>
-                  <a:srgbClr val="000000"/>
-                </a:solidFill>
-              </a:rPr>
-              <a:t>(size, [=](</a:t>
-            </a:r>
-            <a:r>
-              <a:rPr lang="en-GB" sz="2000" dirty="0">
-                <a:solidFill>
-                  <a:srgbClr val="0000FF"/>
-                </a:solidFill>
-              </a:rPr>
-              <a:t>auto</a:t>
-            </a:r>
-            <a:r>
-              <a:rPr lang="en-GB" sz="2000" dirty="0">
-                <a:solidFill>
-                  <a:srgbClr val="000000"/>
-                </a:solidFill>
-              </a:rPr>
-              <a:t>&amp; </a:t>
-            </a:r>
-            <a:r>
-              <a:rPr lang="en-GB" sz="2000" dirty="0" err="1">
-                <a:solidFill>
-                  <a:srgbClr val="000000"/>
-                </a:solidFill>
-              </a:rPr>
-              <a:t>idx</a:t>
-            </a:r>
-            <a:r>
-              <a:rPr lang="en-GB" sz="2000" dirty="0">
-                <a:solidFill>
-                  <a:srgbClr val="000000"/>
-                </a:solidFill>
-              </a:rPr>
-              <a:t>) {</a:t>
-            </a:r>
-          </a:p>
-          <a:p>
-            <a:pPr marL="55397" indent="0">
-              <a:buNone/>
-            </a:pPr>
-            <a:r>
-              <a:rPr lang="en-GB" sz="2000" dirty="0">
-                <a:solidFill>
-                  <a:srgbClr val="000000"/>
-                </a:solidFill>
-              </a:rPr>
-              <a:t>		</a:t>
-            </a:r>
-            <a:r>
-              <a:rPr lang="en-GB" sz="2000" dirty="0" err="1">
-                <a:solidFill>
-                  <a:srgbClr val="000000"/>
-                </a:solidFill>
-              </a:rPr>
-              <a:t>acc</a:t>
-            </a:r>
-            <a:r>
-              <a:rPr lang="en-GB" sz="2000" dirty="0">
-                <a:solidFill>
-                  <a:srgbClr val="000000"/>
-                </a:solidFill>
-              </a:rPr>
-              <a:t>[</a:t>
-            </a:r>
-            <a:r>
-              <a:rPr lang="en-GB" sz="2000" dirty="0" err="1">
-                <a:solidFill>
-                  <a:srgbClr val="000000"/>
-                </a:solidFill>
-              </a:rPr>
-              <a:t>idx</a:t>
-            </a:r>
-            <a:r>
-              <a:rPr lang="en-GB" sz="2000" dirty="0">
-                <a:solidFill>
-                  <a:srgbClr val="000000"/>
-                </a:solidFill>
-              </a:rPr>
-              <a:t>] = </a:t>
-            </a:r>
-            <a:r>
-              <a:rPr lang="en-GB" sz="2000" dirty="0" err="1">
-                <a:solidFill>
-                  <a:srgbClr val="000000"/>
-                </a:solidFill>
-              </a:rPr>
-              <a:t>idx</a:t>
-            </a:r>
-            <a:r>
-              <a:rPr lang="en-GB" sz="2000" dirty="0">
-                <a:solidFill>
-                  <a:srgbClr val="000000"/>
-                </a:solidFill>
-              </a:rPr>
-              <a:t>;				</a:t>
-            </a:r>
-            <a:r>
-              <a:rPr lang="en-GB" sz="2000" dirty="0">
-                <a:solidFill>
-                  <a:srgbClr val="008000"/>
-                </a:solidFill>
-              </a:rPr>
-              <a:t>// Device code to be run when runtime dependencies are met</a:t>
-            </a:r>
-            <a:endParaRPr lang="en-GB" sz="2000" dirty="0">
-              <a:solidFill>
-                <a:srgbClr val="000000"/>
-              </a:solidFill>
-            </a:endParaRPr>
-          </a:p>
-          <a:p>
-            <a:pPr marL="55397" indent="0">
-              <a:buNone/>
-            </a:pPr>
-            <a:r>
-              <a:rPr lang="en-US" sz="2000" dirty="0">
-                <a:solidFill>
-                  <a:srgbClr val="000000"/>
-                </a:solidFill>
-              </a:rPr>
-              <a:t>	});</a:t>
-            </a:r>
-          </a:p>
-          <a:p>
-            <a:pPr marL="55397" indent="0">
-              <a:buNone/>
-            </a:pPr>
-            <a:r>
-              <a:rPr lang="en-US" sz="2000" dirty="0">
-                <a:solidFill>
-                  <a:srgbClr val="000000"/>
-                </a:solidFill>
-              </a:rPr>
-              <a:t>});</a:t>
-            </a:r>
-          </a:p>
-          <a:p>
-            <a:pPr marL="55397" indent="0">
-              <a:buNone/>
-            </a:pPr>
-            <a:endParaRPr lang="en-US" sz="2000" dirty="0">
-              <a:solidFill>
-                <a:srgbClr val="000000"/>
-              </a:solidFill>
-            </a:endParaRPr>
-          </a:p>
-          <a:p>
-            <a:pPr marL="55397" indent="0">
-              <a:buNone/>
-            </a:pPr>
-            <a:endParaRPr lang="en-US" sz="2000" dirty="0">
-              <a:solidFill>
-                <a:srgbClr val="000000"/>
-              </a:solidFill>
-            </a:endParaRPr>
-          </a:p>
-          <a:p>
-            <a:pPr marL="55397" indent="0">
-              <a:buNone/>
-            </a:pPr>
-            <a:endParaRPr lang="en-US" sz="2000" dirty="0">
-              <a:solidFill>
-                <a:srgbClr val="000000"/>
-              </a:solidFill>
-            </a:endParaRPr>
-          </a:p>
-          <a:p>
-            <a:pPr marL="55397" indent="0">
-              <a:buNone/>
-            </a:pPr>
-            <a:endParaRPr lang="en-US" sz="2000" dirty="0">
-              <a:solidFill>
-                <a:srgbClr val="000000"/>
-              </a:solidFill>
-            </a:endParaRPr>
-          </a:p>
-          <a:p>
-            <a:pPr marL="55397" indent="0">
-              <a:buNone/>
-            </a:pPr>
-            <a:endParaRPr lang="en-US" sz="2000" dirty="0">
-              <a:solidFill>
-                <a:srgbClr val="000000"/>
-              </a:solidFill>
-            </a:endParaRPr>
-          </a:p>
-          <a:p>
-            <a:pPr marL="55397" indent="0">
-              <a:buNone/>
-            </a:pPr>
-            <a:endParaRPr lang="en-US" sz="2000" dirty="0">
-              <a:solidFill>
-                <a:srgbClr val="000000"/>
-              </a:solidFill>
-            </a:endParaRPr>
-          </a:p>
-          <a:p>
-            <a:pPr marL="55397" indent="0">
-              <a:buNone/>
-            </a:pPr>
-            <a:r>
-              <a:rPr lang="en-US" sz="2000" i="1" dirty="0"/>
-              <a:t>Source: Data Parallel C++, James Reinders et al. pg. 27</a:t>
-            </a:r>
-          </a:p>
-          <a:p>
-            <a:pPr marL="55397" indent="0">
-              <a:buNone/>
-            </a:pPr>
-            <a:endParaRPr lang="en-US" sz="2000" dirty="0"/>
+            <a:r>
+              <a:rPr lang="en-US" dirty="0"/>
+              <a:t>vector_addition.cpp</a:t>
+            </a:r>
+          </a:p>
+          <a:p>
+            <a:pPr lvl="1"/>
+            <a:r>
+              <a:rPr lang="en-US" dirty="0"/>
+              <a:t>https://github.com/BenjaminMFindley/Reconfig-2-SYCL-DPCPP/blob/main/Examples/vector_addition/vector_addition.cpp</a:t>
+            </a:r>
           </a:p>
         </p:txBody>
       </p:sp>
@@ -12611,7 +12320,7 @@
           <p:cNvPr id="3" name="Title 2">
             <a:extLst>
               <a:ext uri="{FF2B5EF4-FFF2-40B4-BE49-F238E27FC236}">
-                <a16:creationId xmlns:a16="http://schemas.microsoft.com/office/drawing/2014/main" id="{CFDE7D4A-1B7C-A57B-3028-9B6BE534194C}"/>
+                <a16:creationId xmlns:a16="http://schemas.microsoft.com/office/drawing/2014/main" id="{ECBB6F3A-17E5-5A14-938D-FC701C86AD40}"/>
               </a:ext>
             </a:extLst>
           </p:cNvPr>
@@ -12628,8 +12337,8 @@
           <a:lstStyle/>
           <a:p>
             <a:r>
-              <a:rPr lang="en-US" sz="4000" dirty="0"/>
-              <a:t>Device Work Submission Example</a:t>
+              <a:rPr lang="en-US" dirty="0"/>
+              <a:t>Example</a:t>
             </a:r>
           </a:p>
         </p:txBody>
@@ -12637,7 +12346,7 @@
     </p:spTree>
     <p:extLst>
       <p:ext uri="{BB962C8B-B14F-4D97-AF65-F5344CB8AC3E}">
-        <p14:creationId xmlns:p14="http://schemas.microsoft.com/office/powerpoint/2010/main" val="825401750"/>
+        <p14:creationId xmlns:p14="http://schemas.microsoft.com/office/powerpoint/2010/main" val="1061019929"/>
       </p:ext>
     </p:extLst>
   </p:cSld>
@@ -12855,6 +12564,133 @@
           <p:cNvPr id="2" name="Text Placeholder 1">
             <a:extLst>
               <a:ext uri="{FF2B5EF4-FFF2-40B4-BE49-F238E27FC236}">
+                <a16:creationId xmlns:a16="http://schemas.microsoft.com/office/drawing/2014/main" id="{DA06091D-5EE0-A7C9-F694-709DCE63152D}"/>
+              </a:ext>
+            </a:extLst>
+          </p:cNvPr>
+          <p:cNvSpPr>
+            <a:spLocks noGrp="1"/>
+          </p:cNvSpPr>
+          <p:nvPr>
+            <p:ph type="body" sz="quarter" idx="11"/>
+          </p:nvPr>
+        </p:nvSpPr>
+        <p:spPr/>
+        <p:txBody>
+          <a:bodyPr/>
+          <a:lstStyle/>
+          <a:p>
+            <a:r>
+              <a:rPr lang="en-US" dirty="0"/>
+              <a:t>Dependencies between tasks may be implicit or explicit</a:t>
+            </a:r>
+          </a:p>
+          <a:p>
+            <a:r>
+              <a:rPr lang="en-US" dirty="0"/>
+              <a:t>Explicit dependency refers to dependency between computations</a:t>
+            </a:r>
+          </a:p>
+          <a:p>
+            <a:pPr lvl="1"/>
+            <a:r>
+              <a:rPr lang="en-US" dirty="0"/>
+              <a:t>Most relevant to code utilizing USM for data management</a:t>
+            </a:r>
+          </a:p>
+          <a:p>
+            <a:pPr lvl="1"/>
+            <a:r>
+              <a:rPr lang="en-US" dirty="0"/>
+              <a:t>Dependencies specified using events</a:t>
+            </a:r>
+          </a:p>
+          <a:p>
+            <a:r>
+              <a:rPr lang="en-US" dirty="0"/>
+              <a:t>Implicit dependency refers to dependency between data accesses</a:t>
+            </a:r>
+          </a:p>
+          <a:p>
+            <a:pPr lvl="1"/>
+            <a:r>
+              <a:rPr lang="en-US" dirty="0"/>
+              <a:t>Relevant to code utilizing buffers for data management</a:t>
+            </a:r>
+          </a:p>
+          <a:p>
+            <a:pPr lvl="1"/>
+            <a:r>
+              <a:rPr lang="en-US" dirty="0"/>
+              <a:t>Dependencies specified through accessors</a:t>
+            </a:r>
+          </a:p>
+        </p:txBody>
+      </p:sp>
+      <p:sp>
+        <p:nvSpPr>
+          <p:cNvPr id="3" name="Title 2">
+            <a:extLst>
+              <a:ext uri="{FF2B5EF4-FFF2-40B4-BE49-F238E27FC236}">
+                <a16:creationId xmlns:a16="http://schemas.microsoft.com/office/drawing/2014/main" id="{126BB3AB-6339-E49B-632B-D44244FA6DFB}"/>
+              </a:ext>
+            </a:extLst>
+          </p:cNvPr>
+          <p:cNvSpPr>
+            <a:spLocks noGrp="1"/>
+          </p:cNvSpPr>
+          <p:nvPr>
+            <p:ph type="title"/>
+          </p:nvPr>
+        </p:nvSpPr>
+        <p:spPr/>
+        <p:txBody>
+          <a:bodyPr/>
+          <a:lstStyle/>
+          <a:p>
+            <a:r>
+              <a:rPr lang="en-US" sz="4000" dirty="0"/>
+              <a:t>Dependency</a:t>
+            </a:r>
+          </a:p>
+        </p:txBody>
+      </p:sp>
+    </p:spTree>
+    <p:extLst>
+      <p:ext uri="{BB962C8B-B14F-4D97-AF65-F5344CB8AC3E}">
+        <p14:creationId xmlns:p14="http://schemas.microsoft.com/office/powerpoint/2010/main" val="1234116064"/>
+      </p:ext>
+    </p:extLst>
+  </p:cSld>
+  <p:clrMapOvr>
+    <a:masterClrMapping/>
+  </p:clrMapOvr>
+  <p:transition spd="med"/>
+</p:sld>
+</file>
+
+<file path=ppt/slides/slide13.xml><?xml version="1.0" encoding="utf-8"?>
+<p:sld xmlns:a="http://schemas.openxmlformats.org/drawingml/2006/main" xmlns:r="http://schemas.openxmlformats.org/officeDocument/2006/relationships" xmlns:p="http://schemas.openxmlformats.org/presentationml/2006/main">
+  <p:cSld>
+    <p:spTree>
+      <p:nvGrpSpPr>
+        <p:cNvPr id="1" name=""/>
+        <p:cNvGrpSpPr/>
+        <p:nvPr/>
+      </p:nvGrpSpPr>
+      <p:grpSpPr>
+        <a:xfrm>
+          <a:off x="0" y="0"/>
+          <a:ext cx="0" cy="0"/>
+          <a:chOff x="0" y="0"/>
+          <a:chExt cx="0" cy="0"/>
+        </a:xfrm>
+      </p:grpSpPr>
+      <p:sp>
+        <p:nvSpPr>
+          <p:cNvPr id="2" name="Text Placeholder 1">
+            <a:extLst>
+              <a:ext uri="{FF2B5EF4-FFF2-40B4-BE49-F238E27FC236}">
                 <a16:creationId xmlns:a16="http://schemas.microsoft.com/office/drawing/2014/main" id="{C3BD474B-A088-785E-CDD9-387C8DAC2FED}"/>
               </a:ext>
             </a:extLst>
@@ -13005,7 +12841,397 @@
 </p:sld>
 </file>
 
-<file path=ppt/slides/slide13.xml><?xml version="1.0" encoding="utf-8"?>
+<file path=ppt/slides/slide14.xml><?xml version="1.0" encoding="utf-8"?>
+<p:sld xmlns:a="http://schemas.openxmlformats.org/drawingml/2006/main" xmlns:r="http://schemas.openxmlformats.org/officeDocument/2006/relationships" xmlns:p="http://schemas.openxmlformats.org/presentationml/2006/main">
+  <p:cSld>
+    <p:spTree>
+      <p:nvGrpSpPr>
+        <p:cNvPr id="1" name=""/>
+        <p:cNvGrpSpPr/>
+        <p:nvPr/>
+      </p:nvGrpSpPr>
+      <p:grpSpPr>
+        <a:xfrm>
+          <a:off x="0" y="0"/>
+          <a:ext cx="0" cy="0"/>
+          <a:chOff x="0" y="0"/>
+          <a:chExt cx="0" cy="0"/>
+        </a:xfrm>
+      </p:grpSpPr>
+      <p:sp>
+        <p:nvSpPr>
+          <p:cNvPr id="2" name="Text Placeholder 1">
+            <a:extLst>
+              <a:ext uri="{FF2B5EF4-FFF2-40B4-BE49-F238E27FC236}">
+                <a16:creationId xmlns:a16="http://schemas.microsoft.com/office/drawing/2014/main" id="{B046716B-3344-F8B0-1CD3-64C7E657CD23}"/>
+              </a:ext>
+            </a:extLst>
+          </p:cNvPr>
+          <p:cNvSpPr>
+            <a:spLocks noGrp="1"/>
+          </p:cNvSpPr>
+          <p:nvPr>
+            <p:ph type="body" sz="quarter" idx="11"/>
+          </p:nvPr>
+        </p:nvSpPr>
+        <p:spPr/>
+        <p:txBody>
+          <a:bodyPr/>
+          <a:lstStyle/>
+          <a:p>
+            <a:r>
+              <a:rPr lang="en-US" dirty="0"/>
+              <a:t>Different tasks may depend on one another’s data</a:t>
+            </a:r>
+          </a:p>
+          <a:p>
+            <a:r>
+              <a:rPr lang="en-US" dirty="0"/>
+              <a:t>Data dependency exists in one of three forms</a:t>
+            </a:r>
+          </a:p>
+          <a:p>
+            <a:pPr lvl="1"/>
+            <a:r>
+              <a:rPr lang="en-US" dirty="0"/>
+              <a:t>Read-after-write: Task B must wait for Task A to read before it can write</a:t>
+            </a:r>
+          </a:p>
+          <a:p>
+            <a:pPr lvl="1"/>
+            <a:r>
+              <a:rPr lang="en-US" dirty="0"/>
+              <a:t>Write-after-read: Task B must wait for Task A to write before it can read</a:t>
+            </a:r>
+          </a:p>
+          <a:p>
+            <a:pPr lvl="1"/>
+            <a:r>
+              <a:rPr lang="en-US" dirty="0"/>
+              <a:t>Write-after-write: Task B must wait for Task A to write before it can write</a:t>
+            </a:r>
+          </a:p>
+          <a:p>
+            <a:r>
+              <a:rPr lang="en-US" dirty="0"/>
+              <a:t>These relationships are specified implicitly via</a:t>
+            </a:r>
+          </a:p>
+          <a:p>
+            <a:pPr lvl="1"/>
+            <a:r>
+              <a:rPr lang="en-US" dirty="0"/>
+              <a:t>Accessor access modes</a:t>
+            </a:r>
+          </a:p>
+          <a:p>
+            <a:pPr lvl="1"/>
+            <a:r>
+              <a:rPr lang="en-US" dirty="0"/>
+              <a:t>Task ordering</a:t>
+            </a:r>
+          </a:p>
+          <a:p>
+            <a:pPr lvl="2"/>
+            <a:r>
+              <a:rPr lang="en-GB" dirty="0"/>
+              <a:t>If two accessors exist for the same data, whichever task is submitted first will be executed first</a:t>
+            </a:r>
+          </a:p>
+          <a:p>
+            <a:pPr lvl="2"/>
+            <a:r>
+              <a:rPr lang="en-GB" dirty="0"/>
+              <a:t>An implicit dependency is created based on the types of access</a:t>
+            </a:r>
+            <a:endParaRPr lang="en-US" dirty="0"/>
+          </a:p>
+        </p:txBody>
+      </p:sp>
+      <p:sp>
+        <p:nvSpPr>
+          <p:cNvPr id="3" name="Title 2">
+            <a:extLst>
+              <a:ext uri="{FF2B5EF4-FFF2-40B4-BE49-F238E27FC236}">
+                <a16:creationId xmlns:a16="http://schemas.microsoft.com/office/drawing/2014/main" id="{EDAD6F0A-8C94-B427-B769-016D5681949C}"/>
+              </a:ext>
+            </a:extLst>
+          </p:cNvPr>
+          <p:cNvSpPr>
+            <a:spLocks noGrp="1"/>
+          </p:cNvSpPr>
+          <p:nvPr>
+            <p:ph type="title"/>
+          </p:nvPr>
+        </p:nvSpPr>
+        <p:spPr/>
+        <p:txBody>
+          <a:bodyPr/>
+          <a:lstStyle/>
+          <a:p>
+            <a:r>
+              <a:rPr lang="en-US" sz="4000" dirty="0"/>
+              <a:t>Data Dependency (Implicit)</a:t>
+            </a:r>
+          </a:p>
+        </p:txBody>
+      </p:sp>
+    </p:spTree>
+    <p:extLst>
+      <p:ext uri="{BB962C8B-B14F-4D97-AF65-F5344CB8AC3E}">
+        <p14:creationId xmlns:p14="http://schemas.microsoft.com/office/powerpoint/2010/main" val="3721103352"/>
+      </p:ext>
+    </p:extLst>
+  </p:cSld>
+  <p:clrMapOvr>
+    <a:masterClrMapping/>
+  </p:clrMapOvr>
+  <p:transition spd="med"/>
+</p:sld>
+</file>
+
+<file path=ppt/slides/slide15.xml><?xml version="1.0" encoding="utf-8"?>
+<p:sld xmlns:a="http://schemas.openxmlformats.org/drawingml/2006/main" xmlns:r="http://schemas.openxmlformats.org/officeDocument/2006/relationships" xmlns:p="http://schemas.openxmlformats.org/presentationml/2006/main">
+  <p:cSld>
+    <p:spTree>
+      <p:nvGrpSpPr>
+        <p:cNvPr id="1" name=""/>
+        <p:cNvGrpSpPr/>
+        <p:nvPr/>
+      </p:nvGrpSpPr>
+      <p:grpSpPr>
+        <a:xfrm>
+          <a:off x="0" y="0"/>
+          <a:ext cx="0" cy="0"/>
+          <a:chOff x="0" y="0"/>
+          <a:chExt cx="0" cy="0"/>
+        </a:xfrm>
+      </p:grpSpPr>
+      <p:sp>
+        <p:nvSpPr>
+          <p:cNvPr id="2" name="Text Placeholder 1">
+            <a:extLst>
+              <a:ext uri="{FF2B5EF4-FFF2-40B4-BE49-F238E27FC236}">
+                <a16:creationId xmlns:a16="http://schemas.microsoft.com/office/drawing/2014/main" id="{B3F893BD-9D33-8B8F-DCD0-3EC00FAAFF3C}"/>
+              </a:ext>
+            </a:extLst>
+          </p:cNvPr>
+          <p:cNvSpPr>
+            <a:spLocks noGrp="1"/>
+          </p:cNvSpPr>
+          <p:nvPr>
+            <p:ph type="body" sz="quarter" idx="11"/>
+          </p:nvPr>
+        </p:nvSpPr>
+        <p:spPr/>
+        <p:txBody>
+          <a:bodyPr/>
+          <a:lstStyle/>
+          <a:p>
+            <a:r>
+              <a:rPr lang="en-US" dirty="0"/>
+              <a:t>vector_addition_with_dependency.cpp</a:t>
+            </a:r>
+          </a:p>
+          <a:p>
+            <a:pPr lvl="1"/>
+            <a:r>
+              <a:rPr lang="en-US" dirty="0"/>
+              <a:t>https://github.com/BenjaminMFindley/Reconfig-2-SYCL-DPCPP/blob/main/Examples/vector_addition/vector_addition_with_dependency.cpp</a:t>
+            </a:r>
+          </a:p>
+        </p:txBody>
+      </p:sp>
+      <p:sp>
+        <p:nvSpPr>
+          <p:cNvPr id="3" name="Title 2">
+            <a:extLst>
+              <a:ext uri="{FF2B5EF4-FFF2-40B4-BE49-F238E27FC236}">
+                <a16:creationId xmlns:a16="http://schemas.microsoft.com/office/drawing/2014/main" id="{ECBB6F3A-17E5-5A14-938D-FC701C86AD40}"/>
+              </a:ext>
+            </a:extLst>
+          </p:cNvPr>
+          <p:cNvSpPr>
+            <a:spLocks noGrp="1"/>
+          </p:cNvSpPr>
+          <p:nvPr>
+            <p:ph type="title"/>
+          </p:nvPr>
+        </p:nvSpPr>
+        <p:spPr/>
+        <p:txBody>
+          <a:bodyPr/>
+          <a:lstStyle/>
+          <a:p>
+            <a:r>
+              <a:rPr lang="en-US" dirty="0"/>
+              <a:t>Example</a:t>
+            </a:r>
+          </a:p>
+        </p:txBody>
+      </p:sp>
+    </p:spTree>
+    <p:extLst>
+      <p:ext uri="{BB962C8B-B14F-4D97-AF65-F5344CB8AC3E}">
+        <p14:creationId xmlns:p14="http://schemas.microsoft.com/office/powerpoint/2010/main" val="495214213"/>
+      </p:ext>
+    </p:extLst>
+  </p:cSld>
+  <p:clrMapOvr>
+    <a:masterClrMapping/>
+  </p:clrMapOvr>
+  <p:transition spd="med"/>
+</p:sld>
+</file>
+
+<file path=ppt/slides/slide16.xml><?xml version="1.0" encoding="utf-8"?>
+<p:sld xmlns:a="http://schemas.openxmlformats.org/drawingml/2006/main" xmlns:r="http://schemas.openxmlformats.org/officeDocument/2006/relationships" xmlns:p="http://schemas.openxmlformats.org/presentationml/2006/main">
+  <p:cSld>
+    <p:spTree>
+      <p:nvGrpSpPr>
+        <p:cNvPr id="1" name=""/>
+        <p:cNvGrpSpPr/>
+        <p:nvPr/>
+      </p:nvGrpSpPr>
+      <p:grpSpPr>
+        <a:xfrm>
+          <a:off x="0" y="0"/>
+          <a:ext cx="0" cy="0"/>
+          <a:chOff x="0" y="0"/>
+          <a:chExt cx="0" cy="0"/>
+        </a:xfrm>
+      </p:grpSpPr>
+      <p:sp>
+        <p:nvSpPr>
+          <p:cNvPr id="2" name="Text Placeholder 1">
+            <a:extLst>
+              <a:ext uri="{FF2B5EF4-FFF2-40B4-BE49-F238E27FC236}">
+                <a16:creationId xmlns:a16="http://schemas.microsoft.com/office/drawing/2014/main" id="{0747A3D8-0DE5-6F41-FB3C-D6028072CF68}"/>
+              </a:ext>
+            </a:extLst>
+          </p:cNvPr>
+          <p:cNvSpPr>
+            <a:spLocks noGrp="1"/>
+          </p:cNvSpPr>
+          <p:nvPr>
+            <p:ph type="body" sz="quarter" idx="11"/>
+          </p:nvPr>
+        </p:nvSpPr>
+        <p:spPr/>
+        <p:txBody>
+          <a:bodyPr/>
+          <a:lstStyle/>
+          <a:p>
+            <a:r>
+              <a:rPr lang="en-US" dirty="0"/>
+              <a:t>A queue’s submit() function returns an </a:t>
+            </a:r>
+            <a:r>
+              <a:rPr lang="en-US" i="1" dirty="0"/>
+              <a:t>event</a:t>
+            </a:r>
+            <a:endParaRPr lang="en-US" dirty="0"/>
+          </a:p>
+          <a:p>
+            <a:r>
+              <a:rPr lang="en-US" dirty="0"/>
+              <a:t>Event objects can be captured and referenced for other purposes</a:t>
+            </a:r>
+          </a:p>
+          <a:p>
+            <a:pPr lvl="1"/>
+            <a:r>
+              <a:rPr lang="en-US" dirty="0"/>
+              <a:t>wait()</a:t>
+            </a:r>
+          </a:p>
+          <a:p>
+            <a:pPr lvl="1"/>
+            <a:r>
+              <a:rPr lang="en-US" dirty="0" err="1"/>
+              <a:t>depends_on</a:t>
+            </a:r>
+            <a:r>
+              <a:rPr lang="en-US" dirty="0"/>
+              <a:t>()</a:t>
+            </a:r>
+          </a:p>
+          <a:p>
+            <a:r>
+              <a:rPr lang="en-US" dirty="0" err="1"/>
+              <a:t>depends_on</a:t>
+            </a:r>
+            <a:r>
+              <a:rPr lang="en-US" dirty="0"/>
+              <a:t>() is a handler function used to specify dependency</a:t>
+            </a:r>
+          </a:p>
+          <a:p>
+            <a:pPr lvl="1"/>
+            <a:r>
+              <a:rPr lang="en-US" dirty="0"/>
+              <a:t>Specifies events on which the current operation depends</a:t>
+            </a:r>
+          </a:p>
+          <a:p>
+            <a:pPr lvl="1"/>
+            <a:r>
+              <a:rPr lang="en-US" dirty="0"/>
+              <a:t>Takes an event or vector of events as parameters</a:t>
+            </a:r>
+          </a:p>
+          <a:p>
+            <a:pPr lvl="1"/>
+            <a:r>
+              <a:rPr lang="en-US" dirty="0"/>
+              <a:t>Will wait until all specified events have finished before continuing execution</a:t>
+            </a:r>
+          </a:p>
+        </p:txBody>
+      </p:sp>
+      <p:sp>
+        <p:nvSpPr>
+          <p:cNvPr id="3" name="Title 2">
+            <a:extLst>
+              <a:ext uri="{FF2B5EF4-FFF2-40B4-BE49-F238E27FC236}">
+                <a16:creationId xmlns:a16="http://schemas.microsoft.com/office/drawing/2014/main" id="{8864E37C-F6C7-4A94-942B-13EF46C13A57}"/>
+              </a:ext>
+            </a:extLst>
+          </p:cNvPr>
+          <p:cNvSpPr>
+            <a:spLocks noGrp="1"/>
+          </p:cNvSpPr>
+          <p:nvPr>
+            <p:ph type="title"/>
+          </p:nvPr>
+        </p:nvSpPr>
+        <p:spPr/>
+        <p:txBody>
+          <a:bodyPr/>
+          <a:lstStyle/>
+          <a:p>
+            <a:r>
+              <a:rPr lang="en-US" sz="4000" dirty="0"/>
+              <a:t>Computational Dependency (Explicit)</a:t>
+            </a:r>
+          </a:p>
+        </p:txBody>
+      </p:sp>
+    </p:spTree>
+    <p:extLst>
+      <p:ext uri="{BB962C8B-B14F-4D97-AF65-F5344CB8AC3E}">
+        <p14:creationId xmlns:p14="http://schemas.microsoft.com/office/powerpoint/2010/main" val="2057883510"/>
+      </p:ext>
+    </p:extLst>
+  </p:cSld>
+  <p:clrMapOvr>
+    <a:masterClrMapping/>
+  </p:clrMapOvr>
+  <p:transition spd="med"/>
+</p:sld>
+</file>
+
+<file path=ppt/slides/slide17.xml><?xml version="1.0" encoding="utf-8"?>
 <p:sld xmlns:a="http://schemas.openxmlformats.org/drawingml/2006/main" xmlns:r="http://schemas.openxmlformats.org/officeDocument/2006/relationships" xmlns:p="http://schemas.openxmlformats.org/presentationml/2006/main">
   <p:cSld>
     <p:spTree>
@@ -13257,608 +13483,6 @@
 </p:sld>
 </file>
 
-<file path=ppt/slides/slide14.xml><?xml version="1.0" encoding="utf-8"?>
-<p:sld xmlns:a="http://schemas.openxmlformats.org/drawingml/2006/main" xmlns:r="http://schemas.openxmlformats.org/officeDocument/2006/relationships" xmlns:p="http://schemas.openxmlformats.org/presentationml/2006/main">
-  <p:cSld>
-    <p:spTree>
-      <p:nvGrpSpPr>
-        <p:cNvPr id="1" name=""/>
-        <p:cNvGrpSpPr/>
-        <p:nvPr/>
-      </p:nvGrpSpPr>
-      <p:grpSpPr>
-        <a:xfrm>
-          <a:off x="0" y="0"/>
-          <a:ext cx="0" cy="0"/>
-          <a:chOff x="0" y="0"/>
-          <a:chExt cx="0" cy="0"/>
-        </a:xfrm>
-      </p:grpSpPr>
-      <p:sp>
-        <p:nvSpPr>
-          <p:cNvPr id="2" name="Text Placeholder 1">
-            <a:extLst>
-              <a:ext uri="{FF2B5EF4-FFF2-40B4-BE49-F238E27FC236}">
-                <a16:creationId xmlns:a16="http://schemas.microsoft.com/office/drawing/2014/main" id="{4D907494-8A92-93DB-9B91-24DE589D25AE}"/>
-              </a:ext>
-            </a:extLst>
-          </p:cNvPr>
-          <p:cNvSpPr>
-            <a:spLocks noGrp="1"/>
-          </p:cNvSpPr>
-          <p:nvPr>
-            <p:ph type="body" sz="quarter" idx="11"/>
-          </p:nvPr>
-        </p:nvSpPr>
-        <p:spPr/>
-        <p:txBody>
-          <a:bodyPr/>
-          <a:lstStyle/>
-          <a:p>
-            <a:r>
-              <a:rPr lang="en-US" sz="2400" dirty="0"/>
-              <a:t>Data abstractions of a certain C++ type</a:t>
-            </a:r>
-          </a:p>
-          <a:p>
-            <a:pPr lvl="1"/>
-            <a:r>
-              <a:rPr lang="en-US" sz="2000" dirty="0"/>
-              <a:t>Can be scalar data types, vectors, or other user-defined class/structure</a:t>
-            </a:r>
-          </a:p>
-          <a:p>
-            <a:pPr lvl="2"/>
-            <a:r>
-              <a:rPr lang="en-US" sz="1600" dirty="0"/>
-              <a:t>Must not require the use of copy constructors for copying</a:t>
-            </a:r>
-          </a:p>
-          <a:p>
-            <a:r>
-              <a:rPr lang="en-US" sz="2400" dirty="0"/>
-              <a:t>Represent data objects, not memory addresses</a:t>
-            </a:r>
-          </a:p>
-          <a:p>
-            <a:pPr lvl="1"/>
-            <a:r>
-              <a:rPr lang="en-US" sz="2000" dirty="0"/>
-              <a:t>Cannot be accessed like C++ arrays</a:t>
-            </a:r>
-          </a:p>
-          <a:p>
-            <a:pPr lvl="1"/>
-            <a:r>
-              <a:rPr lang="en-US" sz="2000" i="1" dirty="0"/>
-              <a:t>Accessors</a:t>
-            </a:r>
-            <a:r>
-              <a:rPr lang="en-US" sz="2000" dirty="0"/>
-              <a:t> must be used to read from and write to buffers</a:t>
-            </a:r>
-          </a:p>
-          <a:p>
-            <a:r>
-              <a:rPr lang="en-US" sz="2400" dirty="0"/>
-              <a:t>A single buffer may be distributed across multiple locations</a:t>
-            </a:r>
-          </a:p>
-          <a:p>
-            <a:pPr lvl="1"/>
-            <a:r>
-              <a:rPr lang="en-US" sz="2000" dirty="0"/>
-              <a:t>Between discrete memory locations and devices</a:t>
-            </a:r>
-          </a:p>
-          <a:p>
-            <a:r>
-              <a:rPr lang="en-US" sz="2400" dirty="0"/>
-              <a:t>An empty buffer may be created by specifying a range for size</a:t>
-            </a:r>
-          </a:p>
-          <a:p>
-            <a:pPr lvl="1"/>
-            <a:r>
-              <a:rPr lang="en-US" sz="2000" dirty="0"/>
-              <a:t>Data must later be initialized before the buffer can be read from</a:t>
-            </a:r>
-          </a:p>
-          <a:p>
-            <a:r>
-              <a:rPr lang="en-US" sz="2400" dirty="0"/>
-              <a:t>Existing host data may be used to initialize a new buffer</a:t>
-            </a:r>
-          </a:p>
-          <a:p>
-            <a:pPr lvl="1"/>
-            <a:r>
-              <a:rPr lang="en-US" sz="2000" dirty="0"/>
-              <a:t>Accomplished by invoking a constructor that takes a pointer to an existing host allocation</a:t>
-            </a:r>
-          </a:p>
-          <a:p>
-            <a:r>
-              <a:rPr lang="en-US" sz="2400" dirty="0"/>
-              <a:t>May also be created from existing </a:t>
-            </a:r>
-            <a:r>
-              <a:rPr lang="en-US" sz="2400" dirty="0" err="1"/>
-              <a:t>cl_mem</a:t>
-            </a:r>
-            <a:r>
-              <a:rPr lang="en-US" sz="2400" dirty="0"/>
-              <a:t> objects if using OpenCL compatibility</a:t>
-            </a:r>
-          </a:p>
-        </p:txBody>
-      </p:sp>
-      <p:sp>
-        <p:nvSpPr>
-          <p:cNvPr id="3" name="Title 2">
-            <a:extLst>
-              <a:ext uri="{FF2B5EF4-FFF2-40B4-BE49-F238E27FC236}">
-                <a16:creationId xmlns:a16="http://schemas.microsoft.com/office/drawing/2014/main" id="{FD123E51-4B05-EDA0-53E0-A70993ACDAC0}"/>
-              </a:ext>
-            </a:extLst>
-          </p:cNvPr>
-          <p:cNvSpPr>
-            <a:spLocks noGrp="1"/>
-          </p:cNvSpPr>
-          <p:nvPr>
-            <p:ph type="title"/>
-          </p:nvPr>
-        </p:nvSpPr>
-        <p:spPr/>
-        <p:txBody>
-          <a:bodyPr/>
-          <a:lstStyle/>
-          <a:p>
-            <a:r>
-              <a:rPr lang="en-US" sz="4000" dirty="0"/>
-              <a:t>Buffers</a:t>
-            </a:r>
-          </a:p>
-        </p:txBody>
-      </p:sp>
-    </p:spTree>
-    <p:extLst>
-      <p:ext uri="{BB962C8B-B14F-4D97-AF65-F5344CB8AC3E}">
-        <p14:creationId xmlns:p14="http://schemas.microsoft.com/office/powerpoint/2010/main" val="476712468"/>
-      </p:ext>
-    </p:extLst>
-  </p:cSld>
-  <p:clrMapOvr>
-    <a:masterClrMapping/>
-  </p:clrMapOvr>
-  <p:transition spd="med"/>
-</p:sld>
-</file>
-
-<file path=ppt/slides/slide15.xml><?xml version="1.0" encoding="utf-8"?>
-<p:sld xmlns:a="http://schemas.openxmlformats.org/drawingml/2006/main" xmlns:r="http://schemas.openxmlformats.org/officeDocument/2006/relationships" xmlns:p="http://schemas.openxmlformats.org/presentationml/2006/main">
-  <p:cSld>
-    <p:spTree>
-      <p:nvGrpSpPr>
-        <p:cNvPr id="1" name=""/>
-        <p:cNvGrpSpPr/>
-        <p:nvPr/>
-      </p:nvGrpSpPr>
-      <p:grpSpPr>
-        <a:xfrm>
-          <a:off x="0" y="0"/>
-          <a:ext cx="0" cy="0"/>
-          <a:chOff x="0" y="0"/>
-          <a:chExt cx="0" cy="0"/>
-        </a:xfrm>
-      </p:grpSpPr>
-      <p:sp>
-        <p:nvSpPr>
-          <p:cNvPr id="2" name="Text Placeholder 1">
-            <a:extLst>
-              <a:ext uri="{FF2B5EF4-FFF2-40B4-BE49-F238E27FC236}">
-                <a16:creationId xmlns:a16="http://schemas.microsoft.com/office/drawing/2014/main" id="{F7E2A174-6243-6AEA-61E3-DE0E4AA2E1A3}"/>
-              </a:ext>
-            </a:extLst>
-          </p:cNvPr>
-          <p:cNvSpPr>
-            <a:spLocks noGrp="1"/>
-          </p:cNvSpPr>
-          <p:nvPr>
-            <p:ph type="body" sz="quarter" idx="11"/>
-          </p:nvPr>
-        </p:nvSpPr>
-        <p:spPr/>
-        <p:txBody>
-          <a:bodyPr/>
-          <a:lstStyle/>
-          <a:p>
-            <a:r>
-              <a:rPr lang="en-US" dirty="0"/>
-              <a:t>The only way in which to read from or write to buffers</a:t>
-            </a:r>
-          </a:p>
-          <a:p>
-            <a:r>
-              <a:rPr lang="en-US" dirty="0"/>
-              <a:t>Can be instantiated with read, write, or </a:t>
-            </a:r>
-            <a:r>
-              <a:rPr lang="en-US" dirty="0" err="1"/>
-              <a:t>read_write</a:t>
-            </a:r>
-            <a:r>
-              <a:rPr lang="en-US" dirty="0"/>
-              <a:t> access modes</a:t>
-            </a:r>
-          </a:p>
-          <a:p>
-            <a:pPr lvl="1"/>
-            <a:r>
-              <a:rPr lang="en-US" dirty="0"/>
-              <a:t>Accessors are </a:t>
-            </a:r>
-            <a:r>
-              <a:rPr lang="en-US" dirty="0" err="1"/>
-              <a:t>read_write</a:t>
-            </a:r>
-            <a:r>
-              <a:rPr lang="en-US" dirty="0"/>
-              <a:t> by default</a:t>
-            </a:r>
-          </a:p>
-          <a:p>
-            <a:r>
-              <a:rPr lang="en-US" dirty="0"/>
-              <a:t>Using appropriate access modes is important</a:t>
-            </a:r>
-          </a:p>
-          <a:p>
-            <a:pPr lvl="1"/>
-            <a:r>
-              <a:rPr lang="en-US" dirty="0"/>
-              <a:t>Provides implicit information used to help the runtime manage memory</a:t>
-            </a:r>
-          </a:p>
-          <a:p>
-            <a:pPr lvl="2"/>
-            <a:r>
-              <a:rPr lang="en-US" dirty="0"/>
-              <a:t>For example: </a:t>
-            </a:r>
-            <a:r>
-              <a:rPr lang="en-GB" dirty="0"/>
-              <a:t>read mode tells the runtime that it does not need to copy memory back to the host, as the device has not changed it.</a:t>
-            </a:r>
-          </a:p>
-          <a:p>
-            <a:pPr lvl="1"/>
-            <a:r>
-              <a:rPr lang="en-GB" dirty="0"/>
-              <a:t>Appropriate use of access modes will help the runtime optimize kernel scheduling and data migration</a:t>
-            </a:r>
-            <a:endParaRPr lang="en-US" dirty="0"/>
-          </a:p>
-        </p:txBody>
-      </p:sp>
-      <p:sp>
-        <p:nvSpPr>
-          <p:cNvPr id="3" name="Title 2">
-            <a:extLst>
-              <a:ext uri="{FF2B5EF4-FFF2-40B4-BE49-F238E27FC236}">
-                <a16:creationId xmlns:a16="http://schemas.microsoft.com/office/drawing/2014/main" id="{125E0148-C8ED-74C8-D65E-4538E79CBD63}"/>
-              </a:ext>
-            </a:extLst>
-          </p:cNvPr>
-          <p:cNvSpPr>
-            <a:spLocks noGrp="1"/>
-          </p:cNvSpPr>
-          <p:nvPr>
-            <p:ph type="title"/>
-          </p:nvPr>
-        </p:nvSpPr>
-        <p:spPr/>
-        <p:txBody>
-          <a:bodyPr/>
-          <a:lstStyle/>
-          <a:p>
-            <a:r>
-              <a:rPr lang="en-US" sz="4000" dirty="0"/>
-              <a:t>Accessors</a:t>
-            </a:r>
-          </a:p>
-        </p:txBody>
-      </p:sp>
-    </p:spTree>
-    <p:extLst>
-      <p:ext uri="{BB962C8B-B14F-4D97-AF65-F5344CB8AC3E}">
-        <p14:creationId xmlns:p14="http://schemas.microsoft.com/office/powerpoint/2010/main" val="4214608404"/>
-      </p:ext>
-    </p:extLst>
-  </p:cSld>
-  <p:clrMapOvr>
-    <a:masterClrMapping/>
-  </p:clrMapOvr>
-  <p:transition spd="med"/>
-</p:sld>
-</file>
-
-<file path=ppt/slides/slide16.xml><?xml version="1.0" encoding="utf-8"?>
-<p:sld xmlns:a="http://schemas.openxmlformats.org/drawingml/2006/main" xmlns:r="http://schemas.openxmlformats.org/officeDocument/2006/relationships" xmlns:p="http://schemas.openxmlformats.org/presentationml/2006/main">
-  <p:cSld>
-    <p:spTree>
-      <p:nvGrpSpPr>
-        <p:cNvPr id="1" name=""/>
-        <p:cNvGrpSpPr/>
-        <p:nvPr/>
-      </p:nvGrpSpPr>
-      <p:grpSpPr>
-        <a:xfrm>
-          <a:off x="0" y="0"/>
-          <a:ext cx="0" cy="0"/>
-          <a:chOff x="0" y="0"/>
-          <a:chExt cx="0" cy="0"/>
-        </a:xfrm>
-      </p:grpSpPr>
-      <p:sp>
-        <p:nvSpPr>
-          <p:cNvPr id="2" name="Text Placeholder 1">
-            <a:extLst>
-              <a:ext uri="{FF2B5EF4-FFF2-40B4-BE49-F238E27FC236}">
-                <a16:creationId xmlns:a16="http://schemas.microsoft.com/office/drawing/2014/main" id="{DA06091D-5EE0-A7C9-F694-709DCE63152D}"/>
-              </a:ext>
-            </a:extLst>
-          </p:cNvPr>
-          <p:cNvSpPr>
-            <a:spLocks noGrp="1"/>
-          </p:cNvSpPr>
-          <p:nvPr>
-            <p:ph type="body" sz="quarter" idx="11"/>
-          </p:nvPr>
-        </p:nvSpPr>
-        <p:spPr/>
-        <p:txBody>
-          <a:bodyPr/>
-          <a:lstStyle/>
-          <a:p>
-            <a:r>
-              <a:rPr lang="en-US" dirty="0"/>
-              <a:t>Dependencies between tasks may be implicit or explicit</a:t>
-            </a:r>
-          </a:p>
-          <a:p>
-            <a:r>
-              <a:rPr lang="en-US" dirty="0"/>
-              <a:t>Explicit dependency refers to dependency between computations</a:t>
-            </a:r>
-          </a:p>
-          <a:p>
-            <a:pPr lvl="1"/>
-            <a:r>
-              <a:rPr lang="en-US" dirty="0"/>
-              <a:t>Most relevant to code utilizing USM for data management</a:t>
-            </a:r>
-          </a:p>
-          <a:p>
-            <a:pPr lvl="1"/>
-            <a:r>
-              <a:rPr lang="en-US" dirty="0"/>
-              <a:t>Dependencies specified using events</a:t>
-            </a:r>
-          </a:p>
-          <a:p>
-            <a:r>
-              <a:rPr lang="en-US" dirty="0"/>
-              <a:t>Implicit dependency refers to dependency between data accesses</a:t>
-            </a:r>
-          </a:p>
-          <a:p>
-            <a:pPr lvl="1"/>
-            <a:r>
-              <a:rPr lang="en-US" dirty="0"/>
-              <a:t>Relevant to code utilizing buffers for data management</a:t>
-            </a:r>
-          </a:p>
-          <a:p>
-            <a:pPr lvl="1"/>
-            <a:r>
-              <a:rPr lang="en-US" dirty="0"/>
-              <a:t>Dependencies specified through accessors</a:t>
-            </a:r>
-          </a:p>
-        </p:txBody>
-      </p:sp>
-      <p:sp>
-        <p:nvSpPr>
-          <p:cNvPr id="3" name="Title 2">
-            <a:extLst>
-              <a:ext uri="{FF2B5EF4-FFF2-40B4-BE49-F238E27FC236}">
-                <a16:creationId xmlns:a16="http://schemas.microsoft.com/office/drawing/2014/main" id="{126BB3AB-6339-E49B-632B-D44244FA6DFB}"/>
-              </a:ext>
-            </a:extLst>
-          </p:cNvPr>
-          <p:cNvSpPr>
-            <a:spLocks noGrp="1"/>
-          </p:cNvSpPr>
-          <p:nvPr>
-            <p:ph type="title"/>
-          </p:nvPr>
-        </p:nvSpPr>
-        <p:spPr/>
-        <p:txBody>
-          <a:bodyPr/>
-          <a:lstStyle/>
-          <a:p>
-            <a:r>
-              <a:rPr lang="en-US" sz="4000" dirty="0"/>
-              <a:t>Dependency</a:t>
-            </a:r>
-          </a:p>
-        </p:txBody>
-      </p:sp>
-    </p:spTree>
-    <p:extLst>
-      <p:ext uri="{BB962C8B-B14F-4D97-AF65-F5344CB8AC3E}">
-        <p14:creationId xmlns:p14="http://schemas.microsoft.com/office/powerpoint/2010/main" val="1234116064"/>
-      </p:ext>
-    </p:extLst>
-  </p:cSld>
-  <p:clrMapOvr>
-    <a:masterClrMapping/>
-  </p:clrMapOvr>
-  <p:transition spd="med"/>
-</p:sld>
-</file>
-
-<file path=ppt/slides/slide17.xml><?xml version="1.0" encoding="utf-8"?>
-<p:sld xmlns:a="http://schemas.openxmlformats.org/drawingml/2006/main" xmlns:r="http://schemas.openxmlformats.org/officeDocument/2006/relationships" xmlns:p="http://schemas.openxmlformats.org/presentationml/2006/main">
-  <p:cSld>
-    <p:spTree>
-      <p:nvGrpSpPr>
-        <p:cNvPr id="1" name=""/>
-        <p:cNvGrpSpPr/>
-        <p:nvPr/>
-      </p:nvGrpSpPr>
-      <p:grpSpPr>
-        <a:xfrm>
-          <a:off x="0" y="0"/>
-          <a:ext cx="0" cy="0"/>
-          <a:chOff x="0" y="0"/>
-          <a:chExt cx="0" cy="0"/>
-        </a:xfrm>
-      </p:grpSpPr>
-      <p:sp>
-        <p:nvSpPr>
-          <p:cNvPr id="2" name="Text Placeholder 1">
-            <a:extLst>
-              <a:ext uri="{FF2B5EF4-FFF2-40B4-BE49-F238E27FC236}">
-                <a16:creationId xmlns:a16="http://schemas.microsoft.com/office/drawing/2014/main" id="{B046716B-3344-F8B0-1CD3-64C7E657CD23}"/>
-              </a:ext>
-            </a:extLst>
-          </p:cNvPr>
-          <p:cNvSpPr>
-            <a:spLocks noGrp="1"/>
-          </p:cNvSpPr>
-          <p:nvPr>
-            <p:ph type="body" sz="quarter" idx="11"/>
-          </p:nvPr>
-        </p:nvSpPr>
-        <p:spPr/>
-        <p:txBody>
-          <a:bodyPr/>
-          <a:lstStyle/>
-          <a:p>
-            <a:r>
-              <a:rPr lang="en-US" dirty="0"/>
-              <a:t>Different tasks may depend on one another’s data</a:t>
-            </a:r>
-          </a:p>
-          <a:p>
-            <a:r>
-              <a:rPr lang="en-US" dirty="0"/>
-              <a:t>Data dependency exists in one of three forms</a:t>
-            </a:r>
-          </a:p>
-          <a:p>
-            <a:pPr lvl="1"/>
-            <a:r>
-              <a:rPr lang="en-US" dirty="0"/>
-              <a:t>Read-after-write: Task B must wait for Task A to read before it can write</a:t>
-            </a:r>
-          </a:p>
-          <a:p>
-            <a:pPr lvl="1"/>
-            <a:r>
-              <a:rPr lang="en-US" dirty="0"/>
-              <a:t>Write-after-read: Task B must wait for Task A to write before it can read</a:t>
-            </a:r>
-          </a:p>
-          <a:p>
-            <a:pPr lvl="1"/>
-            <a:r>
-              <a:rPr lang="en-US" dirty="0"/>
-              <a:t>Write-after-write: Task B must wait for Task A to write before it can write</a:t>
-            </a:r>
-          </a:p>
-          <a:p>
-            <a:r>
-              <a:rPr lang="en-US" dirty="0"/>
-              <a:t>These relationships are specified implicitly via</a:t>
-            </a:r>
-          </a:p>
-          <a:p>
-            <a:pPr lvl="1"/>
-            <a:r>
-              <a:rPr lang="en-US" dirty="0"/>
-              <a:t>Accessor access modes</a:t>
-            </a:r>
-          </a:p>
-          <a:p>
-            <a:pPr lvl="1"/>
-            <a:r>
-              <a:rPr lang="en-US" dirty="0"/>
-              <a:t>Task ordering</a:t>
-            </a:r>
-          </a:p>
-          <a:p>
-            <a:pPr lvl="2"/>
-            <a:r>
-              <a:rPr lang="en-GB" dirty="0"/>
-              <a:t>If two accessors exist for the same data, whichever task is submitted first will be executed first</a:t>
-            </a:r>
-          </a:p>
-          <a:p>
-            <a:pPr lvl="2"/>
-            <a:r>
-              <a:rPr lang="en-GB" dirty="0"/>
-              <a:t>An implicit dependency is created based on the types of access</a:t>
-            </a:r>
-            <a:endParaRPr lang="en-US" dirty="0"/>
-          </a:p>
-        </p:txBody>
-      </p:sp>
-      <p:sp>
-        <p:nvSpPr>
-          <p:cNvPr id="3" name="Title 2">
-            <a:extLst>
-              <a:ext uri="{FF2B5EF4-FFF2-40B4-BE49-F238E27FC236}">
-                <a16:creationId xmlns:a16="http://schemas.microsoft.com/office/drawing/2014/main" id="{EDAD6F0A-8C94-B427-B769-016D5681949C}"/>
-              </a:ext>
-            </a:extLst>
-          </p:cNvPr>
-          <p:cNvSpPr>
-            <a:spLocks noGrp="1"/>
-          </p:cNvSpPr>
-          <p:nvPr>
-            <p:ph type="title"/>
-          </p:nvPr>
-        </p:nvSpPr>
-        <p:spPr/>
-        <p:txBody>
-          <a:bodyPr/>
-          <a:lstStyle/>
-          <a:p>
-            <a:r>
-              <a:rPr lang="en-US" sz="4000" dirty="0"/>
-              <a:t>Data Dependency (Implicit)</a:t>
-            </a:r>
-          </a:p>
-        </p:txBody>
-      </p:sp>
-    </p:spTree>
-    <p:extLst>
-      <p:ext uri="{BB962C8B-B14F-4D97-AF65-F5344CB8AC3E}">
-        <p14:creationId xmlns:p14="http://schemas.microsoft.com/office/powerpoint/2010/main" val="3721103352"/>
-      </p:ext>
-    </p:extLst>
-  </p:cSld>
-  <p:clrMapOvr>
-    <a:masterClrMapping/>
-  </p:clrMapOvr>
-  <p:transition spd="med"/>
-</p:sld>
-</file>
-
 <file path=ppt/slides/slide18.xml><?xml version="1.0" encoding="utf-8"?>
 <p:sld xmlns:a="http://schemas.openxmlformats.org/drawingml/2006/main" xmlns:r="http://schemas.openxmlformats.org/officeDocument/2006/relationships" xmlns:p="http://schemas.openxmlformats.org/presentationml/2006/main">
   <p:cSld>
@@ -13881,7 +13505,7 @@
           <p:cNvPr id="2" name="Text Placeholder 1">
             <a:extLst>
               <a:ext uri="{FF2B5EF4-FFF2-40B4-BE49-F238E27FC236}">
-                <a16:creationId xmlns:a16="http://schemas.microsoft.com/office/drawing/2014/main" id="{0747A3D8-0DE5-6F41-FB3C-D6028072CF68}"/>
+                <a16:creationId xmlns:a16="http://schemas.microsoft.com/office/drawing/2014/main" id="{B3F893BD-9D33-8B8F-DCD0-3EC00FAAFF3C}"/>
               </a:ext>
             </a:extLst>
           </p:cNvPr>
@@ -13899,67 +13523,14 @@
           <a:p>
             <a:r>
               <a:rPr lang="en-US" dirty="0"/>
-              <a:t>A queue’s submit() function returns an </a:t>
-            </a:r>
-            <a:r>
-              <a:rPr lang="en-US" i="1" dirty="0"/>
-              <a:t>event</a:t>
-            </a:r>
-            <a:endParaRPr lang="en-US" dirty="0"/>
-          </a:p>
-          <a:p>
+              <a:t>vector_addition_usm.cpp</a:t>
+            </a:r>
+          </a:p>
+          <a:p>
+            <a:pPr lvl="1"/>
             <a:r>
               <a:rPr lang="en-US" dirty="0"/>
-              <a:t>Event objects can be captured and referenced for other purposes</a:t>
-            </a:r>
-          </a:p>
-          <a:p>
-            <a:pPr lvl="1"/>
-            <a:r>
-              <a:rPr lang="en-US" dirty="0"/>
-              <a:t>wait()</a:t>
-            </a:r>
-          </a:p>
-          <a:p>
-            <a:pPr lvl="1"/>
-            <a:r>
-              <a:rPr lang="en-US" dirty="0" err="1"/>
-              <a:t>depends_on</a:t>
-            </a:r>
-            <a:r>
-              <a:rPr lang="en-US" dirty="0"/>
-              <a:t>()</a:t>
-            </a:r>
-          </a:p>
-          <a:p>
-            <a:r>
-              <a:rPr lang="en-US" dirty="0" err="1"/>
-              <a:t>depends_on</a:t>
-            </a:r>
-            <a:r>
-              <a:rPr lang="en-US" dirty="0"/>
-              <a:t>() is a handler function used to specify dependency</a:t>
-            </a:r>
-          </a:p>
-          <a:p>
-            <a:pPr lvl="1"/>
-            <a:r>
-              <a:rPr lang="en-US" dirty="0"/>
-              <a:t>Specifies events on which the current operation depends</a:t>
-            </a:r>
-          </a:p>
-          <a:p>
-            <a:pPr lvl="1"/>
-            <a:r>
-              <a:rPr lang="en-US" dirty="0"/>
-              <a:t>Takes an event or vector of events as parameters</a:t>
-            </a:r>
-          </a:p>
-          <a:p>
-            <a:pPr lvl="1"/>
-            <a:r>
-              <a:rPr lang="en-US" dirty="0"/>
-              <a:t>Will wait until all specified events have finished before continuing execution</a:t>
+              <a:t>https://github.com/BenjaminMFindley/Reconfig-2-SYCL-DPCPP/blob/main/Examples/vector_addition/vector_addition_usm.cpp</a:t>
             </a:r>
           </a:p>
         </p:txBody>
@@ -13969,7 +13540,7 @@
           <p:cNvPr id="3" name="Title 2">
             <a:extLst>
               <a:ext uri="{FF2B5EF4-FFF2-40B4-BE49-F238E27FC236}">
-                <a16:creationId xmlns:a16="http://schemas.microsoft.com/office/drawing/2014/main" id="{8864E37C-F6C7-4A94-942B-13EF46C13A57}"/>
+                <a16:creationId xmlns:a16="http://schemas.microsoft.com/office/drawing/2014/main" id="{ECBB6F3A-17E5-5A14-938D-FC701C86AD40}"/>
               </a:ext>
             </a:extLst>
           </p:cNvPr>
@@ -13986,8 +13557,8 @@
           <a:lstStyle/>
           <a:p>
             <a:r>
-              <a:rPr lang="en-US" sz="4000" dirty="0"/>
-              <a:t>Computational Dependency (Explicit)</a:t>
+              <a:rPr lang="en-US" dirty="0"/>
+              <a:t>Example</a:t>
             </a:r>
           </a:p>
         </p:txBody>
@@ -13995,7 +13566,409 @@
     </p:spTree>
     <p:extLst>
       <p:ext uri="{BB962C8B-B14F-4D97-AF65-F5344CB8AC3E}">
-        <p14:creationId xmlns:p14="http://schemas.microsoft.com/office/powerpoint/2010/main" val="2057883510"/>
+        <p14:creationId xmlns:p14="http://schemas.microsoft.com/office/powerpoint/2010/main" val="123745058"/>
+      </p:ext>
+    </p:extLst>
+  </p:cSld>
+  <p:clrMapOvr>
+    <a:masterClrMapping/>
+  </p:clrMapOvr>
+  <p:transition spd="med"/>
+</p:sld>
+</file>
+
+<file path=ppt/slides/slide19.xml><?xml version="1.0" encoding="utf-8"?>
+<p:sld xmlns:a="http://schemas.openxmlformats.org/drawingml/2006/main" xmlns:r="http://schemas.openxmlformats.org/officeDocument/2006/relationships" xmlns:p="http://schemas.openxmlformats.org/presentationml/2006/main">
+  <p:cSld>
+    <p:spTree>
+      <p:nvGrpSpPr>
+        <p:cNvPr id="1" name=""/>
+        <p:cNvGrpSpPr/>
+        <p:nvPr/>
+      </p:nvGrpSpPr>
+      <p:grpSpPr>
+        <a:xfrm>
+          <a:off x="0" y="0"/>
+          <a:ext cx="0" cy="0"/>
+          <a:chOff x="0" y="0"/>
+          <a:chExt cx="0" cy="0"/>
+        </a:xfrm>
+      </p:grpSpPr>
+      <p:sp>
+        <p:nvSpPr>
+          <p:cNvPr id="2" name="Text Placeholder 1">
+            <a:extLst>
+              <a:ext uri="{FF2B5EF4-FFF2-40B4-BE49-F238E27FC236}">
+                <a16:creationId xmlns:a16="http://schemas.microsoft.com/office/drawing/2014/main" id="{BAA91BAA-AE1C-4B57-74D8-76174A2532B7}"/>
+              </a:ext>
+            </a:extLst>
+          </p:cNvPr>
+          <p:cNvSpPr>
+            <a:spLocks noGrp="1"/>
+          </p:cNvSpPr>
+          <p:nvPr>
+            <p:ph type="body" sz="quarter" idx="11"/>
+          </p:nvPr>
+        </p:nvSpPr>
+        <p:spPr/>
+        <p:txBody>
+          <a:bodyPr/>
+          <a:lstStyle/>
+          <a:p>
+            <a:r>
+              <a:rPr lang="en-US" sz="2400" dirty="0"/>
+              <a:t>Default selector chooses most capable device at runtime</a:t>
+            </a:r>
+          </a:p>
+          <a:p>
+            <a:r>
+              <a:rPr lang="en-US" sz="2400" dirty="0"/>
+              <a:t>Device selector classes exist to choose from specific class of device</a:t>
+            </a:r>
+          </a:p>
+          <a:p>
+            <a:pPr lvl="1"/>
+            <a:r>
+              <a:rPr lang="en-US" sz="2000" dirty="0" err="1"/>
+              <a:t>gpu_selector</a:t>
+            </a:r>
+            <a:endParaRPr lang="en-US" sz="2000" dirty="0"/>
+          </a:p>
+          <a:p>
+            <a:pPr lvl="1"/>
+            <a:r>
+              <a:rPr lang="en-US" sz="2000" dirty="0" err="1"/>
+              <a:t>cpu_selector</a:t>
+            </a:r>
+            <a:endParaRPr lang="en-US" sz="2000" dirty="0"/>
+          </a:p>
+          <a:p>
+            <a:pPr lvl="1"/>
+            <a:r>
+              <a:rPr lang="en-US" sz="2000" dirty="0" err="1"/>
+              <a:t>accelerator_selector</a:t>
+            </a:r>
+            <a:endParaRPr lang="en-US" sz="2000" dirty="0"/>
+          </a:p>
+          <a:p>
+            <a:pPr lvl="1"/>
+            <a:r>
+              <a:rPr lang="en-US" sz="2000" dirty="0" err="1"/>
+              <a:t>fpga_selector</a:t>
+            </a:r>
+            <a:r>
+              <a:rPr lang="en-US" sz="2000" dirty="0"/>
+              <a:t> exists via intel extension</a:t>
+            </a:r>
+          </a:p>
+          <a:p>
+            <a:pPr lvl="1"/>
+            <a:r>
+              <a:rPr lang="en-US" sz="2000" dirty="0"/>
+              <a:t>Useful for quick development, but typically want specific device for a task</a:t>
+            </a:r>
+          </a:p>
+          <a:p>
+            <a:r>
+              <a:rPr lang="en-US" sz="2400" dirty="0"/>
+              <a:t>Custom selectors created by extending </a:t>
+            </a:r>
+            <a:r>
+              <a:rPr lang="en-US" sz="2400" dirty="0" err="1"/>
+              <a:t>device_selector</a:t>
+            </a:r>
+            <a:r>
+              <a:rPr lang="en-US" sz="2400" dirty="0"/>
+              <a:t> base class</a:t>
+            </a:r>
+            <a:endParaRPr lang="en-GB" sz="2000" dirty="0">
+              <a:solidFill>
+                <a:srgbClr val="000000"/>
+              </a:solidFill>
+              <a:highlight>
+                <a:srgbClr val="FFFFFF"/>
+              </a:highlight>
+              <a:latin typeface="Consolas" panose="020B0609020204030204" pitchFamily="49" charset="0"/>
+            </a:endParaRPr>
+          </a:p>
+          <a:p>
+            <a:pPr marL="684047" lvl="2" indent="0">
+              <a:buNone/>
+            </a:pPr>
+            <a:r>
+              <a:rPr lang="en-GB" sz="2000" dirty="0">
+                <a:solidFill>
+                  <a:srgbClr val="000000"/>
+                </a:solidFill>
+                <a:highlight>
+                  <a:srgbClr val="FFFFFF"/>
+                </a:highlight>
+                <a:latin typeface="Consolas" panose="020B0609020204030204" pitchFamily="49" charset="0"/>
+              </a:rPr>
+              <a:t>virtual</a:t>
+            </a:r>
+            <a:r>
+              <a:rPr lang="en-GB" sz="2000" dirty="0">
+                <a:solidFill>
+                  <a:srgbClr val="A31515"/>
+                </a:solidFill>
+                <a:highlight>
+                  <a:srgbClr val="FFFFFF"/>
+                </a:highlight>
+                <a:latin typeface="Consolas" panose="020B0609020204030204" pitchFamily="49" charset="0"/>
+              </a:rPr>
+              <a:t> </a:t>
+            </a:r>
+            <a:r>
+              <a:rPr lang="en-GB" sz="2000" dirty="0">
+                <a:solidFill>
+                  <a:schemeClr val="accent1"/>
+                </a:solidFill>
+                <a:highlight>
+                  <a:srgbClr val="FFFFFF"/>
+                </a:highlight>
+                <a:latin typeface="Consolas" panose="020B0609020204030204" pitchFamily="49" charset="0"/>
+              </a:rPr>
+              <a:t>int</a:t>
+            </a:r>
+            <a:r>
+              <a:rPr lang="en-GB" sz="2000" dirty="0">
+                <a:solidFill>
+                  <a:srgbClr val="A31515"/>
+                </a:solidFill>
+                <a:highlight>
+                  <a:srgbClr val="FFFFFF"/>
+                </a:highlight>
+                <a:latin typeface="Consolas" panose="020B0609020204030204" pitchFamily="49" charset="0"/>
+              </a:rPr>
+              <a:t> </a:t>
+            </a:r>
+            <a:r>
+              <a:rPr lang="en-GB" sz="2000" dirty="0">
+                <a:solidFill>
+                  <a:srgbClr val="000000"/>
+                </a:solidFill>
+                <a:highlight>
+                  <a:srgbClr val="FFFFFF"/>
+                </a:highlight>
+                <a:latin typeface="Consolas" panose="020B0609020204030204" pitchFamily="49" charset="0"/>
+              </a:rPr>
+              <a:t>operator()(</a:t>
+            </a:r>
+            <a:r>
+              <a:rPr lang="en-GB" sz="2000" dirty="0" err="1">
+                <a:solidFill>
+                  <a:schemeClr val="accent1"/>
+                </a:solidFill>
+                <a:highlight>
+                  <a:srgbClr val="FFFFFF"/>
+                </a:highlight>
+                <a:latin typeface="Consolas" panose="020B0609020204030204" pitchFamily="49" charset="0"/>
+              </a:rPr>
+              <a:t>const</a:t>
+            </a:r>
+            <a:r>
+              <a:rPr lang="en-GB" sz="2000" dirty="0">
+                <a:solidFill>
+                  <a:srgbClr val="A31515"/>
+                </a:solidFill>
+                <a:highlight>
+                  <a:srgbClr val="FFFFFF"/>
+                </a:highlight>
+                <a:latin typeface="Consolas" panose="020B0609020204030204" pitchFamily="49" charset="0"/>
+              </a:rPr>
+              <a:t> </a:t>
+            </a:r>
+            <a:r>
+              <a:rPr lang="en-GB" sz="2000" dirty="0">
+                <a:solidFill>
+                  <a:srgbClr val="000080"/>
+                </a:solidFill>
+                <a:highlight>
+                  <a:srgbClr val="FFFFFF"/>
+                </a:highlight>
+                <a:latin typeface="Consolas" panose="020B0609020204030204" pitchFamily="49" charset="0"/>
+              </a:rPr>
+              <a:t>device</a:t>
+            </a:r>
+            <a:r>
+              <a:rPr lang="en-GB" sz="2000" dirty="0">
+                <a:solidFill>
+                  <a:srgbClr val="A31515"/>
+                </a:solidFill>
+                <a:highlight>
+                  <a:srgbClr val="FFFFFF"/>
+                </a:highlight>
+                <a:latin typeface="Consolas" panose="020B0609020204030204" pitchFamily="49" charset="0"/>
+              </a:rPr>
+              <a:t> </a:t>
+            </a:r>
+            <a:r>
+              <a:rPr lang="en-GB" sz="2000" dirty="0">
+                <a:solidFill>
+                  <a:srgbClr val="000000"/>
+                </a:solidFill>
+                <a:highlight>
+                  <a:srgbClr val="FFFFFF"/>
+                </a:highlight>
+                <a:latin typeface="Consolas" panose="020B0609020204030204" pitchFamily="49" charset="0"/>
+              </a:rPr>
+              <a:t>&amp;</a:t>
+            </a:r>
+            <a:r>
+              <a:rPr lang="en-GB" sz="2000" dirty="0">
+                <a:solidFill>
+                  <a:srgbClr val="000080"/>
+                </a:solidFill>
+                <a:highlight>
+                  <a:srgbClr val="FFFFFF"/>
+                </a:highlight>
+                <a:latin typeface="Consolas" panose="020B0609020204030204" pitchFamily="49" charset="0"/>
+              </a:rPr>
+              <a:t>dev</a:t>
+            </a:r>
+            <a:r>
+              <a:rPr lang="en-GB" sz="2000" dirty="0">
+                <a:solidFill>
+                  <a:srgbClr val="000000"/>
+                </a:solidFill>
+                <a:highlight>
+                  <a:srgbClr val="FFFFFF"/>
+                </a:highlight>
+                <a:latin typeface="Consolas" panose="020B0609020204030204" pitchFamily="49" charset="0"/>
+              </a:rPr>
+              <a:t>)</a:t>
+            </a:r>
+            <a:r>
+              <a:rPr lang="en-GB" sz="2000" dirty="0">
+                <a:solidFill>
+                  <a:srgbClr val="A31515"/>
+                </a:solidFill>
+                <a:highlight>
+                  <a:srgbClr val="FFFFFF"/>
+                </a:highlight>
+                <a:latin typeface="Consolas" panose="020B0609020204030204" pitchFamily="49" charset="0"/>
+              </a:rPr>
+              <a:t> </a:t>
+            </a:r>
+            <a:r>
+              <a:rPr lang="en-GB" sz="2000" dirty="0" err="1">
+                <a:solidFill>
+                  <a:schemeClr val="accent1"/>
+                </a:solidFill>
+                <a:highlight>
+                  <a:srgbClr val="FFFFFF"/>
+                </a:highlight>
+                <a:latin typeface="Consolas" panose="020B0609020204030204" pitchFamily="49" charset="0"/>
+              </a:rPr>
+              <a:t>const</a:t>
+            </a:r>
+            <a:r>
+              <a:rPr lang="en-GB" sz="2000" dirty="0">
+                <a:solidFill>
+                  <a:srgbClr val="A31515"/>
+                </a:solidFill>
+                <a:highlight>
+                  <a:srgbClr val="FFFFFF"/>
+                </a:highlight>
+                <a:latin typeface="Consolas" panose="020B0609020204030204" pitchFamily="49" charset="0"/>
+              </a:rPr>
+              <a:t> </a:t>
+            </a:r>
+            <a:r>
+              <a:rPr lang="en-GB" sz="2000" dirty="0">
+                <a:solidFill>
+                  <a:srgbClr val="000000"/>
+                </a:solidFill>
+                <a:highlight>
+                  <a:srgbClr val="FFFFFF"/>
+                </a:highlight>
+                <a:latin typeface="Consolas" panose="020B0609020204030204" pitchFamily="49" charset="0"/>
+              </a:rPr>
+              <a:t>{</a:t>
+            </a:r>
+          </a:p>
+          <a:p>
+            <a:pPr marL="684047" lvl="2" indent="0">
+              <a:buNone/>
+            </a:pPr>
+            <a:r>
+              <a:rPr lang="en-US" sz="2000" dirty="0">
+                <a:solidFill>
+                  <a:srgbClr val="A31515"/>
+                </a:solidFill>
+                <a:highlight>
+                  <a:srgbClr val="FFFFFF"/>
+                </a:highlight>
+                <a:latin typeface="Consolas" panose="020B0609020204030204" pitchFamily="49" charset="0"/>
+              </a:rPr>
+              <a:t>		</a:t>
+            </a:r>
+            <a:r>
+              <a:rPr lang="en-US" sz="2000" dirty="0">
+                <a:solidFill>
+                  <a:schemeClr val="accent2"/>
+                </a:solidFill>
+                <a:highlight>
+                  <a:srgbClr val="FFFFFF"/>
+                </a:highlight>
+                <a:latin typeface="Consolas" panose="020B0609020204030204" pitchFamily="49" charset="0"/>
+              </a:rPr>
+              <a:t>/* Device selection logic */</a:t>
+            </a:r>
+          </a:p>
+          <a:p>
+            <a:pPr marL="684047" lvl="2" indent="0">
+              <a:buNone/>
+            </a:pPr>
+            <a:r>
+              <a:rPr lang="en-US" sz="2000" dirty="0">
+                <a:solidFill>
+                  <a:srgbClr val="000000"/>
+                </a:solidFill>
+                <a:highlight>
+                  <a:srgbClr val="FFFFFF"/>
+                </a:highlight>
+                <a:latin typeface="Consolas" panose="020B0609020204030204" pitchFamily="49" charset="0"/>
+              </a:rPr>
+              <a:t>}</a:t>
+            </a:r>
+            <a:endParaRPr lang="en-US" sz="2000" dirty="0"/>
+          </a:p>
+        </p:txBody>
+      </p:sp>
+      <p:sp>
+        <p:nvSpPr>
+          <p:cNvPr id="3" name="Title 2">
+            <a:extLst>
+              <a:ext uri="{FF2B5EF4-FFF2-40B4-BE49-F238E27FC236}">
+                <a16:creationId xmlns:a16="http://schemas.microsoft.com/office/drawing/2014/main" id="{C6199DC5-494D-B309-311C-2E71E93FC696}"/>
+              </a:ext>
+            </a:extLst>
+          </p:cNvPr>
+          <p:cNvSpPr>
+            <a:spLocks noGrp="1"/>
+          </p:cNvSpPr>
+          <p:nvPr>
+            <p:ph type="title"/>
+          </p:nvPr>
+        </p:nvSpPr>
+        <p:spPr/>
+        <p:txBody>
+          <a:bodyPr/>
+          <a:lstStyle/>
+          <a:p>
+            <a:r>
+              <a:rPr lang="en-US" sz="4000" dirty="0"/>
+              <a:t>Device Selection</a:t>
+            </a:r>
+          </a:p>
+        </p:txBody>
+      </p:sp>
+    </p:spTree>
+    <p:extLst>
+      <p:ext uri="{BB962C8B-B14F-4D97-AF65-F5344CB8AC3E}">
+        <p14:creationId xmlns:p14="http://schemas.microsoft.com/office/powerpoint/2010/main" val="2682491685"/>
       </p:ext>
     </p:extLst>
   </p:cSld>
@@ -14210,6 +14183,570 @@
     <a:masterClrMapping/>
   </p:clrMapOvr>
   <p:transition spd="med" advTm="297800"/>
+</p:sld>
+</file>
+
+<file path=ppt/slides/slide20.xml><?xml version="1.0" encoding="utf-8"?>
+<p:sld xmlns:a="http://schemas.openxmlformats.org/drawingml/2006/main" xmlns:r="http://schemas.openxmlformats.org/officeDocument/2006/relationships" xmlns:p="http://schemas.openxmlformats.org/presentationml/2006/main">
+  <p:cSld>
+    <p:spTree>
+      <p:nvGrpSpPr>
+        <p:cNvPr id="1" name=""/>
+        <p:cNvGrpSpPr/>
+        <p:nvPr/>
+      </p:nvGrpSpPr>
+      <p:grpSpPr>
+        <a:xfrm>
+          <a:off x="0" y="0"/>
+          <a:ext cx="0" cy="0"/>
+          <a:chOff x="0" y="0"/>
+          <a:chExt cx="0" cy="0"/>
+        </a:xfrm>
+      </p:grpSpPr>
+      <p:sp>
+        <p:nvSpPr>
+          <p:cNvPr id="2" name="Text Placeholder 1">
+            <a:extLst>
+              <a:ext uri="{FF2B5EF4-FFF2-40B4-BE49-F238E27FC236}">
+                <a16:creationId xmlns:a16="http://schemas.microsoft.com/office/drawing/2014/main" id="{DDF92F08-23B2-CF92-23C8-BA44DE075FF0}"/>
+              </a:ext>
+            </a:extLst>
+          </p:cNvPr>
+          <p:cNvSpPr>
+            <a:spLocks noGrp="1"/>
+          </p:cNvSpPr>
+          <p:nvPr>
+            <p:ph type="body" sz="quarter" idx="11"/>
+          </p:nvPr>
+        </p:nvSpPr>
+        <p:spPr/>
+        <p:txBody>
+          <a:bodyPr/>
+          <a:lstStyle/>
+          <a:p>
+            <a:r>
+              <a:rPr lang="en-US" dirty="0"/>
+              <a:t>operator() is key to device selection</a:t>
+            </a:r>
+          </a:p>
+          <a:p>
+            <a:pPr lvl="1"/>
+            <a:r>
+              <a:rPr lang="en-US" dirty="0"/>
+              <a:t>Runs on each available device</a:t>
+            </a:r>
+          </a:p>
+          <a:p>
+            <a:pPr lvl="1"/>
+            <a:r>
+              <a:rPr lang="en-US" dirty="0"/>
+              <a:t>Returns an integer score for each device</a:t>
+            </a:r>
+          </a:p>
+          <a:p>
+            <a:pPr lvl="2"/>
+            <a:r>
+              <a:rPr lang="en-US" dirty="0"/>
+              <a:t>Device which returns highest score is selected</a:t>
+            </a:r>
+          </a:p>
+          <a:p>
+            <a:pPr lvl="2"/>
+            <a:r>
+              <a:rPr lang="en-US" dirty="0"/>
+              <a:t>Devices which return negative scores will never be selected</a:t>
+            </a:r>
+          </a:p>
+          <a:p>
+            <a:r>
+              <a:rPr lang="en-US" dirty="0"/>
+              <a:t>User is free to define any logic for scoring</a:t>
+            </a:r>
+          </a:p>
+          <a:p>
+            <a:pPr lvl="1"/>
+            <a:r>
+              <a:rPr lang="en-US" dirty="0"/>
+              <a:t>Allows for arbitrarily complex device selection logic</a:t>
+            </a:r>
+          </a:p>
+          <a:p>
+            <a:pPr lvl="1"/>
+            <a:r>
+              <a:rPr lang="en-US" dirty="0"/>
+              <a:t>In simple cases, selecting based on device name or vendor is sufficient</a:t>
+            </a:r>
+          </a:p>
+          <a:p>
+            <a:pPr lvl="1"/>
+            <a:endParaRPr lang="en-US" dirty="0"/>
+          </a:p>
+        </p:txBody>
+      </p:sp>
+      <p:sp>
+        <p:nvSpPr>
+          <p:cNvPr id="3" name="Title 2">
+            <a:extLst>
+              <a:ext uri="{FF2B5EF4-FFF2-40B4-BE49-F238E27FC236}">
+                <a16:creationId xmlns:a16="http://schemas.microsoft.com/office/drawing/2014/main" id="{5F41B62B-C379-7ADA-E458-B4786D2E87F4}"/>
+              </a:ext>
+            </a:extLst>
+          </p:cNvPr>
+          <p:cNvSpPr>
+            <a:spLocks noGrp="1"/>
+          </p:cNvSpPr>
+          <p:nvPr>
+            <p:ph type="title"/>
+          </p:nvPr>
+        </p:nvSpPr>
+        <p:spPr/>
+        <p:txBody>
+          <a:bodyPr/>
+          <a:lstStyle/>
+          <a:p>
+            <a:r>
+              <a:rPr lang="en-US" sz="4000" dirty="0"/>
+              <a:t>Custom Device Selection</a:t>
+            </a:r>
+          </a:p>
+        </p:txBody>
+      </p:sp>
+    </p:spTree>
+    <p:extLst>
+      <p:ext uri="{BB962C8B-B14F-4D97-AF65-F5344CB8AC3E}">
+        <p14:creationId xmlns:p14="http://schemas.microsoft.com/office/powerpoint/2010/main" val="16247701"/>
+      </p:ext>
+    </p:extLst>
+  </p:cSld>
+  <p:clrMapOvr>
+    <a:masterClrMapping/>
+  </p:clrMapOvr>
+  <p:transition spd="med"/>
+</p:sld>
+</file>
+
+<file path=ppt/slides/slide21.xml><?xml version="1.0" encoding="utf-8"?>
+<p:sld xmlns:a="http://schemas.openxmlformats.org/drawingml/2006/main" xmlns:r="http://schemas.openxmlformats.org/officeDocument/2006/relationships" xmlns:p="http://schemas.openxmlformats.org/presentationml/2006/main">
+  <p:cSld>
+    <p:spTree>
+      <p:nvGrpSpPr>
+        <p:cNvPr id="1" name=""/>
+        <p:cNvGrpSpPr/>
+        <p:nvPr/>
+      </p:nvGrpSpPr>
+      <p:grpSpPr>
+        <a:xfrm>
+          <a:off x="0" y="0"/>
+          <a:ext cx="0" cy="0"/>
+          <a:chOff x="0" y="0"/>
+          <a:chExt cx="0" cy="0"/>
+        </a:xfrm>
+      </p:grpSpPr>
+      <p:sp>
+        <p:nvSpPr>
+          <p:cNvPr id="2" name="Text Placeholder 1">
+            <a:extLst>
+              <a:ext uri="{FF2B5EF4-FFF2-40B4-BE49-F238E27FC236}">
+                <a16:creationId xmlns:a16="http://schemas.microsoft.com/office/drawing/2014/main" id="{8125CE29-810F-B059-3558-301534123DD1}"/>
+              </a:ext>
+            </a:extLst>
+          </p:cNvPr>
+          <p:cNvSpPr>
+            <a:spLocks noGrp="1"/>
+          </p:cNvSpPr>
+          <p:nvPr>
+            <p:ph type="body" sz="quarter" idx="11"/>
+          </p:nvPr>
+        </p:nvSpPr>
+        <p:spPr/>
+        <p:txBody>
+          <a:bodyPr/>
+          <a:lstStyle/>
+          <a:p>
+            <a:pPr marL="55397" indent="0">
+              <a:buNone/>
+            </a:pPr>
+            <a:r>
+              <a:rPr lang="en-US" sz="2000" dirty="0">
+                <a:solidFill>
+                  <a:schemeClr val="accent1"/>
+                </a:solidFill>
+              </a:rPr>
+              <a:t>class</a:t>
+            </a:r>
+            <a:r>
+              <a:rPr lang="en-US" sz="2000" dirty="0"/>
+              <a:t> </a:t>
+            </a:r>
+            <a:r>
+              <a:rPr lang="en-US" sz="2000" dirty="0" err="1"/>
+              <a:t>my_selector</a:t>
+            </a:r>
+            <a:r>
+              <a:rPr lang="en-US" sz="2000" dirty="0"/>
+              <a:t> : public </a:t>
+            </a:r>
+            <a:r>
+              <a:rPr lang="en-US" sz="2000" dirty="0" err="1"/>
+              <a:t>device_selector</a:t>
+            </a:r>
+            <a:r>
+              <a:rPr lang="en-US" sz="2000" dirty="0"/>
+              <a:t> {</a:t>
+            </a:r>
+          </a:p>
+          <a:p>
+            <a:pPr marL="55397" indent="0">
+              <a:buNone/>
+            </a:pPr>
+            <a:r>
+              <a:rPr lang="en-US" sz="2000" dirty="0"/>
+              <a:t>	public:</a:t>
+            </a:r>
+          </a:p>
+          <a:p>
+            <a:pPr marL="55397" indent="0">
+              <a:buNone/>
+            </a:pPr>
+            <a:r>
+              <a:rPr lang="en-US" sz="2000" dirty="0"/>
+              <a:t>	</a:t>
+            </a:r>
+            <a:r>
+              <a:rPr lang="en-US" sz="2000" dirty="0">
+                <a:solidFill>
+                  <a:schemeClr val="accent1"/>
+                </a:solidFill>
+              </a:rPr>
+              <a:t>int</a:t>
+            </a:r>
+            <a:r>
+              <a:rPr lang="en-US" sz="2000" dirty="0"/>
+              <a:t> operator()(</a:t>
+            </a:r>
+            <a:r>
+              <a:rPr lang="en-US" sz="2000" dirty="0">
+                <a:solidFill>
+                  <a:schemeClr val="accent1"/>
+                </a:solidFill>
+              </a:rPr>
+              <a:t>const</a:t>
+            </a:r>
+            <a:r>
+              <a:rPr lang="en-US" sz="2000" dirty="0"/>
+              <a:t> device &amp;dev) </a:t>
+            </a:r>
+            <a:r>
+              <a:rPr lang="en-US" sz="2000" dirty="0">
+                <a:solidFill>
+                  <a:schemeClr val="accent1"/>
+                </a:solidFill>
+              </a:rPr>
+              <a:t>const</a:t>
+            </a:r>
+            <a:r>
+              <a:rPr lang="en-US" sz="2000" dirty="0"/>
+              <a:t> override {</a:t>
+            </a:r>
+          </a:p>
+          <a:p>
+            <a:pPr marL="55397" indent="0">
+              <a:buNone/>
+            </a:pPr>
+            <a:r>
+              <a:rPr lang="en-US" sz="2000" dirty="0"/>
+              <a:t>		</a:t>
+            </a:r>
+            <a:r>
+              <a:rPr lang="en-US" sz="2000" dirty="0">
+                <a:solidFill>
+                  <a:schemeClr val="accent1"/>
+                </a:solidFill>
+              </a:rPr>
+              <a:t>if</a:t>
+            </a:r>
+            <a:r>
+              <a:rPr lang="en-US" sz="2000" dirty="0"/>
+              <a:t> (</a:t>
+            </a:r>
+          </a:p>
+          <a:p>
+            <a:pPr marL="55397" indent="0">
+              <a:buNone/>
+            </a:pPr>
+            <a:r>
+              <a:rPr lang="en-US" sz="2000" dirty="0"/>
+              <a:t>		</a:t>
+            </a:r>
+            <a:r>
+              <a:rPr lang="en-US" sz="2000" dirty="0" err="1"/>
+              <a:t>dev.get_info</a:t>
+            </a:r>
+            <a:r>
+              <a:rPr lang="en-US" sz="2000" dirty="0"/>
+              <a:t>&lt;info::device::name&gt;().find("</a:t>
+            </a:r>
+            <a:r>
+              <a:rPr lang="en-US" sz="2000" dirty="0" err="1"/>
+              <a:t>Arria</a:t>
+            </a:r>
+            <a:r>
+              <a:rPr lang="en-US" sz="2000" dirty="0"/>
+              <a:t>") != std::string::</a:t>
+            </a:r>
+            <a:r>
+              <a:rPr lang="en-US" sz="2000" dirty="0" err="1"/>
+              <a:t>npos</a:t>
+            </a:r>
+            <a:r>
+              <a:rPr lang="en-US" sz="2000" dirty="0"/>
+              <a:t> &amp;&amp;</a:t>
+            </a:r>
+          </a:p>
+          <a:p>
+            <a:pPr marL="55397" indent="0">
+              <a:buNone/>
+            </a:pPr>
+            <a:r>
+              <a:rPr lang="en-US" sz="2000" dirty="0"/>
+              <a:t>		</a:t>
+            </a:r>
+            <a:r>
+              <a:rPr lang="en-US" sz="2000" dirty="0" err="1"/>
+              <a:t>dev.get_info</a:t>
+            </a:r>
+            <a:r>
+              <a:rPr lang="en-US" sz="2000" dirty="0"/>
+              <a:t>&lt;info::device::vendor&gt;().find("Intel") != std::string::</a:t>
+            </a:r>
+            <a:r>
+              <a:rPr lang="en-US" sz="2000" dirty="0" err="1"/>
+              <a:t>npos</a:t>
+            </a:r>
+            <a:r>
+              <a:rPr lang="en-US" sz="2000" dirty="0"/>
+              <a:t>) {</a:t>
+            </a:r>
+          </a:p>
+          <a:p>
+            <a:pPr marL="55397" indent="0">
+              <a:buNone/>
+            </a:pPr>
+            <a:r>
+              <a:rPr lang="en-US" sz="2000" dirty="0"/>
+              <a:t>			</a:t>
+            </a:r>
+            <a:r>
+              <a:rPr lang="en-US" sz="2000" dirty="0">
+                <a:solidFill>
+                  <a:schemeClr val="accent1"/>
+                </a:solidFill>
+              </a:rPr>
+              <a:t>return</a:t>
+            </a:r>
+            <a:r>
+              <a:rPr lang="en-US" sz="2000" dirty="0"/>
+              <a:t> 1;</a:t>
+            </a:r>
+          </a:p>
+          <a:p>
+            <a:pPr marL="55397" indent="0">
+              <a:buNone/>
+            </a:pPr>
+            <a:r>
+              <a:rPr lang="en-US" sz="2000" dirty="0"/>
+              <a:t>		}</a:t>
+            </a:r>
+          </a:p>
+          <a:p>
+            <a:pPr marL="55397" indent="0">
+              <a:buNone/>
+            </a:pPr>
+            <a:r>
+              <a:rPr lang="en-US" sz="2000" dirty="0"/>
+              <a:t>		</a:t>
+            </a:r>
+            <a:r>
+              <a:rPr lang="en-US" sz="2000" dirty="0">
+                <a:solidFill>
+                  <a:schemeClr val="accent1"/>
+                </a:solidFill>
+              </a:rPr>
+              <a:t>return</a:t>
+            </a:r>
+            <a:r>
+              <a:rPr lang="en-US" sz="2000" dirty="0"/>
+              <a:t> -1;</a:t>
+            </a:r>
+          </a:p>
+          <a:p>
+            <a:pPr marL="55397" indent="0">
+              <a:buNone/>
+            </a:pPr>
+            <a:r>
+              <a:rPr lang="en-US" sz="2000" dirty="0"/>
+              <a:t>	}</a:t>
+            </a:r>
+          </a:p>
+          <a:p>
+            <a:pPr marL="55397" indent="0">
+              <a:buNone/>
+            </a:pPr>
+            <a:r>
+              <a:rPr lang="en-US" sz="2000" dirty="0"/>
+              <a:t>};</a:t>
+            </a:r>
+          </a:p>
+          <a:p>
+            <a:pPr marL="55397" indent="0">
+              <a:buNone/>
+            </a:pPr>
+            <a:endParaRPr lang="en-US" sz="2000" i="1" dirty="0"/>
+          </a:p>
+          <a:p>
+            <a:pPr marL="55397" indent="0">
+              <a:buNone/>
+            </a:pPr>
+            <a:r>
+              <a:rPr lang="en-US" sz="2000" i="1" dirty="0"/>
+              <a:t>Source: Data Parallel C++, James Reinders et al. pg. 46</a:t>
+            </a:r>
+          </a:p>
+        </p:txBody>
+      </p:sp>
+      <p:sp>
+        <p:nvSpPr>
+          <p:cNvPr id="3" name="Title 2">
+            <a:extLst>
+              <a:ext uri="{FF2B5EF4-FFF2-40B4-BE49-F238E27FC236}">
+                <a16:creationId xmlns:a16="http://schemas.microsoft.com/office/drawing/2014/main" id="{6FAB9D38-4349-2077-9ED8-B67A9FB7CEBB}"/>
+              </a:ext>
+            </a:extLst>
+          </p:cNvPr>
+          <p:cNvSpPr>
+            <a:spLocks noGrp="1"/>
+          </p:cNvSpPr>
+          <p:nvPr>
+            <p:ph type="title"/>
+          </p:nvPr>
+        </p:nvSpPr>
+        <p:spPr/>
+        <p:txBody>
+          <a:bodyPr/>
+          <a:lstStyle/>
+          <a:p>
+            <a:r>
+              <a:rPr lang="en-US" sz="4000" dirty="0"/>
+              <a:t>Custom Device Selection Example</a:t>
+            </a:r>
+          </a:p>
+        </p:txBody>
+      </p:sp>
+    </p:spTree>
+    <p:extLst>
+      <p:ext uri="{BB962C8B-B14F-4D97-AF65-F5344CB8AC3E}">
+        <p14:creationId xmlns:p14="http://schemas.microsoft.com/office/powerpoint/2010/main" val="484224936"/>
+      </p:ext>
+    </p:extLst>
+  </p:cSld>
+  <p:clrMapOvr>
+    <a:masterClrMapping/>
+  </p:clrMapOvr>
+  <p:transition spd="med"/>
+</p:sld>
+</file>
+
+<file path=ppt/slides/slide22.xml><?xml version="1.0" encoding="utf-8"?>
+<p:sld xmlns:a="http://schemas.openxmlformats.org/drawingml/2006/main" xmlns:r="http://schemas.openxmlformats.org/officeDocument/2006/relationships" xmlns:p="http://schemas.openxmlformats.org/presentationml/2006/main">
+  <p:cSld>
+    <p:spTree>
+      <p:nvGrpSpPr>
+        <p:cNvPr id="1" name=""/>
+        <p:cNvGrpSpPr/>
+        <p:nvPr/>
+      </p:nvGrpSpPr>
+      <p:grpSpPr>
+        <a:xfrm>
+          <a:off x="0" y="0"/>
+          <a:ext cx="0" cy="0"/>
+          <a:chOff x="0" y="0"/>
+          <a:chExt cx="0" cy="0"/>
+        </a:xfrm>
+      </p:grpSpPr>
+      <p:sp>
+        <p:nvSpPr>
+          <p:cNvPr id="2" name="Text Placeholder 1">
+            <a:extLst>
+              <a:ext uri="{FF2B5EF4-FFF2-40B4-BE49-F238E27FC236}">
+                <a16:creationId xmlns:a16="http://schemas.microsoft.com/office/drawing/2014/main" id="{B3F893BD-9D33-8B8F-DCD0-3EC00FAAFF3C}"/>
+              </a:ext>
+            </a:extLst>
+          </p:cNvPr>
+          <p:cNvSpPr>
+            <a:spLocks noGrp="1"/>
+          </p:cNvSpPr>
+          <p:nvPr>
+            <p:ph type="body" sz="quarter" idx="11"/>
+          </p:nvPr>
+        </p:nvSpPr>
+        <p:spPr/>
+        <p:txBody>
+          <a:bodyPr/>
+          <a:lstStyle/>
+          <a:p>
+            <a:r>
+              <a:rPr lang="en-US" dirty="0"/>
+              <a:t>vector_addition_with_timing.cpp</a:t>
+            </a:r>
+          </a:p>
+          <a:p>
+            <a:pPr lvl="1"/>
+            <a:r>
+              <a:rPr lang="en-US" dirty="0"/>
+              <a:t>https://github.com/BenjaminMFindley/Reconfig-2-SYCL-DPCPP/blob/main/Examples/vector_addition/vector_addition_with_timing.cpp</a:t>
+            </a:r>
+          </a:p>
+        </p:txBody>
+      </p:sp>
+      <p:sp>
+        <p:nvSpPr>
+          <p:cNvPr id="3" name="Title 2">
+            <a:extLst>
+              <a:ext uri="{FF2B5EF4-FFF2-40B4-BE49-F238E27FC236}">
+                <a16:creationId xmlns:a16="http://schemas.microsoft.com/office/drawing/2014/main" id="{ECBB6F3A-17E5-5A14-938D-FC701C86AD40}"/>
+              </a:ext>
+            </a:extLst>
+          </p:cNvPr>
+          <p:cNvSpPr>
+            <a:spLocks noGrp="1"/>
+          </p:cNvSpPr>
+          <p:nvPr>
+            <p:ph type="title"/>
+          </p:nvPr>
+        </p:nvSpPr>
+        <p:spPr/>
+        <p:txBody>
+          <a:bodyPr/>
+          <a:lstStyle/>
+          <a:p>
+            <a:r>
+              <a:rPr lang="en-US" dirty="0"/>
+              <a:t>Example</a:t>
+            </a:r>
+          </a:p>
+        </p:txBody>
+      </p:sp>
+    </p:spTree>
+    <p:extLst>
+      <p:ext uri="{BB962C8B-B14F-4D97-AF65-F5344CB8AC3E}">
+        <p14:creationId xmlns:p14="http://schemas.microsoft.com/office/powerpoint/2010/main" val="1633702735"/>
+      </p:ext>
+    </p:extLst>
+  </p:cSld>
+  <p:clrMapOvr>
+    <a:masterClrMapping/>
+  </p:clrMapOvr>
+  <p:transition spd="med"/>
 </p:sld>
 </file>
 
@@ -14845,7 +15382,7 @@
           <p:cNvPr id="2" name="Text Placeholder 1">
             <a:extLst>
               <a:ext uri="{FF2B5EF4-FFF2-40B4-BE49-F238E27FC236}">
-                <a16:creationId xmlns:a16="http://schemas.microsoft.com/office/drawing/2014/main" id="{BAA91BAA-AE1C-4B57-74D8-76174A2532B7}"/>
+                <a16:creationId xmlns:a16="http://schemas.microsoft.com/office/drawing/2014/main" id="{4D907494-8A92-93DB-9B91-24DE589D25AE}"/>
               </a:ext>
             </a:extLst>
           </p:cNvPr>
@@ -14863,323 +15400,99 @@
           <a:p>
             <a:r>
               <a:rPr lang="en-US" sz="2400" dirty="0"/>
-              <a:t>Default selector chooses most capable device at runtime</a:t>
+              <a:t>Data abstractions of a certain C++ type</a:t>
+            </a:r>
+          </a:p>
+          <a:p>
+            <a:pPr lvl="1"/>
+            <a:r>
+              <a:rPr lang="en-US" sz="2000" dirty="0"/>
+              <a:t>Can be scalar data types, vectors, or other user-defined class/structure</a:t>
+            </a:r>
+          </a:p>
+          <a:p>
+            <a:pPr lvl="2"/>
+            <a:r>
+              <a:rPr lang="en-US" sz="1600" dirty="0"/>
+              <a:t>Must not require the use of copy constructors for copying</a:t>
             </a:r>
           </a:p>
           <a:p>
             <a:r>
               <a:rPr lang="en-US" sz="2400" dirty="0"/>
-              <a:t>Device selector classes exist to choose from specific class of device</a:t>
+              <a:t>Represent data objects, not memory addresses</a:t>
             </a:r>
           </a:p>
           <a:p>
             <a:pPr lvl="1"/>
             <a:r>
-              <a:rPr lang="en-US" sz="2000" dirty="0" err="1"/>
-              <a:t>gpu_selector</a:t>
-            </a:r>
-            <a:endParaRPr lang="en-US" sz="2000" dirty="0"/>
+              <a:rPr lang="en-US" sz="2000" dirty="0"/>
+              <a:t>Cannot be accessed like C++ arrays</a:t>
+            </a:r>
           </a:p>
           <a:p>
             <a:pPr lvl="1"/>
             <a:r>
-              <a:rPr lang="en-US" sz="2000" dirty="0" err="1"/>
-              <a:t>cpu_selector</a:t>
-            </a:r>
-            <a:endParaRPr lang="en-US" sz="2000" dirty="0"/>
+              <a:rPr lang="en-US" sz="2000" i="1" dirty="0"/>
+              <a:t>Accessors</a:t>
+            </a:r>
+            <a:r>
+              <a:rPr lang="en-US" sz="2000" dirty="0"/>
+              <a:t> must be used to read from and write to buffers</a:t>
+            </a:r>
+          </a:p>
+          <a:p>
+            <a:r>
+              <a:rPr lang="en-US" sz="2400" dirty="0"/>
+              <a:t>A single buffer may be distributed across multiple locations</a:t>
+            </a:r>
           </a:p>
           <a:p>
             <a:pPr lvl="1"/>
             <a:r>
-              <a:rPr lang="en-US" sz="2000" dirty="0" err="1"/>
-              <a:t>accelerator_selector</a:t>
-            </a:r>
-            <a:endParaRPr lang="en-US" sz="2000" dirty="0"/>
+              <a:rPr lang="en-US" sz="2000" dirty="0"/>
+              <a:t>Between discrete memory locations and devices</a:t>
+            </a:r>
+          </a:p>
+          <a:p>
+            <a:r>
+              <a:rPr lang="en-US" sz="2400" dirty="0"/>
+              <a:t>An empty buffer may be created by specifying a range for size</a:t>
+            </a:r>
           </a:p>
           <a:p>
             <a:pPr lvl="1"/>
             <a:r>
-              <a:rPr lang="en-US" sz="2000" dirty="0" err="1"/>
-              <a:t>fpga_selector</a:t>
-            </a:r>
-            <a:r>
               <a:rPr lang="en-US" sz="2000" dirty="0"/>
-              <a:t> exists via intel extension</a:t>
+              <a:t>Data must later be initialized before the buffer can be read from</a:t>
+            </a:r>
+          </a:p>
+          <a:p>
+            <a:r>
+              <a:rPr lang="en-US" sz="2400" dirty="0"/>
+              <a:t>Existing host data may be used to initialize a new buffer</a:t>
             </a:r>
           </a:p>
           <a:p>
             <a:pPr lvl="1"/>
             <a:r>
               <a:rPr lang="en-US" sz="2000" dirty="0"/>
-              <a:t>Useful for quick development, but typically want specific device for a task</a:t>
+              <a:t>Accomplished by invoking a constructor that takes a pointer to an existing host allocation</a:t>
             </a:r>
           </a:p>
           <a:p>
             <a:r>
               <a:rPr lang="en-US" sz="2400" dirty="0"/>
-              <a:t>Custom selectors created by extending </a:t>
+              <a:t>May also be created from existing </a:t>
             </a:r>
             <a:r>
               <a:rPr lang="en-US" sz="2400" dirty="0" err="1"/>
-              <a:t>device_selector</a:t>
+              <a:t>cl_mem</a:t>
             </a:r>
             <a:r>
               <a:rPr lang="en-US" sz="2400" dirty="0"/>
-              <a:t> base class</a:t>
-            </a:r>
-            <a:endParaRPr lang="en-GB" sz="2000" dirty="0">
-              <a:solidFill>
-                <a:srgbClr val="000000"/>
-              </a:solidFill>
-              <a:highlight>
-                <a:srgbClr val="FFFFFF"/>
-              </a:highlight>
-              <a:latin typeface="Consolas" panose="020B0609020204030204" pitchFamily="49" charset="0"/>
-            </a:endParaRPr>
-          </a:p>
-          <a:p>
-            <a:pPr marL="684047" lvl="2" indent="0">
-              <a:buNone/>
-            </a:pPr>
-            <a:r>
-              <a:rPr lang="en-GB" sz="2000" dirty="0">
-                <a:solidFill>
-                  <a:srgbClr val="000000"/>
-                </a:solidFill>
-                <a:highlight>
-                  <a:srgbClr val="FFFFFF"/>
-                </a:highlight>
-                <a:latin typeface="Consolas" panose="020B0609020204030204" pitchFamily="49" charset="0"/>
-              </a:rPr>
-              <a:t>virtual</a:t>
-            </a:r>
-            <a:r>
-              <a:rPr lang="en-GB" sz="2000" dirty="0">
-                <a:solidFill>
-                  <a:srgbClr val="A31515"/>
-                </a:solidFill>
-                <a:highlight>
-                  <a:srgbClr val="FFFFFF"/>
-                </a:highlight>
-                <a:latin typeface="Consolas" panose="020B0609020204030204" pitchFamily="49" charset="0"/>
-              </a:rPr>
-              <a:t> </a:t>
-            </a:r>
-            <a:r>
-              <a:rPr lang="en-GB" sz="2000" dirty="0">
-                <a:solidFill>
-                  <a:schemeClr val="accent1"/>
-                </a:solidFill>
-                <a:highlight>
-                  <a:srgbClr val="FFFFFF"/>
-                </a:highlight>
-                <a:latin typeface="Consolas" panose="020B0609020204030204" pitchFamily="49" charset="0"/>
-              </a:rPr>
-              <a:t>int</a:t>
-            </a:r>
-            <a:r>
-              <a:rPr lang="en-GB" sz="2000" dirty="0">
-                <a:solidFill>
-                  <a:srgbClr val="A31515"/>
-                </a:solidFill>
-                <a:highlight>
-                  <a:srgbClr val="FFFFFF"/>
-                </a:highlight>
-                <a:latin typeface="Consolas" panose="020B0609020204030204" pitchFamily="49" charset="0"/>
-              </a:rPr>
-              <a:t> </a:t>
-            </a:r>
-            <a:r>
-              <a:rPr lang="en-GB" sz="2000" dirty="0">
-                <a:solidFill>
-                  <a:srgbClr val="000000"/>
-                </a:solidFill>
-                <a:highlight>
-                  <a:srgbClr val="FFFFFF"/>
-                </a:highlight>
-                <a:latin typeface="Consolas" panose="020B0609020204030204" pitchFamily="49" charset="0"/>
-              </a:rPr>
-              <a:t>operator()(</a:t>
-            </a:r>
-            <a:r>
-              <a:rPr lang="en-GB" sz="2000" dirty="0" err="1">
-                <a:solidFill>
-                  <a:schemeClr val="accent1"/>
-                </a:solidFill>
-                <a:highlight>
-                  <a:srgbClr val="FFFFFF"/>
-                </a:highlight>
-                <a:latin typeface="Consolas" panose="020B0609020204030204" pitchFamily="49" charset="0"/>
-              </a:rPr>
-              <a:t>const</a:t>
-            </a:r>
-            <a:r>
-              <a:rPr lang="en-GB" sz="2000" dirty="0">
-                <a:solidFill>
-                  <a:srgbClr val="A31515"/>
-                </a:solidFill>
-                <a:highlight>
-                  <a:srgbClr val="FFFFFF"/>
-                </a:highlight>
-                <a:latin typeface="Consolas" panose="020B0609020204030204" pitchFamily="49" charset="0"/>
-              </a:rPr>
-              <a:t> </a:t>
-            </a:r>
-            <a:r>
-              <a:rPr lang="en-GB" sz="2000" dirty="0">
-                <a:solidFill>
-                  <a:srgbClr val="000080"/>
-                </a:solidFill>
-                <a:highlight>
-                  <a:srgbClr val="FFFFFF"/>
-                </a:highlight>
-                <a:latin typeface="Consolas" panose="020B0609020204030204" pitchFamily="49" charset="0"/>
-              </a:rPr>
-              <a:t>device</a:t>
-            </a:r>
-            <a:r>
-              <a:rPr lang="en-GB" sz="2000" dirty="0">
-                <a:solidFill>
-                  <a:srgbClr val="A31515"/>
-                </a:solidFill>
-                <a:highlight>
-                  <a:srgbClr val="FFFFFF"/>
-                </a:highlight>
-                <a:latin typeface="Consolas" panose="020B0609020204030204" pitchFamily="49" charset="0"/>
-              </a:rPr>
-              <a:t> </a:t>
-            </a:r>
-            <a:r>
-              <a:rPr lang="en-GB" sz="2000" dirty="0">
-                <a:solidFill>
-                  <a:srgbClr val="000000"/>
-                </a:solidFill>
-                <a:highlight>
-                  <a:srgbClr val="FFFFFF"/>
-                </a:highlight>
-                <a:latin typeface="Consolas" panose="020B0609020204030204" pitchFamily="49" charset="0"/>
-              </a:rPr>
-              <a:t>&amp;</a:t>
-            </a:r>
-            <a:r>
-              <a:rPr lang="en-GB" sz="2000" dirty="0">
-                <a:solidFill>
-                  <a:srgbClr val="000080"/>
-                </a:solidFill>
-                <a:highlight>
-                  <a:srgbClr val="FFFFFF"/>
-                </a:highlight>
-                <a:latin typeface="Consolas" panose="020B0609020204030204" pitchFamily="49" charset="0"/>
-              </a:rPr>
-              <a:t>dev</a:t>
-            </a:r>
-            <a:r>
-              <a:rPr lang="en-GB" sz="2000" dirty="0">
-                <a:solidFill>
-                  <a:srgbClr val="000000"/>
-                </a:solidFill>
-                <a:highlight>
-                  <a:srgbClr val="FFFFFF"/>
-                </a:highlight>
-                <a:latin typeface="Consolas" panose="020B0609020204030204" pitchFamily="49" charset="0"/>
-              </a:rPr>
-              <a:t>)</a:t>
-            </a:r>
-            <a:r>
-              <a:rPr lang="en-GB" sz="2000" dirty="0">
-                <a:solidFill>
-                  <a:srgbClr val="A31515"/>
-                </a:solidFill>
-                <a:highlight>
-                  <a:srgbClr val="FFFFFF"/>
-                </a:highlight>
-                <a:latin typeface="Consolas" panose="020B0609020204030204" pitchFamily="49" charset="0"/>
-              </a:rPr>
-              <a:t> </a:t>
-            </a:r>
-            <a:r>
-              <a:rPr lang="en-GB" sz="2000" dirty="0" err="1">
-                <a:solidFill>
-                  <a:schemeClr val="accent1"/>
-                </a:solidFill>
-                <a:highlight>
-                  <a:srgbClr val="FFFFFF"/>
-                </a:highlight>
-                <a:latin typeface="Consolas" panose="020B0609020204030204" pitchFamily="49" charset="0"/>
-              </a:rPr>
-              <a:t>const</a:t>
-            </a:r>
-            <a:r>
-              <a:rPr lang="en-GB" sz="2000" dirty="0">
-                <a:solidFill>
-                  <a:srgbClr val="A31515"/>
-                </a:solidFill>
-                <a:highlight>
-                  <a:srgbClr val="FFFFFF"/>
-                </a:highlight>
-                <a:latin typeface="Consolas" panose="020B0609020204030204" pitchFamily="49" charset="0"/>
-              </a:rPr>
-              <a:t> </a:t>
-            </a:r>
-            <a:r>
-              <a:rPr lang="en-GB" sz="2000" dirty="0">
-                <a:solidFill>
-                  <a:srgbClr val="000000"/>
-                </a:solidFill>
-                <a:highlight>
-                  <a:srgbClr val="FFFFFF"/>
-                </a:highlight>
-                <a:latin typeface="Consolas" panose="020B0609020204030204" pitchFamily="49" charset="0"/>
-              </a:rPr>
-              <a:t>{</a:t>
-            </a:r>
-          </a:p>
-          <a:p>
-            <a:pPr marL="684047" lvl="2" indent="0">
-              <a:buNone/>
-            </a:pPr>
-            <a:r>
-              <a:rPr lang="en-US" sz="2000" dirty="0">
-                <a:solidFill>
-                  <a:srgbClr val="A31515"/>
-                </a:solidFill>
-                <a:highlight>
-                  <a:srgbClr val="FFFFFF"/>
-                </a:highlight>
-                <a:latin typeface="Consolas" panose="020B0609020204030204" pitchFamily="49" charset="0"/>
-              </a:rPr>
-              <a:t>		</a:t>
-            </a:r>
-            <a:r>
-              <a:rPr lang="en-US" sz="2000" dirty="0">
-                <a:solidFill>
-                  <a:schemeClr val="accent2"/>
-                </a:solidFill>
-                <a:highlight>
-                  <a:srgbClr val="FFFFFF"/>
-                </a:highlight>
-                <a:latin typeface="Consolas" panose="020B0609020204030204" pitchFamily="49" charset="0"/>
-              </a:rPr>
-              <a:t>/* Device selection logic */</a:t>
-            </a:r>
-          </a:p>
-          <a:p>
-            <a:pPr marL="684047" lvl="2" indent="0">
-              <a:buNone/>
-            </a:pPr>
-            <a:r>
-              <a:rPr lang="en-US" sz="2000" dirty="0">
-                <a:solidFill>
-                  <a:srgbClr val="000000"/>
-                </a:solidFill>
-                <a:highlight>
-                  <a:srgbClr val="FFFFFF"/>
-                </a:highlight>
-                <a:latin typeface="Consolas" panose="020B0609020204030204" pitchFamily="49" charset="0"/>
-              </a:rPr>
-              <a:t>}</a:t>
-            </a:r>
-            <a:endParaRPr lang="en-US" sz="2000" dirty="0"/>
+              <a:t> objects if using OpenCL compatibility</a:t>
+            </a:r>
           </a:p>
         </p:txBody>
       </p:sp>
@@ -15188,7 +15501,7 @@
           <p:cNvPr id="3" name="Title 2">
             <a:extLst>
               <a:ext uri="{FF2B5EF4-FFF2-40B4-BE49-F238E27FC236}">
-                <a16:creationId xmlns:a16="http://schemas.microsoft.com/office/drawing/2014/main" id="{C6199DC5-494D-B309-311C-2E71E93FC696}"/>
+                <a16:creationId xmlns:a16="http://schemas.microsoft.com/office/drawing/2014/main" id="{FD123E51-4B05-EDA0-53E0-A70993ACDAC0}"/>
               </a:ext>
             </a:extLst>
           </p:cNvPr>
@@ -15206,7 +15519,7 @@
           <a:p>
             <a:r>
               <a:rPr lang="en-US" sz="4000" dirty="0"/>
-              <a:t>Device Selection</a:t>
+              <a:t>Buffers</a:t>
             </a:r>
           </a:p>
         </p:txBody>
@@ -15214,7 +15527,7 @@
     </p:spTree>
     <p:extLst>
       <p:ext uri="{BB962C8B-B14F-4D97-AF65-F5344CB8AC3E}">
-        <p14:creationId xmlns:p14="http://schemas.microsoft.com/office/powerpoint/2010/main" val="2682491685"/>
+        <p14:creationId xmlns:p14="http://schemas.microsoft.com/office/powerpoint/2010/main" val="476712468"/>
       </p:ext>
     </p:extLst>
   </p:cSld>
@@ -15247,7 +15560,7 @@
           <p:cNvPr id="2" name="Text Placeholder 1">
             <a:extLst>
               <a:ext uri="{FF2B5EF4-FFF2-40B4-BE49-F238E27FC236}">
-                <a16:creationId xmlns:a16="http://schemas.microsoft.com/office/drawing/2014/main" id="{DDF92F08-23B2-CF92-23C8-BA44DE075FF0}"/>
+                <a16:creationId xmlns:a16="http://schemas.microsoft.com/office/drawing/2014/main" id="{F7E2A174-6243-6AEA-61E3-DE0E4AA2E1A3}"/>
               </a:ext>
             </a:extLst>
           </p:cNvPr>
@@ -15265,59 +15578,68 @@
           <a:p>
             <a:r>
               <a:rPr lang="en-US" dirty="0"/>
-              <a:t>operator() is key to device selection</a:t>
+              <a:t>The only way in which to read from or write to buffers</a:t>
+            </a:r>
+          </a:p>
+          <a:p>
+            <a:r>
+              <a:rPr lang="en-US" dirty="0"/>
+              <a:t>Can be instantiated with read, write, or </a:t>
+            </a:r>
+            <a:r>
+              <a:rPr lang="en-US" dirty="0" err="1"/>
+              <a:t>read_write</a:t>
+            </a:r>
+            <a:r>
+              <a:rPr lang="en-US" dirty="0"/>
+              <a:t> access modes</a:t>
             </a:r>
           </a:p>
           <a:p>
             <a:pPr lvl="1"/>
             <a:r>
               <a:rPr lang="en-US" dirty="0"/>
-              <a:t>Runs on each available device</a:t>
+              <a:t>Accessors are </a:t>
+            </a:r>
+            <a:r>
+              <a:rPr lang="en-US" dirty="0" err="1"/>
+              <a:t>read_write</a:t>
+            </a:r>
+            <a:r>
+              <a:rPr lang="en-US" dirty="0"/>
+              <a:t> by default</a:t>
+            </a:r>
+          </a:p>
+          <a:p>
+            <a:r>
+              <a:rPr lang="en-US" dirty="0"/>
+              <a:t>Using appropriate access modes is important</a:t>
             </a:r>
           </a:p>
           <a:p>
             <a:pPr lvl="1"/>
             <a:r>
               <a:rPr lang="en-US" dirty="0"/>
-              <a:t>Returns an integer score for each device</a:t>
+              <a:t>Provides implicit information used to help the runtime manage memory</a:t>
             </a:r>
           </a:p>
           <a:p>
             <a:pPr lvl="2"/>
             <a:r>
               <a:rPr lang="en-US" dirty="0"/>
-              <a:t>Device which returns highest score is selected</a:t>
-            </a:r>
-          </a:p>
-          <a:p>
-            <a:pPr lvl="2"/>
-            <a:r>
-              <a:rPr lang="en-US" dirty="0"/>
-              <a:t>Devices which return negative scores will never be selected</a:t>
-            </a:r>
-          </a:p>
-          <a:p>
-            <a:r>
-              <a:rPr lang="en-US" dirty="0"/>
-              <a:t>User is free to define any logic for scoring</a:t>
+              <a:t>For example: </a:t>
+            </a:r>
+            <a:r>
+              <a:rPr lang="en-GB" dirty="0"/>
+              <a:t>read mode tells the runtime that it does not need to copy memory back to the host, as the device has not changed it.</a:t>
             </a:r>
           </a:p>
           <a:p>
             <a:pPr lvl="1"/>
             <a:r>
-              <a:rPr lang="en-US" dirty="0"/>
-              <a:t>Allows for arbitrarily complex device selection logic</a:t>
-            </a:r>
-          </a:p>
-          <a:p>
-            <a:pPr lvl="1"/>
-            <a:r>
-              <a:rPr lang="en-US" dirty="0"/>
-              <a:t>In simple cases, selecting based on device name or vendor is sufficient</a:t>
-            </a:r>
-          </a:p>
-          <a:p>
-            <a:pPr lvl="1"/>
+              <a:rPr lang="en-GB" dirty="0"/>
+              <a:t>Appropriate use of access modes will help the runtime optimize kernel scheduling and data migration</a:t>
+            </a:r>
             <a:endParaRPr lang="en-US" dirty="0"/>
           </a:p>
         </p:txBody>
@@ -15327,7 +15649,7 @@
           <p:cNvPr id="3" name="Title 2">
             <a:extLst>
               <a:ext uri="{FF2B5EF4-FFF2-40B4-BE49-F238E27FC236}">
-                <a16:creationId xmlns:a16="http://schemas.microsoft.com/office/drawing/2014/main" id="{5F41B62B-C379-7ADA-E458-B4786D2E87F4}"/>
+                <a16:creationId xmlns:a16="http://schemas.microsoft.com/office/drawing/2014/main" id="{125E0148-C8ED-74C8-D65E-4538E79CBD63}"/>
               </a:ext>
             </a:extLst>
           </p:cNvPr>
@@ -15345,7 +15667,7 @@
           <a:p>
             <a:r>
               <a:rPr lang="en-US" sz="4000" dirty="0"/>
-              <a:t>Custom Device Selection</a:t>
+              <a:t>Accessors</a:t>
             </a:r>
           </a:p>
         </p:txBody>
@@ -15353,7 +15675,7 @@
     </p:spTree>
     <p:extLst>
       <p:ext uri="{BB962C8B-B14F-4D97-AF65-F5344CB8AC3E}">
-        <p14:creationId xmlns:p14="http://schemas.microsoft.com/office/powerpoint/2010/main" val="16247701"/>
+        <p14:creationId xmlns:p14="http://schemas.microsoft.com/office/powerpoint/2010/main" val="4214608404"/>
       </p:ext>
     </p:extLst>
   </p:cSld>
@@ -15365,337 +15687,6 @@
 </file>
 
 <file path=ppt/slides/slide8.xml><?xml version="1.0" encoding="utf-8"?>
-<p:sld xmlns:a="http://schemas.openxmlformats.org/drawingml/2006/main" xmlns:r="http://schemas.openxmlformats.org/officeDocument/2006/relationships" xmlns:p="http://schemas.openxmlformats.org/presentationml/2006/main">
-  <p:cSld>
-    <p:spTree>
-      <p:nvGrpSpPr>
-        <p:cNvPr id="1" name=""/>
-        <p:cNvGrpSpPr/>
-        <p:nvPr/>
-      </p:nvGrpSpPr>
-      <p:grpSpPr>
-        <a:xfrm>
-          <a:off x="0" y="0"/>
-          <a:ext cx="0" cy="0"/>
-          <a:chOff x="0" y="0"/>
-          <a:chExt cx="0" cy="0"/>
-        </a:xfrm>
-      </p:grpSpPr>
-      <p:sp>
-        <p:nvSpPr>
-          <p:cNvPr id="2" name="Text Placeholder 1">
-            <a:extLst>
-              <a:ext uri="{FF2B5EF4-FFF2-40B4-BE49-F238E27FC236}">
-                <a16:creationId xmlns:a16="http://schemas.microsoft.com/office/drawing/2014/main" id="{8125CE29-810F-B059-3558-301534123DD1}"/>
-              </a:ext>
-            </a:extLst>
-          </p:cNvPr>
-          <p:cNvSpPr>
-            <a:spLocks noGrp="1"/>
-          </p:cNvSpPr>
-          <p:nvPr>
-            <p:ph type="body" sz="quarter" idx="11"/>
-          </p:nvPr>
-        </p:nvSpPr>
-        <p:spPr/>
-        <p:txBody>
-          <a:bodyPr/>
-          <a:lstStyle/>
-          <a:p>
-            <a:pPr marL="55397" indent="0">
-              <a:buNone/>
-            </a:pPr>
-            <a:r>
-              <a:rPr lang="en-US" sz="2000" dirty="0">
-                <a:solidFill>
-                  <a:schemeClr val="accent1"/>
-                </a:solidFill>
-              </a:rPr>
-              <a:t>class</a:t>
-            </a:r>
-            <a:r>
-              <a:rPr lang="en-US" sz="2000" dirty="0"/>
-              <a:t> </a:t>
-            </a:r>
-            <a:r>
-              <a:rPr lang="en-US" sz="2000" dirty="0" err="1"/>
-              <a:t>my_selector</a:t>
-            </a:r>
-            <a:r>
-              <a:rPr lang="en-US" sz="2000" dirty="0"/>
-              <a:t> : public </a:t>
-            </a:r>
-            <a:r>
-              <a:rPr lang="en-US" sz="2000" dirty="0" err="1"/>
-              <a:t>device_selector</a:t>
-            </a:r>
-            <a:r>
-              <a:rPr lang="en-US" sz="2000" dirty="0"/>
-              <a:t> {</a:t>
-            </a:r>
-          </a:p>
-          <a:p>
-            <a:pPr marL="55397" indent="0">
-              <a:buNone/>
-            </a:pPr>
-            <a:r>
-              <a:rPr lang="en-US" sz="2000" dirty="0"/>
-              <a:t>	public:</a:t>
-            </a:r>
-          </a:p>
-          <a:p>
-            <a:pPr marL="55397" indent="0">
-              <a:buNone/>
-            </a:pPr>
-            <a:r>
-              <a:rPr lang="en-US" sz="2000" dirty="0"/>
-              <a:t>	</a:t>
-            </a:r>
-            <a:r>
-              <a:rPr lang="en-US" sz="2000" dirty="0">
-                <a:solidFill>
-                  <a:schemeClr val="accent1"/>
-                </a:solidFill>
-              </a:rPr>
-              <a:t>int</a:t>
-            </a:r>
-            <a:r>
-              <a:rPr lang="en-US" sz="2000" dirty="0"/>
-              <a:t> operator()(</a:t>
-            </a:r>
-            <a:r>
-              <a:rPr lang="en-US" sz="2000" dirty="0">
-                <a:solidFill>
-                  <a:schemeClr val="accent1"/>
-                </a:solidFill>
-              </a:rPr>
-              <a:t>const</a:t>
-            </a:r>
-            <a:r>
-              <a:rPr lang="en-US" sz="2000" dirty="0"/>
-              <a:t> device &amp;dev) </a:t>
-            </a:r>
-            <a:r>
-              <a:rPr lang="en-US" sz="2000" dirty="0">
-                <a:solidFill>
-                  <a:schemeClr val="accent1"/>
-                </a:solidFill>
-              </a:rPr>
-              <a:t>const</a:t>
-            </a:r>
-            <a:r>
-              <a:rPr lang="en-US" sz="2000" dirty="0"/>
-              <a:t> override {</a:t>
-            </a:r>
-          </a:p>
-          <a:p>
-            <a:pPr marL="55397" indent="0">
-              <a:buNone/>
-            </a:pPr>
-            <a:r>
-              <a:rPr lang="en-US" sz="2000" dirty="0"/>
-              <a:t>		</a:t>
-            </a:r>
-            <a:r>
-              <a:rPr lang="en-US" sz="2000" dirty="0">
-                <a:solidFill>
-                  <a:schemeClr val="accent1"/>
-                </a:solidFill>
-              </a:rPr>
-              <a:t>if</a:t>
-            </a:r>
-            <a:r>
-              <a:rPr lang="en-US" sz="2000" dirty="0"/>
-              <a:t> (</a:t>
-            </a:r>
-          </a:p>
-          <a:p>
-            <a:pPr marL="55397" indent="0">
-              <a:buNone/>
-            </a:pPr>
-            <a:r>
-              <a:rPr lang="en-US" sz="2000" dirty="0"/>
-              <a:t>		</a:t>
-            </a:r>
-            <a:r>
-              <a:rPr lang="en-US" sz="2000" dirty="0" err="1"/>
-              <a:t>dev.get_info</a:t>
-            </a:r>
-            <a:r>
-              <a:rPr lang="en-US" sz="2000" dirty="0"/>
-              <a:t>&lt;info::device::name&gt;().find("</a:t>
-            </a:r>
-            <a:r>
-              <a:rPr lang="en-US" sz="2000" dirty="0" err="1"/>
-              <a:t>Arria</a:t>
-            </a:r>
-            <a:r>
-              <a:rPr lang="en-US" sz="2000" dirty="0"/>
-              <a:t>") != std::string::</a:t>
-            </a:r>
-            <a:r>
-              <a:rPr lang="en-US" sz="2000" dirty="0" err="1"/>
-              <a:t>npos</a:t>
-            </a:r>
-            <a:r>
-              <a:rPr lang="en-US" sz="2000" dirty="0"/>
-              <a:t> &amp;&amp;</a:t>
-            </a:r>
-          </a:p>
-          <a:p>
-            <a:pPr marL="55397" indent="0">
-              <a:buNone/>
-            </a:pPr>
-            <a:r>
-              <a:rPr lang="en-US" sz="2000" dirty="0"/>
-              <a:t>		</a:t>
-            </a:r>
-            <a:r>
-              <a:rPr lang="en-US" sz="2000" dirty="0" err="1"/>
-              <a:t>dev.get_info</a:t>
-            </a:r>
-            <a:r>
-              <a:rPr lang="en-US" sz="2000" dirty="0"/>
-              <a:t>&lt;info::device::vendor&gt;().find("Intel") != std::string::</a:t>
-            </a:r>
-            <a:r>
-              <a:rPr lang="en-US" sz="2000" dirty="0" err="1"/>
-              <a:t>npos</a:t>
-            </a:r>
-            <a:r>
-              <a:rPr lang="en-US" sz="2000" dirty="0"/>
-              <a:t>) {</a:t>
-            </a:r>
-          </a:p>
-          <a:p>
-            <a:pPr marL="55397" indent="0">
-              <a:buNone/>
-            </a:pPr>
-            <a:r>
-              <a:rPr lang="en-US" sz="2000" dirty="0"/>
-              <a:t>			</a:t>
-            </a:r>
-            <a:r>
-              <a:rPr lang="en-US" sz="2000" dirty="0">
-                <a:solidFill>
-                  <a:schemeClr val="accent1"/>
-                </a:solidFill>
-              </a:rPr>
-              <a:t>return</a:t>
-            </a:r>
-            <a:r>
-              <a:rPr lang="en-US" sz="2000" dirty="0"/>
-              <a:t> 1;</a:t>
-            </a:r>
-          </a:p>
-          <a:p>
-            <a:pPr marL="55397" indent="0">
-              <a:buNone/>
-            </a:pPr>
-            <a:r>
-              <a:rPr lang="en-US" sz="2000" dirty="0"/>
-              <a:t>		}</a:t>
-            </a:r>
-          </a:p>
-          <a:p>
-            <a:pPr marL="55397" indent="0">
-              <a:buNone/>
-            </a:pPr>
-            <a:r>
-              <a:rPr lang="en-US" sz="2000" dirty="0"/>
-              <a:t>		</a:t>
-            </a:r>
-            <a:r>
-              <a:rPr lang="en-US" sz="2000" dirty="0">
-                <a:solidFill>
-                  <a:schemeClr val="accent1"/>
-                </a:solidFill>
-              </a:rPr>
-              <a:t>return</a:t>
-            </a:r>
-            <a:r>
-              <a:rPr lang="en-US" sz="2000" dirty="0"/>
-              <a:t> -1;</a:t>
-            </a:r>
-          </a:p>
-          <a:p>
-            <a:pPr marL="55397" indent="0">
-              <a:buNone/>
-            </a:pPr>
-            <a:r>
-              <a:rPr lang="en-US" sz="2000" dirty="0"/>
-              <a:t>	}</a:t>
-            </a:r>
-          </a:p>
-          <a:p>
-            <a:pPr marL="55397" indent="0">
-              <a:buNone/>
-            </a:pPr>
-            <a:r>
-              <a:rPr lang="en-US" sz="2000" dirty="0"/>
-              <a:t>};</a:t>
-            </a:r>
-          </a:p>
-          <a:p>
-            <a:pPr marL="55397" indent="0">
-              <a:buNone/>
-            </a:pPr>
-            <a:endParaRPr lang="en-US" sz="2000" i="1" dirty="0"/>
-          </a:p>
-          <a:p>
-            <a:pPr marL="55397" indent="0">
-              <a:buNone/>
-            </a:pPr>
-            <a:r>
-              <a:rPr lang="en-US" sz="2000" i="1" dirty="0"/>
-              <a:t>Source: Data Parallel C++, James Reinders et al. pg. 46</a:t>
-            </a:r>
-          </a:p>
-        </p:txBody>
-      </p:sp>
-      <p:sp>
-        <p:nvSpPr>
-          <p:cNvPr id="3" name="Title 2">
-            <a:extLst>
-              <a:ext uri="{FF2B5EF4-FFF2-40B4-BE49-F238E27FC236}">
-                <a16:creationId xmlns:a16="http://schemas.microsoft.com/office/drawing/2014/main" id="{6FAB9D38-4349-2077-9ED8-B67A9FB7CEBB}"/>
-              </a:ext>
-            </a:extLst>
-          </p:cNvPr>
-          <p:cNvSpPr>
-            <a:spLocks noGrp="1"/>
-          </p:cNvSpPr>
-          <p:nvPr>
-            <p:ph type="title"/>
-          </p:nvPr>
-        </p:nvSpPr>
-        <p:spPr/>
-        <p:txBody>
-          <a:bodyPr/>
-          <a:lstStyle/>
-          <a:p>
-            <a:r>
-              <a:rPr lang="en-US" sz="4000" dirty="0"/>
-              <a:t>Custom Device Selection Example</a:t>
-            </a:r>
-          </a:p>
-        </p:txBody>
-      </p:sp>
-    </p:spTree>
-    <p:extLst>
-      <p:ext uri="{BB962C8B-B14F-4D97-AF65-F5344CB8AC3E}">
-        <p14:creationId xmlns:p14="http://schemas.microsoft.com/office/powerpoint/2010/main" val="484224936"/>
-      </p:ext>
-    </p:extLst>
-  </p:cSld>
-  <p:clrMapOvr>
-    <a:masterClrMapping/>
-  </p:clrMapOvr>
-  <p:transition spd="med"/>
-</p:sld>
-</file>
-
-<file path=ppt/slides/slide9.xml><?xml version="1.0" encoding="utf-8"?>
 <p:sld xmlns:a="http://schemas.openxmlformats.org/drawingml/2006/main" xmlns:r="http://schemas.openxmlformats.org/officeDocument/2006/relationships" xmlns:p="http://schemas.openxmlformats.org/presentationml/2006/main">
   <p:cSld>
     <p:spTree>
@@ -15847,6 +15838,399 @@
     <p:extLst>
       <p:ext uri="{BB962C8B-B14F-4D97-AF65-F5344CB8AC3E}">
         <p14:creationId xmlns:p14="http://schemas.microsoft.com/office/powerpoint/2010/main" val="2458255169"/>
+      </p:ext>
+    </p:extLst>
+  </p:cSld>
+  <p:clrMapOvr>
+    <a:masterClrMapping/>
+  </p:clrMapOvr>
+  <p:transition spd="med"/>
+</p:sld>
+</file>
+
+<file path=ppt/slides/slide9.xml><?xml version="1.0" encoding="utf-8"?>
+<p:sld xmlns:a="http://schemas.openxmlformats.org/drawingml/2006/main" xmlns:r="http://schemas.openxmlformats.org/officeDocument/2006/relationships" xmlns:p="http://schemas.openxmlformats.org/presentationml/2006/main">
+  <p:cSld>
+    <p:spTree>
+      <p:nvGrpSpPr>
+        <p:cNvPr id="1" name=""/>
+        <p:cNvGrpSpPr/>
+        <p:nvPr/>
+      </p:nvGrpSpPr>
+      <p:grpSpPr>
+        <a:xfrm>
+          <a:off x="0" y="0"/>
+          <a:ext cx="0" cy="0"/>
+          <a:chOff x="0" y="0"/>
+          <a:chExt cx="0" cy="0"/>
+        </a:xfrm>
+      </p:grpSpPr>
+      <p:sp>
+        <p:nvSpPr>
+          <p:cNvPr id="2" name="Text Placeholder 1">
+            <a:extLst>
+              <a:ext uri="{FF2B5EF4-FFF2-40B4-BE49-F238E27FC236}">
+                <a16:creationId xmlns:a16="http://schemas.microsoft.com/office/drawing/2014/main" id="{71DE8418-632F-2354-801D-974AEB04AD4A}"/>
+              </a:ext>
+            </a:extLst>
+          </p:cNvPr>
+          <p:cNvSpPr>
+            <a:spLocks noGrp="1"/>
+          </p:cNvSpPr>
+          <p:nvPr>
+            <p:ph type="body" sz="quarter" idx="11"/>
+          </p:nvPr>
+        </p:nvSpPr>
+        <p:spPr/>
+        <p:txBody>
+          <a:bodyPr/>
+          <a:lstStyle/>
+          <a:p>
+            <a:pPr marL="55397" indent="0">
+              <a:buNone/>
+            </a:pPr>
+            <a:r>
+              <a:rPr lang="en-GB" sz="2000" dirty="0" err="1">
+                <a:solidFill>
+                  <a:srgbClr val="000000"/>
+                </a:solidFill>
+              </a:rPr>
+              <a:t>Q.submit</a:t>
+            </a:r>
+            <a:r>
+              <a:rPr lang="en-GB" sz="2000" dirty="0">
+                <a:solidFill>
+                  <a:srgbClr val="000000"/>
+                </a:solidFill>
+              </a:rPr>
+              <a:t>([&amp;](handler&amp; h) {		</a:t>
+            </a:r>
+            <a:r>
+              <a:rPr lang="en-GB" sz="2000" dirty="0">
+                <a:solidFill>
+                  <a:srgbClr val="008000"/>
+                </a:solidFill>
+              </a:rPr>
+              <a:t>// function called on host</a:t>
+            </a:r>
+            <a:endParaRPr lang="en-GB" sz="2000" dirty="0">
+              <a:solidFill>
+                <a:srgbClr val="000000"/>
+              </a:solidFill>
+            </a:endParaRPr>
+          </a:p>
+          <a:p>
+            <a:pPr marL="55397" indent="0">
+              <a:buNone/>
+            </a:pPr>
+            <a:r>
+              <a:rPr lang="en-GB" sz="2000" dirty="0">
+                <a:solidFill>
+                  <a:srgbClr val="000000"/>
+                </a:solidFill>
+              </a:rPr>
+              <a:t>	accessor </a:t>
+            </a:r>
+            <a:r>
+              <a:rPr lang="en-GB" sz="2000" dirty="0" err="1">
+                <a:solidFill>
+                  <a:srgbClr val="000000"/>
+                </a:solidFill>
+              </a:rPr>
+              <a:t>acc</a:t>
+            </a:r>
+            <a:r>
+              <a:rPr lang="en-GB" sz="2000" dirty="0">
+                <a:solidFill>
+                  <a:srgbClr val="000000"/>
+                </a:solidFill>
+              </a:rPr>
+              <a:t>{ B, h };			</a:t>
+            </a:r>
+            <a:r>
+              <a:rPr lang="en-GB" sz="2000" dirty="0">
+                <a:solidFill>
+                  <a:srgbClr val="008000"/>
+                </a:solidFill>
+              </a:rPr>
+              <a:t>// host code defining accessor, setting up dependencies</a:t>
+            </a:r>
+            <a:endParaRPr lang="en-GB" sz="2000" dirty="0">
+              <a:solidFill>
+                <a:srgbClr val="000000"/>
+              </a:solidFill>
+            </a:endParaRPr>
+          </a:p>
+          <a:p>
+            <a:pPr marL="55397" indent="0">
+              <a:buNone/>
+            </a:pPr>
+            <a:r>
+              <a:rPr lang="en-US" sz="2000" dirty="0">
+                <a:solidFill>
+                  <a:srgbClr val="000000"/>
+                </a:solidFill>
+              </a:rPr>
+              <a:t>	</a:t>
+            </a:r>
+            <a:r>
+              <a:rPr lang="en-GB" sz="2000" dirty="0" err="1">
+                <a:solidFill>
+                  <a:srgbClr val="000000"/>
+                </a:solidFill>
+              </a:rPr>
+              <a:t>h.parallel_for</a:t>
+            </a:r>
+            <a:r>
+              <a:rPr lang="en-GB" sz="2000" dirty="0">
+                <a:solidFill>
+                  <a:srgbClr val="000000"/>
+                </a:solidFill>
+              </a:rPr>
+              <a:t>(size, [=](</a:t>
+            </a:r>
+            <a:r>
+              <a:rPr lang="en-GB" sz="2000" dirty="0">
+                <a:solidFill>
+                  <a:srgbClr val="0000FF"/>
+                </a:solidFill>
+              </a:rPr>
+              <a:t>auto</a:t>
+            </a:r>
+            <a:r>
+              <a:rPr lang="en-GB" sz="2000" dirty="0">
+                <a:solidFill>
+                  <a:srgbClr val="000000"/>
+                </a:solidFill>
+              </a:rPr>
+              <a:t>&amp; </a:t>
+            </a:r>
+            <a:r>
+              <a:rPr lang="en-GB" sz="2000" dirty="0" err="1">
+                <a:solidFill>
+                  <a:srgbClr val="000000"/>
+                </a:solidFill>
+              </a:rPr>
+              <a:t>idx</a:t>
+            </a:r>
+            <a:r>
+              <a:rPr lang="en-GB" sz="2000" dirty="0">
+                <a:solidFill>
+                  <a:srgbClr val="000000"/>
+                </a:solidFill>
+              </a:rPr>
+              <a:t>) {</a:t>
+            </a:r>
+          </a:p>
+          <a:p>
+            <a:pPr marL="55397" indent="0">
+              <a:buNone/>
+            </a:pPr>
+            <a:r>
+              <a:rPr lang="en-GB" sz="2000" dirty="0">
+                <a:solidFill>
+                  <a:srgbClr val="000000"/>
+                </a:solidFill>
+              </a:rPr>
+              <a:t>		</a:t>
+            </a:r>
+            <a:r>
+              <a:rPr lang="en-GB" sz="2000" dirty="0" err="1">
+                <a:solidFill>
+                  <a:srgbClr val="000000"/>
+                </a:solidFill>
+              </a:rPr>
+              <a:t>acc</a:t>
+            </a:r>
+            <a:r>
+              <a:rPr lang="en-GB" sz="2000" dirty="0">
+                <a:solidFill>
+                  <a:srgbClr val="000000"/>
+                </a:solidFill>
+              </a:rPr>
+              <a:t>[</a:t>
+            </a:r>
+            <a:r>
+              <a:rPr lang="en-GB" sz="2000" dirty="0" err="1">
+                <a:solidFill>
+                  <a:srgbClr val="000000"/>
+                </a:solidFill>
+              </a:rPr>
+              <a:t>idx</a:t>
+            </a:r>
+            <a:r>
+              <a:rPr lang="en-GB" sz="2000" dirty="0">
+                <a:solidFill>
+                  <a:srgbClr val="000000"/>
+                </a:solidFill>
+              </a:rPr>
+              <a:t>] = </a:t>
+            </a:r>
+            <a:r>
+              <a:rPr lang="en-GB" sz="2000" dirty="0" err="1">
+                <a:solidFill>
+                  <a:srgbClr val="000000"/>
+                </a:solidFill>
+              </a:rPr>
+              <a:t>idx</a:t>
+            </a:r>
+            <a:r>
+              <a:rPr lang="en-GB" sz="2000" dirty="0">
+                <a:solidFill>
+                  <a:srgbClr val="000000"/>
+                </a:solidFill>
+              </a:rPr>
+              <a:t>;				</a:t>
+            </a:r>
+            <a:r>
+              <a:rPr lang="en-GB" sz="2000" dirty="0">
+                <a:solidFill>
+                  <a:srgbClr val="008000"/>
+                </a:solidFill>
+              </a:rPr>
+              <a:t>// Device code to be run when runtime dependencies are met</a:t>
+            </a:r>
+            <a:endParaRPr lang="en-GB" sz="2000" dirty="0">
+              <a:solidFill>
+                <a:srgbClr val="000000"/>
+              </a:solidFill>
+            </a:endParaRPr>
+          </a:p>
+          <a:p>
+            <a:pPr marL="55397" indent="0">
+              <a:buNone/>
+            </a:pPr>
+            <a:r>
+              <a:rPr lang="en-US" sz="2000" dirty="0">
+                <a:solidFill>
+                  <a:srgbClr val="000000"/>
+                </a:solidFill>
+              </a:rPr>
+              <a:t>	});</a:t>
+            </a:r>
+          </a:p>
+          <a:p>
+            <a:pPr marL="55397" indent="0">
+              <a:buNone/>
+            </a:pPr>
+            <a:r>
+              <a:rPr lang="en-US" sz="2000" dirty="0">
+                <a:solidFill>
+                  <a:srgbClr val="000000"/>
+                </a:solidFill>
+              </a:rPr>
+              <a:t>});</a:t>
+            </a:r>
+          </a:p>
+          <a:p>
+            <a:pPr marL="55397" indent="0">
+              <a:buNone/>
+            </a:pPr>
+            <a:endParaRPr lang="en-US" sz="2000" dirty="0">
+              <a:solidFill>
+                <a:srgbClr val="000000"/>
+              </a:solidFill>
+            </a:endParaRPr>
+          </a:p>
+          <a:p>
+            <a:pPr marL="55397" indent="0">
+              <a:buNone/>
+            </a:pPr>
+            <a:endParaRPr lang="en-US" sz="2000" dirty="0">
+              <a:solidFill>
+                <a:srgbClr val="000000"/>
+              </a:solidFill>
+            </a:endParaRPr>
+          </a:p>
+          <a:p>
+            <a:pPr marL="55397" indent="0">
+              <a:buNone/>
+            </a:pPr>
+            <a:endParaRPr lang="en-US" sz="2000" dirty="0">
+              <a:solidFill>
+                <a:srgbClr val="000000"/>
+              </a:solidFill>
+            </a:endParaRPr>
+          </a:p>
+          <a:p>
+            <a:pPr marL="55397" indent="0">
+              <a:buNone/>
+            </a:pPr>
+            <a:endParaRPr lang="en-US" sz="2000" dirty="0">
+              <a:solidFill>
+                <a:srgbClr val="000000"/>
+              </a:solidFill>
+            </a:endParaRPr>
+          </a:p>
+          <a:p>
+            <a:pPr marL="55397" indent="0">
+              <a:buNone/>
+            </a:pPr>
+            <a:endParaRPr lang="en-US" sz="2000" dirty="0">
+              <a:solidFill>
+                <a:srgbClr val="000000"/>
+              </a:solidFill>
+            </a:endParaRPr>
+          </a:p>
+          <a:p>
+            <a:pPr marL="55397" indent="0">
+              <a:buNone/>
+            </a:pPr>
+            <a:endParaRPr lang="en-US" sz="2000" dirty="0">
+              <a:solidFill>
+                <a:srgbClr val="000000"/>
+              </a:solidFill>
+            </a:endParaRPr>
+          </a:p>
+          <a:p>
+            <a:pPr marL="55397" indent="0">
+              <a:buNone/>
+            </a:pPr>
+            <a:r>
+              <a:rPr lang="en-US" sz="2000" i="1" dirty="0"/>
+              <a:t>Source: Data Parallel C++, James Reinders et al. pg. 27</a:t>
+            </a:r>
+          </a:p>
+          <a:p>
+            <a:pPr marL="55397" indent="0">
+              <a:buNone/>
+            </a:pPr>
+            <a:endParaRPr lang="en-US" sz="2000" dirty="0"/>
+          </a:p>
+        </p:txBody>
+      </p:sp>
+      <p:sp>
+        <p:nvSpPr>
+          <p:cNvPr id="3" name="Title 2">
+            <a:extLst>
+              <a:ext uri="{FF2B5EF4-FFF2-40B4-BE49-F238E27FC236}">
+                <a16:creationId xmlns:a16="http://schemas.microsoft.com/office/drawing/2014/main" id="{CFDE7D4A-1B7C-A57B-3028-9B6BE534194C}"/>
+              </a:ext>
+            </a:extLst>
+          </p:cNvPr>
+          <p:cNvSpPr>
+            <a:spLocks noGrp="1"/>
+          </p:cNvSpPr>
+          <p:nvPr>
+            <p:ph type="title"/>
+          </p:nvPr>
+        </p:nvSpPr>
+        <p:spPr/>
+        <p:txBody>
+          <a:bodyPr/>
+          <a:lstStyle/>
+          <a:p>
+            <a:r>
+              <a:rPr lang="en-US" sz="4000" dirty="0"/>
+              <a:t>Device Work Submission Example</a:t>
+            </a:r>
+          </a:p>
+        </p:txBody>
+      </p:sp>
+    </p:spTree>
+    <p:extLst>
+      <p:ext uri="{BB962C8B-B14F-4D97-AF65-F5344CB8AC3E}">
+        <p14:creationId xmlns:p14="http://schemas.microsoft.com/office/powerpoint/2010/main" val="825401750"/>
       </p:ext>
     </p:extLst>
   </p:cSld>
@@ -20251,18 +20635,18 @@
 </file>
 
 <file path=customXml/item1.xml><?xml version="1.0" encoding="utf-8"?>
+<p:properties xmlns:p="http://schemas.microsoft.com/office/2006/metadata/properties" xmlns:xsi="http://www.w3.org/2001/XMLSchema-instance" xmlns:pc="http://schemas.microsoft.com/office/infopath/2007/PartnerControls">
+  <documentManagement/>
+</p:properties>
+</file>
+
+<file path=customXml/item2.xml><?xml version="1.0" encoding="utf-8"?>
 <?mso-contentType ?>
 <FormTemplates xmlns="http://schemas.microsoft.com/sharepoint/v3/contenttype/forms">
   <Display>DocumentLibraryForm</Display>
   <Edit>DocumentLibraryForm</Edit>
   <New>DocumentLibraryForm</New>
 </FormTemplates>
-</file>
-
-<file path=customXml/item2.xml><?xml version="1.0" encoding="utf-8"?>
-<p:properties xmlns:p="http://schemas.microsoft.com/office/2006/metadata/properties" xmlns:xsi="http://www.w3.org/2001/XMLSchema-instance" xmlns:pc="http://schemas.microsoft.com/office/infopath/2007/PartnerControls">
-  <documentManagement/>
-</p:properties>
 </file>
 
 <file path=customXml/item3.xml><?xml version="1.0" encoding="utf-8"?>
@@ -20424,14 +20808,6 @@
 </file>
 
 <file path=customXml/itemProps1.xml><?xml version="1.0" encoding="utf-8"?>
-<ds:datastoreItem xmlns:ds="http://schemas.openxmlformats.org/officeDocument/2006/customXml" ds:itemID="{39D54C70-8A1F-433D-B3DF-B7287D9E1633}">
-  <ds:schemaRefs>
-    <ds:schemaRef ds:uri="http://schemas.microsoft.com/sharepoint/v3/contenttype/forms"/>
-  </ds:schemaRefs>
-</ds:datastoreItem>
-</file>
-
-<file path=customXml/itemProps2.xml><?xml version="1.0" encoding="utf-8"?>
 <ds:datastoreItem xmlns:ds="http://schemas.openxmlformats.org/officeDocument/2006/customXml" ds:itemID="{796C1367-8D37-49A1-BF4B-2E9150DA2B52}">
   <ds:schemaRefs>
     <ds:schemaRef ds:uri="http://purl.org/dc/dcmitype/"/>
@@ -20443,6 +20819,14 @@
     <ds:schemaRef ds:uri="http://schemas.microsoft.com/office/2006/metadata/properties"/>
     <ds:schemaRef ds:uri="http://schemas.openxmlformats.org/package/2006/metadata/core-properties"/>
     <ds:schemaRef ds:uri="63fc63a6-18cf-4814-8dee-b8d6616a2bda"/>
+  </ds:schemaRefs>
+</ds:datastoreItem>
+</file>
+
+<file path=customXml/itemProps2.xml><?xml version="1.0" encoding="utf-8"?>
+<ds:datastoreItem xmlns:ds="http://schemas.openxmlformats.org/officeDocument/2006/customXml" ds:itemID="{39D54C70-8A1F-433D-B3DF-B7287D9E1633}">
+  <ds:schemaRefs>
+    <ds:schemaRef ds:uri="http://schemas.microsoft.com/sharepoint/v3/contenttype/forms"/>
   </ds:schemaRefs>
 </ds:datastoreItem>
 </file>

--- a/Slides/SYCL intro.pptx
+++ b/Slides/SYCL intro.pptx
@@ -7,7 +7,7 @@
     <p:sldMasterId id="2147483676" r:id="rId6"/>
   </p:sldMasterIdLst>
   <p:notesMasterIdLst>
-    <p:notesMasterId r:id="rId39"/>
+    <p:notesMasterId r:id="rId40"/>
   </p:notesMasterIdLst>
   <p:sldIdLst>
     <p:sldId id="321" r:id="rId7"/>
@@ -21,27 +21,28 @@
     <p:sldId id="386" r:id="rId15"/>
     <p:sldId id="393" r:id="rId16"/>
     <p:sldId id="394" r:id="rId17"/>
-    <p:sldId id="395" r:id="rId18"/>
-    <p:sldId id="260" r:id="rId19"/>
-    <p:sldId id="261" r:id="rId20"/>
-    <p:sldId id="262" r:id="rId21"/>
-    <p:sldId id="263" r:id="rId22"/>
-    <p:sldId id="264" r:id="rId23"/>
-    <p:sldId id="388" r:id="rId24"/>
-    <p:sldId id="266" r:id="rId25"/>
-    <p:sldId id="267" r:id="rId26"/>
-    <p:sldId id="268" r:id="rId27"/>
-    <p:sldId id="389" r:id="rId28"/>
-    <p:sldId id="270" r:id="rId29"/>
-    <p:sldId id="271" r:id="rId30"/>
-    <p:sldId id="272" r:id="rId31"/>
-    <p:sldId id="390" r:id="rId32"/>
-    <p:sldId id="274" r:id="rId33"/>
-    <p:sldId id="391" r:id="rId34"/>
-    <p:sldId id="276" r:id="rId35"/>
-    <p:sldId id="277" r:id="rId36"/>
-    <p:sldId id="278" r:id="rId37"/>
-    <p:sldId id="392" r:id="rId38"/>
+    <p:sldId id="396" r:id="rId18"/>
+    <p:sldId id="395" r:id="rId19"/>
+    <p:sldId id="260" r:id="rId20"/>
+    <p:sldId id="261" r:id="rId21"/>
+    <p:sldId id="262" r:id="rId22"/>
+    <p:sldId id="263" r:id="rId23"/>
+    <p:sldId id="264" r:id="rId24"/>
+    <p:sldId id="388" r:id="rId25"/>
+    <p:sldId id="266" r:id="rId26"/>
+    <p:sldId id="267" r:id="rId27"/>
+    <p:sldId id="268" r:id="rId28"/>
+    <p:sldId id="389" r:id="rId29"/>
+    <p:sldId id="270" r:id="rId30"/>
+    <p:sldId id="271" r:id="rId31"/>
+    <p:sldId id="272" r:id="rId32"/>
+    <p:sldId id="390" r:id="rId33"/>
+    <p:sldId id="274" r:id="rId34"/>
+    <p:sldId id="391" r:id="rId35"/>
+    <p:sldId id="276" r:id="rId36"/>
+    <p:sldId id="277" r:id="rId37"/>
+    <p:sldId id="278" r:id="rId38"/>
+    <p:sldId id="392" r:id="rId39"/>
   </p:sldIdLst>
   <p:sldSz cx="12192000" cy="6858000"/>
   <p:notesSz cx="6858000" cy="9144000"/>
@@ -135,6 +136,7 @@
             <p14:sldId id="386"/>
             <p14:sldId id="393"/>
             <p14:sldId id="394"/>
+            <p14:sldId id="396"/>
             <p14:sldId id="395"/>
             <p14:sldId id="260"/>
             <p14:sldId id="261"/>
@@ -184,7 +186,7 @@
 <file path=ppt/revisionInfo.xml><?xml version="1.0" encoding="utf-8"?>
 <p1510:revInfo xmlns:a="http://schemas.openxmlformats.org/drawingml/2006/main" xmlns:r="http://schemas.openxmlformats.org/officeDocument/2006/relationships" xmlns:p1510="http://schemas.microsoft.com/office/powerpoint/2015/10/main">
   <p1510:revLst>
-    <p1510:client id="{F75FAB4C-AA88-3C4A-BECA-7495D1BBCA81}" v="289" dt="2023-01-27T17:48:49.694"/>
+    <p1510:client id="{F75FAB4C-AA88-3C4A-BECA-7495D1BBCA81}" v="482" dt="2023-01-27T19:51:57.303"/>
   </p1510:revLst>
 </p1510:revInfo>
 </file>
@@ -194,7 +196,7 @@
   <pc:docChgLst>
     <pc:chgData name="Woodward, Cale" userId="e20533ad-01a2-4015-a60e-3fb30981d184" providerId="ADAL" clId="{F75FAB4C-AA88-3C4A-BECA-7495D1BBCA81}"/>
     <pc:docChg chg="undo custSel addSld delSld modSld modSection">
-      <pc:chgData name="Woodward, Cale" userId="e20533ad-01a2-4015-a60e-3fb30981d184" providerId="ADAL" clId="{F75FAB4C-AA88-3C4A-BECA-7495D1BBCA81}" dt="2023-01-27T17:49:26.740" v="625" actId="14100"/>
+      <pc:chgData name="Woodward, Cale" userId="e20533ad-01a2-4015-a60e-3fb30981d184" providerId="ADAL" clId="{F75FAB4C-AA88-3C4A-BECA-7495D1BBCA81}" dt="2023-01-27T19:51:57.303" v="854"/>
       <pc:docMkLst>
         <pc:docMk/>
       </pc:docMkLst>
@@ -403,17 +405,49 @@
         </pc:cxnChg>
       </pc:sldChg>
       <pc:sldChg chg="addSp delSp modSp add mod delAnim modAnim">
-        <pc:chgData name="Woodward, Cale" userId="e20533ad-01a2-4015-a60e-3fb30981d184" providerId="ADAL" clId="{F75FAB4C-AA88-3C4A-BECA-7495D1BBCA81}" dt="2023-01-27T17:48:31.791" v="562" actId="20577"/>
+        <pc:chgData name="Woodward, Cale" userId="e20533ad-01a2-4015-a60e-3fb30981d184" providerId="ADAL" clId="{F75FAB4C-AA88-3C4A-BECA-7495D1BBCA81}" dt="2023-01-27T19:51:57.303" v="854"/>
         <pc:sldMkLst>
           <pc:docMk/>
           <pc:sldMk cId="703463710" sldId="394"/>
         </pc:sldMkLst>
+        <pc:spChg chg="mod">
+          <ac:chgData name="Woodward, Cale" userId="e20533ad-01a2-4015-a60e-3fb30981d184" providerId="ADAL" clId="{F75FAB4C-AA88-3C4A-BECA-7495D1BBCA81}" dt="2023-01-27T19:28:34.177" v="693" actId="167"/>
+          <ac:spMkLst>
+            <pc:docMk/>
+            <pc:sldMk cId="703463710" sldId="394"/>
+            <ac:spMk id="6" creationId="{9AAA32AB-0D8A-2438-3D6B-E7A8AAD6A754}"/>
+          </ac:spMkLst>
+        </pc:spChg>
+        <pc:spChg chg="add del mod">
+          <ac:chgData name="Woodward, Cale" userId="e20533ad-01a2-4015-a60e-3fb30981d184" providerId="ADAL" clId="{F75FAB4C-AA88-3C4A-BECA-7495D1BBCA81}" dt="2023-01-27T19:42:36.550" v="740" actId="478"/>
+          <ac:spMkLst>
+            <pc:docMk/>
+            <pc:sldMk cId="703463710" sldId="394"/>
+            <ac:spMk id="8" creationId="{C20AC861-E617-EADE-FC89-FFD96F326C23}"/>
+          </ac:spMkLst>
+        </pc:spChg>
         <pc:spChg chg="mod">
           <ac:chgData name="Woodward, Cale" userId="e20533ad-01a2-4015-a60e-3fb30981d184" providerId="ADAL" clId="{F75FAB4C-AA88-3C4A-BECA-7495D1BBCA81}" dt="2023-01-27T17:43:13.293" v="351" actId="20577"/>
           <ac:spMkLst>
             <pc:docMk/>
             <pc:sldMk cId="703463710" sldId="394"/>
             <ac:spMk id="10" creationId="{7A25BDDD-EFA2-70B2-D37B-81EBACB5E024}"/>
+          </ac:spMkLst>
+        </pc:spChg>
+        <pc:spChg chg="mod">
+          <ac:chgData name="Woodward, Cale" userId="e20533ad-01a2-4015-a60e-3fb30981d184" providerId="ADAL" clId="{F75FAB4C-AA88-3C4A-BECA-7495D1BBCA81}" dt="2023-01-27T19:28:26.820" v="692" actId="167"/>
+          <ac:spMkLst>
+            <pc:docMk/>
+            <pc:sldMk cId="703463710" sldId="394"/>
+            <ac:spMk id="10" creationId="{BCE94C66-5E3F-A3BE-AADD-954743520CD5}"/>
+          </ac:spMkLst>
+        </pc:spChg>
+        <pc:spChg chg="mod">
+          <ac:chgData name="Woodward, Cale" userId="e20533ad-01a2-4015-a60e-3fb30981d184" providerId="ADAL" clId="{F75FAB4C-AA88-3C4A-BECA-7495D1BBCA81}" dt="2023-01-27T19:27:38.101" v="684"/>
+          <ac:spMkLst>
+            <pc:docMk/>
+            <pc:sldMk cId="703463710" sldId="394"/>
+            <ac:spMk id="14" creationId="{6F9FCAAF-7BC4-5799-15BE-833D8352608F}"/>
           </ac:spMkLst>
         </pc:spChg>
         <pc:spChg chg="mod">
@@ -440,16 +474,16 @@
             <ac:spMk id="20" creationId="{EB623981-7F28-6C63-FC13-ECB24D181200}"/>
           </ac:spMkLst>
         </pc:spChg>
-        <pc:spChg chg="add mod">
-          <ac:chgData name="Woodward, Cale" userId="e20533ad-01a2-4015-a60e-3fb30981d184" providerId="ADAL" clId="{F75FAB4C-AA88-3C4A-BECA-7495D1BBCA81}" dt="2023-01-27T17:48:22.884" v="555" actId="1076"/>
+        <pc:spChg chg="add del mod">
+          <ac:chgData name="Woodward, Cale" userId="e20533ad-01a2-4015-a60e-3fb30981d184" providerId="ADAL" clId="{F75FAB4C-AA88-3C4A-BECA-7495D1BBCA81}" dt="2023-01-27T19:23:23.606" v="638" actId="478"/>
           <ac:spMkLst>
             <pc:docMk/>
             <pc:sldMk cId="703463710" sldId="394"/>
             <ac:spMk id="24" creationId="{18CDEC4A-1B9E-D927-2A7B-27329764D602}"/>
           </ac:spMkLst>
         </pc:spChg>
-        <pc:spChg chg="add mod">
-          <ac:chgData name="Woodward, Cale" userId="e20533ad-01a2-4015-a60e-3fb30981d184" providerId="ADAL" clId="{F75FAB4C-AA88-3C4A-BECA-7495D1BBCA81}" dt="2023-01-27T17:48:18.077" v="554" actId="1076"/>
+        <pc:spChg chg="add del mod">
+          <ac:chgData name="Woodward, Cale" userId="e20533ad-01a2-4015-a60e-3fb30981d184" providerId="ADAL" clId="{F75FAB4C-AA88-3C4A-BECA-7495D1BBCA81}" dt="2023-01-27T19:42:28.558" v="739" actId="478"/>
           <ac:spMkLst>
             <pc:docMk/>
             <pc:sldMk cId="703463710" sldId="394"/>
@@ -457,11 +491,19 @@
           </ac:spMkLst>
         </pc:spChg>
         <pc:spChg chg="add mod">
-          <ac:chgData name="Woodward, Cale" userId="e20533ad-01a2-4015-a60e-3fb30981d184" providerId="ADAL" clId="{F75FAB4C-AA88-3C4A-BECA-7495D1BBCA81}" dt="2023-01-27T17:48:31.791" v="562" actId="20577"/>
+          <ac:chgData name="Woodward, Cale" userId="e20533ad-01a2-4015-a60e-3fb30981d184" providerId="ADAL" clId="{F75FAB4C-AA88-3C4A-BECA-7495D1BBCA81}" dt="2023-01-27T19:46:52.074" v="783" actId="207"/>
           <ac:spMkLst>
             <pc:docMk/>
             <pc:sldMk cId="703463710" sldId="394"/>
             <ac:spMk id="26" creationId="{9673CDDD-C720-AE49-FB97-61A93F03108C}"/>
+          </ac:spMkLst>
+        </pc:spChg>
+        <pc:spChg chg="add mod">
+          <ac:chgData name="Woodward, Cale" userId="e20533ad-01a2-4015-a60e-3fb30981d184" providerId="ADAL" clId="{F75FAB4C-AA88-3C4A-BECA-7495D1BBCA81}" dt="2023-01-27T19:49:23.257" v="837" actId="1076"/>
+          <ac:spMkLst>
+            <pc:docMk/>
+            <pc:sldMk cId="703463710" sldId="394"/>
+            <ac:spMk id="27" creationId="{50FB8F44-CC18-AD50-E015-191B9F823F11}"/>
           </ac:spMkLst>
         </pc:spChg>
         <pc:spChg chg="del">
@@ -472,8 +514,16 @@
             <ac:spMk id="28" creationId="{AC2B9BEF-A3EB-CF9B-A054-CE617BA08B69}"/>
           </ac:spMkLst>
         </pc:spChg>
-        <pc:grpChg chg="add mod">
-          <ac:chgData name="Woodward, Cale" userId="e20533ad-01a2-4015-a60e-3fb30981d184" providerId="ADAL" clId="{F75FAB4C-AA88-3C4A-BECA-7495D1BBCA81}" dt="2023-01-27T17:47:33.722" v="545" actId="1076"/>
+        <pc:grpChg chg="del">
+          <ac:chgData name="Woodward, Cale" userId="e20533ad-01a2-4015-a60e-3fb30981d184" providerId="ADAL" clId="{F75FAB4C-AA88-3C4A-BECA-7495D1BBCA81}" dt="2023-01-27T19:42:26.163" v="738" actId="478"/>
+          <ac:grpSpMkLst>
+            <pc:docMk/>
+            <pc:sldMk cId="703463710" sldId="394"/>
+            <ac:grpSpMk id="3" creationId="{7ADF680B-A024-F261-EBED-E6DB90676548}"/>
+          </ac:grpSpMkLst>
+        </pc:grpChg>
+        <pc:grpChg chg="add del mod">
+          <ac:chgData name="Woodward, Cale" userId="e20533ad-01a2-4015-a60e-3fb30981d184" providerId="ADAL" clId="{F75FAB4C-AA88-3C4A-BECA-7495D1BBCA81}" dt="2023-01-27T19:42:49.581" v="741" actId="478"/>
           <ac:grpSpMkLst>
             <pc:docMk/>
             <pc:sldMk cId="703463710" sldId="394"/>
@@ -488,6 +538,14 @@
             <ac:grpSpMk id="8" creationId="{C3900806-B172-C4CA-3FFB-530F1FD3FBD0}"/>
           </ac:grpSpMkLst>
         </pc:grpChg>
+        <pc:grpChg chg="add mod">
+          <ac:chgData name="Woodward, Cale" userId="e20533ad-01a2-4015-a60e-3fb30981d184" providerId="ADAL" clId="{F75FAB4C-AA88-3C4A-BECA-7495D1BBCA81}" dt="2023-01-27T19:28:46.493" v="696" actId="1076"/>
+          <ac:grpSpMkLst>
+            <pc:docMk/>
+            <pc:sldMk cId="703463710" sldId="394"/>
+            <ac:grpSpMk id="9" creationId="{2E26DB57-F57F-6B94-3B67-59A589AFCC20}"/>
+          </ac:grpSpMkLst>
+        </pc:grpChg>
         <pc:grpChg chg="del">
           <ac:chgData name="Woodward, Cale" userId="e20533ad-01a2-4015-a60e-3fb30981d184" providerId="ADAL" clId="{F75FAB4C-AA88-3C4A-BECA-7495D1BBCA81}" dt="2023-01-27T17:43:18.465" v="356" actId="478"/>
           <ac:grpSpMkLst>
@@ -496,12 +554,36 @@
             <ac:grpSpMk id="14" creationId="{803609CD-2216-CFD3-AD4C-2A1A6E8ABBCC}"/>
           </ac:grpSpMkLst>
         </pc:grpChg>
+        <pc:cxnChg chg="add mod">
+          <ac:chgData name="Woodward, Cale" userId="e20533ad-01a2-4015-a60e-3fb30981d184" providerId="ADAL" clId="{F75FAB4C-AA88-3C4A-BECA-7495D1BBCA81}" dt="2023-01-27T19:44:18.577" v="753" actId="404"/>
+          <ac:cxnSpMkLst>
+            <pc:docMk/>
+            <pc:sldMk cId="703463710" sldId="394"/>
+            <ac:cxnSpMk id="16" creationId="{9A68899B-C267-3455-91FF-FD93B76942EE}"/>
+          </ac:cxnSpMkLst>
+        </pc:cxnChg>
+        <pc:cxnChg chg="mod">
+          <ac:chgData name="Woodward, Cale" userId="e20533ad-01a2-4015-a60e-3fb30981d184" providerId="ADAL" clId="{F75FAB4C-AA88-3C4A-BECA-7495D1BBCA81}" dt="2023-01-27T19:42:26.163" v="738" actId="478"/>
+          <ac:cxnSpMkLst>
+            <pc:docMk/>
+            <pc:sldMk cId="703463710" sldId="394"/>
+            <ac:cxnSpMk id="19" creationId="{B20E87B6-502B-3D3B-9931-F5F14C950A0E}"/>
+          </ac:cxnSpMkLst>
+        </pc:cxnChg>
         <pc:cxnChg chg="del mod">
           <ac:chgData name="Woodward, Cale" userId="e20533ad-01a2-4015-a60e-3fb30981d184" providerId="ADAL" clId="{F75FAB4C-AA88-3C4A-BECA-7495D1BBCA81}" dt="2023-01-27T17:43:15.499" v="353" actId="478"/>
           <ac:cxnSpMkLst>
             <pc:docMk/>
             <pc:sldMk cId="703463710" sldId="394"/>
             <ac:cxnSpMk id="21" creationId="{621BF01E-1473-960B-FCC9-763F77E65F5B}"/>
+          </ac:cxnSpMkLst>
+        </pc:cxnChg>
+        <pc:cxnChg chg="add mod">
+          <ac:chgData name="Woodward, Cale" userId="e20533ad-01a2-4015-a60e-3fb30981d184" providerId="ADAL" clId="{F75FAB4C-AA88-3C4A-BECA-7495D1BBCA81}" dt="2023-01-27T19:44:18.577" v="753" actId="404"/>
+          <ac:cxnSpMkLst>
+            <pc:docMk/>
+            <pc:sldMk cId="703463710" sldId="394"/>
+            <ac:cxnSpMk id="21" creationId="{6B279C3C-64B9-4C1C-64D5-9130BEA735BE}"/>
           </ac:cxnSpMkLst>
         </pc:cxnChg>
         <pc:cxnChg chg="del">
@@ -567,6 +649,13 @@
             <ac:spMk id="26" creationId="{9673CDDD-C720-AE49-FB97-61A93F03108C}"/>
           </ac:spMkLst>
         </pc:spChg>
+      </pc:sldChg>
+      <pc:sldChg chg="add">
+        <pc:chgData name="Woodward, Cale" userId="e20533ad-01a2-4015-a60e-3fb30981d184" providerId="ADAL" clId="{F75FAB4C-AA88-3C4A-BECA-7495D1BBCA81}" dt="2023-01-27T19:42:17.833" v="737" actId="2890"/>
+        <pc:sldMkLst>
+          <pc:docMk/>
+          <pc:sldMk cId="126473200" sldId="396"/>
+        </pc:sldMkLst>
       </pc:sldChg>
     </pc:docChg>
   </pc:docChgLst>
@@ -6401,7 +6490,7 @@
           </a:ln>
           <a:extLst>
             <a:ext uri="{C572A759-6A51-4108-AA02-DFA0A04FC94B}">
-              <ma14:wrappingTextBoxFlag xmlns:ma14="http://schemas.microsoft.com/office/mac/drawingml/2011/main" xmlns="" val="1"/>
+              <ma14:wrappingTextBoxFlag xmlns="" xmlns:ma14="http://schemas.microsoft.com/office/mac/drawingml/2011/main" val="1"/>
             </a:ext>
           </a:extLst>
         </p:spPr>
@@ -6608,7 +6697,7 @@
           </a:ln>
           <a:extLst>
             <a:ext uri="{C572A759-6A51-4108-AA02-DFA0A04FC94B}">
-              <ma14:wrappingTextBoxFlag xmlns:ma14="http://schemas.microsoft.com/office/mac/drawingml/2011/main" xmlns="" val="1"/>
+              <ma14:wrappingTextBoxFlag xmlns="" xmlns:ma14="http://schemas.microsoft.com/office/mac/drawingml/2011/main" val="1"/>
             </a:ext>
           </a:extLst>
         </p:spPr>
@@ -7508,7 +7597,7 @@
           </a:ln>
           <a:extLst>
             <a:ext uri="{C572A759-6A51-4108-AA02-DFA0A04FC94B}">
-              <ma14:wrappingTextBoxFlag xmlns:ma14="http://schemas.microsoft.com/office/mac/drawingml/2011/main" xmlns="" val="1"/>
+              <ma14:wrappingTextBoxFlag xmlns="" xmlns:ma14="http://schemas.microsoft.com/office/mac/drawingml/2011/main" val="1"/>
             </a:ext>
           </a:extLst>
         </p:spPr>
@@ -8343,7 +8432,7 @@
           </a:ln>
           <a:extLst>
             <a:ext uri="{C572A759-6A51-4108-AA02-DFA0A04FC94B}">
-              <ma14:wrappingTextBoxFlag xmlns:ma14="http://schemas.microsoft.com/office/mac/drawingml/2011/main" xmlns="" val="1"/>
+              <ma14:wrappingTextBoxFlag xmlns="" xmlns:ma14="http://schemas.microsoft.com/office/mac/drawingml/2011/main" val="1"/>
             </a:ext>
           </a:extLst>
         </p:spPr>
@@ -14736,125 +14825,12 @@
           <a:chExt cx="0" cy="0"/>
         </a:xfrm>
       </p:grpSpPr>
-      <p:sp>
-        <p:nvSpPr>
-          <p:cNvPr id="2" name="Title 1"/>
-          <p:cNvSpPr>
-            <a:spLocks noGrp="1"/>
-          </p:cNvSpPr>
-          <p:nvPr>
-            <p:ph type="title"/>
-          </p:nvPr>
-        </p:nvSpPr>
-        <p:spPr>
-          <a:xfrm>
-            <a:off x="1627012" y="0"/>
-            <a:ext cx="7306477" cy="866180"/>
-          </a:xfrm>
-        </p:spPr>
-        <p:txBody>
-          <a:bodyPr/>
-          <a:lstStyle/>
-          <a:p>
-            <a:r>
-              <a:rPr lang="en-US" sz="4000" dirty="0"/>
-              <a:t>Basic SYCL Program</a:t>
-            </a:r>
-          </a:p>
-        </p:txBody>
-      </p:sp>
-      <p:sp>
-        <p:nvSpPr>
-          <p:cNvPr id="4" name="Slide Number Placeholder 3"/>
-          <p:cNvSpPr>
-            <a:spLocks noGrp="1"/>
-          </p:cNvSpPr>
-          <p:nvPr>
-            <p:ph type="sldNum" sz="quarter" idx="10"/>
-          </p:nvPr>
-        </p:nvSpPr>
-        <p:spPr>
-          <a:xfrm>
-            <a:off x="6051121" y="6510169"/>
-            <a:ext cx="89768" cy="194669"/>
-          </a:xfrm>
-        </p:spPr>
-        <p:txBody>
-          <a:bodyPr/>
-          <a:lstStyle/>
-          <a:p>
-            <a:pPr marL="0" marR="0" lvl="0" indent="0" algn="ctr" defTabSz="410730" eaLnBrk="1" fontAlgn="auto" latinLnBrk="0" hangingPunct="1">
-              <a:lnSpc>
-                <a:spcPct val="100000"/>
-              </a:lnSpc>
-              <a:spcBef>
-                <a:spcPts val="0"/>
-              </a:spcBef>
-              <a:spcAft>
-                <a:spcPts val="0"/>
-              </a:spcAft>
-              <a:buClrTx/>
-              <a:buSzTx/>
-              <a:buFontTx/>
-              <a:buNone/>
-              <a:tabLst/>
-              <a:defRPr/>
-            </a:pPr>
-            <a:fld id="{D3046D45-FC88-4EF3-BBF3-C3E9EDC4F79A}" type="slidenum">
-              <a:rPr kumimoji="0" lang="en-US" sz="1265" b="0" i="0" u="none" strike="noStrike" kern="0" cap="none" spc="0" normalizeH="0" baseline="0" noProof="0" smtClean="0">
-                <a:ln>
-                  <a:noFill/>
-                </a:ln>
-                <a:solidFill>
-                  <a:srgbClr val="191EA2"/>
-                </a:solidFill>
-                <a:effectLst/>
-                <a:uLnTx/>
-                <a:uFillTx/>
-                <a:latin typeface="Gill Sans"/>
-                <a:sym typeface="Gill Sans"/>
-              </a:rPr>
-              <a:pPr marL="0" marR="0" lvl="0" indent="0" algn="ctr" defTabSz="410730" eaLnBrk="1" fontAlgn="auto" latinLnBrk="0" hangingPunct="1">
-                <a:lnSpc>
-                  <a:spcPct val="100000"/>
-                </a:lnSpc>
-                <a:spcBef>
-                  <a:spcPts val="0"/>
-                </a:spcBef>
-                <a:spcAft>
-                  <a:spcPts val="0"/>
-                </a:spcAft>
-                <a:buClrTx/>
-                <a:buSzTx/>
-                <a:buFontTx/>
-                <a:buNone/>
-                <a:tabLst/>
-                <a:defRPr/>
-              </a:pPr>
-              <a:t>11</a:t>
-            </a:fld>
-            <a:endParaRPr kumimoji="0" lang="en-US" sz="1265" b="0" i="0" u="none" strike="noStrike" kern="0" cap="none" spc="0" normalizeH="0" baseline="0" noProof="0">
-              <a:ln>
-                <a:noFill/>
-              </a:ln>
-              <a:solidFill>
-                <a:srgbClr val="191EA2"/>
-              </a:solidFill>
-              <a:effectLst/>
-              <a:uLnTx/>
-              <a:uFillTx/>
-              <a:latin typeface="Gill Sans"/>
-              <a:sym typeface="Gill Sans"/>
-            </a:endParaRPr>
-          </a:p>
-        </p:txBody>
-      </p:sp>
       <p:grpSp>
         <p:nvGrpSpPr>
-          <p:cNvPr id="3" name="Group 2">
+          <p:cNvPr id="9" name="Group 8">
             <a:extLst>
               <a:ext uri="{FF2B5EF4-FFF2-40B4-BE49-F238E27FC236}">
-                <a16:creationId xmlns:a16="http://schemas.microsoft.com/office/drawing/2014/main" id="{7ADF680B-A024-F261-EBED-E6DB90676548}"/>
+                <a16:creationId xmlns:a16="http://schemas.microsoft.com/office/drawing/2014/main" id="{2E26DB57-F57F-6B94-3B67-59A589AFCC20}"/>
               </a:ext>
             </a:extLst>
           </p:cNvPr>
@@ -14863,7 +14839,7 @@
         </p:nvGrpSpPr>
         <p:grpSpPr>
           <a:xfrm>
-            <a:off x="605604" y="2248247"/>
+            <a:off x="605603" y="2248246"/>
             <a:ext cx="1829123" cy="2743200"/>
             <a:chOff x="6568905" y="2570082"/>
             <a:chExt cx="4567868" cy="1717836"/>
@@ -14871,10 +14847,10 @@
         </p:grpSpPr>
         <p:sp>
           <p:nvSpPr>
-            <p:cNvPr id="5" name="Rounded Rectangle 4">
+            <p:cNvPr id="10" name="Rounded Rectangle 9">
               <a:extLst>
                 <a:ext uri="{FF2B5EF4-FFF2-40B4-BE49-F238E27FC236}">
-                  <a16:creationId xmlns:a16="http://schemas.microsoft.com/office/drawing/2014/main" id="{10B025C7-4243-CAD7-41E6-6ADDF17DECCF}"/>
+                  <a16:creationId xmlns:a16="http://schemas.microsoft.com/office/drawing/2014/main" id="{BCE94C66-5E3F-A3BE-AADD-954743520CD5}"/>
                 </a:ext>
               </a:extLst>
             </p:cNvPr>
@@ -14960,10 +14936,10 @@
         </p:sp>
         <p:sp>
           <p:nvSpPr>
-            <p:cNvPr id="6" name="TextBox 5">
+            <p:cNvPr id="14" name="TextBox 13">
               <a:extLst>
                 <a:ext uri="{FF2B5EF4-FFF2-40B4-BE49-F238E27FC236}">
-                  <a16:creationId xmlns:a16="http://schemas.microsoft.com/office/drawing/2014/main" id="{9AAA32AB-0D8A-2438-3D6B-E7A8AAD6A754}"/>
+                  <a16:creationId xmlns:a16="http://schemas.microsoft.com/office/drawing/2014/main" id="{6F9FCAAF-7BC4-5799-15BE-833D8352608F}"/>
                 </a:ext>
               </a:extLst>
             </p:cNvPr>
@@ -15020,6 +14996,119 @@
           </p:txBody>
         </p:sp>
       </p:grpSp>
+      <p:sp>
+        <p:nvSpPr>
+          <p:cNvPr id="2" name="Title 1"/>
+          <p:cNvSpPr>
+            <a:spLocks noGrp="1"/>
+          </p:cNvSpPr>
+          <p:nvPr>
+            <p:ph type="title"/>
+          </p:nvPr>
+        </p:nvSpPr>
+        <p:spPr>
+          <a:xfrm>
+            <a:off x="1627012" y="0"/>
+            <a:ext cx="7306477" cy="866180"/>
+          </a:xfrm>
+        </p:spPr>
+        <p:txBody>
+          <a:bodyPr/>
+          <a:lstStyle/>
+          <a:p>
+            <a:r>
+              <a:rPr lang="en-US" sz="4000" dirty="0"/>
+              <a:t>Basic SYCL Program</a:t>
+            </a:r>
+          </a:p>
+        </p:txBody>
+      </p:sp>
+      <p:sp>
+        <p:nvSpPr>
+          <p:cNvPr id="4" name="Slide Number Placeholder 3"/>
+          <p:cNvSpPr>
+            <a:spLocks noGrp="1"/>
+          </p:cNvSpPr>
+          <p:nvPr>
+            <p:ph type="sldNum" sz="quarter" idx="10"/>
+          </p:nvPr>
+        </p:nvSpPr>
+        <p:spPr>
+          <a:xfrm>
+            <a:off x="6051121" y="6510169"/>
+            <a:ext cx="89768" cy="194669"/>
+          </a:xfrm>
+        </p:spPr>
+        <p:txBody>
+          <a:bodyPr/>
+          <a:lstStyle/>
+          <a:p>
+            <a:pPr marL="0" marR="0" lvl="0" indent="0" algn="ctr" defTabSz="410730" eaLnBrk="1" fontAlgn="auto" latinLnBrk="0" hangingPunct="1">
+              <a:lnSpc>
+                <a:spcPct val="100000"/>
+              </a:lnSpc>
+              <a:spcBef>
+                <a:spcPts val="0"/>
+              </a:spcBef>
+              <a:spcAft>
+                <a:spcPts val="0"/>
+              </a:spcAft>
+              <a:buClrTx/>
+              <a:buSzTx/>
+              <a:buFontTx/>
+              <a:buNone/>
+              <a:tabLst/>
+              <a:defRPr/>
+            </a:pPr>
+            <a:fld id="{D3046D45-FC88-4EF3-BBF3-C3E9EDC4F79A}" type="slidenum">
+              <a:rPr kumimoji="0" lang="en-US" sz="1265" b="0" i="0" u="none" strike="noStrike" kern="0" cap="none" spc="0" normalizeH="0" baseline="0" noProof="0" smtClean="0">
+                <a:ln>
+                  <a:noFill/>
+                </a:ln>
+                <a:solidFill>
+                  <a:srgbClr val="191EA2"/>
+                </a:solidFill>
+                <a:effectLst/>
+                <a:uLnTx/>
+                <a:uFillTx/>
+                <a:latin typeface="Gill Sans"/>
+                <a:sym typeface="Gill Sans"/>
+              </a:rPr>
+              <a:pPr marL="0" marR="0" lvl="0" indent="0" algn="ctr" defTabSz="410730" eaLnBrk="1" fontAlgn="auto" latinLnBrk="0" hangingPunct="1">
+                <a:lnSpc>
+                  <a:spcPct val="100000"/>
+                </a:lnSpc>
+                <a:spcBef>
+                  <a:spcPts val="0"/>
+                </a:spcBef>
+                <a:spcAft>
+                  <a:spcPts val="0"/>
+                </a:spcAft>
+                <a:buClrTx/>
+                <a:buSzTx/>
+                <a:buFontTx/>
+                <a:buNone/>
+                <a:tabLst/>
+                <a:defRPr/>
+              </a:pPr>
+              <a:t>11</a:t>
+            </a:fld>
+            <a:endParaRPr kumimoji="0" lang="en-US" sz="1265" b="0" i="0" u="none" strike="noStrike" kern="0" cap="none" spc="0" normalizeH="0" baseline="0" noProof="0">
+              <a:ln>
+                <a:noFill/>
+              </a:ln>
+              <a:solidFill>
+                <a:srgbClr val="191EA2"/>
+              </a:solidFill>
+              <a:effectLst/>
+              <a:uLnTx/>
+              <a:uFillTx/>
+              <a:latin typeface="Gill Sans"/>
+              <a:sym typeface="Gill Sans"/>
+            </a:endParaRPr>
+          </a:p>
+        </p:txBody>
+      </p:sp>
       <p:grpSp>
         <p:nvGrpSpPr>
           <p:cNvPr id="11" name="Group 10">
@@ -15314,6 +15403,1623 @@
           </p:cNvPr>
           <p:cNvCxnSpPr>
             <a:cxnSpLocks/>
+            <a:endCxn id="13" idx="1"/>
+          </p:cNvCxnSpPr>
+          <p:nvPr/>
+        </p:nvCxnSpPr>
+        <p:spPr>
+          <a:xfrm>
+            <a:off x="2434727" y="3619847"/>
+            <a:ext cx="6498762" cy="1"/>
+          </a:xfrm>
+          <a:prstGeom prst="line">
+            <a:avLst/>
+          </a:prstGeom>
+          <a:noFill/>
+          <a:ln w="38100" cap="flat">
+            <a:solidFill>
+              <a:srgbClr val="000000"/>
+            </a:solidFill>
+            <a:prstDash val="solid"/>
+            <a:miter lim="400000"/>
+          </a:ln>
+          <a:effectLst/>
+        </p:spPr>
+        <p:style>
+          <a:lnRef idx="0">
+            <a:scrgbClr r="0" g="0" b="0"/>
+          </a:lnRef>
+          <a:fillRef idx="0">
+            <a:scrgbClr r="0" g="0" b="0"/>
+          </a:fillRef>
+          <a:effectRef idx="0">
+            <a:scrgbClr r="0" g="0" b="0"/>
+          </a:effectRef>
+          <a:fontRef idx="none"/>
+        </p:style>
+      </p:cxnSp>
+      <p:sp>
+        <p:nvSpPr>
+          <p:cNvPr id="26" name="Rounded Rectangle 25">
+            <a:extLst>
+              <a:ext uri="{FF2B5EF4-FFF2-40B4-BE49-F238E27FC236}">
+                <a16:creationId xmlns:a16="http://schemas.microsoft.com/office/drawing/2014/main" id="{9673CDDD-C720-AE49-FB97-61A93F03108C}"/>
+              </a:ext>
+            </a:extLst>
+          </p:cNvPr>
+          <p:cNvSpPr/>
+          <p:nvPr/>
+        </p:nvSpPr>
+        <p:spPr>
+          <a:xfrm>
+            <a:off x="4799080" y="2109924"/>
+            <a:ext cx="1770056" cy="658336"/>
+          </a:xfrm>
+          <a:prstGeom prst="roundRect">
+            <a:avLst/>
+          </a:prstGeom>
+          <a:solidFill>
+            <a:schemeClr val="accent6">
+              <a:lumMod val="75000"/>
+            </a:schemeClr>
+          </a:solidFill>
+          <a:ln w="25400" cap="flat">
+            <a:solidFill>
+              <a:srgbClr val="000000"/>
+            </a:solidFill>
+            <a:prstDash val="solid"/>
+            <a:miter lim="400000"/>
+          </a:ln>
+          <a:effectLst/>
+        </p:spPr>
+        <p:style>
+          <a:lnRef idx="0">
+            <a:scrgbClr r="0" g="0" b="0"/>
+          </a:lnRef>
+          <a:fillRef idx="0">
+            <a:scrgbClr r="0" g="0" b="0"/>
+          </a:fillRef>
+          <a:effectRef idx="0">
+            <a:scrgbClr r="0" g="0" b="0"/>
+          </a:effectRef>
+          <a:fontRef idx="none"/>
+        </p:style>
+        <p:txBody>
+          <a:bodyPr rot="0" spcFirstLastPara="1" vertOverflow="overflow" horzOverflow="overflow" vert="horz" wrap="square" lIns="50800" tIns="50800" rIns="50800" bIns="50800" numCol="1" spcCol="38100" rtlCol="0" anchor="ctr">
+            <a:spAutoFit/>
+          </a:bodyPr>
+          <a:lstStyle/>
+          <a:p>
+            <a:pPr marL="0" marR="0" indent="0" algn="ctr" defTabSz="584200" rtl="0" fontAlgn="auto" latinLnBrk="1" hangingPunct="0">
+              <a:lnSpc>
+                <a:spcPct val="100000"/>
+              </a:lnSpc>
+              <a:spcBef>
+                <a:spcPts val="0"/>
+              </a:spcBef>
+              <a:spcAft>
+                <a:spcPts val="0"/>
+              </a:spcAft>
+              <a:buClrTx/>
+              <a:buSzTx/>
+              <a:buFontTx/>
+              <a:buNone/>
+              <a:tabLst/>
+            </a:pPr>
+            <a:r>
+              <a:rPr kumimoji="0" lang="en-US" sz="3200" b="0" i="0" u="none" strike="noStrike" cap="none" spc="0" normalizeH="0" baseline="0" dirty="0">
+                <a:ln>
+                  <a:noFill/>
+                </a:ln>
+                <a:solidFill>
+                  <a:srgbClr val="FFFFFF"/>
+                </a:solidFill>
+                <a:effectLst>
+                  <a:outerShdw blurRad="38100" dist="12700" dir="5400000" rotWithShape="0">
+                    <a:srgbClr val="000000">
+                      <a:alpha val="50000"/>
+                    </a:srgbClr>
+                  </a:outerShdw>
+                </a:effectLst>
+                <a:uFillTx/>
+                <a:latin typeface="Helvetica" pitchFamily="2" charset="0"/>
+                <a:ea typeface="Gill Sans"/>
+                <a:cs typeface="Gill Sans"/>
+                <a:sym typeface="Gill Sans"/>
+              </a:rPr>
+              <a:t>Queue</a:t>
+            </a:r>
+          </a:p>
+        </p:txBody>
+      </p:sp>
+      <p:cxnSp>
+        <p:nvCxnSpPr>
+          <p:cNvPr id="16" name="Straight Connector 15">
+            <a:extLst>
+              <a:ext uri="{FF2B5EF4-FFF2-40B4-BE49-F238E27FC236}">
+                <a16:creationId xmlns:a16="http://schemas.microsoft.com/office/drawing/2014/main" id="{9A68899B-C267-3455-91FF-FD93B76942EE}"/>
+              </a:ext>
+            </a:extLst>
+          </p:cNvPr>
+          <p:cNvCxnSpPr>
+            <a:stCxn id="26" idx="1"/>
+            <a:endCxn id="14" idx="3"/>
+          </p:cNvCxnSpPr>
+          <p:nvPr/>
+        </p:nvCxnSpPr>
+        <p:spPr>
+          <a:xfrm flipH="1">
+            <a:off x="2434726" y="2439092"/>
+            <a:ext cx="2364354" cy="1180754"/>
+          </a:xfrm>
+          <a:prstGeom prst="line">
+            <a:avLst/>
+          </a:prstGeom>
+          <a:noFill/>
+          <a:ln w="38100" cap="flat">
+            <a:solidFill>
+              <a:srgbClr val="000000"/>
+            </a:solidFill>
+            <a:prstDash val="solid"/>
+            <a:miter lim="400000"/>
+          </a:ln>
+          <a:effectLst/>
+        </p:spPr>
+        <p:style>
+          <a:lnRef idx="0">
+            <a:scrgbClr r="0" g="0" b="0"/>
+          </a:lnRef>
+          <a:fillRef idx="0">
+            <a:scrgbClr r="0" g="0" b="0"/>
+          </a:fillRef>
+          <a:effectRef idx="0">
+            <a:scrgbClr r="0" g="0" b="0"/>
+          </a:effectRef>
+          <a:fontRef idx="none"/>
+        </p:style>
+      </p:cxnSp>
+      <p:cxnSp>
+        <p:nvCxnSpPr>
+          <p:cNvPr id="21" name="Straight Connector 20">
+            <a:extLst>
+              <a:ext uri="{FF2B5EF4-FFF2-40B4-BE49-F238E27FC236}">
+                <a16:creationId xmlns:a16="http://schemas.microsoft.com/office/drawing/2014/main" id="{6B279C3C-64B9-4C1C-64D5-9130BEA735BE}"/>
+              </a:ext>
+            </a:extLst>
+          </p:cNvPr>
+          <p:cNvCxnSpPr>
+            <a:cxnSpLocks/>
+            <a:stCxn id="26" idx="3"/>
+            <a:endCxn id="13" idx="1"/>
+          </p:cNvCxnSpPr>
+          <p:nvPr/>
+        </p:nvCxnSpPr>
+        <p:spPr>
+          <a:xfrm>
+            <a:off x="6569136" y="2439092"/>
+            <a:ext cx="2364353" cy="1180756"/>
+          </a:xfrm>
+          <a:prstGeom prst="line">
+            <a:avLst/>
+          </a:prstGeom>
+          <a:noFill/>
+          <a:ln w="38100" cap="flat">
+            <a:solidFill>
+              <a:srgbClr val="000000"/>
+            </a:solidFill>
+            <a:prstDash val="solid"/>
+            <a:miter lim="400000"/>
+          </a:ln>
+          <a:effectLst/>
+        </p:spPr>
+        <p:style>
+          <a:lnRef idx="0">
+            <a:scrgbClr r="0" g="0" b="0"/>
+          </a:lnRef>
+          <a:fillRef idx="0">
+            <a:scrgbClr r="0" g="0" b="0"/>
+          </a:fillRef>
+          <a:effectRef idx="0">
+            <a:scrgbClr r="0" g="0" b="0"/>
+          </a:effectRef>
+          <a:fontRef idx="none"/>
+        </p:style>
+      </p:cxnSp>
+      <p:sp>
+        <p:nvSpPr>
+          <p:cNvPr id="27" name="Rounded Rectangle 26">
+            <a:extLst>
+              <a:ext uri="{FF2B5EF4-FFF2-40B4-BE49-F238E27FC236}">
+                <a16:creationId xmlns:a16="http://schemas.microsoft.com/office/drawing/2014/main" id="{50FB8F44-CC18-AD50-E015-191B9F823F11}"/>
+              </a:ext>
+            </a:extLst>
+          </p:cNvPr>
+          <p:cNvSpPr/>
+          <p:nvPr/>
+        </p:nvSpPr>
+        <p:spPr>
+          <a:xfrm>
+            <a:off x="1490631" y="3390719"/>
+            <a:ext cx="1829123" cy="419973"/>
+          </a:xfrm>
+          <a:prstGeom prst="roundRect">
+            <a:avLst/>
+          </a:prstGeom>
+          <a:solidFill>
+            <a:schemeClr val="accent1">
+              <a:lumMod val="75000"/>
+            </a:schemeClr>
+          </a:solidFill>
+          <a:ln w="25400" cap="flat">
+            <a:solidFill>
+              <a:srgbClr val="000000"/>
+            </a:solidFill>
+            <a:prstDash val="solid"/>
+            <a:miter lim="400000"/>
+          </a:ln>
+          <a:effectLst/>
+        </p:spPr>
+        <p:style>
+          <a:lnRef idx="0">
+            <a:scrgbClr r="0" g="0" b="0"/>
+          </a:lnRef>
+          <a:fillRef idx="0">
+            <a:scrgbClr r="0" g="0" b="0"/>
+          </a:fillRef>
+          <a:effectRef idx="0">
+            <a:scrgbClr r="0" g="0" b="0"/>
+          </a:effectRef>
+          <a:fontRef idx="none"/>
+        </p:style>
+        <p:txBody>
+          <a:bodyPr rot="0" spcFirstLastPara="1" vertOverflow="overflow" horzOverflow="overflow" vert="horz" wrap="square" lIns="50800" tIns="50800" rIns="50800" bIns="50800" numCol="1" spcCol="38100" rtlCol="0" anchor="ctr">
+            <a:spAutoFit/>
+          </a:bodyPr>
+          <a:lstStyle/>
+          <a:p>
+            <a:pPr marL="0" marR="0" indent="0" algn="ctr" defTabSz="584200" rtl="0" fontAlgn="auto" latinLnBrk="1" hangingPunct="0">
+              <a:lnSpc>
+                <a:spcPct val="100000"/>
+              </a:lnSpc>
+              <a:spcBef>
+                <a:spcPts val="0"/>
+              </a:spcBef>
+              <a:spcAft>
+                <a:spcPts val="0"/>
+              </a:spcAft>
+              <a:buClrTx/>
+              <a:buSzTx/>
+              <a:buFontTx/>
+              <a:buNone/>
+              <a:tabLst/>
+            </a:pPr>
+            <a:r>
+              <a:rPr lang="en-US" sz="1800" dirty="0">
+                <a:solidFill>
+                  <a:srgbClr val="FFFFFF"/>
+                </a:solidFill>
+                <a:effectLst>
+                  <a:outerShdw blurRad="38100" dist="12700" dir="5400000" rotWithShape="0">
+                    <a:srgbClr val="000000">
+                      <a:alpha val="50000"/>
+                    </a:srgbClr>
+                  </a:outerShdw>
+                </a:effectLst>
+                <a:latin typeface="Helvetica" pitchFamily="2" charset="0"/>
+                <a:ea typeface="Gill Sans"/>
+                <a:cs typeface="Gill Sans"/>
+                <a:sym typeface="Gill Sans"/>
+              </a:rPr>
+              <a:t>C[</a:t>
+            </a:r>
+            <a:r>
+              <a:rPr lang="en-US" sz="1800" dirty="0" err="1">
+                <a:solidFill>
+                  <a:srgbClr val="FFFFFF"/>
+                </a:solidFill>
+                <a:effectLst>
+                  <a:outerShdw blurRad="38100" dist="12700" dir="5400000" rotWithShape="0">
+                    <a:srgbClr val="000000">
+                      <a:alpha val="50000"/>
+                    </a:srgbClr>
+                  </a:outerShdw>
+                </a:effectLst>
+                <a:latin typeface="Helvetica" pitchFamily="2" charset="0"/>
+                <a:ea typeface="Gill Sans"/>
+                <a:cs typeface="Gill Sans"/>
+                <a:sym typeface="Gill Sans"/>
+              </a:rPr>
+              <a:t>i</a:t>
+            </a:r>
+            <a:r>
+              <a:rPr lang="en-US" sz="1800" dirty="0">
+                <a:solidFill>
+                  <a:srgbClr val="FFFFFF"/>
+                </a:solidFill>
+                <a:effectLst>
+                  <a:outerShdw blurRad="38100" dist="12700" dir="5400000" rotWithShape="0">
+                    <a:srgbClr val="000000">
+                      <a:alpha val="50000"/>
+                    </a:srgbClr>
+                  </a:outerShdw>
+                </a:effectLst>
+                <a:latin typeface="Helvetica" pitchFamily="2" charset="0"/>
+                <a:ea typeface="Gill Sans"/>
+                <a:cs typeface="Gill Sans"/>
+                <a:sym typeface="Gill Sans"/>
+              </a:rPr>
+              <a:t>] = A[</a:t>
+            </a:r>
+            <a:r>
+              <a:rPr lang="en-US" sz="1800" dirty="0" err="1">
+                <a:solidFill>
+                  <a:srgbClr val="FFFFFF"/>
+                </a:solidFill>
+                <a:effectLst>
+                  <a:outerShdw blurRad="38100" dist="12700" dir="5400000" rotWithShape="0">
+                    <a:srgbClr val="000000">
+                      <a:alpha val="50000"/>
+                    </a:srgbClr>
+                  </a:outerShdw>
+                </a:effectLst>
+                <a:latin typeface="Helvetica" pitchFamily="2" charset="0"/>
+                <a:ea typeface="Gill Sans"/>
+                <a:cs typeface="Gill Sans"/>
+                <a:sym typeface="Gill Sans"/>
+              </a:rPr>
+              <a:t>i</a:t>
+            </a:r>
+            <a:r>
+              <a:rPr lang="en-US" sz="1800" dirty="0">
+                <a:solidFill>
+                  <a:srgbClr val="FFFFFF"/>
+                </a:solidFill>
+                <a:effectLst>
+                  <a:outerShdw blurRad="38100" dist="12700" dir="5400000" rotWithShape="0">
+                    <a:srgbClr val="000000">
+                      <a:alpha val="50000"/>
+                    </a:srgbClr>
+                  </a:outerShdw>
+                </a:effectLst>
+                <a:latin typeface="Helvetica" pitchFamily="2" charset="0"/>
+                <a:ea typeface="Gill Sans"/>
+                <a:cs typeface="Gill Sans"/>
+                <a:sym typeface="Gill Sans"/>
+              </a:rPr>
+              <a:t>] + B[</a:t>
+            </a:r>
+            <a:r>
+              <a:rPr lang="en-US" sz="1800" dirty="0" err="1">
+                <a:solidFill>
+                  <a:srgbClr val="FFFFFF"/>
+                </a:solidFill>
+                <a:effectLst>
+                  <a:outerShdw blurRad="38100" dist="12700" dir="5400000" rotWithShape="0">
+                    <a:srgbClr val="000000">
+                      <a:alpha val="50000"/>
+                    </a:srgbClr>
+                  </a:outerShdw>
+                </a:effectLst>
+                <a:latin typeface="Helvetica" pitchFamily="2" charset="0"/>
+                <a:ea typeface="Gill Sans"/>
+                <a:cs typeface="Gill Sans"/>
+                <a:sym typeface="Gill Sans"/>
+              </a:rPr>
+              <a:t>i</a:t>
+            </a:r>
+            <a:r>
+              <a:rPr lang="en-US" sz="1800" dirty="0">
+                <a:solidFill>
+                  <a:srgbClr val="FFFFFF"/>
+                </a:solidFill>
+                <a:effectLst>
+                  <a:outerShdw blurRad="38100" dist="12700" dir="5400000" rotWithShape="0">
+                    <a:srgbClr val="000000">
+                      <a:alpha val="50000"/>
+                    </a:srgbClr>
+                  </a:outerShdw>
+                </a:effectLst>
+                <a:latin typeface="Helvetica" pitchFamily="2" charset="0"/>
+                <a:ea typeface="Gill Sans"/>
+                <a:cs typeface="Gill Sans"/>
+                <a:sym typeface="Gill Sans"/>
+              </a:rPr>
+              <a:t>]</a:t>
+            </a:r>
+            <a:endParaRPr kumimoji="0" lang="en-US" sz="1800" b="0" i="0" u="none" strike="noStrike" cap="none" spc="0" normalizeH="0" baseline="0" dirty="0">
+              <a:ln>
+                <a:noFill/>
+              </a:ln>
+              <a:solidFill>
+                <a:srgbClr val="FFFFFF"/>
+              </a:solidFill>
+              <a:effectLst>
+                <a:outerShdw blurRad="38100" dist="12700" dir="5400000" rotWithShape="0">
+                  <a:srgbClr val="000000">
+                    <a:alpha val="50000"/>
+                  </a:srgbClr>
+                </a:outerShdw>
+              </a:effectLst>
+              <a:uFillTx/>
+              <a:latin typeface="Helvetica" pitchFamily="2" charset="0"/>
+              <a:ea typeface="Gill Sans"/>
+              <a:cs typeface="Gill Sans"/>
+              <a:sym typeface="Gill Sans"/>
+            </a:endParaRPr>
+          </a:p>
+        </p:txBody>
+      </p:sp>
+    </p:spTree>
+    <p:custDataLst>
+      <p:tags r:id="rId1"/>
+    </p:custDataLst>
+    <p:extLst>
+      <p:ext uri="{BB962C8B-B14F-4D97-AF65-F5344CB8AC3E}">
+        <p14:creationId xmlns:p14="http://schemas.microsoft.com/office/powerpoint/2010/main" val="703463710"/>
+      </p:ext>
+    </p:extLst>
+  </p:cSld>
+  <p:clrMapOvr>
+    <a:masterClrMapping/>
+  </p:clrMapOvr>
+  <p:transition spd="med" advTm="297800"/>
+  <p:timing>
+    <p:tnLst>
+      <p:par>
+        <p:cTn id="1" dur="indefinite" restart="never" nodeType="tmRoot">
+          <p:childTnLst>
+            <p:seq concurrent="1" nextAc="seek">
+              <p:cTn id="2" dur="indefinite" nodeType="mainSeq">
+                <p:childTnLst>
+                  <p:par>
+                    <p:cTn id="3" fill="hold">
+                      <p:stCondLst>
+                        <p:cond delay="indefinite"/>
+                        <p:cond evt="onBegin" delay="0">
+                          <p:tn val="2"/>
+                        </p:cond>
+                      </p:stCondLst>
+                      <p:childTnLst>
+                        <p:par>
+                          <p:cTn id="4" fill="hold">
+                            <p:stCondLst>
+                              <p:cond delay="0"/>
+                            </p:stCondLst>
+                            <p:childTnLst>
+                              <p:par>
+                                <p:cTn id="5" presetID="10" presetClass="exit" presetSubtype="0" fill="hold" nodeType="afterEffect">
+                                  <p:stCondLst>
+                                    <p:cond delay="2000"/>
+                                  </p:stCondLst>
+                                  <p:childTnLst>
+                                    <p:animEffect transition="out" filter="fade">
+                                      <p:cBhvr>
+                                        <p:cTn id="6" dur="500"/>
+                                        <p:tgtEl>
+                                          <p:spTgt spid="19"/>
+                                        </p:tgtEl>
+                                      </p:cBhvr>
+                                    </p:animEffect>
+                                    <p:set>
+                                      <p:cBhvr>
+                                        <p:cTn id="7" dur="1" fill="hold">
+                                          <p:stCondLst>
+                                            <p:cond delay="499"/>
+                                          </p:stCondLst>
+                                        </p:cTn>
+                                        <p:tgtEl>
+                                          <p:spTgt spid="19"/>
+                                        </p:tgtEl>
+                                        <p:attrNameLst>
+                                          <p:attrName>style.visibility</p:attrName>
+                                        </p:attrNameLst>
+                                      </p:cBhvr>
+                                      <p:to>
+                                        <p:strVal val="hidden"/>
+                                      </p:to>
+                                    </p:set>
+                                  </p:childTnLst>
+                                </p:cTn>
+                              </p:par>
+                            </p:childTnLst>
+                          </p:cTn>
+                        </p:par>
+                        <p:par>
+                          <p:cTn id="8" fill="hold">
+                            <p:stCondLst>
+                              <p:cond delay="2500"/>
+                            </p:stCondLst>
+                            <p:childTnLst>
+                              <p:par>
+                                <p:cTn id="9" presetID="10" presetClass="entr" presetSubtype="0" fill="hold" grpId="0" nodeType="afterEffect">
+                                  <p:stCondLst>
+                                    <p:cond delay="1000"/>
+                                  </p:stCondLst>
+                                  <p:childTnLst>
+                                    <p:set>
+                                      <p:cBhvr>
+                                        <p:cTn id="10" dur="1" fill="hold">
+                                          <p:stCondLst>
+                                            <p:cond delay="0"/>
+                                          </p:stCondLst>
+                                        </p:cTn>
+                                        <p:tgtEl>
+                                          <p:spTgt spid="26"/>
+                                        </p:tgtEl>
+                                        <p:attrNameLst>
+                                          <p:attrName>style.visibility</p:attrName>
+                                        </p:attrNameLst>
+                                      </p:cBhvr>
+                                      <p:to>
+                                        <p:strVal val="visible"/>
+                                      </p:to>
+                                    </p:set>
+                                    <p:animEffect transition="in" filter="fade">
+                                      <p:cBhvr>
+                                        <p:cTn id="11" dur="500"/>
+                                        <p:tgtEl>
+                                          <p:spTgt spid="26"/>
+                                        </p:tgtEl>
+                                      </p:cBhvr>
+                                    </p:animEffect>
+                                  </p:childTnLst>
+                                </p:cTn>
+                              </p:par>
+                              <p:par>
+                                <p:cTn id="12" presetID="10" presetClass="entr" presetSubtype="0" fill="hold" nodeType="withEffect">
+                                  <p:stCondLst>
+                                    <p:cond delay="1000"/>
+                                  </p:stCondLst>
+                                  <p:childTnLst>
+                                    <p:set>
+                                      <p:cBhvr>
+                                        <p:cTn id="13" dur="1" fill="hold">
+                                          <p:stCondLst>
+                                            <p:cond delay="0"/>
+                                          </p:stCondLst>
+                                        </p:cTn>
+                                        <p:tgtEl>
+                                          <p:spTgt spid="16"/>
+                                        </p:tgtEl>
+                                        <p:attrNameLst>
+                                          <p:attrName>style.visibility</p:attrName>
+                                        </p:attrNameLst>
+                                      </p:cBhvr>
+                                      <p:to>
+                                        <p:strVal val="visible"/>
+                                      </p:to>
+                                    </p:set>
+                                    <p:animEffect transition="in" filter="fade">
+                                      <p:cBhvr>
+                                        <p:cTn id="14" dur="500"/>
+                                        <p:tgtEl>
+                                          <p:spTgt spid="16"/>
+                                        </p:tgtEl>
+                                      </p:cBhvr>
+                                    </p:animEffect>
+                                  </p:childTnLst>
+                                </p:cTn>
+                              </p:par>
+                              <p:par>
+                                <p:cTn id="15" presetID="10" presetClass="entr" presetSubtype="0" fill="hold" nodeType="withEffect">
+                                  <p:stCondLst>
+                                    <p:cond delay="1000"/>
+                                  </p:stCondLst>
+                                  <p:childTnLst>
+                                    <p:set>
+                                      <p:cBhvr>
+                                        <p:cTn id="16" dur="1" fill="hold">
+                                          <p:stCondLst>
+                                            <p:cond delay="0"/>
+                                          </p:stCondLst>
+                                        </p:cTn>
+                                        <p:tgtEl>
+                                          <p:spTgt spid="21"/>
+                                        </p:tgtEl>
+                                        <p:attrNameLst>
+                                          <p:attrName>style.visibility</p:attrName>
+                                        </p:attrNameLst>
+                                      </p:cBhvr>
+                                      <p:to>
+                                        <p:strVal val="visible"/>
+                                      </p:to>
+                                    </p:set>
+                                    <p:animEffect transition="in" filter="fade">
+                                      <p:cBhvr>
+                                        <p:cTn id="17" dur="500"/>
+                                        <p:tgtEl>
+                                          <p:spTgt spid="21"/>
+                                        </p:tgtEl>
+                                      </p:cBhvr>
+                                    </p:animEffect>
+                                  </p:childTnLst>
+                                </p:cTn>
+                              </p:par>
+                            </p:childTnLst>
+                          </p:cTn>
+                        </p:par>
+                        <p:par>
+                          <p:cTn id="18" fill="hold">
+                            <p:stCondLst>
+                              <p:cond delay="4000"/>
+                            </p:stCondLst>
+                            <p:childTnLst>
+                              <p:par>
+                                <p:cTn id="19" presetID="10" presetClass="entr" presetSubtype="0" fill="hold" grpId="0" nodeType="afterEffect">
+                                  <p:stCondLst>
+                                    <p:cond delay="1000"/>
+                                  </p:stCondLst>
+                                  <p:childTnLst>
+                                    <p:set>
+                                      <p:cBhvr>
+                                        <p:cTn id="20" dur="1" fill="hold">
+                                          <p:stCondLst>
+                                            <p:cond delay="0"/>
+                                          </p:stCondLst>
+                                        </p:cTn>
+                                        <p:tgtEl>
+                                          <p:spTgt spid="27"/>
+                                        </p:tgtEl>
+                                        <p:attrNameLst>
+                                          <p:attrName>style.visibility</p:attrName>
+                                        </p:attrNameLst>
+                                      </p:cBhvr>
+                                      <p:to>
+                                        <p:strVal val="visible"/>
+                                      </p:to>
+                                    </p:set>
+                                    <p:animEffect transition="in" filter="fade">
+                                      <p:cBhvr>
+                                        <p:cTn id="21" dur="500"/>
+                                        <p:tgtEl>
+                                          <p:spTgt spid="27"/>
+                                        </p:tgtEl>
+                                      </p:cBhvr>
+                                    </p:animEffect>
+                                  </p:childTnLst>
+                                </p:cTn>
+                              </p:par>
+                            </p:childTnLst>
+                          </p:cTn>
+                        </p:par>
+                        <p:par>
+                          <p:cTn id="22" fill="hold">
+                            <p:stCondLst>
+                              <p:cond delay="5500"/>
+                            </p:stCondLst>
+                            <p:childTnLst>
+                              <p:par>
+                                <p:cTn id="23" presetID="0" presetClass="path" presetSubtype="0" accel="50000" decel="50000" fill="hold" grpId="1" nodeType="afterEffect">
+                                  <p:stCondLst>
+                                    <p:cond delay="0"/>
+                                  </p:stCondLst>
+                                  <p:childTnLst>
+                                    <p:animMotion origin="layout" path="M 0.00247 0 L 0.19635 -0.16944 " pathEditMode="relative" ptsTypes="AA">
+                                      <p:cBhvr>
+                                        <p:cTn id="24" dur="2000" fill="hold"/>
+                                        <p:tgtEl>
+                                          <p:spTgt spid="27"/>
+                                        </p:tgtEl>
+                                        <p:attrNameLst>
+                                          <p:attrName>ppt_x</p:attrName>
+                                          <p:attrName>ppt_y</p:attrName>
+                                        </p:attrNameLst>
+                                      </p:cBhvr>
+                                    </p:animMotion>
+                                  </p:childTnLst>
+                                </p:cTn>
+                              </p:par>
+                            </p:childTnLst>
+                          </p:cTn>
+                        </p:par>
+                        <p:par>
+                          <p:cTn id="25" fill="hold">
+                            <p:stCondLst>
+                              <p:cond delay="7500"/>
+                            </p:stCondLst>
+                            <p:childTnLst>
+                              <p:par>
+                                <p:cTn id="26" presetID="0" presetClass="path" presetSubtype="0" accel="50000" decel="50000" fill="hold" grpId="2" nodeType="afterEffect">
+                                  <p:stCondLst>
+                                    <p:cond delay="0"/>
+                                  </p:stCondLst>
+                                  <p:childTnLst>
+                                    <p:animMotion origin="layout" path="M 0.19635 -0.16944 L 0.34153 -0.16944 " pathEditMode="relative" rAng="0" ptsTypes="AA">
+                                      <p:cBhvr>
+                                        <p:cTn id="27" dur="1000" fill="hold"/>
+                                        <p:tgtEl>
+                                          <p:spTgt spid="27"/>
+                                        </p:tgtEl>
+                                        <p:attrNameLst>
+                                          <p:attrName>ppt_x</p:attrName>
+                                          <p:attrName>ppt_y</p:attrName>
+                                        </p:attrNameLst>
+                                      </p:cBhvr>
+                                      <p:rCtr x="7253" y="0"/>
+                                    </p:animMotion>
+                                  </p:childTnLst>
+                                </p:cTn>
+                              </p:par>
+                            </p:childTnLst>
+                          </p:cTn>
+                        </p:par>
+                        <p:par>
+                          <p:cTn id="28" fill="hold">
+                            <p:stCondLst>
+                              <p:cond delay="8500"/>
+                            </p:stCondLst>
+                            <p:childTnLst>
+                              <p:par>
+                                <p:cTn id="29" presetID="0" presetClass="path" presetSubtype="0" accel="50000" decel="50000" fill="hold" grpId="3" nodeType="afterEffect">
+                                  <p:stCondLst>
+                                    <p:cond delay="0"/>
+                                  </p:stCondLst>
+                                  <p:childTnLst>
+                                    <p:animMotion origin="layout" path="M 0.34153 -0.16944 L 0.53541 0.00278 " pathEditMode="relative" rAng="0" ptsTypes="AA">
+                                      <p:cBhvr>
+                                        <p:cTn id="30" dur="2000" fill="hold"/>
+                                        <p:tgtEl>
+                                          <p:spTgt spid="27"/>
+                                        </p:tgtEl>
+                                        <p:attrNameLst>
+                                          <p:attrName>ppt_x</p:attrName>
+                                          <p:attrName>ppt_y</p:attrName>
+                                        </p:attrNameLst>
+                                      </p:cBhvr>
+                                      <p:rCtr x="9687" y="8611"/>
+                                    </p:animMotion>
+                                  </p:childTnLst>
+                                </p:cTn>
+                              </p:par>
+                            </p:childTnLst>
+                          </p:cTn>
+                        </p:par>
+                        <p:par>
+                          <p:cTn id="31" fill="hold">
+                            <p:stCondLst>
+                              <p:cond delay="10500"/>
+                            </p:stCondLst>
+                            <p:childTnLst>
+                              <p:par>
+                                <p:cTn id="32" presetID="10" presetClass="exit" presetSubtype="0" fill="hold" grpId="4" nodeType="afterEffect">
+                                  <p:stCondLst>
+                                    <p:cond delay="0"/>
+                                  </p:stCondLst>
+                                  <p:childTnLst>
+                                    <p:animEffect transition="out" filter="fade">
+                                      <p:cBhvr>
+                                        <p:cTn id="33" dur="500"/>
+                                        <p:tgtEl>
+                                          <p:spTgt spid="27"/>
+                                        </p:tgtEl>
+                                      </p:cBhvr>
+                                    </p:animEffect>
+                                    <p:set>
+                                      <p:cBhvr>
+                                        <p:cTn id="34" dur="1" fill="hold">
+                                          <p:stCondLst>
+                                            <p:cond delay="499"/>
+                                          </p:stCondLst>
+                                        </p:cTn>
+                                        <p:tgtEl>
+                                          <p:spTgt spid="27"/>
+                                        </p:tgtEl>
+                                        <p:attrNameLst>
+                                          <p:attrName>style.visibility</p:attrName>
+                                        </p:attrNameLst>
+                                      </p:cBhvr>
+                                      <p:to>
+                                        <p:strVal val="hidden"/>
+                                      </p:to>
+                                    </p:set>
+                                  </p:childTnLst>
+                                </p:cTn>
+                              </p:par>
+                            </p:childTnLst>
+                          </p:cTn>
+                        </p:par>
+                      </p:childTnLst>
+                    </p:cTn>
+                  </p:par>
+                </p:childTnLst>
+              </p:cTn>
+              <p:prevCondLst>
+                <p:cond evt="onPrev" delay="0">
+                  <p:tgtEl>
+                    <p:sldTgt/>
+                  </p:tgtEl>
+                </p:cond>
+              </p:prevCondLst>
+              <p:nextCondLst>
+                <p:cond evt="onNext" delay="0">
+                  <p:tgtEl>
+                    <p:sldTgt/>
+                  </p:tgtEl>
+                </p:cond>
+              </p:nextCondLst>
+            </p:seq>
+          </p:childTnLst>
+        </p:cTn>
+      </p:par>
+    </p:tnLst>
+    <p:bldLst>
+      <p:bldP spid="26" grpId="0" animBg="1"/>
+      <p:bldP spid="27" grpId="0" animBg="1"/>
+      <p:bldP spid="27" grpId="1" animBg="1"/>
+      <p:bldP spid="27" grpId="2" animBg="1"/>
+      <p:bldP spid="27" grpId="3" animBg="1"/>
+      <p:bldP spid="27" grpId="4" animBg="1"/>
+    </p:bldLst>
+  </p:timing>
+</p:sld>
+</file>
+
+<file path=ppt/slides/slide12.xml><?xml version="1.0" encoding="utf-8"?>
+<p:sld xmlns:a="http://schemas.openxmlformats.org/drawingml/2006/main" xmlns:r="http://schemas.openxmlformats.org/officeDocument/2006/relationships" xmlns:p="http://schemas.openxmlformats.org/presentationml/2006/main">
+  <p:cSld>
+    <p:spTree>
+      <p:nvGrpSpPr>
+        <p:cNvPr id="1" name=""/>
+        <p:cNvGrpSpPr/>
+        <p:nvPr/>
+      </p:nvGrpSpPr>
+      <p:grpSpPr>
+        <a:xfrm>
+          <a:off x="0" y="0"/>
+          <a:ext cx="0" cy="0"/>
+          <a:chOff x="0" y="0"/>
+          <a:chExt cx="0" cy="0"/>
+        </a:xfrm>
+      </p:grpSpPr>
+      <p:grpSp>
+        <p:nvGrpSpPr>
+          <p:cNvPr id="9" name="Group 8">
+            <a:extLst>
+              <a:ext uri="{FF2B5EF4-FFF2-40B4-BE49-F238E27FC236}">
+                <a16:creationId xmlns:a16="http://schemas.microsoft.com/office/drawing/2014/main" id="{2E26DB57-F57F-6B94-3B67-59A589AFCC20}"/>
+              </a:ext>
+            </a:extLst>
+          </p:cNvPr>
+          <p:cNvGrpSpPr/>
+          <p:nvPr/>
+        </p:nvGrpSpPr>
+        <p:grpSpPr>
+          <a:xfrm>
+            <a:off x="605603" y="2248246"/>
+            <a:ext cx="1829123" cy="2743200"/>
+            <a:chOff x="6568905" y="2570082"/>
+            <a:chExt cx="4567868" cy="1717836"/>
+          </a:xfrm>
+        </p:grpSpPr>
+        <p:sp>
+          <p:nvSpPr>
+            <p:cNvPr id="10" name="Rounded Rectangle 9">
+              <a:extLst>
+                <a:ext uri="{FF2B5EF4-FFF2-40B4-BE49-F238E27FC236}">
+                  <a16:creationId xmlns:a16="http://schemas.microsoft.com/office/drawing/2014/main" id="{BCE94C66-5E3F-A3BE-AADD-954743520CD5}"/>
+                </a:ext>
+              </a:extLst>
+            </p:cNvPr>
+            <p:cNvSpPr/>
+            <p:nvPr/>
+          </p:nvSpPr>
+          <p:spPr>
+            <a:xfrm>
+              <a:off x="6568906" y="2570082"/>
+              <a:ext cx="4567867" cy="1717836"/>
+            </a:xfrm>
+            <a:prstGeom prst="roundRect">
+              <a:avLst/>
+            </a:prstGeom>
+            <a:solidFill>
+              <a:schemeClr val="bg2"/>
+            </a:solidFill>
+            <a:ln w="25400" cap="flat">
+              <a:solidFill>
+                <a:srgbClr val="000000"/>
+              </a:solidFill>
+              <a:prstDash val="solid"/>
+              <a:miter lim="400000"/>
+            </a:ln>
+            <a:effectLst/>
+          </p:spPr>
+          <p:style>
+            <a:lnRef idx="0">
+              <a:scrgbClr r="0" g="0" b="0"/>
+            </a:lnRef>
+            <a:fillRef idx="0">
+              <a:scrgbClr r="0" g="0" b="0"/>
+            </a:fillRef>
+            <a:effectRef idx="0">
+              <a:scrgbClr r="0" g="0" b="0"/>
+            </a:effectRef>
+            <a:fontRef idx="none"/>
+          </p:style>
+          <p:txBody>
+            <a:bodyPr rot="0" spcFirstLastPara="1" vertOverflow="overflow" horzOverflow="overflow" vert="horz" wrap="square" lIns="50800" tIns="50800" rIns="50800" bIns="50800" numCol="1" spcCol="38100" rtlCol="0" anchor="ctr">
+              <a:spAutoFit/>
+            </a:bodyPr>
+            <a:lstStyle/>
+            <a:p>
+              <a:pPr marL="0" marR="0" indent="0" algn="ctr" defTabSz="584200" rtl="0" fontAlgn="auto" latinLnBrk="1" hangingPunct="0">
+                <a:lnSpc>
+                  <a:spcPct val="100000"/>
+                </a:lnSpc>
+                <a:spcBef>
+                  <a:spcPts val="0"/>
+                </a:spcBef>
+                <a:spcAft>
+                  <a:spcPts val="0"/>
+                </a:spcAft>
+                <a:buClrTx/>
+                <a:buSzTx/>
+                <a:buFontTx/>
+                <a:buNone/>
+                <a:tabLst/>
+              </a:pPr>
+              <a:endParaRPr kumimoji="0" lang="en-US" sz="4000" b="0" i="0" u="none" strike="noStrike" cap="none" spc="0" normalizeH="0" baseline="0">
+                <a:ln>
+                  <a:noFill/>
+                </a:ln>
+                <a:solidFill>
+                  <a:srgbClr val="FFFFFF"/>
+                </a:solidFill>
+                <a:effectLst>
+                  <a:outerShdw blurRad="38100" dist="12700" dir="5400000" rotWithShape="0">
+                    <a:srgbClr val="000000">
+                      <a:alpha val="50000"/>
+                    </a:srgbClr>
+                  </a:outerShdw>
+                </a:effectLst>
+                <a:uFillTx/>
+                <a:latin typeface="Gill Sans"/>
+                <a:ea typeface="Gill Sans"/>
+                <a:cs typeface="Gill Sans"/>
+                <a:sym typeface="Gill Sans"/>
+              </a:endParaRPr>
+            </a:p>
+          </p:txBody>
+        </p:sp>
+        <p:sp>
+          <p:nvSpPr>
+            <p:cNvPr id="14" name="TextBox 13">
+              <a:extLst>
+                <a:ext uri="{FF2B5EF4-FFF2-40B4-BE49-F238E27FC236}">
+                  <a16:creationId xmlns:a16="http://schemas.microsoft.com/office/drawing/2014/main" id="{6F9FCAAF-7BC4-5799-15BE-833D8352608F}"/>
+                </a:ext>
+              </a:extLst>
+            </p:cNvPr>
+            <p:cNvSpPr txBox="1"/>
+            <p:nvPr/>
+          </p:nvSpPr>
+          <p:spPr>
+            <a:xfrm>
+              <a:off x="6568905" y="3131482"/>
+              <a:ext cx="4567867" cy="595035"/>
+            </a:xfrm>
+            <a:prstGeom prst="rect">
+              <a:avLst/>
+            </a:prstGeom>
+            <a:noFill/>
+            <a:ln w="12700" cap="flat">
+              <a:noFill/>
+              <a:miter lim="400000"/>
+            </a:ln>
+            <a:effectLst/>
+          </p:spPr>
+          <p:style>
+            <a:lnRef idx="0">
+              <a:scrgbClr r="0" g="0" b="0"/>
+            </a:lnRef>
+            <a:fillRef idx="0">
+              <a:scrgbClr r="0" g="0" b="0"/>
+            </a:fillRef>
+            <a:effectRef idx="0">
+              <a:scrgbClr r="0" g="0" b="0"/>
+            </a:effectRef>
+            <a:fontRef idx="none"/>
+          </p:style>
+          <p:txBody>
+            <a:bodyPr rot="0" spcFirstLastPara="1" vertOverflow="overflow" horzOverflow="overflow" vert="horz" wrap="square" lIns="50800" tIns="50800" rIns="50800" bIns="50800" numCol="1" spcCol="38100" rtlCol="0" anchor="ctr">
+              <a:spAutoFit/>
+            </a:bodyPr>
+            <a:lstStyle/>
+            <a:p>
+              <a:pPr algn="ctr" defTabSz="457200" latinLnBrk="1" hangingPunct="0"/>
+              <a:r>
+                <a:rPr lang="en-US" sz="3200" dirty="0">
+                  <a:solidFill>
+                    <a:srgbClr val="000000"/>
+                  </a:solidFill>
+                  <a:latin typeface="Helvetica"/>
+                  <a:ea typeface="Helvetica"/>
+                  <a:cs typeface="Helvetica"/>
+                  <a:sym typeface="Helvetica"/>
+                </a:rPr>
+                <a:t>Host</a:t>
+              </a:r>
+            </a:p>
+          </p:txBody>
+        </p:sp>
+      </p:grpSp>
+      <p:sp>
+        <p:nvSpPr>
+          <p:cNvPr id="2" name="Title 1"/>
+          <p:cNvSpPr>
+            <a:spLocks noGrp="1"/>
+          </p:cNvSpPr>
+          <p:nvPr>
+            <p:ph type="title"/>
+          </p:nvPr>
+        </p:nvSpPr>
+        <p:spPr>
+          <a:xfrm>
+            <a:off x="1627012" y="0"/>
+            <a:ext cx="7306477" cy="866180"/>
+          </a:xfrm>
+        </p:spPr>
+        <p:txBody>
+          <a:bodyPr/>
+          <a:lstStyle/>
+          <a:p>
+            <a:r>
+              <a:rPr lang="en-US" sz="4000" dirty="0"/>
+              <a:t>Basic SYCL Program</a:t>
+            </a:r>
+          </a:p>
+        </p:txBody>
+      </p:sp>
+      <p:sp>
+        <p:nvSpPr>
+          <p:cNvPr id="4" name="Slide Number Placeholder 3"/>
+          <p:cNvSpPr>
+            <a:spLocks noGrp="1"/>
+          </p:cNvSpPr>
+          <p:nvPr>
+            <p:ph type="sldNum" sz="quarter" idx="10"/>
+          </p:nvPr>
+        </p:nvSpPr>
+        <p:spPr>
+          <a:xfrm>
+            <a:off x="6051121" y="6510169"/>
+            <a:ext cx="89768" cy="194669"/>
+          </a:xfrm>
+        </p:spPr>
+        <p:txBody>
+          <a:bodyPr/>
+          <a:lstStyle/>
+          <a:p>
+            <a:pPr marL="0" marR="0" lvl="0" indent="0" algn="ctr" defTabSz="410730" eaLnBrk="1" fontAlgn="auto" latinLnBrk="0" hangingPunct="1">
+              <a:lnSpc>
+                <a:spcPct val="100000"/>
+              </a:lnSpc>
+              <a:spcBef>
+                <a:spcPts val="0"/>
+              </a:spcBef>
+              <a:spcAft>
+                <a:spcPts val="0"/>
+              </a:spcAft>
+              <a:buClrTx/>
+              <a:buSzTx/>
+              <a:buFontTx/>
+              <a:buNone/>
+              <a:tabLst/>
+              <a:defRPr/>
+            </a:pPr>
+            <a:fld id="{D3046D45-FC88-4EF3-BBF3-C3E9EDC4F79A}" type="slidenum">
+              <a:rPr kumimoji="0" lang="en-US" sz="1265" b="0" i="0" u="none" strike="noStrike" kern="0" cap="none" spc="0" normalizeH="0" baseline="0" noProof="0" smtClean="0">
+                <a:ln>
+                  <a:noFill/>
+                </a:ln>
+                <a:solidFill>
+                  <a:srgbClr val="191EA2"/>
+                </a:solidFill>
+                <a:effectLst/>
+                <a:uLnTx/>
+                <a:uFillTx/>
+                <a:latin typeface="Gill Sans"/>
+                <a:sym typeface="Gill Sans"/>
+              </a:rPr>
+              <a:pPr marL="0" marR="0" lvl="0" indent="0" algn="ctr" defTabSz="410730" eaLnBrk="1" fontAlgn="auto" latinLnBrk="0" hangingPunct="1">
+                <a:lnSpc>
+                  <a:spcPct val="100000"/>
+                </a:lnSpc>
+                <a:spcBef>
+                  <a:spcPts val="0"/>
+                </a:spcBef>
+                <a:spcAft>
+                  <a:spcPts val="0"/>
+                </a:spcAft>
+                <a:buClrTx/>
+                <a:buSzTx/>
+                <a:buFontTx/>
+                <a:buNone/>
+                <a:tabLst/>
+                <a:defRPr/>
+              </a:pPr>
+              <a:t>12</a:t>
+            </a:fld>
+            <a:endParaRPr kumimoji="0" lang="en-US" sz="1265" b="0" i="0" u="none" strike="noStrike" kern="0" cap="none" spc="0" normalizeH="0" baseline="0" noProof="0">
+              <a:ln>
+                <a:noFill/>
+              </a:ln>
+              <a:solidFill>
+                <a:srgbClr val="191EA2"/>
+              </a:solidFill>
+              <a:effectLst/>
+              <a:uLnTx/>
+              <a:uFillTx/>
+              <a:latin typeface="Gill Sans"/>
+              <a:sym typeface="Gill Sans"/>
+            </a:endParaRPr>
+          </a:p>
+        </p:txBody>
+      </p:sp>
+      <p:grpSp>
+        <p:nvGrpSpPr>
+          <p:cNvPr id="3" name="Group 2">
+            <a:extLst>
+              <a:ext uri="{FF2B5EF4-FFF2-40B4-BE49-F238E27FC236}">
+                <a16:creationId xmlns:a16="http://schemas.microsoft.com/office/drawing/2014/main" id="{7ADF680B-A024-F261-EBED-E6DB90676548}"/>
+              </a:ext>
+            </a:extLst>
+          </p:cNvPr>
+          <p:cNvGrpSpPr/>
+          <p:nvPr/>
+        </p:nvGrpSpPr>
+        <p:grpSpPr>
+          <a:xfrm>
+            <a:off x="605604" y="2248247"/>
+            <a:ext cx="1829123" cy="2743200"/>
+            <a:chOff x="6568905" y="2570082"/>
+            <a:chExt cx="4567868" cy="1717836"/>
+          </a:xfrm>
+        </p:grpSpPr>
+        <p:sp>
+          <p:nvSpPr>
+            <p:cNvPr id="5" name="Rounded Rectangle 4">
+              <a:extLst>
+                <a:ext uri="{FF2B5EF4-FFF2-40B4-BE49-F238E27FC236}">
+                  <a16:creationId xmlns:a16="http://schemas.microsoft.com/office/drawing/2014/main" id="{10B025C7-4243-CAD7-41E6-6ADDF17DECCF}"/>
+                </a:ext>
+              </a:extLst>
+            </p:cNvPr>
+            <p:cNvSpPr/>
+            <p:nvPr/>
+          </p:nvSpPr>
+          <p:spPr>
+            <a:xfrm>
+              <a:off x="6568906" y="2570082"/>
+              <a:ext cx="4567867" cy="1717836"/>
+            </a:xfrm>
+            <a:prstGeom prst="roundRect">
+              <a:avLst/>
+            </a:prstGeom>
+            <a:solidFill>
+              <a:schemeClr val="bg2"/>
+            </a:solidFill>
+            <a:ln w="25400" cap="flat">
+              <a:solidFill>
+                <a:srgbClr val="000000"/>
+              </a:solidFill>
+              <a:prstDash val="solid"/>
+              <a:miter lim="400000"/>
+            </a:ln>
+            <a:effectLst/>
+          </p:spPr>
+          <p:style>
+            <a:lnRef idx="0">
+              <a:scrgbClr r="0" g="0" b="0"/>
+            </a:lnRef>
+            <a:fillRef idx="0">
+              <a:scrgbClr r="0" g="0" b="0"/>
+            </a:fillRef>
+            <a:effectRef idx="0">
+              <a:scrgbClr r="0" g="0" b="0"/>
+            </a:effectRef>
+            <a:fontRef idx="none"/>
+          </p:style>
+          <p:txBody>
+            <a:bodyPr rot="0" spcFirstLastPara="1" vertOverflow="overflow" horzOverflow="overflow" vert="horz" wrap="square" lIns="50800" tIns="50800" rIns="50800" bIns="50800" numCol="1" spcCol="38100" rtlCol="0" anchor="ctr">
+              <a:spAutoFit/>
+            </a:bodyPr>
+            <a:lstStyle/>
+            <a:p>
+              <a:pPr marL="0" marR="0" indent="0" algn="ctr" defTabSz="584200" rtl="0" fontAlgn="auto" latinLnBrk="1" hangingPunct="0">
+                <a:lnSpc>
+                  <a:spcPct val="100000"/>
+                </a:lnSpc>
+                <a:spcBef>
+                  <a:spcPts val="0"/>
+                </a:spcBef>
+                <a:spcAft>
+                  <a:spcPts val="0"/>
+                </a:spcAft>
+                <a:buClrTx/>
+                <a:buSzTx/>
+                <a:buFontTx/>
+                <a:buNone/>
+                <a:tabLst/>
+              </a:pPr>
+              <a:endParaRPr kumimoji="0" lang="en-US" sz="4000" b="0" i="0" u="none" strike="noStrike" cap="none" spc="0" normalizeH="0" baseline="0">
+                <a:ln>
+                  <a:noFill/>
+                </a:ln>
+                <a:solidFill>
+                  <a:srgbClr val="FFFFFF"/>
+                </a:solidFill>
+                <a:effectLst>
+                  <a:outerShdw blurRad="38100" dist="12700" dir="5400000" rotWithShape="0">
+                    <a:srgbClr val="000000">
+                      <a:alpha val="50000"/>
+                    </a:srgbClr>
+                  </a:outerShdw>
+                </a:effectLst>
+                <a:uFillTx/>
+                <a:latin typeface="Gill Sans"/>
+                <a:ea typeface="Gill Sans"/>
+                <a:cs typeface="Gill Sans"/>
+                <a:sym typeface="Gill Sans"/>
+              </a:endParaRPr>
+            </a:p>
+          </p:txBody>
+        </p:sp>
+        <p:sp>
+          <p:nvSpPr>
+            <p:cNvPr id="6" name="TextBox 5">
+              <a:extLst>
+                <a:ext uri="{FF2B5EF4-FFF2-40B4-BE49-F238E27FC236}">
+                  <a16:creationId xmlns:a16="http://schemas.microsoft.com/office/drawing/2014/main" id="{9AAA32AB-0D8A-2438-3D6B-E7A8AAD6A754}"/>
+                </a:ext>
+              </a:extLst>
+            </p:cNvPr>
+            <p:cNvSpPr txBox="1"/>
+            <p:nvPr/>
+          </p:nvSpPr>
+          <p:spPr>
+            <a:xfrm>
+              <a:off x="6568905" y="2570617"/>
+              <a:ext cx="4567868" cy="595035"/>
+            </a:xfrm>
+            <a:prstGeom prst="rect">
+              <a:avLst/>
+            </a:prstGeom>
+            <a:noFill/>
+            <a:ln w="12700" cap="flat">
+              <a:noFill/>
+              <a:miter lim="400000"/>
+            </a:ln>
+            <a:effectLst/>
+          </p:spPr>
+          <p:style>
+            <a:lnRef idx="0">
+              <a:scrgbClr r="0" g="0" b="0"/>
+            </a:lnRef>
+            <a:fillRef idx="0">
+              <a:scrgbClr r="0" g="0" b="0"/>
+            </a:fillRef>
+            <a:effectRef idx="0">
+              <a:scrgbClr r="0" g="0" b="0"/>
+            </a:effectRef>
+            <a:fontRef idx="none"/>
+          </p:style>
+          <p:txBody>
+            <a:bodyPr rot="0" spcFirstLastPara="1" vertOverflow="overflow" horzOverflow="overflow" vert="horz" wrap="square" lIns="50800" tIns="50800" rIns="50800" bIns="50800" numCol="1" spcCol="38100" rtlCol="0" anchor="ctr">
+              <a:spAutoFit/>
+            </a:bodyPr>
+            <a:lstStyle/>
+            <a:p>
+              <a:pPr algn="ctr" defTabSz="457200" latinLnBrk="1" hangingPunct="0"/>
+              <a:r>
+                <a:rPr lang="en-US" sz="3200" dirty="0">
+                  <a:solidFill>
+                    <a:srgbClr val="000000"/>
+                  </a:solidFill>
+                  <a:latin typeface="Helvetica"/>
+                  <a:ea typeface="Helvetica"/>
+                  <a:cs typeface="Helvetica"/>
+                  <a:sym typeface="Helvetica"/>
+                </a:rPr>
+                <a:t>Host</a:t>
+              </a:r>
+            </a:p>
+          </p:txBody>
+        </p:sp>
+      </p:grpSp>
+      <p:grpSp>
+        <p:nvGrpSpPr>
+          <p:cNvPr id="11" name="Group 10">
+            <a:extLst>
+              <a:ext uri="{FF2B5EF4-FFF2-40B4-BE49-F238E27FC236}">
+                <a16:creationId xmlns:a16="http://schemas.microsoft.com/office/drawing/2014/main" id="{A80AE0E8-72CE-7125-7040-98B24DEBC7B0}"/>
+              </a:ext>
+            </a:extLst>
+          </p:cNvPr>
+          <p:cNvGrpSpPr/>
+          <p:nvPr/>
+        </p:nvGrpSpPr>
+        <p:grpSpPr>
+          <a:xfrm>
+            <a:off x="8933489" y="2934737"/>
+            <a:ext cx="1829123" cy="1370221"/>
+            <a:chOff x="6568905" y="2570082"/>
+            <a:chExt cx="4567868" cy="1717836"/>
+          </a:xfrm>
+        </p:grpSpPr>
+        <p:sp>
+          <p:nvSpPr>
+            <p:cNvPr id="12" name="Rounded Rectangle 11">
+              <a:extLst>
+                <a:ext uri="{FF2B5EF4-FFF2-40B4-BE49-F238E27FC236}">
+                  <a16:creationId xmlns:a16="http://schemas.microsoft.com/office/drawing/2014/main" id="{DA2662B4-690D-94A7-2D58-C99D3391BE5B}"/>
+                </a:ext>
+              </a:extLst>
+            </p:cNvPr>
+            <p:cNvSpPr/>
+            <p:nvPr/>
+          </p:nvSpPr>
+          <p:spPr>
+            <a:xfrm>
+              <a:off x="6568906" y="2570082"/>
+              <a:ext cx="4567867" cy="1717836"/>
+            </a:xfrm>
+            <a:prstGeom prst="roundRect">
+              <a:avLst/>
+            </a:prstGeom>
+            <a:solidFill>
+              <a:schemeClr val="bg2"/>
+            </a:solidFill>
+            <a:ln w="25400" cap="flat">
+              <a:solidFill>
+                <a:srgbClr val="000000"/>
+              </a:solidFill>
+              <a:prstDash val="solid"/>
+              <a:miter lim="400000"/>
+            </a:ln>
+            <a:effectLst/>
+          </p:spPr>
+          <p:style>
+            <a:lnRef idx="0">
+              <a:scrgbClr r="0" g="0" b="0"/>
+            </a:lnRef>
+            <a:fillRef idx="0">
+              <a:scrgbClr r="0" g="0" b="0"/>
+            </a:fillRef>
+            <a:effectRef idx="0">
+              <a:scrgbClr r="0" g="0" b="0"/>
+            </a:effectRef>
+            <a:fontRef idx="none"/>
+          </p:style>
+          <p:txBody>
+            <a:bodyPr rot="0" spcFirstLastPara="1" vertOverflow="overflow" horzOverflow="overflow" vert="horz" wrap="square" lIns="50800" tIns="50800" rIns="50800" bIns="50800" numCol="1" spcCol="38100" rtlCol="0" anchor="ctr">
+              <a:spAutoFit/>
+            </a:bodyPr>
+            <a:lstStyle/>
+            <a:p>
+              <a:pPr marL="0" marR="0" indent="0" algn="ctr" defTabSz="584200" rtl="0" fontAlgn="auto" latinLnBrk="1" hangingPunct="0">
+                <a:lnSpc>
+                  <a:spcPct val="100000"/>
+                </a:lnSpc>
+                <a:spcBef>
+                  <a:spcPts val="0"/>
+                </a:spcBef>
+                <a:spcAft>
+                  <a:spcPts val="0"/>
+                </a:spcAft>
+                <a:buClrTx/>
+                <a:buSzTx/>
+                <a:buFontTx/>
+                <a:buNone/>
+                <a:tabLst/>
+              </a:pPr>
+              <a:endParaRPr kumimoji="0" lang="en-US" sz="4000" b="0" i="0" u="none" strike="noStrike" cap="none" spc="0" normalizeH="0" baseline="0">
+                <a:ln>
+                  <a:noFill/>
+                </a:ln>
+                <a:solidFill>
+                  <a:srgbClr val="FFFFFF"/>
+                </a:solidFill>
+                <a:effectLst>
+                  <a:outerShdw blurRad="38100" dist="12700" dir="5400000" rotWithShape="0">
+                    <a:srgbClr val="000000">
+                      <a:alpha val="50000"/>
+                    </a:srgbClr>
+                  </a:outerShdw>
+                </a:effectLst>
+                <a:uFillTx/>
+                <a:latin typeface="Gill Sans"/>
+                <a:ea typeface="Gill Sans"/>
+                <a:cs typeface="Gill Sans"/>
+                <a:sym typeface="Gill Sans"/>
+              </a:endParaRPr>
+            </a:p>
+          </p:txBody>
+        </p:sp>
+        <p:sp>
+          <p:nvSpPr>
+            <p:cNvPr id="13" name="TextBox 12">
+              <a:extLst>
+                <a:ext uri="{FF2B5EF4-FFF2-40B4-BE49-F238E27FC236}">
+                  <a16:creationId xmlns:a16="http://schemas.microsoft.com/office/drawing/2014/main" id="{FBC1F333-1554-DC16-FCD0-6A470DC594E9}"/>
+                </a:ext>
+              </a:extLst>
+            </p:cNvPr>
+            <p:cNvSpPr txBox="1"/>
+            <p:nvPr/>
+          </p:nvSpPr>
+          <p:spPr>
+            <a:xfrm>
+              <a:off x="6568905" y="3056004"/>
+              <a:ext cx="4567868" cy="745991"/>
+            </a:xfrm>
+            <a:prstGeom prst="rect">
+              <a:avLst/>
+            </a:prstGeom>
+            <a:noFill/>
+            <a:ln w="12700" cap="flat">
+              <a:noFill/>
+              <a:miter lim="400000"/>
+            </a:ln>
+            <a:effectLst/>
+          </p:spPr>
+          <p:style>
+            <a:lnRef idx="0">
+              <a:scrgbClr r="0" g="0" b="0"/>
+            </a:lnRef>
+            <a:fillRef idx="0">
+              <a:scrgbClr r="0" g="0" b="0"/>
+            </a:fillRef>
+            <a:effectRef idx="0">
+              <a:scrgbClr r="0" g="0" b="0"/>
+            </a:effectRef>
+            <a:fontRef idx="none"/>
+          </p:style>
+          <p:txBody>
+            <a:bodyPr rot="0" spcFirstLastPara="1" vertOverflow="overflow" horzOverflow="overflow" vert="horz" wrap="square" lIns="50800" tIns="50800" rIns="50800" bIns="50800" numCol="1" spcCol="38100" rtlCol="0" anchor="ctr">
+              <a:spAutoFit/>
+            </a:bodyPr>
+            <a:lstStyle/>
+            <a:p>
+              <a:pPr algn="ctr" defTabSz="457200" latinLnBrk="1" hangingPunct="0"/>
+              <a:r>
+                <a:rPr lang="en-US" sz="3200" dirty="0">
+                  <a:solidFill>
+                    <a:srgbClr val="000000"/>
+                  </a:solidFill>
+                  <a:latin typeface="Helvetica"/>
+                  <a:ea typeface="Helvetica"/>
+                  <a:cs typeface="Helvetica"/>
+                  <a:sym typeface="Helvetica"/>
+                </a:rPr>
+                <a:t>GPU</a:t>
+              </a:r>
+            </a:p>
+          </p:txBody>
+        </p:sp>
+      </p:grpSp>
+      <p:sp>
+        <p:nvSpPr>
+          <p:cNvPr id="17" name="TextBox 16">
+            <a:extLst>
+              <a:ext uri="{FF2B5EF4-FFF2-40B4-BE49-F238E27FC236}">
+                <a16:creationId xmlns:a16="http://schemas.microsoft.com/office/drawing/2014/main" id="{AB5DE1A1-E7FF-602A-ABDE-D627CD935F18}"/>
+              </a:ext>
+            </a:extLst>
+          </p:cNvPr>
+          <p:cNvSpPr txBox="1"/>
+          <p:nvPr/>
+        </p:nvSpPr>
+        <p:spPr>
+          <a:xfrm>
+            <a:off x="605604" y="986453"/>
+            <a:ext cx="5739778" cy="841256"/>
+          </a:xfrm>
+          <a:prstGeom prst="rect">
+            <a:avLst/>
+          </a:prstGeom>
+          <a:noFill/>
+          <a:ln w="12700" cap="flat">
+            <a:noFill/>
+            <a:miter lim="400000"/>
+          </a:ln>
+          <a:effectLst/>
+        </p:spPr>
+        <p:style>
+          <a:lnRef idx="0">
+            <a:scrgbClr r="0" g="0" b="0"/>
+          </a:lnRef>
+          <a:fillRef idx="0">
+            <a:scrgbClr r="0" g="0" b="0"/>
+          </a:fillRef>
+          <a:effectRef idx="0">
+            <a:scrgbClr r="0" g="0" b="0"/>
+          </a:effectRef>
+          <a:fontRef idx="none"/>
+        </p:style>
+        <p:txBody>
+          <a:bodyPr rot="0" spcFirstLastPara="1" vertOverflow="overflow" horzOverflow="overflow" vert="horz" wrap="square" lIns="50800" tIns="50800" rIns="50800" bIns="50800" numCol="1" spcCol="38100" rtlCol="0" anchor="ctr">
+            <a:spAutoFit/>
+          </a:bodyPr>
+          <a:lstStyle/>
+          <a:p>
+            <a:pPr marL="0" marR="0" indent="0" algn="l" defTabSz="457200" rtl="0" fontAlgn="auto" latinLnBrk="1" hangingPunct="0">
+              <a:lnSpc>
+                <a:spcPct val="100000"/>
+              </a:lnSpc>
+              <a:spcBef>
+                <a:spcPts val="0"/>
+              </a:spcBef>
+              <a:spcAft>
+                <a:spcPts val="0"/>
+              </a:spcAft>
+              <a:buClrTx/>
+              <a:buSzTx/>
+              <a:buFontTx/>
+              <a:buNone/>
+              <a:tabLst/>
+            </a:pPr>
+            <a:r>
+              <a:rPr kumimoji="0" lang="en-US" sz="2400" b="0" i="0" u="none" strike="noStrike" cap="none" spc="0" normalizeH="0" baseline="0" dirty="0">
+                <a:ln>
+                  <a:noFill/>
+                </a:ln>
+                <a:solidFill>
+                  <a:srgbClr val="000000"/>
+                </a:solidFill>
+                <a:effectLst/>
+                <a:uFillTx/>
+                <a:latin typeface="Helvetica"/>
+                <a:ea typeface="Helvetica"/>
+                <a:cs typeface="Helvetica"/>
+                <a:sym typeface="Helvetica"/>
+              </a:rPr>
+              <a:t>Host establishes</a:t>
+            </a:r>
+            <a:r>
+              <a:rPr kumimoji="0" lang="en-US" sz="2400" b="0" i="0" u="none" strike="noStrike" cap="none" spc="0" normalizeH="0" dirty="0">
+                <a:ln>
+                  <a:noFill/>
+                </a:ln>
+                <a:solidFill>
+                  <a:srgbClr val="000000"/>
+                </a:solidFill>
+                <a:effectLst/>
+                <a:uFillTx/>
+                <a:latin typeface="Helvetica"/>
+                <a:ea typeface="Helvetica"/>
+                <a:cs typeface="Helvetica"/>
+                <a:sym typeface="Helvetica"/>
+              </a:rPr>
+              <a:t> layer to give instructions to and receive feedback from the device</a:t>
+            </a:r>
+            <a:endParaRPr kumimoji="0" lang="en-US" sz="2400" b="0" i="0" u="none" strike="noStrike" cap="none" spc="0" normalizeH="0" baseline="0" dirty="0">
+              <a:ln>
+                <a:noFill/>
+              </a:ln>
+              <a:solidFill>
+                <a:srgbClr val="000000"/>
+              </a:solidFill>
+              <a:effectLst/>
+              <a:uFillTx/>
+              <a:latin typeface="Helvetica"/>
+              <a:ea typeface="Helvetica"/>
+              <a:cs typeface="Helvetica"/>
+              <a:sym typeface="Helvetica"/>
+            </a:endParaRPr>
+          </a:p>
+        </p:txBody>
+      </p:sp>
+      <p:cxnSp>
+        <p:nvCxnSpPr>
+          <p:cNvPr id="19" name="Straight Connector 18">
+            <a:extLst>
+              <a:ext uri="{FF2B5EF4-FFF2-40B4-BE49-F238E27FC236}">
+                <a16:creationId xmlns:a16="http://schemas.microsoft.com/office/drawing/2014/main" id="{B20E87B6-502B-3D3B-9931-F5F14C950A0E}"/>
+              </a:ext>
+            </a:extLst>
+          </p:cNvPr>
+          <p:cNvCxnSpPr>
+            <a:cxnSpLocks/>
             <a:stCxn id="5" idx="3"/>
             <a:endCxn id="13" idx="1"/>
           </p:cNvCxnSpPr>
@@ -15523,10 +17229,10 @@
       </p:grpSp>
       <p:sp>
         <p:nvSpPr>
-          <p:cNvPr id="24" name="Rounded Rectangle 23">
+          <p:cNvPr id="25" name="Rounded Rectangle 24">
             <a:extLst>
               <a:ext uri="{FF2B5EF4-FFF2-40B4-BE49-F238E27FC236}">
-                <a16:creationId xmlns:a16="http://schemas.microsoft.com/office/drawing/2014/main" id="{18CDEC4A-1B9E-D927-2A7B-27329764D602}"/>
+                <a16:creationId xmlns:a16="http://schemas.microsoft.com/office/drawing/2014/main" id="{EB539E83-0D8B-240F-A229-EBDDBA31C2B1}"/>
               </a:ext>
             </a:extLst>
           </p:cNvPr>
@@ -15535,17 +17241,15 @@
         </p:nvSpPr>
         <p:spPr>
           <a:xfrm>
-            <a:off x="8963022" y="4047391"/>
-            <a:ext cx="1770056" cy="794544"/>
+            <a:off x="833405" y="4183598"/>
+            <a:ext cx="1373520" cy="522129"/>
           </a:xfrm>
           <a:prstGeom prst="roundRect">
             <a:avLst/>
           </a:prstGeom>
-          <a:blipFill rotWithShape="1">
-            <a:blip r:embed="rId3"/>
-            <a:srcRect/>
-            <a:tile tx="0" ty="0" sx="100000" sy="100000" flip="none" algn="tl"/>
-          </a:blipFill>
+          <a:solidFill>
+            <a:schemeClr val="accent1"/>
+          </a:solidFill>
           <a:ln w="25400" cap="flat">
             <a:solidFill>
               <a:srgbClr val="000000"/>
@@ -15590,7 +17294,7 @@
               <a:tabLst/>
             </a:pPr>
             <a:r>
-              <a:rPr kumimoji="0" lang="en-US" sz="4000" b="0" i="0" u="none" strike="noStrike" cap="none" spc="0" normalizeH="0" baseline="0" dirty="0">
+              <a:rPr kumimoji="0" lang="en-US" sz="2400" b="0" i="0" u="none" strike="noStrike" cap="none" spc="0" normalizeH="0" baseline="0" dirty="0">
                 <a:ln>
                   <a:noFill/>
                 </a:ln>
@@ -15605,106 +17309,12 @@
                   </a:outerShdw>
                 </a:effectLst>
                 <a:uFillTx/>
-                <a:latin typeface="Gill Sans"/>
+                <a:latin typeface="Helvetica" pitchFamily="2" charset="0"/>
                 <a:ea typeface="Gill Sans"/>
                 <a:cs typeface="Gill Sans"/>
                 <a:sym typeface="Gill Sans"/>
               </a:rPr>
-              <a:t>Mem</a:t>
-            </a:r>
-          </a:p>
-        </p:txBody>
-      </p:sp>
-      <p:sp>
-        <p:nvSpPr>
-          <p:cNvPr id="25" name="Rounded Rectangle 24">
-            <a:extLst>
-              <a:ext uri="{FF2B5EF4-FFF2-40B4-BE49-F238E27FC236}">
-                <a16:creationId xmlns:a16="http://schemas.microsoft.com/office/drawing/2014/main" id="{EB539E83-0D8B-240F-A229-EBDDBA31C2B1}"/>
-              </a:ext>
-            </a:extLst>
-          </p:cNvPr>
-          <p:cNvSpPr/>
-          <p:nvPr/>
-        </p:nvSpPr>
-        <p:spPr>
-          <a:xfrm>
-            <a:off x="635137" y="4047391"/>
-            <a:ext cx="1770056" cy="794544"/>
-          </a:xfrm>
-          <a:prstGeom prst="roundRect">
-            <a:avLst/>
-          </a:prstGeom>
-          <a:blipFill rotWithShape="1">
-            <a:blip r:embed="rId3"/>
-            <a:srcRect/>
-            <a:tile tx="0" ty="0" sx="100000" sy="100000" flip="none" algn="tl"/>
-          </a:blipFill>
-          <a:ln w="25400" cap="flat">
-            <a:solidFill>
-              <a:srgbClr val="000000"/>
-            </a:solidFill>
-            <a:prstDash val="solid"/>
-            <a:miter lim="400000"/>
-          </a:ln>
-          <a:effectLst/>
-        </p:spPr>
-        <p:style>
-          <a:lnRef idx="0">
-            <a:scrgbClr r="0" g="0" b="0"/>
-          </a:lnRef>
-          <a:fillRef idx="0">
-            <a:scrgbClr r="0" g="0" b="0"/>
-          </a:fillRef>
-          <a:effectRef idx="0">
-            <a:scrgbClr r="0" g="0" b="0"/>
-          </a:effectRef>
-          <a:fontRef idx="none"/>
-        </p:style>
-        <p:txBody>
-          <a:bodyPr rot="0" spcFirstLastPara="1" vertOverflow="overflow" horzOverflow="overflow" vert="horz" wrap="square" lIns="50800" tIns="50800" rIns="50800" bIns="50800" numCol="1" spcCol="38100" rtlCol="0" anchor="ctr">
-            <a:spAutoFit/>
-          </a:bodyPr>
-          <a:lstStyle/>
-          <a:p>
-            <a:pPr marL="0" marR="0" indent="0" algn="ctr" defTabSz="584200" rtl="0" fontAlgn="auto" latinLnBrk="1" hangingPunct="0">
-              <a:lnSpc>
-                <a:spcPct val="100000"/>
-              </a:lnSpc>
-              <a:spcBef>
-                <a:spcPts val="0"/>
-              </a:spcBef>
-              <a:spcAft>
-                <a:spcPts val="0"/>
-              </a:spcAft>
-              <a:buClrTx/>
-              <a:buSzTx/>
-              <a:buFontTx/>
-              <a:buNone/>
-              <a:tabLst/>
-            </a:pPr>
-            <a:r>
-              <a:rPr kumimoji="0" lang="en-US" sz="4000" b="0" i="0" u="none" strike="noStrike" cap="none" spc="0" normalizeH="0" baseline="0" dirty="0">
-                <a:ln>
-                  <a:noFill/>
-                </a:ln>
-                <a:solidFill>
-                  <a:srgbClr val="FFFFFF"/>
-                </a:solidFill>
-                <a:effectLst>
-                  <a:outerShdw blurRad="38100" dist="12700" dir="5400000" rotWithShape="0">
-                    <a:srgbClr val="000000">
-                      <a:alpha val="50000"/>
-                    </a:srgbClr>
-                  </a:outerShdw>
-                </a:effectLst>
-                <a:uFillTx/>
-                <a:latin typeface="Gill Sans"/>
-                <a:ea typeface="Gill Sans"/>
-                <a:cs typeface="Gill Sans"/>
-                <a:sym typeface="Gill Sans"/>
-              </a:rPr>
-              <a:t>Mem</a:t>
+              <a:t>Memory</a:t>
             </a:r>
           </a:p>
         </p:txBody>
@@ -15803,13 +17413,105 @@
           </a:p>
         </p:txBody>
       </p:sp>
+      <p:sp>
+        <p:nvSpPr>
+          <p:cNvPr id="8" name="Rounded Rectangle 7">
+            <a:extLst>
+              <a:ext uri="{FF2B5EF4-FFF2-40B4-BE49-F238E27FC236}">
+                <a16:creationId xmlns:a16="http://schemas.microsoft.com/office/drawing/2014/main" id="{C20AC861-E617-EADE-FC89-FFD96F326C23}"/>
+              </a:ext>
+            </a:extLst>
+          </p:cNvPr>
+          <p:cNvSpPr/>
+          <p:nvPr/>
+        </p:nvSpPr>
+        <p:spPr>
+          <a:xfrm>
+            <a:off x="9161290" y="4183598"/>
+            <a:ext cx="1373520" cy="522129"/>
+          </a:xfrm>
+          <a:prstGeom prst="roundRect">
+            <a:avLst/>
+          </a:prstGeom>
+          <a:solidFill>
+            <a:schemeClr val="accent1"/>
+          </a:solidFill>
+          <a:ln w="25400" cap="flat">
+            <a:solidFill>
+              <a:srgbClr val="000000"/>
+            </a:solidFill>
+            <a:prstDash val="solid"/>
+            <a:miter lim="400000"/>
+          </a:ln>
+          <a:effectLst/>
+        </p:spPr>
+        <p:style>
+          <a:lnRef idx="0">
+            <a:scrgbClr r="0" g="0" b="0"/>
+          </a:lnRef>
+          <a:fillRef idx="0">
+            <a:scrgbClr r="0" g="0" b="0"/>
+          </a:fillRef>
+          <a:effectRef idx="0">
+            <a:scrgbClr r="0" g="0" b="0"/>
+          </a:effectRef>
+          <a:fontRef idx="none"/>
+        </p:style>
+        <p:txBody>
+          <a:bodyPr rot="0" spcFirstLastPara="1" vertOverflow="overflow" horzOverflow="overflow" vert="horz" wrap="square" lIns="50800" tIns="50800" rIns="50800" bIns="50800" numCol="1" spcCol="38100" rtlCol="0" anchor="ctr">
+            <a:spAutoFit/>
+          </a:bodyPr>
+          <a:lstStyle/>
+          <a:p>
+            <a:pPr marL="0" marR="0" indent="0" algn="ctr" defTabSz="584200" rtl="0" fontAlgn="auto" latinLnBrk="1" hangingPunct="0">
+              <a:lnSpc>
+                <a:spcPct val="100000"/>
+              </a:lnSpc>
+              <a:spcBef>
+                <a:spcPts val="0"/>
+              </a:spcBef>
+              <a:spcAft>
+                <a:spcPts val="0"/>
+              </a:spcAft>
+              <a:buClrTx/>
+              <a:buSzTx/>
+              <a:buFontTx/>
+              <a:buNone/>
+              <a:tabLst/>
+            </a:pPr>
+            <a:r>
+              <a:rPr kumimoji="0" lang="en-US" sz="2400" b="0" i="0" u="none" strike="noStrike" cap="none" spc="0" normalizeH="0" baseline="0" dirty="0">
+                <a:ln>
+                  <a:noFill/>
+                </a:ln>
+                <a:solidFill>
+                  <a:srgbClr val="FFFFFF"/>
+                </a:solidFill>
+                <a:effectLst>
+                  <a:outerShdw blurRad="38100" dist="12700" dir="5400000" rotWithShape="0">
+                    <a:srgbClr val="000000">
+                      <a:alpha val="50000"/>
+                    </a:srgbClr>
+                  </a:outerShdw>
+                </a:effectLst>
+                <a:uFillTx/>
+                <a:latin typeface="Helvetica" pitchFamily="2" charset="0"/>
+                <a:ea typeface="Gill Sans"/>
+                <a:cs typeface="Gill Sans"/>
+                <a:sym typeface="Gill Sans"/>
+              </a:rPr>
+              <a:t>Memory</a:t>
+            </a:r>
+          </a:p>
+        </p:txBody>
+      </p:sp>
     </p:spTree>
     <p:custDataLst>
       <p:tags r:id="rId1"/>
     </p:custDataLst>
     <p:extLst>
       <p:ext uri="{BB962C8B-B14F-4D97-AF65-F5344CB8AC3E}">
-        <p14:creationId xmlns:p14="http://schemas.microsoft.com/office/powerpoint/2010/main" val="703463710"/>
+        <p14:creationId xmlns:p14="http://schemas.microsoft.com/office/powerpoint/2010/main" val="126473200"/>
       </p:ext>
     </p:extLst>
   </p:cSld>
@@ -15841,14 +17543,163 @@
                             </p:stCondLst>
                             <p:childTnLst>
                               <p:par>
-                                <p:cTn id="5" presetID="10" presetClass="exit" presetSubtype="0" fill="hold" nodeType="withEffect">
+                                <p:cTn id="5" presetID="10" presetClass="entr" presetSubtype="0" fill="hold" nodeType="afterEffect">
                                   <p:stCondLst>
-                                    <p:cond delay="0"/>
+                                    <p:cond delay="2000"/>
+                                  </p:stCondLst>
+                                  <p:childTnLst>
+                                    <p:set>
+                                      <p:cBhvr>
+                                        <p:cTn id="6" dur="1" fill="hold">
+                                          <p:stCondLst>
+                                            <p:cond delay="0"/>
+                                          </p:stCondLst>
+                                        </p:cTn>
+                                        <p:tgtEl>
+                                          <p:spTgt spid="3"/>
+                                        </p:tgtEl>
+                                        <p:attrNameLst>
+                                          <p:attrName>style.visibility</p:attrName>
+                                        </p:attrNameLst>
+                                      </p:cBhvr>
+                                      <p:to>
+                                        <p:strVal val="visible"/>
+                                      </p:to>
+                                    </p:set>
+                                    <p:animEffect transition="in" filter="fade">
+                                      <p:cBhvr>
+                                        <p:cTn id="7" dur="500"/>
+                                        <p:tgtEl>
+                                          <p:spTgt spid="3"/>
+                                        </p:tgtEl>
+                                      </p:cBhvr>
+                                    </p:animEffect>
+                                  </p:childTnLst>
+                                </p:cTn>
+                              </p:par>
+                              <p:par>
+                                <p:cTn id="8" presetID="10" presetClass="entr" presetSubtype="0" fill="hold" nodeType="withEffect">
+                                  <p:stCondLst>
+                                    <p:cond delay="2000"/>
+                                  </p:stCondLst>
+                                  <p:childTnLst>
+                                    <p:set>
+                                      <p:cBhvr>
+                                        <p:cTn id="9" dur="1" fill="hold">
+                                          <p:stCondLst>
+                                            <p:cond delay="0"/>
+                                          </p:stCondLst>
+                                        </p:cTn>
+                                        <p:tgtEl>
+                                          <p:spTgt spid="7"/>
+                                        </p:tgtEl>
+                                        <p:attrNameLst>
+                                          <p:attrName>style.visibility</p:attrName>
+                                        </p:attrNameLst>
+                                      </p:cBhvr>
+                                      <p:to>
+                                        <p:strVal val="visible"/>
+                                      </p:to>
+                                    </p:set>
+                                    <p:animEffect transition="in" filter="fade">
+                                      <p:cBhvr>
+                                        <p:cTn id="10" dur="500"/>
+                                        <p:tgtEl>
+                                          <p:spTgt spid="7"/>
+                                        </p:tgtEl>
+                                      </p:cBhvr>
+                                    </p:animEffect>
+                                  </p:childTnLst>
+                                </p:cTn>
+                              </p:par>
+                              <p:par>
+                                <p:cTn id="11" presetID="10" presetClass="entr" presetSubtype="0" fill="hold" grpId="0" nodeType="withEffect">
+                                  <p:stCondLst>
+                                    <p:cond delay="2000"/>
+                                  </p:stCondLst>
+                                  <p:childTnLst>
+                                    <p:set>
+                                      <p:cBhvr>
+                                        <p:cTn id="12" dur="1" fill="hold">
+                                          <p:stCondLst>
+                                            <p:cond delay="0"/>
+                                          </p:stCondLst>
+                                        </p:cTn>
+                                        <p:tgtEl>
+                                          <p:spTgt spid="25"/>
+                                        </p:tgtEl>
+                                        <p:attrNameLst>
+                                          <p:attrName>style.visibility</p:attrName>
+                                        </p:attrNameLst>
+                                      </p:cBhvr>
+                                      <p:to>
+                                        <p:strVal val="visible"/>
+                                      </p:to>
+                                    </p:set>
+                                    <p:animEffect transition="in" filter="fade">
+                                      <p:cBhvr>
+                                        <p:cTn id="13" dur="500"/>
+                                        <p:tgtEl>
+                                          <p:spTgt spid="25"/>
+                                        </p:tgtEl>
+                                      </p:cBhvr>
+                                    </p:animEffect>
+                                  </p:childTnLst>
+                                </p:cTn>
+                              </p:par>
+                              <p:par>
+                                <p:cTn id="14" presetID="10" presetClass="entr" presetSubtype="0" fill="hold" grpId="0" nodeType="withEffect">
+                                  <p:stCondLst>
+                                    <p:cond delay="2000"/>
+                                  </p:stCondLst>
+                                  <p:childTnLst>
+                                    <p:set>
+                                      <p:cBhvr>
+                                        <p:cTn id="15" dur="1" fill="hold">
+                                          <p:stCondLst>
+                                            <p:cond delay="0"/>
+                                          </p:stCondLst>
+                                        </p:cTn>
+                                        <p:tgtEl>
+                                          <p:spTgt spid="8"/>
+                                        </p:tgtEl>
+                                        <p:attrNameLst>
+                                          <p:attrName>style.visibility</p:attrName>
+                                        </p:attrNameLst>
+                                      </p:cBhvr>
+                                      <p:to>
+                                        <p:strVal val="visible"/>
+                                      </p:to>
+                                    </p:set>
+                                    <p:animEffect transition="in" filter="fade">
+                                      <p:cBhvr>
+                                        <p:cTn id="16" dur="500"/>
+                                        <p:tgtEl>
+                                          <p:spTgt spid="8"/>
+                                        </p:tgtEl>
+                                      </p:cBhvr>
+                                    </p:animEffect>
+                                  </p:childTnLst>
+                                </p:cTn>
+                              </p:par>
+                            </p:childTnLst>
+                          </p:cTn>
+                        </p:par>
+                        <p:par>
+                          <p:cTn id="17" fill="hold">
+                            <p:stCondLst>
+                              <p:cond delay="2500"/>
+                            </p:stCondLst>
+                            <p:childTnLst>
+                              <p:par>
+                                <p:cTn id="18" presetID="10" presetClass="exit" presetSubtype="0" fill="hold" nodeType="afterEffect">
+                                  <p:stCondLst>
+                                    <p:cond delay="2000"/>
                                   </p:stCondLst>
                                   <p:childTnLst>
                                     <p:animEffect transition="out" filter="fade">
                                       <p:cBhvr>
-                                        <p:cTn id="6" dur="500"/>
+                                        <p:cTn id="19" dur="500"/>
                                         <p:tgtEl>
                                           <p:spTgt spid="19"/>
                                         </p:tgtEl>
@@ -15856,7 +17707,7 @@
                                     </p:animEffect>
                                     <p:set>
                                       <p:cBhvr>
-                                        <p:cTn id="7" dur="1" fill="hold">
+                                        <p:cTn id="20" dur="1" fill="hold">
                                           <p:stCondLst>
                                             <p:cond delay="499"/>
                                           </p:stCondLst>
@@ -15875,56 +17726,30 @@
                                   </p:childTnLst>
                                 </p:cTn>
                               </p:par>
+                            </p:childTnLst>
+                          </p:cTn>
+                        </p:par>
+                        <p:par>
+                          <p:cTn id="21" fill="hold">
+                            <p:stCondLst>
+                              <p:cond delay="5000"/>
+                            </p:stCondLst>
+                            <p:childTnLst>
                               <p:par>
-                                <p:cTn id="8" presetID="10" presetClass="exit" presetSubtype="0" fill="hold" nodeType="withEffect">
+                                <p:cTn id="22" presetID="10" presetClass="entr" presetSubtype="0" fill="hold" grpId="0" nodeType="afterEffect">
                                   <p:stCondLst>
-                                    <p:cond delay="0"/>
-                                  </p:stCondLst>
-                                  <p:childTnLst>
-                                    <p:animEffect transition="out" filter="fade">
-                                      <p:cBhvr>
-                                        <p:cTn id="9" dur="500"/>
-                                        <p:tgtEl>
-                                          <p:spTgt spid="11"/>
-                                        </p:tgtEl>
-                                      </p:cBhvr>
-                                    </p:animEffect>
-                                    <p:set>
-                                      <p:cBhvr>
-                                        <p:cTn id="10" dur="1" fill="hold">
-                                          <p:stCondLst>
-                                            <p:cond delay="499"/>
-                                          </p:stCondLst>
-                                        </p:cTn>
-                                        <p:tgtEl>
-                                          <p:spTgt spid="11"/>
-                                        </p:tgtEl>
-                                        <p:attrNameLst>
-                                          <p:attrName>style.visibility</p:attrName>
-                                        </p:attrNameLst>
-                                      </p:cBhvr>
-                                      <p:to>
-                                        <p:strVal val="hidden"/>
-                                      </p:to>
-                                    </p:set>
-                                  </p:childTnLst>
-                                </p:cTn>
-                              </p:par>
-                              <p:par>
-                                <p:cTn id="11" presetID="10" presetClass="entr" presetSubtype="0" fill="hold" nodeType="withEffect">
-                                  <p:stCondLst>
-                                    <p:cond delay="0"/>
+                                    <p:cond delay="2000"/>
                                   </p:stCondLst>
                                   <p:childTnLst>
                                     <p:set>
                                       <p:cBhvr>
-                                        <p:cTn id="12" dur="1" fill="hold">
+                                        <p:cTn id="23" dur="1" fill="hold">
                                           <p:stCondLst>
                                             <p:cond delay="0"/>
                                           </p:stCondLst>
                                         </p:cTn>
                                         <p:tgtEl>
-                                          <p:spTgt spid="7"/>
+                                          <p:spTgt spid="26"/>
                                         </p:tgtEl>
                                         <p:attrNameLst>
                                           <p:attrName>style.visibility</p:attrName>
@@ -15936,9 +17761,9 @@
                                     </p:set>
                                     <p:animEffect transition="in" filter="fade">
                                       <p:cBhvr>
-                                        <p:cTn id="13" dur="500"/>
+                                        <p:cTn id="24" dur="500"/>
                                         <p:tgtEl>
-                                          <p:spTgt spid="7"/>
+                                          <p:spTgt spid="26"/>
                                         </p:tgtEl>
                                       </p:cBhvr>
                                     </p:animEffect>
@@ -15972,11 +17797,16 @@
         </p:cTn>
       </p:par>
     </p:tnLst>
+    <p:bldLst>
+      <p:bldP spid="25" grpId="0" animBg="1"/>
+      <p:bldP spid="26" grpId="0" animBg="1"/>
+      <p:bldP spid="8" grpId="0" animBg="1"/>
+    </p:bldLst>
   </p:timing>
 </p:sld>
 </file>
 
-<file path=ppt/slides/slide12.xml><?xml version="1.0" encoding="utf-8"?>
+<file path=ppt/slides/slide13.xml><?xml version="1.0" encoding="utf-8"?>
 <p:sld xmlns:a="http://schemas.openxmlformats.org/drawingml/2006/main" xmlns:r="http://schemas.openxmlformats.org/officeDocument/2006/relationships" xmlns:p="http://schemas.openxmlformats.org/presentationml/2006/main">
   <p:cSld>
     <p:spTree>
@@ -16088,7 +17918,7 @@
                 <a:tabLst/>
                 <a:defRPr/>
               </a:pPr>
-              <a:t>12</a:t>
+              <a:t>13</a:t>
             </a:fld>
             <a:endParaRPr kumimoji="0" lang="en-US" sz="1265" b="0" i="0" u="none" strike="noStrike" kern="0" cap="none" spc="0" normalizeH="0" baseline="0" noProof="0">
               <a:ln>
@@ -17390,7 +19220,7 @@
 </p:sld>
 </file>
 
-<file path=ppt/slides/slide13.xml><?xml version="1.0" encoding="utf-8"?>
+<file path=ppt/slides/slide14.xml><?xml version="1.0" encoding="utf-8"?>
 <p:sld xmlns:a="http://schemas.openxmlformats.org/drawingml/2006/main" xmlns:r="http://schemas.openxmlformats.org/officeDocument/2006/relationships" xmlns:p="http://schemas.openxmlformats.org/presentationml/2006/main">
   <p:cSld>
     <p:spTree>
@@ -17753,318 +19583,6 @@
                 <a:ea typeface="Gill Sans Light"/>
               </a:rPr>
               <a:t>Queues	</a:t>
-            </a:r>
-            <a:endParaRPr lang="en-US" sz="4000" b="0" strike="noStrike" spc="-1">
-              <a:solidFill>
-                <a:srgbClr val="191EA2"/>
-              </a:solidFill>
-              <a:latin typeface="Arial"/>
-            </a:endParaRPr>
-          </a:p>
-        </p:txBody>
-      </p:sp>
-    </p:spTree>
-  </p:cSld>
-  <p:clrMapOvr>
-    <a:masterClrMapping/>
-  </p:clrMapOvr>
-  <p:timing>
-    <p:tnLst>
-      <p:par>
-        <p:cTn id="1" dur="indefinite" restart="never" nodeType="tmRoot">
-          <p:childTnLst>
-            <p:seq>
-              <p:cTn id="2" dur="indefinite" nodeType="mainSeq"/>
-              <p:prevCondLst>
-                <p:cond evt="onPrev" delay="0">
-                  <p:tgtEl>
-                    <p:sldTgt/>
-                  </p:tgtEl>
-                </p:cond>
-              </p:prevCondLst>
-              <p:nextCondLst>
-                <p:cond evt="onNext" delay="0">
-                  <p:tgtEl>
-                    <p:sldTgt/>
-                  </p:tgtEl>
-                </p:cond>
-              </p:nextCondLst>
-            </p:seq>
-          </p:childTnLst>
-        </p:cTn>
-      </p:par>
-    </p:tnLst>
-  </p:timing>
-</p:sld>
-</file>
-
-<file path=ppt/slides/slide14.xml><?xml version="1.0" encoding="utf-8"?>
-<p:sld xmlns:a="http://schemas.openxmlformats.org/drawingml/2006/main" xmlns:r="http://schemas.openxmlformats.org/officeDocument/2006/relationships" xmlns:p="http://schemas.openxmlformats.org/presentationml/2006/main">
-  <p:cSld>
-    <p:spTree>
-      <p:nvGrpSpPr>
-        <p:cNvPr id="1" name=""/>
-        <p:cNvGrpSpPr/>
-        <p:nvPr/>
-      </p:nvGrpSpPr>
-      <p:grpSpPr>
-        <a:xfrm>
-          <a:off x="0" y="0"/>
-          <a:ext cx="0" cy="0"/>
-          <a:chOff x="0" y="0"/>
-          <a:chExt cx="0" cy="0"/>
-        </a:xfrm>
-      </p:grpSpPr>
-      <p:sp>
-        <p:nvSpPr>
-          <p:cNvPr id="171" name="TextShape 1"/>
-          <p:cNvSpPr txBox="1"/>
-          <p:nvPr/>
-        </p:nvSpPr>
-        <p:spPr>
-          <a:xfrm>
-            <a:off x="271440" y="1116000"/>
-            <a:ext cx="11657520" cy="5078520"/>
-          </a:xfrm>
-          <a:prstGeom prst="rect">
-            <a:avLst/>
-          </a:prstGeom>
-          <a:noFill/>
-          <a:ln w="12600">
-            <a:noFill/>
-          </a:ln>
-        </p:spPr>
-        <p:txBody>
-          <a:bodyPr lIns="0" tIns="0" rIns="0" bIns="0"/>
-          <a:lstStyle/>
-          <a:p>
-            <a:pPr marL="432000" indent="-324000">
-              <a:spcBef>
-                <a:spcPts val="1417"/>
-              </a:spcBef>
-              <a:buClr>
-                <a:srgbClr val="000000"/>
-              </a:buClr>
-              <a:buSzPct val="45000"/>
-              <a:buFont typeface="Wingdings" charset="2"/>
-              <a:buChar char=""/>
-            </a:pPr>
-            <a:r>
-              <a:rPr lang="en-US" sz="2800" b="0" strike="noStrike" spc="-1">
-                <a:solidFill>
-                  <a:srgbClr val="191EA2"/>
-                </a:solidFill>
-                <a:latin typeface="Arial"/>
-              </a:rPr>
-              <a:t> </a:t>
-            </a:r>
-          </a:p>
-          <a:p>
-            <a:pPr marL="1296000" lvl="2" indent="-288000">
-              <a:spcBef>
-                <a:spcPts val="850"/>
-              </a:spcBef>
-              <a:buClr>
-                <a:srgbClr val="000000"/>
-              </a:buClr>
-              <a:buSzPct val="45000"/>
-              <a:buFont typeface="Wingdings" charset="2"/>
-              <a:buChar char=""/>
-            </a:pPr>
-            <a:r>
-              <a:rPr lang="en-US" sz="1800" b="0" strike="noStrike" spc="-1">
-                <a:solidFill>
-                  <a:srgbClr val="000000"/>
-                </a:solidFill>
-                <a:latin typeface="Arial"/>
-              </a:rPr>
-              <a:t>auto q = sycl::queue(sycl::default_selector()); </a:t>
-            </a:r>
-            <a:r>
-              <a:rPr lang="en-US" sz="1800" b="0" strike="noStrike" spc="-1">
-                <a:solidFill>
-                  <a:srgbClr val="00A65D"/>
-                </a:solidFill>
-                <a:latin typeface="Arial"/>
-              </a:rPr>
-              <a:t>//select default device for queue (CPU usually)</a:t>
-            </a:r>
-            <a:endParaRPr lang="en-US" sz="1800" b="0" strike="noStrike" spc="-1">
-              <a:solidFill>
-                <a:srgbClr val="7030A0"/>
-              </a:solidFill>
-              <a:latin typeface="Arial"/>
-            </a:endParaRPr>
-          </a:p>
-          <a:p>
-            <a:pPr marL="1296000" lvl="2" indent="-288000">
-              <a:spcBef>
-                <a:spcPts val="850"/>
-              </a:spcBef>
-              <a:buClr>
-                <a:srgbClr val="000000"/>
-              </a:buClr>
-              <a:buSzPct val="45000"/>
-              <a:buFont typeface="Wingdings" charset="2"/>
-              <a:buChar char=""/>
-            </a:pPr>
-            <a:r>
-              <a:rPr lang="en-US" sz="1800" b="0" strike="noStrike" spc="-1">
-                <a:solidFill>
-                  <a:srgbClr val="000000"/>
-                </a:solidFill>
-                <a:latin typeface="Arial"/>
-              </a:rPr>
-              <a:t>q.submit([&amp;](sycl::handler &amp;cgh) { auto os = sycl::stream{128, 128, cgh}; </a:t>
-            </a:r>
-            <a:r>
-              <a:rPr lang="en-US" sz="1800" b="0" strike="noStrike" spc="-1">
-                <a:solidFill>
-                  <a:srgbClr val="00A65D"/>
-                </a:solidFill>
-                <a:latin typeface="Arial"/>
-              </a:rPr>
-              <a:t>//define the queue interface</a:t>
-            </a:r>
-            <a:endParaRPr lang="en-US" sz="1800" b="0" strike="noStrike" spc="-1">
-              <a:solidFill>
-                <a:srgbClr val="7030A0"/>
-              </a:solidFill>
-              <a:latin typeface="Arial"/>
-            </a:endParaRPr>
-          </a:p>
-          <a:p>
-            <a:pPr marL="1296000" lvl="2" indent="-288000">
-              <a:spcBef>
-                <a:spcPts val="850"/>
-              </a:spcBef>
-              <a:buClr>
-                <a:srgbClr val="000000"/>
-              </a:buClr>
-              <a:buSzPct val="45000"/>
-              <a:buFont typeface="Wingdings" charset="2"/>
-              <a:buChar char=""/>
-            </a:pPr>
-            <a:r>
-              <a:rPr lang="en-US" sz="1800" b="0" strike="noStrike" spc="-1">
-                <a:solidFill>
-                  <a:srgbClr val="000000"/>
-                </a:solidFill>
-                <a:latin typeface="Arial"/>
-              </a:rPr>
-              <a:t>cgh.single_task&lt;class hello_world&gt;([=] { os &lt;&lt; "Hello World!\n"; }) </a:t>
-            </a:r>
-            <a:r>
-              <a:rPr lang="en-US" sz="1800" b="0" strike="noStrike" spc="-1">
-                <a:solidFill>
-                  <a:srgbClr val="00A65D"/>
-                </a:solidFill>
-                <a:latin typeface="Arial"/>
-              </a:rPr>
-              <a:t>//submit task to queue</a:t>
-            </a:r>
-            <a:endParaRPr lang="en-US" sz="1800" b="0" strike="noStrike" spc="-1">
-              <a:solidFill>
-                <a:srgbClr val="7030A0"/>
-              </a:solidFill>
-              <a:latin typeface="Arial"/>
-            </a:endParaRPr>
-          </a:p>
-          <a:p>
-            <a:pPr marL="864000" lvl="1" indent="-324000">
-              <a:spcBef>
-                <a:spcPts val="1134"/>
-              </a:spcBef>
-              <a:buClr>
-                <a:srgbClr val="000000"/>
-              </a:buClr>
-              <a:buSzPct val="75000"/>
-              <a:buFont typeface="Symbol" charset="2"/>
-              <a:buChar char=""/>
-            </a:pPr>
-            <a:r>
-              <a:rPr lang="en-US" sz="1800" b="0" strike="noStrike" spc="-1">
-                <a:solidFill>
-                  <a:srgbClr val="000000"/>
-                </a:solidFill>
-                <a:latin typeface="Arial"/>
-              </a:rPr>
-              <a:t> 	q.wait(); </a:t>
-            </a:r>
-            <a:r>
-              <a:rPr lang="en-US" sz="1800" b="0" strike="noStrike" spc="-1">
-                <a:solidFill>
-                  <a:srgbClr val="00A65D"/>
-                </a:solidFill>
-                <a:latin typeface="Arial"/>
-              </a:rPr>
-              <a:t>//wait for all queued tasks to finish</a:t>
-            </a:r>
-            <a:endParaRPr lang="en-US" sz="1800" b="0" strike="noStrike" spc="-1">
-              <a:solidFill>
-                <a:srgbClr val="000000"/>
-              </a:solidFill>
-              <a:latin typeface="Arial"/>
-            </a:endParaRPr>
-          </a:p>
-          <a:p>
-            <a:pPr marL="432000" indent="-324000">
-              <a:spcBef>
-                <a:spcPts val="1417"/>
-              </a:spcBef>
-              <a:buClr>
-                <a:srgbClr val="000000"/>
-              </a:buClr>
-              <a:buSzPct val="45000"/>
-              <a:buFont typeface="Wingdings" charset="2"/>
-              <a:buChar char=""/>
-            </a:pPr>
-            <a:endParaRPr lang="en-US" sz="1800" b="0" strike="noStrike" spc="-1">
-              <a:solidFill>
-                <a:srgbClr val="191EA2"/>
-              </a:solidFill>
-              <a:latin typeface="Arial"/>
-            </a:endParaRPr>
-          </a:p>
-        </p:txBody>
-      </p:sp>
-      <p:sp>
-        <p:nvSpPr>
-          <p:cNvPr id="172" name="TextShape 2"/>
-          <p:cNvSpPr txBox="1"/>
-          <p:nvPr/>
-        </p:nvSpPr>
-        <p:spPr>
-          <a:xfrm>
-            <a:off x="1526760" y="0"/>
-            <a:ext cx="9414720" cy="865800"/>
-          </a:xfrm>
-          <a:prstGeom prst="rect">
-            <a:avLst/>
-          </a:prstGeom>
-          <a:noFill/>
-          <a:ln w="12600">
-            <a:noFill/>
-          </a:ln>
-        </p:spPr>
-        <p:txBody>
-          <a:bodyPr lIns="127080" tIns="127080" rIns="127080" bIns="127080" anchor="ctr"/>
-          <a:lstStyle/>
-          <a:p>
-            <a:pPr>
-              <a:lnSpc>
-                <a:spcPct val="100000"/>
-              </a:lnSpc>
-            </a:pPr>
-            <a:r>
-              <a:rPr lang="en-US" sz="4000" b="1" strike="noStrike" spc="-1">
-                <a:solidFill>
-                  <a:srgbClr val="191EA2"/>
-                </a:solidFill>
-                <a:latin typeface="Arial"/>
-                <a:ea typeface="Gill Sans Light"/>
-              </a:rPr>
-              <a:t>Queues Example	</a:t>
             </a:r>
             <a:endParaRPr lang="en-US" sz="4000" b="0" strike="noStrike" spc="-1">
               <a:solidFill>
@@ -18129,7 +19647,7 @@
       </p:grpSpPr>
       <p:sp>
         <p:nvSpPr>
-          <p:cNvPr id="173" name="TextShape 1"/>
+          <p:cNvPr id="171" name="TextShape 1"/>
           <p:cNvSpPr txBox="1"/>
           <p:nvPr/>
         </p:nvSpPr>
@@ -18150,93 +19668,58 @@
           <a:bodyPr lIns="0" tIns="0" rIns="0" bIns="0"/>
           <a:lstStyle/>
           <a:p>
-            <a:pPr marL="457200" indent="-401400">
-              <a:lnSpc>
-                <a:spcPct val="100000"/>
-              </a:lnSpc>
-              <a:spcBef>
-                <a:spcPts val="601"/>
+            <a:pPr marL="432000" indent="-324000">
+              <a:spcBef>
+                <a:spcPts val="1417"/>
               </a:spcBef>
               <a:buClr>
                 <a:srgbClr val="000000"/>
               </a:buClr>
+              <a:buSzPct val="45000"/>
               <a:buFont typeface="Wingdings" charset="2"/>
-              <a:buChar char=""/>
+              <a:buChar char=""/>
             </a:pPr>
             <a:r>
-              <a:rPr lang="en-US" sz="2400" b="0" strike="noStrike" spc="-1">
+              <a:rPr lang="en-US" sz="2800" b="0" strike="noStrike" spc="-1">
                 <a:solidFill>
                   <a:srgbClr val="191EA2"/>
                 </a:solidFill>
                 <a:latin typeface="Arial"/>
-                <a:ea typeface="Gill Sans Light"/>
               </a:rPr>
-              <a:t>Data abstractions of a certain C++ type</a:t>
-            </a:r>
-            <a:endParaRPr lang="en-US" sz="2400" b="0" strike="noStrike" spc="-1">
-              <a:solidFill>
-                <a:srgbClr val="191EA2"/>
-              </a:solidFill>
-              <a:latin typeface="Arial"/>
-            </a:endParaRPr>
-          </a:p>
-          <a:p>
-            <a:pPr marL="743040" lvl="1" indent="-280800">
-              <a:lnSpc>
-                <a:spcPct val="100000"/>
-              </a:lnSpc>
-              <a:spcBef>
-                <a:spcPts val="300"/>
-              </a:spcBef>
-              <a:buClr>
-                <a:srgbClr val="191EA2"/>
-              </a:buClr>
-              <a:buSzPct val="50000"/>
-              <a:buFont typeface="Wingdings" charset="2"/>
-              <a:buChar char=""/>
-            </a:pPr>
-            <a:r>
-              <a:rPr lang="en-US" sz="2000" b="0" strike="noStrike" spc="-1">
-                <a:solidFill>
-                  <a:srgbClr val="191EA2"/>
-                </a:solidFill>
-                <a:latin typeface="Arial"/>
-                <a:ea typeface="Gill Sans Light"/>
-              </a:rPr>
-              <a:t>Can be scalar data types, vectors, or other user-defined class/structure</a:t>
-            </a:r>
-            <a:endParaRPr lang="en-US" sz="2000" b="0" strike="noStrike" spc="-1">
-              <a:solidFill>
-                <a:srgbClr val="000000"/>
-              </a:solidFill>
-              <a:latin typeface="Arial"/>
-            </a:endParaRPr>
-          </a:p>
-          <a:p>
-            <a:pPr marL="1085760" lvl="2" indent="-282240">
-              <a:lnSpc>
-                <a:spcPct val="100000"/>
-              </a:lnSpc>
-              <a:spcBef>
-                <a:spcPts val="300"/>
+              <a:t> </a:t>
+            </a:r>
+          </a:p>
+          <a:p>
+            <a:pPr marL="1296000" lvl="2" indent="-288000">
+              <a:spcBef>
+                <a:spcPts val="850"/>
               </a:spcBef>
               <a:buClr>
                 <a:srgbClr val="000000"/>
               </a:buClr>
+              <a:buSzPct val="45000"/>
               <a:buFont typeface="Wingdings" charset="2"/>
-              <a:buChar char=""/>
+              <a:buChar char=""/>
             </a:pPr>
             <a:r>
-              <a:rPr lang="en-US" sz="1600" b="0" strike="noStrike" spc="-1">
+              <a:rPr lang="en-US" sz="1800" b="0" strike="noStrike" spc="-1">
                 <a:solidFill>
                   <a:srgbClr val="000000"/>
                 </a:solidFill>
                 <a:latin typeface="Arial"/>
-                <a:ea typeface="Gill Sans Light"/>
               </a:rPr>
-              <a:t>Must not require the use of copy constructors for copying</a:t>
-            </a:r>
-            <a:endParaRPr lang="en-US" sz="1600" b="0" strike="noStrike" spc="-1">
+              <a:t>auto q = sycl::queue(sycl::default_selector()); </a:t>
+            </a:r>
+            <a:r>
+              <a:rPr lang="en-US" sz="1800" b="0" strike="noStrike" spc="-1">
+                <a:solidFill>
+                  <a:srgbClr val="00A65D"/>
+                </a:solidFill>
+                <a:latin typeface="Arial"/>
+              </a:rPr>
+              <a:t>//select default device for queue (CPU usually)</a:t>
+            </a:r>
+            <a:endParaRPr lang="en-US" sz="1800" b="0" strike="noStrike" spc="-1">
               <a:solidFill>
                 <a:srgbClr val="7030A0"/>
               </a:solidFill>
@@ -18244,324 +19727,129 @@
             </a:endParaRPr>
           </a:p>
           <a:p>
-            <a:pPr marL="457200" indent="-401400">
-              <a:lnSpc>
-                <a:spcPct val="100000"/>
-              </a:lnSpc>
-              <a:spcBef>
-                <a:spcPts val="601"/>
+            <a:pPr marL="1296000" lvl="2" indent="-288000">
+              <a:spcBef>
+                <a:spcPts val="850"/>
               </a:spcBef>
               <a:buClr>
                 <a:srgbClr val="000000"/>
               </a:buClr>
+              <a:buSzPct val="45000"/>
               <a:buFont typeface="Wingdings" charset="2"/>
-              <a:buChar char=""/>
+              <a:buChar char=""/>
             </a:pPr>
             <a:r>
-              <a:rPr lang="en-US" sz="2400" b="0" strike="noStrike" spc="-1">
+              <a:rPr lang="en-US" sz="1800" b="0" strike="noStrike" spc="-1">
                 <a:solidFill>
                   <a:srgbClr val="000000"/>
                 </a:solidFill>
                 <a:latin typeface="Arial"/>
-                <a:ea typeface="Gill Sans Light"/>
               </a:rPr>
-              <a:t>Represent data objects, not memory addresses</a:t>
-            </a:r>
-            <a:endParaRPr lang="en-US" sz="2400" b="0" strike="noStrike" spc="-1">
-              <a:solidFill>
-                <a:srgbClr val="191EA2"/>
+              <a:t>q.submit([&amp;](sycl::handler &amp;cgh) { auto os = sycl::stream{128, 128, cgh}; </a:t>
+            </a:r>
+            <a:r>
+              <a:rPr lang="en-US" sz="1800" b="0" strike="noStrike" spc="-1">
+                <a:solidFill>
+                  <a:srgbClr val="00A65D"/>
+                </a:solidFill>
+                <a:latin typeface="Arial"/>
+              </a:rPr>
+              <a:t>//define the queue interface</a:t>
+            </a:r>
+            <a:endParaRPr lang="en-US" sz="1800" b="0" strike="noStrike" spc="-1">
+              <a:solidFill>
+                <a:srgbClr val="7030A0"/>
               </a:solidFill>
               <a:latin typeface="Arial"/>
             </a:endParaRPr>
           </a:p>
           <a:p>
-            <a:pPr marL="743040" lvl="1" indent="-280800">
-              <a:lnSpc>
-                <a:spcPct val="100000"/>
-              </a:lnSpc>
-              <a:spcBef>
-                <a:spcPts val="300"/>
-              </a:spcBef>
-              <a:buClr>
-                <a:srgbClr val="191EA2"/>
-              </a:buClr>
-              <a:buSzPct val="50000"/>
-              <a:buFont typeface="Wingdings" charset="2"/>
-              <a:buChar char=""/>
-            </a:pPr>
-            <a:r>
-              <a:rPr lang="en-US" sz="2000" b="0" strike="noStrike" spc="-1">
-                <a:solidFill>
-                  <a:srgbClr val="191EA2"/>
-                </a:solidFill>
-                <a:latin typeface="Arial"/>
-                <a:ea typeface="Gill Sans Light"/>
-              </a:rPr>
-              <a:t>Cannot be accessed like C++ arrays</a:t>
-            </a:r>
-            <a:endParaRPr lang="en-US" sz="2000" b="0" strike="noStrike" spc="-1">
-              <a:solidFill>
-                <a:srgbClr val="000000"/>
-              </a:solidFill>
-              <a:latin typeface="Arial"/>
-            </a:endParaRPr>
-          </a:p>
-          <a:p>
-            <a:pPr marL="743040" lvl="1" indent="-280800">
-              <a:lnSpc>
-                <a:spcPct val="100000"/>
-              </a:lnSpc>
-              <a:spcBef>
-                <a:spcPts val="300"/>
-              </a:spcBef>
-              <a:buClr>
-                <a:srgbClr val="191EA2"/>
-              </a:buClr>
-              <a:buSzPct val="50000"/>
-              <a:buFont typeface="Wingdings" charset="2"/>
-              <a:buChar char=""/>
-            </a:pPr>
-            <a:r>
-              <a:rPr lang="en-US" sz="2000" b="0" i="1" strike="noStrike" spc="-1">
-                <a:solidFill>
-                  <a:srgbClr val="191EA2"/>
-                </a:solidFill>
-                <a:latin typeface="Arial"/>
-                <a:ea typeface="Gill Sans Light"/>
-              </a:rPr>
-              <a:t>Accessors</a:t>
-            </a:r>
-            <a:r>
-              <a:rPr lang="en-US" sz="2000" b="0" strike="noStrike" spc="-1">
-                <a:solidFill>
-                  <a:srgbClr val="191EA2"/>
-                </a:solidFill>
-                <a:latin typeface="Arial"/>
-                <a:ea typeface="Gill Sans Light"/>
-              </a:rPr>
-              <a:t> must be used to read from and write to buffers</a:t>
-            </a:r>
-            <a:endParaRPr lang="en-US" sz="2000" b="0" strike="noStrike" spc="-1">
-              <a:solidFill>
-                <a:srgbClr val="000000"/>
-              </a:solidFill>
-              <a:latin typeface="Arial"/>
-            </a:endParaRPr>
-          </a:p>
-          <a:p>
-            <a:pPr marL="457200" indent="-401400">
-              <a:lnSpc>
-                <a:spcPct val="100000"/>
-              </a:lnSpc>
-              <a:spcBef>
-                <a:spcPts val="601"/>
+            <a:pPr marL="1296000" lvl="2" indent="-288000">
+              <a:spcBef>
+                <a:spcPts val="850"/>
               </a:spcBef>
               <a:buClr>
                 <a:srgbClr val="000000"/>
               </a:buClr>
+              <a:buSzPct val="45000"/>
               <a:buFont typeface="Wingdings" charset="2"/>
-              <a:buChar char=""/>
+              <a:buChar char=""/>
             </a:pPr>
             <a:r>
-              <a:rPr lang="en-US" sz="2400" b="0" strike="noStrike" spc="-1">
-                <a:solidFill>
-                  <a:srgbClr val="191EA2"/>
+              <a:rPr lang="en-US" sz="1800" b="0" strike="noStrike" spc="-1">
+                <a:solidFill>
+                  <a:srgbClr val="000000"/>
                 </a:solidFill>
                 <a:latin typeface="Arial"/>
-                <a:ea typeface="Gill Sans Light"/>
               </a:rPr>
-              <a:t>A single buffer may be distributed across multiple locations</a:t>
-            </a:r>
-            <a:endParaRPr lang="en-US" sz="2400" b="0" strike="noStrike" spc="-1">
-              <a:solidFill>
-                <a:srgbClr val="191EA2"/>
+              <a:t>cgh.single_task&lt;class hello_world&gt;([=] { os &lt;&lt; "Hello World!\n"; }) </a:t>
+            </a:r>
+            <a:r>
+              <a:rPr lang="en-US" sz="1800" b="0" strike="noStrike" spc="-1">
+                <a:solidFill>
+                  <a:srgbClr val="00A65D"/>
+                </a:solidFill>
+                <a:latin typeface="Arial"/>
+              </a:rPr>
+              <a:t>//submit task to queue</a:t>
+            </a:r>
+            <a:endParaRPr lang="en-US" sz="1800" b="0" strike="noStrike" spc="-1">
+              <a:solidFill>
+                <a:srgbClr val="7030A0"/>
               </a:solidFill>
               <a:latin typeface="Arial"/>
             </a:endParaRPr>
           </a:p>
           <a:p>
-            <a:pPr marL="743040" lvl="1" indent="-280800">
-              <a:lnSpc>
-                <a:spcPct val="100000"/>
-              </a:lnSpc>
-              <a:spcBef>
-                <a:spcPts val="300"/>
-              </a:spcBef>
-              <a:buClr>
-                <a:srgbClr val="191EA2"/>
-              </a:buClr>
-              <a:buSzPct val="50000"/>
-              <a:buFont typeface="Wingdings" charset="2"/>
-              <a:buChar char=""/>
-            </a:pPr>
-            <a:r>
-              <a:rPr lang="en-US" sz="2000" b="0" strike="noStrike" spc="-1">
-                <a:solidFill>
-                  <a:srgbClr val="191EA2"/>
-                </a:solidFill>
-                <a:latin typeface="Arial"/>
-                <a:ea typeface="Gill Sans Light"/>
-              </a:rPr>
-              <a:t>Between discrete memory locations and devices</a:t>
-            </a:r>
-            <a:endParaRPr lang="en-US" sz="2000" b="0" strike="noStrike" spc="-1">
-              <a:solidFill>
-                <a:srgbClr val="000000"/>
-              </a:solidFill>
-              <a:latin typeface="Arial"/>
-            </a:endParaRPr>
-          </a:p>
-          <a:p>
-            <a:pPr marL="457200" indent="-401400">
-              <a:lnSpc>
-                <a:spcPct val="100000"/>
-              </a:lnSpc>
-              <a:spcBef>
-                <a:spcPts val="601"/>
+            <a:pPr marL="864000" lvl="1" indent="-324000">
+              <a:spcBef>
+                <a:spcPts val="1134"/>
               </a:spcBef>
               <a:buClr>
                 <a:srgbClr val="000000"/>
               </a:buClr>
-              <a:buFont typeface="Wingdings" charset="2"/>
-              <a:buChar char=""/>
+              <a:buSzPct val="75000"/>
+              <a:buFont typeface="Symbol" charset="2"/>
+              <a:buChar char=""/>
             </a:pPr>
             <a:r>
-              <a:rPr lang="en-US" sz="2400" b="0" strike="noStrike" spc="-1">
-                <a:solidFill>
-                  <a:srgbClr val="191EA2"/>
+              <a:rPr lang="en-US" sz="1800" b="0" strike="noStrike" spc="-1">
+                <a:solidFill>
+                  <a:srgbClr val="000000"/>
                 </a:solidFill>
                 <a:latin typeface="Arial"/>
-                <a:ea typeface="Gill Sans Light"/>
               </a:rPr>
-              <a:t>An empty buffer may be created by specifying a range for size</a:t>
-            </a:r>
-            <a:endParaRPr lang="en-US" sz="2400" b="0" strike="noStrike" spc="-1">
-              <a:solidFill>
-                <a:srgbClr val="191EA2"/>
+              <a:t> 	q.wait(); </a:t>
+            </a:r>
+            <a:r>
+              <a:rPr lang="en-US" sz="1800" b="0" strike="noStrike" spc="-1">
+                <a:solidFill>
+                  <a:srgbClr val="00A65D"/>
+                </a:solidFill>
+                <a:latin typeface="Arial"/>
+              </a:rPr>
+              <a:t>//wait for all queued tasks to finish</a:t>
+            </a:r>
+            <a:endParaRPr lang="en-US" sz="1800" b="0" strike="noStrike" spc="-1">
+              <a:solidFill>
+                <a:srgbClr val="000000"/>
               </a:solidFill>
               <a:latin typeface="Arial"/>
             </a:endParaRPr>
           </a:p>
           <a:p>
-            <a:pPr marL="743040" lvl="1" indent="-280800">
-              <a:lnSpc>
-                <a:spcPct val="100000"/>
-              </a:lnSpc>
-              <a:spcBef>
-                <a:spcPts val="300"/>
-              </a:spcBef>
-              <a:buClr>
-                <a:srgbClr val="191EA2"/>
-              </a:buClr>
-              <a:buSzPct val="50000"/>
-              <a:buFont typeface="Wingdings" charset="2"/>
-              <a:buChar char=""/>
-            </a:pPr>
-            <a:r>
-              <a:rPr lang="en-US" sz="2000" b="0" strike="noStrike" spc="-1">
-                <a:solidFill>
-                  <a:srgbClr val="191EA2"/>
-                </a:solidFill>
-                <a:latin typeface="Arial"/>
-                <a:ea typeface="Gill Sans Light"/>
-              </a:rPr>
-              <a:t>Data must later be initialized before the buffer can be read from</a:t>
-            </a:r>
-            <a:endParaRPr lang="en-US" sz="2000" b="0" strike="noStrike" spc="-1">
-              <a:solidFill>
-                <a:srgbClr val="000000"/>
-              </a:solidFill>
-              <a:latin typeface="Arial"/>
-            </a:endParaRPr>
-          </a:p>
-          <a:p>
-            <a:pPr marL="457200" indent="-401400">
-              <a:lnSpc>
-                <a:spcPct val="100000"/>
-              </a:lnSpc>
-              <a:spcBef>
-                <a:spcPts val="601"/>
+            <a:pPr marL="432000" indent="-324000">
+              <a:spcBef>
+                <a:spcPts val="1417"/>
               </a:spcBef>
               <a:buClr>
                 <a:srgbClr val="000000"/>
               </a:buClr>
+              <a:buSzPct val="45000"/>
               <a:buFont typeface="Wingdings" charset="2"/>
-              <a:buChar char=""/>
+              <a:buChar char=""/>
             </a:pPr>
-            <a:r>
-              <a:rPr lang="en-US" sz="2400" b="0" strike="noStrike" spc="-1">
-                <a:solidFill>
-                  <a:srgbClr val="191EA2"/>
-                </a:solidFill>
-                <a:latin typeface="Arial"/>
-                <a:ea typeface="Gill Sans Light"/>
-              </a:rPr>
-              <a:t>Existing host data may be used to initialize a new buffer</a:t>
-            </a:r>
-            <a:endParaRPr lang="en-US" sz="2400" b="0" strike="noStrike" spc="-1">
-              <a:solidFill>
-                <a:srgbClr val="191EA2"/>
-              </a:solidFill>
-              <a:latin typeface="Arial"/>
-            </a:endParaRPr>
-          </a:p>
-          <a:p>
-            <a:pPr marL="743040" lvl="1" indent="-280800">
-              <a:lnSpc>
-                <a:spcPct val="100000"/>
-              </a:lnSpc>
-              <a:spcBef>
-                <a:spcPts val="300"/>
-              </a:spcBef>
-              <a:buClr>
-                <a:srgbClr val="191EA2"/>
-              </a:buClr>
-              <a:buSzPct val="50000"/>
-              <a:buFont typeface="Wingdings" charset="2"/>
-              <a:buChar char=""/>
-            </a:pPr>
-            <a:r>
-              <a:rPr lang="en-US" sz="2000" b="0" strike="noStrike" spc="-1">
-                <a:solidFill>
-                  <a:srgbClr val="191EA2"/>
-                </a:solidFill>
-                <a:latin typeface="Arial"/>
-                <a:ea typeface="Gill Sans Light"/>
-              </a:rPr>
-              <a:t>Accomplished by invoking a constructor that takes a pointer to an existing host allocation</a:t>
-            </a:r>
-            <a:endParaRPr lang="en-US" sz="2000" b="0" strike="noStrike" spc="-1">
-              <a:solidFill>
-                <a:srgbClr val="000000"/>
-              </a:solidFill>
-              <a:latin typeface="Arial"/>
-            </a:endParaRPr>
-          </a:p>
-          <a:p>
-            <a:pPr marL="457200" indent="-401400">
-              <a:lnSpc>
-                <a:spcPct val="100000"/>
-              </a:lnSpc>
-              <a:spcBef>
-                <a:spcPts val="601"/>
-              </a:spcBef>
-              <a:buClr>
-                <a:srgbClr val="000000"/>
-              </a:buClr>
-              <a:buFont typeface="Wingdings" charset="2"/>
-              <a:buChar char=""/>
-            </a:pPr>
-            <a:r>
-              <a:rPr lang="en-US" sz="2400" b="0" strike="noStrike" spc="-1">
-                <a:solidFill>
-                  <a:srgbClr val="191EA2"/>
-                </a:solidFill>
-                <a:latin typeface="Arial"/>
-                <a:ea typeface="Gill Sans Light"/>
-              </a:rPr>
-              <a:t>May also be created from existing cl_mem objects if using OpenCL compatibility</a:t>
-            </a:r>
-            <a:endParaRPr lang="en-US" sz="2400" b="0" strike="noStrike" spc="-1">
+            <a:endParaRPr lang="en-US" sz="1800" b="0" strike="noStrike" spc="-1">
               <a:solidFill>
                 <a:srgbClr val="191EA2"/>
               </a:solidFill>
@@ -18572,7 +19860,7 @@
       </p:sp>
       <p:sp>
         <p:nvSpPr>
-          <p:cNvPr id="174" name="TextShape 2"/>
+          <p:cNvPr id="172" name="TextShape 2"/>
           <p:cNvSpPr txBox="1"/>
           <p:nvPr/>
         </p:nvSpPr>
@@ -18606,7 +19894,7 @@
                 <a:latin typeface="Arial"/>
                 <a:ea typeface="Gill Sans Light"/>
               </a:rPr>
-              <a:t>Buffers</a:t>
+              <a:t>Queues Example	</a:t>
             </a:r>
             <a:endParaRPr lang="en-US" sz="4000" b="0" strike="noStrike" spc="-1">
               <a:solidFill>
@@ -18671,7 +19959,7 @@
       </p:grpSpPr>
       <p:sp>
         <p:nvSpPr>
-          <p:cNvPr id="175" name="TextShape 1"/>
+          <p:cNvPr id="173" name="TextShape 1"/>
           <p:cNvSpPr txBox="1"/>
           <p:nvPr/>
         </p:nvSpPr>
@@ -18692,214 +19980,429 @@
           <a:bodyPr lIns="0" tIns="0" rIns="0" bIns="0"/>
           <a:lstStyle/>
           <a:p>
-            <a:pPr marL="432000" indent="-324000">
-              <a:spcBef>
-                <a:spcPts val="1417"/>
+            <a:pPr marL="457200" indent="-401400">
+              <a:lnSpc>
+                <a:spcPct val="100000"/>
+              </a:lnSpc>
+              <a:spcBef>
+                <a:spcPts val="601"/>
               </a:spcBef>
               <a:buClr>
                 <a:srgbClr val="000000"/>
               </a:buClr>
-              <a:buSzPct val="45000"/>
               <a:buFont typeface="Wingdings" charset="2"/>
-              <a:buChar char=""/>
+              <a:buChar char=""/>
             </a:pPr>
             <a:r>
-              <a:rPr lang="en-US" sz="1800" b="0" strike="noStrike" spc="-1">
-                <a:solidFill>
-                  <a:srgbClr val="00A65D"/>
+              <a:rPr lang="en-US" sz="2400" b="0" strike="noStrike" spc="-1">
+                <a:solidFill>
+                  <a:srgbClr val="191EA2"/>
                 </a:solidFill>
                 <a:latin typeface="Arial"/>
+                <a:ea typeface="Gill Sans Light"/>
               </a:rPr>
-              <a:t>// Create a buffer of 2x5 ints using the default allocator</a:t>
-            </a:r>
-            <a:endParaRPr lang="en-US" sz="1800" b="0" strike="noStrike" spc="-1">
-              <a:solidFill>
-                <a:srgbClr val="000000"/>
+              <a:t>Data abstractions of a certain C++ type</a:t>
+            </a:r>
+            <a:endParaRPr lang="en-US" sz="2400" b="0" strike="noStrike" spc="-1">
+              <a:solidFill>
+                <a:srgbClr val="191EA2"/>
               </a:solidFill>
               <a:latin typeface="Arial"/>
             </a:endParaRPr>
           </a:p>
           <a:p>
-            <a:pPr marL="432000" indent="-324000">
-              <a:spcBef>
-                <a:spcPts val="1417"/>
+            <a:pPr marL="743040" lvl="1" indent="-280800">
+              <a:lnSpc>
+                <a:spcPct val="100000"/>
+              </a:lnSpc>
+              <a:spcBef>
+                <a:spcPts val="300"/>
+              </a:spcBef>
+              <a:buClr>
+                <a:srgbClr val="191EA2"/>
+              </a:buClr>
+              <a:buSzPct val="50000"/>
+              <a:buFont typeface="Wingdings" charset="2"/>
+              <a:buChar char=""/>
+            </a:pPr>
+            <a:r>
+              <a:rPr lang="en-US" sz="2000" b="0" strike="noStrike" spc="-1">
+                <a:solidFill>
+                  <a:srgbClr val="191EA2"/>
+                </a:solidFill>
+                <a:latin typeface="Arial"/>
+                <a:ea typeface="Gill Sans Light"/>
+              </a:rPr>
+              <a:t>Can be scalar data types, vectors, or other user-defined class/structure</a:t>
+            </a:r>
+            <a:endParaRPr lang="en-US" sz="2000" b="0" strike="noStrike" spc="-1">
+              <a:solidFill>
+                <a:srgbClr val="000000"/>
+              </a:solidFill>
+              <a:latin typeface="Arial"/>
+            </a:endParaRPr>
+          </a:p>
+          <a:p>
+            <a:pPr marL="1085760" lvl="2" indent="-282240">
+              <a:lnSpc>
+                <a:spcPct val="100000"/>
+              </a:lnSpc>
+              <a:spcBef>
+                <a:spcPts val="300"/>
               </a:spcBef>
               <a:buClr>
                 <a:srgbClr val="000000"/>
               </a:buClr>
-              <a:buSzPct val="45000"/>
               <a:buFont typeface="Wingdings" charset="2"/>
-              <a:buChar char=""/>
+              <a:buChar char=""/>
             </a:pPr>
             <a:r>
-              <a:rPr lang="en-US" sz="1800" b="0" strike="noStrike" spc="-1">
+              <a:rPr lang="en-US" sz="1600" b="0" strike="noStrike" spc="-1">
                 <a:solidFill>
                   <a:srgbClr val="000000"/>
                 </a:solidFill>
                 <a:latin typeface="Arial"/>
+                <a:ea typeface="Gill Sans Light"/>
               </a:rPr>
-              <a:t>buffer&lt;int, 2, buffer_allocator&gt; b1{range&lt;2&gt;{2, 5}};</a:t>
-            </a:r>
-          </a:p>
-          <a:p>
-            <a:pPr marL="432000" indent="-324000">
-              <a:spcBef>
-                <a:spcPts val="1417"/>
+              <a:t>Must not require the use of copy constructors for copying</a:t>
+            </a:r>
+            <a:endParaRPr lang="en-US" sz="1600" b="0" strike="noStrike" spc="-1">
+              <a:solidFill>
+                <a:srgbClr val="7030A0"/>
+              </a:solidFill>
+              <a:latin typeface="Arial"/>
+            </a:endParaRPr>
+          </a:p>
+          <a:p>
+            <a:pPr marL="457200" indent="-401400">
+              <a:lnSpc>
+                <a:spcPct val="100000"/>
+              </a:lnSpc>
+              <a:spcBef>
+                <a:spcPts val="601"/>
               </a:spcBef>
               <a:buClr>
                 <a:srgbClr val="000000"/>
               </a:buClr>
-              <a:buSzPct val="45000"/>
               <a:buFont typeface="Wingdings" charset="2"/>
-              <a:buChar char=""/>
+              <a:buChar char=""/>
             </a:pPr>
             <a:r>
-              <a:rPr lang="en-US" sz="1800" b="0" strike="noStrike" spc="-1">
+              <a:rPr lang="en-US" sz="2400" b="0" strike="noStrike" spc="-1">
                 <a:solidFill>
                   <a:srgbClr val="000000"/>
                 </a:solidFill>
                 <a:latin typeface="Arial"/>
+                <a:ea typeface="Gill Sans Light"/>
               </a:rPr>
-              <a:t>// Create a buffer of 2x5 ints using the default allocator and CTAD for range</a:t>
-            </a:r>
-          </a:p>
-          <a:p>
-            <a:pPr marL="432000" indent="-324000">
-              <a:spcBef>
-                <a:spcPts val="1417"/>
+              <a:t>Represent data objects, not memory addresses</a:t>
+            </a:r>
+            <a:endParaRPr lang="en-US" sz="2400" b="0" strike="noStrike" spc="-1">
+              <a:solidFill>
+                <a:srgbClr val="191EA2"/>
+              </a:solidFill>
+              <a:latin typeface="Arial"/>
+            </a:endParaRPr>
+          </a:p>
+          <a:p>
+            <a:pPr marL="743040" lvl="1" indent="-280800">
+              <a:lnSpc>
+                <a:spcPct val="100000"/>
+              </a:lnSpc>
+              <a:spcBef>
+                <a:spcPts val="300"/>
+              </a:spcBef>
+              <a:buClr>
+                <a:srgbClr val="191EA2"/>
+              </a:buClr>
+              <a:buSzPct val="50000"/>
+              <a:buFont typeface="Wingdings" charset="2"/>
+              <a:buChar char=""/>
+            </a:pPr>
+            <a:r>
+              <a:rPr lang="en-US" sz="2000" b="0" strike="noStrike" spc="-1">
+                <a:solidFill>
+                  <a:srgbClr val="191EA2"/>
+                </a:solidFill>
+                <a:latin typeface="Arial"/>
+                <a:ea typeface="Gill Sans Light"/>
+              </a:rPr>
+              <a:t>Cannot be accessed like C++ arrays</a:t>
+            </a:r>
+            <a:endParaRPr lang="en-US" sz="2000" b="0" strike="noStrike" spc="-1">
+              <a:solidFill>
+                <a:srgbClr val="000000"/>
+              </a:solidFill>
+              <a:latin typeface="Arial"/>
+            </a:endParaRPr>
+          </a:p>
+          <a:p>
+            <a:pPr marL="743040" lvl="1" indent="-280800">
+              <a:lnSpc>
+                <a:spcPct val="100000"/>
+              </a:lnSpc>
+              <a:spcBef>
+                <a:spcPts val="300"/>
+              </a:spcBef>
+              <a:buClr>
+                <a:srgbClr val="191EA2"/>
+              </a:buClr>
+              <a:buSzPct val="50000"/>
+              <a:buFont typeface="Wingdings" charset="2"/>
+              <a:buChar char=""/>
+            </a:pPr>
+            <a:r>
+              <a:rPr lang="en-US" sz="2000" b="0" i="1" strike="noStrike" spc="-1">
+                <a:solidFill>
+                  <a:srgbClr val="191EA2"/>
+                </a:solidFill>
+                <a:latin typeface="Arial"/>
+                <a:ea typeface="Gill Sans Light"/>
+              </a:rPr>
+              <a:t>Accessors</a:t>
+            </a:r>
+            <a:r>
+              <a:rPr lang="en-US" sz="2000" b="0" strike="noStrike" spc="-1">
+                <a:solidFill>
+                  <a:srgbClr val="191EA2"/>
+                </a:solidFill>
+                <a:latin typeface="Arial"/>
+                <a:ea typeface="Gill Sans Light"/>
+              </a:rPr>
+              <a:t> must be used to read from and write to buffers</a:t>
+            </a:r>
+            <a:endParaRPr lang="en-US" sz="2000" b="0" strike="noStrike" spc="-1">
+              <a:solidFill>
+                <a:srgbClr val="000000"/>
+              </a:solidFill>
+              <a:latin typeface="Arial"/>
+            </a:endParaRPr>
+          </a:p>
+          <a:p>
+            <a:pPr marL="457200" indent="-401400">
+              <a:lnSpc>
+                <a:spcPct val="100000"/>
+              </a:lnSpc>
+              <a:spcBef>
+                <a:spcPts val="601"/>
               </a:spcBef>
               <a:buClr>
                 <a:srgbClr val="000000"/>
               </a:buClr>
-              <a:buSzPct val="45000"/>
               <a:buFont typeface="Wingdings" charset="2"/>
-              <a:buChar char=""/>
+              <a:buChar char=""/>
             </a:pPr>
             <a:r>
-              <a:rPr lang="en-US" sz="1800" b="0" strike="noStrike" spc="-1">
-                <a:solidFill>
-                  <a:srgbClr val="000000"/>
+              <a:rPr lang="en-US" sz="2400" b="0" strike="noStrike" spc="-1">
+                <a:solidFill>
+                  <a:srgbClr val="191EA2"/>
                 </a:solidFill>
                 <a:latin typeface="Arial"/>
+                <a:ea typeface="Gill Sans Light"/>
               </a:rPr>
-              <a:t>buffer&lt;int, 2&gt; b2{range{2, 5}};</a:t>
-            </a:r>
-          </a:p>
-          <a:p>
-            <a:pPr marL="432000" indent="-324000">
-              <a:spcBef>
-                <a:spcPts val="1417"/>
+              <a:t>A single buffer may be distributed across multiple locations</a:t>
+            </a:r>
+            <a:endParaRPr lang="en-US" sz="2400" b="0" strike="noStrike" spc="-1">
+              <a:solidFill>
+                <a:srgbClr val="191EA2"/>
+              </a:solidFill>
+              <a:latin typeface="Arial"/>
+            </a:endParaRPr>
+          </a:p>
+          <a:p>
+            <a:pPr marL="743040" lvl="1" indent="-280800">
+              <a:lnSpc>
+                <a:spcPct val="100000"/>
+              </a:lnSpc>
+              <a:spcBef>
+                <a:spcPts val="300"/>
+              </a:spcBef>
+              <a:buClr>
+                <a:srgbClr val="191EA2"/>
+              </a:buClr>
+              <a:buSzPct val="50000"/>
+              <a:buFont typeface="Wingdings" charset="2"/>
+              <a:buChar char=""/>
+            </a:pPr>
+            <a:r>
+              <a:rPr lang="en-US" sz="2000" b="0" strike="noStrike" spc="-1">
+                <a:solidFill>
+                  <a:srgbClr val="191EA2"/>
+                </a:solidFill>
+                <a:latin typeface="Arial"/>
+                <a:ea typeface="Gill Sans Light"/>
+              </a:rPr>
+              <a:t>Between discrete memory locations and devices</a:t>
+            </a:r>
+            <a:endParaRPr lang="en-US" sz="2000" b="0" strike="noStrike" spc="-1">
+              <a:solidFill>
+                <a:srgbClr val="000000"/>
+              </a:solidFill>
+              <a:latin typeface="Arial"/>
+            </a:endParaRPr>
+          </a:p>
+          <a:p>
+            <a:pPr marL="457200" indent="-401400">
+              <a:lnSpc>
+                <a:spcPct val="100000"/>
+              </a:lnSpc>
+              <a:spcBef>
+                <a:spcPts val="601"/>
               </a:spcBef>
               <a:buClr>
                 <a:srgbClr val="000000"/>
               </a:buClr>
-              <a:buSzPct val="45000"/>
               <a:buFont typeface="Wingdings" charset="2"/>
-              <a:buChar char=""/>
+              <a:buChar char=""/>
             </a:pPr>
             <a:r>
-              <a:rPr lang="en-US" sz="1800" b="0" strike="noStrike" spc="-1">
-                <a:solidFill>
-                  <a:srgbClr val="000000"/>
+              <a:rPr lang="en-US" sz="2400" b="0" strike="noStrike" spc="-1">
+                <a:solidFill>
+                  <a:srgbClr val="191EA2"/>
                 </a:solidFill>
                 <a:latin typeface="Arial"/>
+                <a:ea typeface="Gill Sans Light"/>
               </a:rPr>
-              <a:t>// Create a buffer of 20 floats using a default-constructed std::allocator</a:t>
-            </a:r>
-          </a:p>
-          <a:p>
-            <a:pPr marL="432000" indent="-324000">
-              <a:spcBef>
-                <a:spcPts val="1417"/>
+              <a:t>An empty buffer may be created by specifying a range for size</a:t>
+            </a:r>
+            <a:endParaRPr lang="en-US" sz="2400" b="0" strike="noStrike" spc="-1">
+              <a:solidFill>
+                <a:srgbClr val="191EA2"/>
+              </a:solidFill>
+              <a:latin typeface="Arial"/>
+            </a:endParaRPr>
+          </a:p>
+          <a:p>
+            <a:pPr marL="743040" lvl="1" indent="-280800">
+              <a:lnSpc>
+                <a:spcPct val="100000"/>
+              </a:lnSpc>
+              <a:spcBef>
+                <a:spcPts val="300"/>
+              </a:spcBef>
+              <a:buClr>
+                <a:srgbClr val="191EA2"/>
+              </a:buClr>
+              <a:buSzPct val="50000"/>
+              <a:buFont typeface="Wingdings" charset="2"/>
+              <a:buChar char=""/>
+            </a:pPr>
+            <a:r>
+              <a:rPr lang="en-US" sz="2000" b="0" strike="noStrike" spc="-1">
+                <a:solidFill>
+                  <a:srgbClr val="191EA2"/>
+                </a:solidFill>
+                <a:latin typeface="Arial"/>
+                <a:ea typeface="Gill Sans Light"/>
+              </a:rPr>
+              <a:t>Data must later be initialized before the buffer can be read from</a:t>
+            </a:r>
+            <a:endParaRPr lang="en-US" sz="2000" b="0" strike="noStrike" spc="-1">
+              <a:solidFill>
+                <a:srgbClr val="000000"/>
+              </a:solidFill>
+              <a:latin typeface="Arial"/>
+            </a:endParaRPr>
+          </a:p>
+          <a:p>
+            <a:pPr marL="457200" indent="-401400">
+              <a:lnSpc>
+                <a:spcPct val="100000"/>
+              </a:lnSpc>
+              <a:spcBef>
+                <a:spcPts val="601"/>
               </a:spcBef>
               <a:buClr>
                 <a:srgbClr val="000000"/>
               </a:buClr>
-              <a:buSzPct val="45000"/>
               <a:buFont typeface="Wingdings" charset="2"/>
-              <a:buChar char=""/>
+              <a:buChar char=""/>
             </a:pPr>
             <a:r>
-              <a:rPr lang="en-US" sz="1800" b="0" strike="noStrike" spc="-1">
-                <a:solidFill>
-                  <a:srgbClr val="000000"/>
+              <a:rPr lang="en-US" sz="2400" b="0" strike="noStrike" spc="-1">
+                <a:solidFill>
+                  <a:srgbClr val="191EA2"/>
                 </a:solidFill>
                 <a:latin typeface="Arial"/>
+                <a:ea typeface="Gill Sans Light"/>
               </a:rPr>
-              <a:t>buffer&lt;float, 1, std::allocator&lt;float&gt;&gt; b3{range{20}};</a:t>
-            </a:r>
-          </a:p>
-          <a:p>
-            <a:pPr marL="432000" indent="-324000">
-              <a:spcBef>
-                <a:spcPts val="1417"/>
+              <a:t>Existing host data may be used to initialize a new buffer</a:t>
+            </a:r>
+            <a:endParaRPr lang="en-US" sz="2400" b="0" strike="noStrike" spc="-1">
+              <a:solidFill>
+                <a:srgbClr val="191EA2"/>
+              </a:solidFill>
+              <a:latin typeface="Arial"/>
+            </a:endParaRPr>
+          </a:p>
+          <a:p>
+            <a:pPr marL="743040" lvl="1" indent="-280800">
+              <a:lnSpc>
+                <a:spcPct val="100000"/>
+              </a:lnSpc>
+              <a:spcBef>
+                <a:spcPts val="300"/>
+              </a:spcBef>
+              <a:buClr>
+                <a:srgbClr val="191EA2"/>
+              </a:buClr>
+              <a:buSzPct val="50000"/>
+              <a:buFont typeface="Wingdings" charset="2"/>
+              <a:buChar char=""/>
+            </a:pPr>
+            <a:r>
+              <a:rPr lang="en-US" sz="2000" b="0" strike="noStrike" spc="-1">
+                <a:solidFill>
+                  <a:srgbClr val="191EA2"/>
+                </a:solidFill>
+                <a:latin typeface="Arial"/>
+                <a:ea typeface="Gill Sans Light"/>
+              </a:rPr>
+              <a:t>Accomplished by invoking a constructor that takes a pointer to an existing host allocation</a:t>
+            </a:r>
+            <a:endParaRPr lang="en-US" sz="2000" b="0" strike="noStrike" spc="-1">
+              <a:solidFill>
+                <a:srgbClr val="000000"/>
+              </a:solidFill>
+              <a:latin typeface="Arial"/>
+            </a:endParaRPr>
+          </a:p>
+          <a:p>
+            <a:pPr marL="457200" indent="-401400">
+              <a:lnSpc>
+                <a:spcPct val="100000"/>
+              </a:lnSpc>
+              <a:spcBef>
+                <a:spcPts val="601"/>
               </a:spcBef>
               <a:buClr>
                 <a:srgbClr val="000000"/>
               </a:buClr>
-              <a:buSzPct val="45000"/>
               <a:buFont typeface="Wingdings" charset="2"/>
-              <a:buChar char=""/>
+              <a:buChar char=""/>
             </a:pPr>
             <a:r>
-              <a:rPr lang="en-US" sz="1800" b="0" strike="noStrike" spc="-1">
-                <a:solidFill>
-                  <a:srgbClr val="000000"/>
+              <a:rPr lang="en-US" sz="2400" b="0" strike="noStrike" spc="-1">
+                <a:solidFill>
+                  <a:srgbClr val="191EA2"/>
                 </a:solidFill>
                 <a:latin typeface="Arial"/>
+                <a:ea typeface="Gill Sans Light"/>
               </a:rPr>
-              <a:t>// Create a buffer of 20 floats using a passed-in allocator</a:t>
-            </a:r>
-          </a:p>
-          <a:p>
-            <a:pPr marL="432000" indent="-324000">
-              <a:spcBef>
-                <a:spcPts val="1417"/>
-              </a:spcBef>
-              <a:buClr>
-                <a:srgbClr val="000000"/>
-              </a:buClr>
-              <a:buSzPct val="45000"/>
-              <a:buFont typeface="Wingdings" charset="2"/>
-              <a:buChar char=""/>
-            </a:pPr>
-            <a:r>
-              <a:rPr lang="en-US" sz="1800" b="0" strike="noStrike" spc="-1">
-                <a:solidFill>
-                  <a:srgbClr val="000000"/>
-                </a:solidFill>
-                <a:latin typeface="Arial"/>
-              </a:rPr>
-              <a:t>std::allocator&lt;float&gt; myFloatAlloc;</a:t>
-            </a:r>
-          </a:p>
-          <a:p>
-            <a:pPr marL="432000" indent="-324000">
-              <a:spcBef>
-                <a:spcPts val="1417"/>
-              </a:spcBef>
-              <a:buClr>
-                <a:srgbClr val="000000"/>
-              </a:buClr>
-              <a:buSzPct val="45000"/>
-              <a:buFont typeface="Wingdings" charset="2"/>
-              <a:buChar char=""/>
-            </a:pPr>
-            <a:r>
-              <a:rPr lang="en-US" sz="1800" b="0" strike="noStrike" spc="-1">
-                <a:solidFill>
-                  <a:srgbClr val="000000"/>
-                </a:solidFill>
-                <a:latin typeface="Arial"/>
-              </a:rPr>
-              <a:t>buffer&lt;float, 1, std::allocator&lt;float&gt;&gt; b4{range(20), myFloatAlloc};</a:t>
-            </a:r>
+              <a:t>May also be created from existing cl_mem objects if using OpenCL compatibility</a:t>
+            </a:r>
+            <a:endParaRPr lang="en-US" sz="2400" b="0" strike="noStrike" spc="-1">
+              <a:solidFill>
+                <a:srgbClr val="191EA2"/>
+              </a:solidFill>
+              <a:latin typeface="Arial"/>
+            </a:endParaRPr>
           </a:p>
         </p:txBody>
       </p:sp>
       <p:sp>
         <p:nvSpPr>
-          <p:cNvPr id="176" name="TextShape 2"/>
+          <p:cNvPr id="174" name="TextShape 2"/>
           <p:cNvSpPr txBox="1"/>
           <p:nvPr/>
         </p:nvSpPr>
@@ -18933,7 +20436,7 @@
                 <a:latin typeface="Arial"/>
                 <a:ea typeface="Gill Sans Light"/>
               </a:rPr>
-              <a:t>Buffers Examples</a:t>
+              <a:t>Buffers</a:t>
             </a:r>
             <a:endParaRPr lang="en-US" sz="4000" b="0" strike="noStrike" spc="-1">
               <a:solidFill>
@@ -18998,7 +20501,7 @@
       </p:grpSpPr>
       <p:sp>
         <p:nvSpPr>
-          <p:cNvPr id="177" name="TextShape 1"/>
+          <p:cNvPr id="175" name="TextShape 1"/>
           <p:cNvSpPr txBox="1"/>
           <p:nvPr/>
         </p:nvSpPr>
@@ -19019,175 +20522,88 @@
           <a:bodyPr lIns="0" tIns="0" rIns="0" bIns="0"/>
           <a:lstStyle/>
           <a:p>
-            <a:pPr marL="457200" indent="-401400">
-              <a:lnSpc>
-                <a:spcPct val="100000"/>
-              </a:lnSpc>
-              <a:spcBef>
-                <a:spcPts val="601"/>
+            <a:pPr marL="432000" indent="-324000">
+              <a:spcBef>
+                <a:spcPts val="1417"/>
               </a:spcBef>
               <a:buClr>
                 <a:srgbClr val="000000"/>
               </a:buClr>
+              <a:buSzPct val="45000"/>
               <a:buFont typeface="Wingdings" charset="2"/>
-              <a:buChar char=""/>
+              <a:buChar char=""/>
             </a:pPr>
             <a:r>
-              <a:rPr lang="en-US" sz="2800" b="0" strike="noStrike" spc="-1">
-                <a:solidFill>
-                  <a:srgbClr val="191EA2"/>
+              <a:rPr lang="en-US" sz="1800" b="0" strike="noStrike" spc="-1">
+                <a:solidFill>
+                  <a:srgbClr val="00A65D"/>
                 </a:solidFill>
                 <a:latin typeface="Arial"/>
-                <a:ea typeface="Gill Sans Light"/>
               </a:rPr>
-              <a:t>The only way in which to read from or write to buffers</a:t>
-            </a:r>
-            <a:endParaRPr lang="en-US" sz="2800" b="0" strike="noStrike" spc="-1">
-              <a:solidFill>
-                <a:srgbClr val="191EA2"/>
+              <a:t>// Create a buffer of 2x5 ints using the default allocator</a:t>
+            </a:r>
+            <a:endParaRPr lang="en-US" sz="1800" b="0" strike="noStrike" spc="-1">
+              <a:solidFill>
+                <a:srgbClr val="000000"/>
               </a:solidFill>
               <a:latin typeface="Arial"/>
             </a:endParaRPr>
           </a:p>
           <a:p>
-            <a:pPr marL="457200" indent="-401400">
-              <a:lnSpc>
-                <a:spcPct val="100000"/>
-              </a:lnSpc>
-              <a:spcBef>
-                <a:spcPts val="601"/>
+            <a:pPr marL="432000" indent="-324000">
+              <a:spcBef>
+                <a:spcPts val="1417"/>
               </a:spcBef>
               <a:buClr>
                 <a:srgbClr val="000000"/>
               </a:buClr>
+              <a:buSzPct val="45000"/>
               <a:buFont typeface="Wingdings" charset="2"/>
-              <a:buChar char=""/>
+              <a:buChar char=""/>
             </a:pPr>
             <a:r>
-              <a:rPr lang="en-US" sz="2800" b="0" strike="noStrike" spc="-1">
-                <a:solidFill>
-                  <a:srgbClr val="191EA2"/>
+              <a:rPr lang="en-US" sz="1800" b="0" strike="noStrike" spc="-1">
+                <a:solidFill>
+                  <a:srgbClr val="000000"/>
                 </a:solidFill>
                 <a:latin typeface="Arial"/>
-                <a:ea typeface="Gill Sans Light"/>
               </a:rPr>
-              <a:t>Can be instantiated with read, write, or read_write access modes</a:t>
-            </a:r>
-            <a:endParaRPr lang="en-US" sz="2800" b="0" strike="noStrike" spc="-1">
-              <a:solidFill>
-                <a:srgbClr val="191EA2"/>
-              </a:solidFill>
-              <a:latin typeface="Arial"/>
-            </a:endParaRPr>
-          </a:p>
-          <a:p>
-            <a:pPr marL="743040" lvl="1" indent="-280800">
-              <a:lnSpc>
-                <a:spcPct val="100000"/>
-              </a:lnSpc>
-              <a:spcBef>
-                <a:spcPts val="300"/>
-              </a:spcBef>
-              <a:buClr>
-                <a:srgbClr val="191EA2"/>
-              </a:buClr>
-              <a:buSzPct val="50000"/>
-              <a:buFont typeface="Wingdings" charset="2"/>
-              <a:buChar char=""/>
-            </a:pPr>
-            <a:r>
-              <a:rPr lang="en-US" sz="2400" b="0" strike="noStrike" spc="-1">
-                <a:solidFill>
-                  <a:srgbClr val="191EA2"/>
-                </a:solidFill>
-                <a:latin typeface="Arial"/>
-                <a:ea typeface="Gill Sans Light"/>
-              </a:rPr>
-              <a:t>Accessors are read_write by default</a:t>
-            </a:r>
-            <a:endParaRPr lang="en-US" sz="2400" b="0" strike="noStrike" spc="-1">
-              <a:solidFill>
-                <a:srgbClr val="000000"/>
-              </a:solidFill>
-              <a:latin typeface="Arial"/>
-            </a:endParaRPr>
-          </a:p>
-          <a:p>
-            <a:pPr marL="457200" indent="-401400">
-              <a:lnSpc>
-                <a:spcPct val="100000"/>
-              </a:lnSpc>
-              <a:spcBef>
-                <a:spcPts val="601"/>
+              <a:t>buffer&lt;int, 2, buffer_allocator&gt; b1{range&lt;2&gt;{2, 5}};</a:t>
+            </a:r>
+          </a:p>
+          <a:p>
+            <a:pPr marL="432000" indent="-324000">
+              <a:spcBef>
+                <a:spcPts val="1417"/>
               </a:spcBef>
               <a:buClr>
                 <a:srgbClr val="000000"/>
               </a:buClr>
+              <a:buSzPct val="45000"/>
               <a:buFont typeface="Wingdings" charset="2"/>
-              <a:buChar char=""/>
+              <a:buChar char=""/>
             </a:pPr>
             <a:r>
-              <a:rPr lang="en-US" sz="2800" b="0" strike="noStrike" spc="-1">
-                <a:solidFill>
-                  <a:srgbClr val="191EA2"/>
+              <a:rPr lang="en-US" sz="1800" b="0" strike="noStrike" spc="-1">
+                <a:solidFill>
+                  <a:srgbClr val="000000"/>
                 </a:solidFill>
                 <a:latin typeface="Arial"/>
-                <a:ea typeface="Gill Sans Light"/>
               </a:rPr>
-              <a:t>Using appropriate access modes is important</a:t>
-            </a:r>
-            <a:endParaRPr lang="en-US" sz="2800" b="0" strike="noStrike" spc="-1">
-              <a:solidFill>
-                <a:srgbClr val="191EA2"/>
-              </a:solidFill>
-              <a:latin typeface="Arial"/>
-            </a:endParaRPr>
-          </a:p>
-          <a:p>
-            <a:pPr marL="743040" lvl="1" indent="-280800">
-              <a:lnSpc>
-                <a:spcPct val="100000"/>
-              </a:lnSpc>
-              <a:spcBef>
-                <a:spcPts val="300"/>
-              </a:spcBef>
-              <a:buClr>
-                <a:srgbClr val="191EA2"/>
-              </a:buClr>
-              <a:buSzPct val="50000"/>
-              <a:buFont typeface="Wingdings" charset="2"/>
-              <a:buChar char=""/>
-            </a:pPr>
-            <a:r>
-              <a:rPr lang="en-US" sz="2400" b="0" strike="noStrike" spc="-1">
-                <a:solidFill>
-                  <a:srgbClr val="191EA2"/>
-                </a:solidFill>
-                <a:latin typeface="Arial"/>
-                <a:ea typeface="Gill Sans Light"/>
-              </a:rPr>
-              <a:t>Provides implicit information used to help the runtime manage memory</a:t>
-            </a:r>
-            <a:endParaRPr lang="en-US" sz="2400" b="0" strike="noStrike" spc="-1">
-              <a:solidFill>
-                <a:srgbClr val="000000"/>
-              </a:solidFill>
-              <a:latin typeface="Arial"/>
-            </a:endParaRPr>
-          </a:p>
-          <a:p>
-            <a:pPr marL="1085760" lvl="2" indent="-282240">
-              <a:lnSpc>
-                <a:spcPct val="100000"/>
-              </a:lnSpc>
-              <a:spcBef>
-                <a:spcPts val="300"/>
+              <a:t>// Create a buffer of 2x5 ints using the default allocator and CTAD for range</a:t>
+            </a:r>
+          </a:p>
+          <a:p>
+            <a:pPr marL="432000" indent="-324000">
+              <a:spcBef>
+                <a:spcPts val="1417"/>
               </a:spcBef>
               <a:buClr>
                 <a:srgbClr val="000000"/>
               </a:buClr>
+              <a:buSzPct val="45000"/>
               <a:buFont typeface="Wingdings" charset="2"/>
-              <a:buChar char=""/>
+              <a:buChar char=""/>
             </a:pPr>
             <a:r>
               <a:rPr lang="en-US" sz="1800" b="0" strike="noStrike" spc="-1">
@@ -19195,54 +20611,125 @@
                   <a:srgbClr val="000000"/>
                 </a:solidFill>
                 <a:latin typeface="Arial"/>
-                <a:ea typeface="Gill Sans Light"/>
               </a:rPr>
-              <a:t>For example: read mode tells the runtime that it does not need to copy memory back to the host, as the device has not changed it.</a:t>
-            </a:r>
-            <a:endParaRPr lang="en-US" sz="1800" b="0" strike="noStrike" spc="-1">
-              <a:solidFill>
-                <a:srgbClr val="7030A0"/>
-              </a:solidFill>
-              <a:latin typeface="Arial"/>
-            </a:endParaRPr>
-          </a:p>
-          <a:p>
-            <a:pPr marL="743040" lvl="1" indent="-280800">
-              <a:lnSpc>
-                <a:spcPct val="100000"/>
-              </a:lnSpc>
-              <a:spcBef>
-                <a:spcPts val="300"/>
+              <a:t>buffer&lt;int, 2&gt; b2{range{2, 5}};</a:t>
+            </a:r>
+          </a:p>
+          <a:p>
+            <a:pPr marL="432000" indent="-324000">
+              <a:spcBef>
+                <a:spcPts val="1417"/>
               </a:spcBef>
               <a:buClr>
-                <a:srgbClr val="191EA2"/>
+                <a:srgbClr val="000000"/>
               </a:buClr>
-              <a:buSzPct val="50000"/>
+              <a:buSzPct val="45000"/>
               <a:buFont typeface="Wingdings" charset="2"/>
-              <a:buChar char=""/>
+              <a:buChar char=""/>
             </a:pPr>
             <a:r>
-              <a:rPr lang="en-US" sz="2400" b="0" strike="noStrike" spc="-1">
-                <a:solidFill>
-                  <a:srgbClr val="191EA2"/>
+              <a:rPr lang="en-US" sz="1800" b="0" strike="noStrike" spc="-1">
+                <a:solidFill>
+                  <a:srgbClr val="000000"/>
                 </a:solidFill>
                 <a:latin typeface="Arial"/>
-                <a:ea typeface="Gill Sans Light"/>
               </a:rPr>
-              <a:t>Appropriate use of access modes will help the runtime optimize kernel scheduling and data migration</a:t>
-            </a:r>
-            <a:endParaRPr lang="en-US" sz="2400" b="0" strike="noStrike" spc="-1">
-              <a:solidFill>
+              <a:t>// Create a buffer of 20 floats using a default-constructed std::allocator</a:t>
+            </a:r>
+          </a:p>
+          <a:p>
+            <a:pPr marL="432000" indent="-324000">
+              <a:spcBef>
+                <a:spcPts val="1417"/>
+              </a:spcBef>
+              <a:buClr>
                 <a:srgbClr val="000000"/>
-              </a:solidFill>
-              <a:latin typeface="Arial"/>
-            </a:endParaRPr>
+              </a:buClr>
+              <a:buSzPct val="45000"/>
+              <a:buFont typeface="Wingdings" charset="2"/>
+              <a:buChar char=""/>
+            </a:pPr>
+            <a:r>
+              <a:rPr lang="en-US" sz="1800" b="0" strike="noStrike" spc="-1">
+                <a:solidFill>
+                  <a:srgbClr val="000000"/>
+                </a:solidFill>
+                <a:latin typeface="Arial"/>
+              </a:rPr>
+              <a:t>buffer&lt;float, 1, std::allocator&lt;float&gt;&gt; b3{range{20}};</a:t>
+            </a:r>
+          </a:p>
+          <a:p>
+            <a:pPr marL="432000" indent="-324000">
+              <a:spcBef>
+                <a:spcPts val="1417"/>
+              </a:spcBef>
+              <a:buClr>
+                <a:srgbClr val="000000"/>
+              </a:buClr>
+              <a:buSzPct val="45000"/>
+              <a:buFont typeface="Wingdings" charset="2"/>
+              <a:buChar char=""/>
+            </a:pPr>
+            <a:r>
+              <a:rPr lang="en-US" sz="1800" b="0" strike="noStrike" spc="-1">
+                <a:solidFill>
+                  <a:srgbClr val="000000"/>
+                </a:solidFill>
+                <a:latin typeface="Arial"/>
+              </a:rPr>
+              <a:t>// Create a buffer of 20 floats using a passed-in allocator</a:t>
+            </a:r>
+          </a:p>
+          <a:p>
+            <a:pPr marL="432000" indent="-324000">
+              <a:spcBef>
+                <a:spcPts val="1417"/>
+              </a:spcBef>
+              <a:buClr>
+                <a:srgbClr val="000000"/>
+              </a:buClr>
+              <a:buSzPct val="45000"/>
+              <a:buFont typeface="Wingdings" charset="2"/>
+              <a:buChar char=""/>
+            </a:pPr>
+            <a:r>
+              <a:rPr lang="en-US" sz="1800" b="0" strike="noStrike" spc="-1">
+                <a:solidFill>
+                  <a:srgbClr val="000000"/>
+                </a:solidFill>
+                <a:latin typeface="Arial"/>
+              </a:rPr>
+              <a:t>std::allocator&lt;float&gt; myFloatAlloc;</a:t>
+            </a:r>
+          </a:p>
+          <a:p>
+            <a:pPr marL="432000" indent="-324000">
+              <a:spcBef>
+                <a:spcPts val="1417"/>
+              </a:spcBef>
+              <a:buClr>
+                <a:srgbClr val="000000"/>
+              </a:buClr>
+              <a:buSzPct val="45000"/>
+              <a:buFont typeface="Wingdings" charset="2"/>
+              <a:buChar char=""/>
+            </a:pPr>
+            <a:r>
+              <a:rPr lang="en-US" sz="1800" b="0" strike="noStrike" spc="-1">
+                <a:solidFill>
+                  <a:srgbClr val="000000"/>
+                </a:solidFill>
+                <a:latin typeface="Arial"/>
+              </a:rPr>
+              <a:t>buffer&lt;float, 1, std::allocator&lt;float&gt;&gt; b4{range(20), myFloatAlloc};</a:t>
+            </a:r>
           </a:p>
         </p:txBody>
       </p:sp>
       <p:sp>
         <p:nvSpPr>
-          <p:cNvPr id="178" name="TextShape 2"/>
+          <p:cNvPr id="176" name="TextShape 2"/>
           <p:cNvSpPr txBox="1"/>
           <p:nvPr/>
         </p:nvSpPr>
@@ -19276,7 +20763,7 @@
                 <a:latin typeface="Arial"/>
                 <a:ea typeface="Gill Sans Light"/>
               </a:rPr>
-              <a:t>Accessors</a:t>
+              <a:t>Buffers Examples</a:t>
             </a:r>
             <a:endParaRPr lang="en-US" sz="4000" b="0" strike="noStrike" spc="-1">
               <a:solidFill>
@@ -19341,7 +20828,7 @@
       </p:grpSpPr>
       <p:sp>
         <p:nvSpPr>
-          <p:cNvPr id="179" name="TextShape 1"/>
+          <p:cNvPr id="177" name="TextShape 1"/>
           <p:cNvSpPr txBox="1"/>
           <p:nvPr/>
         </p:nvSpPr>
@@ -19376,16 +20863,16 @@
               <a:buChar char=""/>
             </a:pPr>
             <a:r>
-              <a:rPr lang="en-US" sz="2400" b="0" strike="noStrike" spc="-1">
+              <a:rPr lang="en-US" sz="2800" b="0" strike="noStrike" spc="-1">
                 <a:solidFill>
                   <a:srgbClr val="191EA2"/>
                 </a:solidFill>
                 <a:latin typeface="Arial"/>
                 <a:ea typeface="Gill Sans Light"/>
               </a:rPr>
-              <a:t>Objects that specify a task and its dependencies</a:t>
-            </a:r>
-            <a:endParaRPr lang="en-US" sz="2400" b="0" strike="noStrike" spc="-1">
+              <a:t>The only way in which to read from or write to buffers</a:t>
+            </a:r>
+            <a:endParaRPr lang="en-US" sz="2800" b="0" strike="noStrike" spc="-1">
               <a:solidFill>
                 <a:srgbClr val="191EA2"/>
               </a:solidFill>
@@ -19407,16 +20894,16 @@
               <a:buChar char=""/>
             </a:pPr>
             <a:r>
-              <a:rPr lang="en-US" sz="2400" b="0" strike="noStrike" spc="-1">
+              <a:rPr lang="en-US" sz="2800" b="0" strike="noStrike" spc="-1">
                 <a:solidFill>
                   <a:srgbClr val="191EA2"/>
                 </a:solidFill>
                 <a:latin typeface="Arial"/>
                 <a:ea typeface="Gill Sans Light"/>
               </a:rPr>
-              <a:t>Typically in the form of C++ Lambda functions</a:t>
-            </a:r>
-            <a:endParaRPr lang="en-US" sz="2400" b="0" strike="noStrike" spc="-1">
+              <a:t>Can be instantiated with read, write, or read_write access modes</a:t>
+            </a:r>
+            <a:endParaRPr lang="en-US" sz="2800" b="0" strike="noStrike" spc="-1">
               <a:solidFill>
                 <a:srgbClr val="191EA2"/>
               </a:solidFill>
@@ -19439,36 +20926,16 @@
               <a:buChar char=""/>
             </a:pPr>
             <a:r>
-              <a:rPr lang="en-US" sz="2000" b="0" strike="noStrike" spc="-1">
+              <a:rPr lang="en-US" sz="2400" b="0" strike="noStrike" spc="-1">
                 <a:solidFill>
                   <a:srgbClr val="191EA2"/>
                 </a:solidFill>
                 <a:latin typeface="Arial"/>
                 <a:ea typeface="Gill Sans Light"/>
               </a:rPr>
-              <a:t>The only parameter is a reference to a </a:t>
-            </a:r>
-            <a:r>
-              <a:rPr lang="en-US" sz="2000" b="0" i="1" strike="noStrike" spc="-1">
-                <a:solidFill>
-                  <a:srgbClr val="191EA2"/>
-                </a:solidFill>
-                <a:latin typeface="Arial"/>
-                <a:ea typeface="Gill Sans Light"/>
-              </a:rPr>
-              <a:t>handler </a:t>
-            </a:r>
-            <a:r>
-              <a:rPr lang="en-US" sz="2000" b="0" strike="noStrike" spc="-1">
-                <a:solidFill>
-                  <a:srgbClr val="191EA2"/>
-                </a:solidFill>
-                <a:latin typeface="Arial"/>
-                <a:ea typeface="Gill Sans Light"/>
-              </a:rPr>
-              <a:t>object</a:t>
-            </a:r>
-            <a:endParaRPr lang="en-US" sz="2000" b="0" strike="noStrike" spc="-1">
+              <a:t>Accessors are read_write by default</a:t>
+            </a:r>
+            <a:endParaRPr lang="en-US" sz="2400" b="0" strike="noStrike" spc="-1">
               <a:solidFill>
                 <a:srgbClr val="000000"/>
               </a:solidFill>
@@ -19490,47 +20957,16 @@
               <a:buChar char=""/>
             </a:pPr>
             <a:r>
-              <a:rPr lang="en-US" sz="2400" b="0" strike="noStrike" spc="-1">
+              <a:rPr lang="en-US" sz="2800" b="0" strike="noStrike" spc="-1">
                 <a:solidFill>
                   <a:srgbClr val="191EA2"/>
                 </a:solidFill>
                 <a:latin typeface="Arial"/>
                 <a:ea typeface="Gill Sans Light"/>
               </a:rPr>
-              <a:t>Passed as an argument to a queue object’s submit() function</a:t>
-            </a:r>
-            <a:endParaRPr lang="en-US" sz="2400" b="0" strike="noStrike" spc="-1">
-              <a:solidFill>
-                <a:srgbClr val="191EA2"/>
-              </a:solidFill>
-              <a:latin typeface="Arial"/>
-            </a:endParaRPr>
-          </a:p>
-          <a:p>
-            <a:pPr marL="457200" indent="-401400">
-              <a:lnSpc>
-                <a:spcPct val="100000"/>
-              </a:lnSpc>
-              <a:spcBef>
-                <a:spcPts val="601"/>
-              </a:spcBef>
-              <a:buClr>
-                <a:srgbClr val="000000"/>
-              </a:buClr>
-              <a:buFont typeface="Wingdings" charset="2"/>
-              <a:buChar char=""/>
-            </a:pPr>
-            <a:r>
-              <a:rPr lang="en-US" sz="2400" b="0" strike="noStrike" spc="-1">
-                <a:solidFill>
-                  <a:srgbClr val="191EA2"/>
-                </a:solidFill>
-                <a:latin typeface="Arial"/>
-                <a:ea typeface="Gill Sans Light"/>
-              </a:rPr>
-              <a:t>Command Group structure:</a:t>
-            </a:r>
-            <a:endParaRPr lang="en-US" sz="2400" b="0" strike="noStrike" spc="-1">
+              <a:t>Using appropriate access modes is important</a:t>
+            </a:r>
+            <a:endParaRPr lang="en-US" sz="2800" b="0" strike="noStrike" spc="-1">
               <a:solidFill>
                 <a:srgbClr val="191EA2"/>
               </a:solidFill>
@@ -19553,16 +20989,16 @@
               <a:buChar char=""/>
             </a:pPr>
             <a:r>
-              <a:rPr lang="en-US" sz="2000" b="0" strike="noStrike" spc="-1">
+              <a:rPr lang="en-US" sz="2400" b="0" strike="noStrike" spc="-1">
                 <a:solidFill>
                   <a:srgbClr val="191EA2"/>
                 </a:solidFill>
                 <a:latin typeface="Arial"/>
                 <a:ea typeface="Gill Sans Light"/>
               </a:rPr>
-              <a:t>Exactly one action (and no more)</a:t>
-            </a:r>
-            <a:endParaRPr lang="en-US" sz="2000" b="0" strike="noStrike" spc="-1">
+              <a:t>Provides implicit information used to help the runtime manage memory</a:t>
+            </a:r>
+            <a:endParaRPr lang="en-US" sz="2400" b="0" strike="noStrike" spc="-1">
               <a:solidFill>
                 <a:srgbClr val="000000"/>
               </a:solidFill>
@@ -19584,26 +21020,16 @@
               <a:buChar char=""/>
             </a:pPr>
             <a:r>
-              <a:rPr lang="en-US" sz="1400" b="0" strike="noStrike" spc="-1">
+              <a:rPr lang="en-US" sz="1800" b="0" strike="noStrike" spc="-1">
                 <a:solidFill>
                   <a:srgbClr val="000000"/>
                 </a:solidFill>
                 <a:latin typeface="Arial"/>
                 <a:ea typeface="Gill Sans Light"/>
               </a:rPr>
-              <a:t>Either device code submitted for execution or manual memory operations such as </a:t>
-            </a:r>
-            <a:r>
-              <a:rPr lang="en-US" sz="1400" b="0" i="1" strike="noStrike" spc="-1">
-                <a:solidFill>
-                  <a:srgbClr val="000000"/>
-                </a:solidFill>
-                <a:latin typeface="Arial"/>
-                <a:ea typeface="Gill Sans Light"/>
-              </a:rPr>
-              <a:t>copy</a:t>
-            </a:r>
-            <a:endParaRPr lang="en-US" sz="1400" b="0" strike="noStrike" spc="-1">
+              <a:t>For example: read mode tells the runtime that it does not need to copy memory back to the host, as the device has not changed it.</a:t>
+            </a:r>
+            <a:endParaRPr lang="en-US" sz="1800" b="0" strike="noStrike" spc="-1">
               <a:solidFill>
                 <a:srgbClr val="7030A0"/>
               </a:solidFill>
@@ -19626,49 +21052,18 @@
               <a:buChar char=""/>
             </a:pPr>
             <a:r>
-              <a:rPr lang="en-US" sz="2000" b="0" strike="noStrike" spc="-1">
+              <a:rPr lang="en-US" sz="2400" b="0" strike="noStrike" spc="-1">
                 <a:solidFill>
                   <a:srgbClr val="191EA2"/>
                 </a:solidFill>
                 <a:latin typeface="Arial"/>
                 <a:ea typeface="Gill Sans Light"/>
               </a:rPr>
-              <a:t>Host code that defines dependencies</a:t>
-            </a:r>
-            <a:endParaRPr lang="en-US" sz="2000" b="0" strike="noStrike" spc="-1">
+              <a:t>Appropriate use of access modes will help the runtime optimize kernel scheduling and data migration</a:t>
+            </a:r>
+            <a:endParaRPr lang="en-US" sz="2400" b="0" strike="noStrike" spc="-1">
               <a:solidFill>
                 <a:srgbClr val="000000"/>
-              </a:solidFill>
-              <a:latin typeface="Arial"/>
-            </a:endParaRPr>
-          </a:p>
-          <a:p>
-            <a:pPr marL="1085760" lvl="2" indent="-282240">
-              <a:lnSpc>
-                <a:spcPct val="100000"/>
-              </a:lnSpc>
-              <a:spcBef>
-                <a:spcPts val="300"/>
-              </a:spcBef>
-              <a:buClr>
-                <a:srgbClr val="000000"/>
-              </a:buClr>
-              <a:buFont typeface="Wingdings" charset="2"/>
-              <a:buChar char=""/>
-            </a:pPr>
-            <a:r>
-              <a:rPr lang="en-US" sz="1400" b="0" strike="noStrike" spc="-1">
-                <a:solidFill>
-                  <a:srgbClr val="000000"/>
-                </a:solidFill>
-                <a:latin typeface="Arial"/>
-                <a:ea typeface="Gill Sans Light"/>
-              </a:rPr>
-              <a:t>Restricts when asynchronous execution of the submitted work can begin. For example: creation of accessors or buffers</a:t>
-            </a:r>
-            <a:endParaRPr lang="en-US" sz="1400" b="0" strike="noStrike" spc="-1">
-              <a:solidFill>
-                <a:srgbClr val="7030A0"/>
               </a:solidFill>
               <a:latin typeface="Arial"/>
             </a:endParaRPr>
@@ -19677,7 +21072,7 @@
       </p:sp>
       <p:sp>
         <p:nvSpPr>
-          <p:cNvPr id="180" name="TextShape 2"/>
+          <p:cNvPr id="178" name="TextShape 2"/>
           <p:cNvSpPr txBox="1"/>
           <p:nvPr/>
         </p:nvSpPr>
@@ -19711,7 +21106,7 @@
                 <a:latin typeface="Arial"/>
                 <a:ea typeface="Gill Sans Light"/>
               </a:rPr>
-              <a:t>Command Groups</a:t>
+              <a:t>Accessors</a:t>
             </a:r>
             <a:endParaRPr lang="en-US" sz="4000" b="0" strike="noStrike" spc="-1">
               <a:solidFill>
@@ -19776,7 +21171,7 @@
       </p:grpSpPr>
       <p:sp>
         <p:nvSpPr>
-          <p:cNvPr id="181" name="TextShape 1"/>
+          <p:cNvPr id="179" name="TextShape 1"/>
           <p:cNvSpPr txBox="1"/>
           <p:nvPr/>
         </p:nvSpPr>
@@ -19797,35 +21192,61 @@
           <a:bodyPr lIns="0" tIns="0" rIns="0" bIns="0"/>
           <a:lstStyle/>
           <a:p>
-            <a:pPr marL="55440">
+            <a:pPr marL="457200" indent="-401400">
               <a:lnSpc>
                 <a:spcPct val="100000"/>
               </a:lnSpc>
               <a:spcBef>
                 <a:spcPts val="601"/>
               </a:spcBef>
+              <a:buClr>
+                <a:srgbClr val="000000"/>
+              </a:buClr>
+              <a:buFont typeface="Wingdings" charset="2"/>
+              <a:buChar char=""/>
             </a:pPr>
             <a:r>
-              <a:rPr lang="en-US" sz="2000" b="0" strike="noStrike" spc="-1">
-                <a:solidFill>
-                  <a:srgbClr val="000000"/>
+              <a:rPr lang="en-US" sz="2400" b="0" strike="noStrike" spc="-1">
+                <a:solidFill>
+                  <a:srgbClr val="191EA2"/>
                 </a:solidFill>
                 <a:latin typeface="Arial"/>
                 <a:ea typeface="Gill Sans Light"/>
               </a:rPr>
-              <a:t>Q.submit([&amp;](handler&amp; h) {		</a:t>
-            </a:r>
-            <a:r>
-              <a:rPr lang="en-US" sz="2000" b="0" strike="noStrike" spc="-1">
-                <a:solidFill>
-                  <a:srgbClr val="008000"/>
+              <a:t>Objects that specify a task and its dependencies</a:t>
+            </a:r>
+            <a:endParaRPr lang="en-US" sz="2400" b="0" strike="noStrike" spc="-1">
+              <a:solidFill>
+                <a:srgbClr val="191EA2"/>
+              </a:solidFill>
+              <a:latin typeface="Arial"/>
+            </a:endParaRPr>
+          </a:p>
+          <a:p>
+            <a:pPr marL="457200" indent="-401400">
+              <a:lnSpc>
+                <a:spcPct val="100000"/>
+              </a:lnSpc>
+              <a:spcBef>
+                <a:spcPts val="601"/>
+              </a:spcBef>
+              <a:buClr>
+                <a:srgbClr val="000000"/>
+              </a:buClr>
+              <a:buFont typeface="Wingdings" charset="2"/>
+              <a:buChar char=""/>
+            </a:pPr>
+            <a:r>
+              <a:rPr lang="en-US" sz="2400" b="0" strike="noStrike" spc="-1">
+                <a:solidFill>
+                  <a:srgbClr val="191EA2"/>
                 </a:solidFill>
                 <a:latin typeface="Arial"/>
                 <a:ea typeface="Gill Sans Light"/>
               </a:rPr>
-              <a:t>// function called on host</a:t>
-            </a:r>
-            <a:endParaRPr lang="en-US" sz="2000" b="0" strike="noStrike" spc="-1">
+              <a:t>Typically in the form of C++ Lambda functions</a:t>
+            </a:r>
+            <a:endParaRPr lang="en-US" sz="2400" b="0" strike="noStrike" spc="-1">
               <a:solidFill>
                 <a:srgbClr val="191EA2"/>
               </a:solidFill>
@@ -19833,309 +21254,251 @@
             </a:endParaRPr>
           </a:p>
           <a:p>
-            <a:pPr marL="55440">
+            <a:pPr marL="743040" lvl="1" indent="-280800">
               <a:lnSpc>
                 <a:spcPct val="100000"/>
               </a:lnSpc>
               <a:spcBef>
-                <a:spcPts val="601"/>
-              </a:spcBef>
+                <a:spcPts val="300"/>
+              </a:spcBef>
+              <a:buClr>
+                <a:srgbClr val="191EA2"/>
+              </a:buClr>
+              <a:buSzPct val="50000"/>
+              <a:buFont typeface="Wingdings" charset="2"/>
+              <a:buChar char=""/>
             </a:pPr>
             <a:r>
               <a:rPr lang="en-US" sz="2000" b="0" strike="noStrike" spc="-1">
                 <a:solidFill>
-                  <a:srgbClr val="000000"/>
+                  <a:srgbClr val="191EA2"/>
                 </a:solidFill>
                 <a:latin typeface="Arial"/>
                 <a:ea typeface="Gill Sans Light"/>
               </a:rPr>
-              <a:t>	accessor acc{ B, h };			</a:t>
-            </a:r>
-            <a:r>
-              <a:rPr lang="en-US" sz="2000" b="0" strike="noStrike" spc="-1">
-                <a:solidFill>
-                  <a:srgbClr val="008000"/>
+              <a:t>The only parameter is a reference to a </a:t>
+            </a:r>
+            <a:r>
+              <a:rPr lang="en-US" sz="2000" b="0" i="1" strike="noStrike" spc="-1">
+                <a:solidFill>
+                  <a:srgbClr val="191EA2"/>
                 </a:solidFill>
                 <a:latin typeface="Arial"/>
                 <a:ea typeface="Gill Sans Light"/>
               </a:rPr>
-              <a:t>// host code defining accessor, setting up dependencies</a:t>
+              <a:t>handler </a:t>
+            </a:r>
+            <a:r>
+              <a:rPr lang="en-US" sz="2000" b="0" strike="noStrike" spc="-1">
+                <a:solidFill>
+                  <a:srgbClr val="191EA2"/>
+                </a:solidFill>
+                <a:latin typeface="Arial"/>
+                <a:ea typeface="Gill Sans Light"/>
+              </a:rPr>
+              <a:t>object</a:t>
             </a:r>
             <a:endParaRPr lang="en-US" sz="2000" b="0" strike="noStrike" spc="-1">
               <a:solidFill>
-                <a:srgbClr val="191EA2"/>
+                <a:srgbClr val="000000"/>
               </a:solidFill>
               <a:latin typeface="Arial"/>
             </a:endParaRPr>
           </a:p>
           <a:p>
-            <a:pPr marL="55440">
+            <a:pPr marL="457200" indent="-401400">
               <a:lnSpc>
                 <a:spcPct val="100000"/>
               </a:lnSpc>
               <a:spcBef>
                 <a:spcPts val="601"/>
               </a:spcBef>
+              <a:buClr>
+                <a:srgbClr val="000000"/>
+              </a:buClr>
+              <a:buFont typeface="Wingdings" charset="2"/>
+              <a:buChar char=""/>
             </a:pPr>
             <a:r>
-              <a:rPr lang="en-US" sz="2000" b="0" strike="noStrike" spc="-1">
-                <a:solidFill>
-                  <a:srgbClr val="000000"/>
+              <a:rPr lang="en-US" sz="2400" b="0" strike="noStrike" spc="-1">
+                <a:solidFill>
+                  <a:srgbClr val="191EA2"/>
                 </a:solidFill>
                 <a:latin typeface="Arial"/>
                 <a:ea typeface="Gill Sans Light"/>
               </a:rPr>
-              <a:t>	h.parallel_for(size, [=](</a:t>
-            </a:r>
-            <a:r>
-              <a:rPr lang="en-US" sz="2000" b="0" strike="noStrike" spc="-1">
-                <a:solidFill>
-                  <a:srgbClr val="0000FF"/>
+              <a:t>Passed as an argument to a queue object’s submit() function</a:t>
+            </a:r>
+            <a:endParaRPr lang="en-US" sz="2400" b="0" strike="noStrike" spc="-1">
+              <a:solidFill>
+                <a:srgbClr val="191EA2"/>
+              </a:solidFill>
+              <a:latin typeface="Arial"/>
+            </a:endParaRPr>
+          </a:p>
+          <a:p>
+            <a:pPr marL="457200" indent="-401400">
+              <a:lnSpc>
+                <a:spcPct val="100000"/>
+              </a:lnSpc>
+              <a:spcBef>
+                <a:spcPts val="601"/>
+              </a:spcBef>
+              <a:buClr>
+                <a:srgbClr val="000000"/>
+              </a:buClr>
+              <a:buFont typeface="Wingdings" charset="2"/>
+              <a:buChar char=""/>
+            </a:pPr>
+            <a:r>
+              <a:rPr lang="en-US" sz="2400" b="0" strike="noStrike" spc="-1">
+                <a:solidFill>
+                  <a:srgbClr val="191EA2"/>
                 </a:solidFill>
                 <a:latin typeface="Arial"/>
                 <a:ea typeface="Gill Sans Light"/>
               </a:rPr>
-              <a:t>auto</a:t>
-            </a:r>
+              <a:t>Command Group structure:</a:t>
+            </a:r>
+            <a:endParaRPr lang="en-US" sz="2400" b="0" strike="noStrike" spc="-1">
+              <a:solidFill>
+                <a:srgbClr val="191EA2"/>
+              </a:solidFill>
+              <a:latin typeface="Arial"/>
+            </a:endParaRPr>
+          </a:p>
+          <a:p>
+            <a:pPr marL="743040" lvl="1" indent="-280800">
+              <a:lnSpc>
+                <a:spcPct val="100000"/>
+              </a:lnSpc>
+              <a:spcBef>
+                <a:spcPts val="300"/>
+              </a:spcBef>
+              <a:buClr>
+                <a:srgbClr val="191EA2"/>
+              </a:buClr>
+              <a:buSzPct val="50000"/>
+              <a:buFont typeface="Wingdings" charset="2"/>
+              <a:buChar char=""/>
+            </a:pPr>
             <a:r>
               <a:rPr lang="en-US" sz="2000" b="0" strike="noStrike" spc="-1">
                 <a:solidFill>
-                  <a:srgbClr val="000000"/>
+                  <a:srgbClr val="191EA2"/>
                 </a:solidFill>
                 <a:latin typeface="Arial"/>
                 <a:ea typeface="Gill Sans Light"/>
               </a:rPr>
-              <a:t>&amp; idx) {</a:t>
+              <a:t>Exactly one action (and no more)</a:t>
             </a:r>
             <a:endParaRPr lang="en-US" sz="2000" b="0" strike="noStrike" spc="-1">
               <a:solidFill>
-                <a:srgbClr val="191EA2"/>
+                <a:srgbClr val="000000"/>
               </a:solidFill>
               <a:latin typeface="Arial"/>
             </a:endParaRPr>
           </a:p>
           <a:p>
-            <a:pPr marL="55440">
+            <a:pPr marL="1085760" lvl="2" indent="-282240">
               <a:lnSpc>
                 <a:spcPct val="100000"/>
               </a:lnSpc>
               <a:spcBef>
-                <a:spcPts val="601"/>
-              </a:spcBef>
+                <a:spcPts val="300"/>
+              </a:spcBef>
+              <a:buClr>
+                <a:srgbClr val="000000"/>
+              </a:buClr>
+              <a:buFont typeface="Wingdings" charset="2"/>
+              <a:buChar char=""/>
             </a:pPr>
             <a:r>
-              <a:rPr lang="en-US" sz="2000" b="0" strike="noStrike" spc="-1">
+              <a:rPr lang="en-US" sz="1400" b="0" strike="noStrike" spc="-1">
                 <a:solidFill>
                   <a:srgbClr val="000000"/>
                 </a:solidFill>
                 <a:latin typeface="Arial"/>
                 <a:ea typeface="Gill Sans Light"/>
               </a:rPr>
-              <a:t>		acc[idx] = idx;				</a:t>
-            </a:r>
-            <a:r>
-              <a:rPr lang="en-US" sz="2000" b="0" strike="noStrike" spc="-1">
-                <a:solidFill>
-                  <a:srgbClr val="008000"/>
+              <a:t>Either device code submitted for execution or manual memory operations such as </a:t>
+            </a:r>
+            <a:r>
+              <a:rPr lang="en-US" sz="1400" b="0" i="1" strike="noStrike" spc="-1">
+                <a:solidFill>
+                  <a:srgbClr val="000000"/>
                 </a:solidFill>
                 <a:latin typeface="Arial"/>
                 <a:ea typeface="Gill Sans Light"/>
               </a:rPr>
-              <a:t>// Device code to be run when runtime dependencies are met</a:t>
-            </a:r>
-            <a:endParaRPr lang="en-US" sz="2000" b="0" strike="noStrike" spc="-1">
-              <a:solidFill>
-                <a:srgbClr val="191EA2"/>
+              <a:t>copy</a:t>
+            </a:r>
+            <a:endParaRPr lang="en-US" sz="1400" b="0" strike="noStrike" spc="-1">
+              <a:solidFill>
+                <a:srgbClr val="7030A0"/>
               </a:solidFill>
               <a:latin typeface="Arial"/>
             </a:endParaRPr>
           </a:p>
           <a:p>
-            <a:pPr marL="55440">
+            <a:pPr marL="743040" lvl="1" indent="-280800">
               <a:lnSpc>
                 <a:spcPct val="100000"/>
               </a:lnSpc>
               <a:spcBef>
-                <a:spcPts val="601"/>
-              </a:spcBef>
+                <a:spcPts val="300"/>
+              </a:spcBef>
+              <a:buClr>
+                <a:srgbClr val="191EA2"/>
+              </a:buClr>
+              <a:buSzPct val="50000"/>
+              <a:buFont typeface="Wingdings" charset="2"/>
+              <a:buChar char=""/>
             </a:pPr>
             <a:r>
               <a:rPr lang="en-US" sz="2000" b="0" strike="noStrike" spc="-1">
                 <a:solidFill>
-                  <a:srgbClr val="000000"/>
+                  <a:srgbClr val="191EA2"/>
                 </a:solidFill>
                 <a:latin typeface="Arial"/>
                 <a:ea typeface="Gill Sans Light"/>
               </a:rPr>
-              <a:t>	});</a:t>
+              <a:t>Host code that defines dependencies</a:t>
             </a:r>
             <a:endParaRPr lang="en-US" sz="2000" b="0" strike="noStrike" spc="-1">
               <a:solidFill>
-                <a:srgbClr val="191EA2"/>
+                <a:srgbClr val="000000"/>
               </a:solidFill>
               <a:latin typeface="Arial"/>
             </a:endParaRPr>
           </a:p>
           <a:p>
-            <a:pPr marL="55440">
+            <a:pPr marL="1085760" lvl="2" indent="-282240">
               <a:lnSpc>
                 <a:spcPct val="100000"/>
               </a:lnSpc>
               <a:spcBef>
-                <a:spcPts val="601"/>
-              </a:spcBef>
+                <a:spcPts val="300"/>
+              </a:spcBef>
+              <a:buClr>
+                <a:srgbClr val="000000"/>
+              </a:buClr>
+              <a:buFont typeface="Wingdings" charset="2"/>
+              <a:buChar char=""/>
             </a:pPr>
             <a:r>
-              <a:rPr lang="en-US" sz="2000" b="0" strike="noStrike" spc="-1">
+              <a:rPr lang="en-US" sz="1400" b="0" strike="noStrike" spc="-1">
                 <a:solidFill>
                   <a:srgbClr val="000000"/>
                 </a:solidFill>
                 <a:latin typeface="Arial"/>
                 <a:ea typeface="Gill Sans Light"/>
               </a:rPr>
-              <a:t>});</a:t>
-            </a:r>
-            <a:endParaRPr lang="en-US" sz="2000" b="0" strike="noStrike" spc="-1">
-              <a:solidFill>
-                <a:srgbClr val="191EA2"/>
-              </a:solidFill>
-              <a:latin typeface="Arial"/>
-            </a:endParaRPr>
-          </a:p>
-          <a:p>
-            <a:pPr marL="55440">
-              <a:lnSpc>
-                <a:spcPct val="100000"/>
-              </a:lnSpc>
-              <a:spcBef>
-                <a:spcPts val="601"/>
-              </a:spcBef>
-            </a:pPr>
-            <a:endParaRPr lang="en-US" sz="2000" b="0" strike="noStrike" spc="-1">
-              <a:solidFill>
-                <a:srgbClr val="191EA2"/>
-              </a:solidFill>
-              <a:latin typeface="Arial"/>
-            </a:endParaRPr>
-          </a:p>
-          <a:p>
-            <a:pPr marL="55440">
-              <a:lnSpc>
-                <a:spcPct val="100000"/>
-              </a:lnSpc>
-              <a:spcBef>
-                <a:spcPts val="601"/>
-              </a:spcBef>
-            </a:pPr>
-            <a:endParaRPr lang="en-US" sz="2000" b="0" strike="noStrike" spc="-1">
-              <a:solidFill>
-                <a:srgbClr val="191EA2"/>
-              </a:solidFill>
-              <a:latin typeface="Arial"/>
-            </a:endParaRPr>
-          </a:p>
-          <a:p>
-            <a:pPr marL="55440">
-              <a:lnSpc>
-                <a:spcPct val="100000"/>
-              </a:lnSpc>
-              <a:spcBef>
-                <a:spcPts val="601"/>
-              </a:spcBef>
-            </a:pPr>
-            <a:endParaRPr lang="en-US" sz="2000" b="0" strike="noStrike" spc="-1">
-              <a:solidFill>
-                <a:srgbClr val="191EA2"/>
-              </a:solidFill>
-              <a:latin typeface="Arial"/>
-            </a:endParaRPr>
-          </a:p>
-          <a:p>
-            <a:pPr marL="55440">
-              <a:lnSpc>
-                <a:spcPct val="100000"/>
-              </a:lnSpc>
-              <a:spcBef>
-                <a:spcPts val="601"/>
-              </a:spcBef>
-            </a:pPr>
-            <a:endParaRPr lang="en-US" sz="2000" b="0" strike="noStrike" spc="-1">
-              <a:solidFill>
-                <a:srgbClr val="191EA2"/>
-              </a:solidFill>
-              <a:latin typeface="Arial"/>
-            </a:endParaRPr>
-          </a:p>
-          <a:p>
-            <a:pPr marL="55440">
-              <a:lnSpc>
-                <a:spcPct val="100000"/>
-              </a:lnSpc>
-              <a:spcBef>
-                <a:spcPts val="601"/>
-              </a:spcBef>
-            </a:pPr>
-            <a:endParaRPr lang="en-US" sz="2000" b="0" strike="noStrike" spc="-1">
-              <a:solidFill>
-                <a:srgbClr val="191EA2"/>
-              </a:solidFill>
-              <a:latin typeface="Arial"/>
-            </a:endParaRPr>
-          </a:p>
-          <a:p>
-            <a:pPr marL="55440">
-              <a:lnSpc>
-                <a:spcPct val="100000"/>
-              </a:lnSpc>
-              <a:spcBef>
-                <a:spcPts val="601"/>
-              </a:spcBef>
-            </a:pPr>
-            <a:endParaRPr lang="en-US" sz="2000" b="0" strike="noStrike" spc="-1">
-              <a:solidFill>
-                <a:srgbClr val="191EA2"/>
-              </a:solidFill>
-              <a:latin typeface="Arial"/>
-            </a:endParaRPr>
-          </a:p>
-          <a:p>
-            <a:pPr marL="55440">
-              <a:lnSpc>
-                <a:spcPct val="100000"/>
-              </a:lnSpc>
-              <a:spcBef>
-                <a:spcPts val="601"/>
-              </a:spcBef>
-            </a:pPr>
-            <a:r>
-              <a:rPr lang="en-US" sz="2000" b="0" i="1" strike="noStrike" spc="-1">
-                <a:solidFill>
-                  <a:srgbClr val="000000"/>
-                </a:solidFill>
-                <a:latin typeface="Arial"/>
-                <a:ea typeface="Gill Sans Light"/>
-              </a:rPr>
-              <a:t>Source: Data Parallel C++, James Reinders et al. pg. 27</a:t>
-            </a:r>
-            <a:endParaRPr lang="en-US" sz="2000" b="0" strike="noStrike" spc="-1">
-              <a:solidFill>
-                <a:srgbClr val="191EA2"/>
-              </a:solidFill>
-              <a:latin typeface="Arial"/>
-            </a:endParaRPr>
-          </a:p>
-          <a:p>
-            <a:pPr marL="55440">
-              <a:lnSpc>
-                <a:spcPct val="100000"/>
-              </a:lnSpc>
-              <a:spcBef>
-                <a:spcPts val="601"/>
-              </a:spcBef>
-            </a:pPr>
-            <a:endParaRPr lang="en-US" sz="2000" b="0" strike="noStrike" spc="-1">
-              <a:solidFill>
-                <a:srgbClr val="191EA2"/>
+              <a:t>Restricts when asynchronous execution of the submitted work can begin. For example: creation of accessors or buffers</a:t>
+            </a:r>
+            <a:endParaRPr lang="en-US" sz="1400" b="0" strike="noStrike" spc="-1">
+              <a:solidFill>
+                <a:srgbClr val="7030A0"/>
               </a:solidFill>
               <a:latin typeface="Arial"/>
             </a:endParaRPr>
@@ -20144,7 +21507,7 @@
       </p:sp>
       <p:sp>
         <p:nvSpPr>
-          <p:cNvPr id="182" name="TextShape 2"/>
+          <p:cNvPr id="180" name="TextShape 2"/>
           <p:cNvSpPr txBox="1"/>
           <p:nvPr/>
         </p:nvSpPr>
@@ -20178,7 +21541,7 @@
                 <a:latin typeface="Arial"/>
                 <a:ea typeface="Gill Sans Light"/>
               </a:rPr>
-              <a:t>Device Work Submission Example</a:t>
+              <a:t>Command Groups</a:t>
             </a:r>
             <a:endParaRPr lang="en-US" sz="4000" b="0" strike="noStrike" spc="-1">
               <a:solidFill>
@@ -20422,7 +21785,7 @@
       </p:grpSpPr>
       <p:sp>
         <p:nvSpPr>
-          <p:cNvPr id="183" name="TextShape 1"/>
+          <p:cNvPr id="181" name="TextShape 1"/>
           <p:cNvSpPr txBox="1"/>
           <p:nvPr/>
         </p:nvSpPr>
@@ -20443,30 +21806,35 @@
           <a:bodyPr lIns="0" tIns="0" rIns="0" bIns="0"/>
           <a:lstStyle/>
           <a:p>
-            <a:pPr marL="457200" indent="-401400">
+            <a:pPr marL="55440">
               <a:lnSpc>
                 <a:spcPct val="100000"/>
               </a:lnSpc>
               <a:spcBef>
                 <a:spcPts val="601"/>
               </a:spcBef>
-              <a:buClr>
-                <a:srgbClr val="000000"/>
-              </a:buClr>
-              <a:buFont typeface="Wingdings" charset="2"/>
-              <a:buChar char=""/>
             </a:pPr>
             <a:r>
-              <a:rPr lang="en-US" sz="2800" b="0" strike="noStrike" spc="-1">
-                <a:solidFill>
-                  <a:srgbClr val="191EA2"/>
+              <a:rPr lang="en-US" sz="2000" b="0" strike="noStrike" spc="-1">
+                <a:solidFill>
+                  <a:srgbClr val="000000"/>
                 </a:solidFill>
                 <a:latin typeface="Arial"/>
                 <a:ea typeface="Gill Sans Light"/>
               </a:rPr>
-              <a:t>vector_addition.cpp</a:t>
-            </a:r>
-            <a:endParaRPr lang="en-US" sz="2800" b="0" strike="noStrike" spc="-1">
+              <a:t>Q.submit([&amp;](handler&amp; h) {		</a:t>
+            </a:r>
+            <a:r>
+              <a:rPr lang="en-US" sz="2000" b="0" strike="noStrike" spc="-1">
+                <a:solidFill>
+                  <a:srgbClr val="008000"/>
+                </a:solidFill>
+                <a:latin typeface="Arial"/>
+                <a:ea typeface="Gill Sans Light"/>
+              </a:rPr>
+              <a:t>// function called on host</a:t>
+            </a:r>
+            <a:endParaRPr lang="en-US" sz="2000" b="0" strike="noStrike" spc="-1">
               <a:solidFill>
                 <a:srgbClr val="191EA2"/>
               </a:solidFill>
@@ -20474,33 +21842,309 @@
             </a:endParaRPr>
           </a:p>
           <a:p>
-            <a:pPr marL="743040" lvl="1" indent="-280800">
+            <a:pPr marL="55440">
               <a:lnSpc>
                 <a:spcPct val="100000"/>
               </a:lnSpc>
               <a:spcBef>
-                <a:spcPts val="300"/>
-              </a:spcBef>
-              <a:buClr>
-                <a:srgbClr val="191EA2"/>
-              </a:buClr>
-              <a:buSzPct val="50000"/>
-              <a:buFont typeface="Wingdings" charset="2"/>
-              <a:buChar char=""/>
+                <a:spcPts val="601"/>
+              </a:spcBef>
             </a:pPr>
             <a:r>
-              <a:rPr lang="en-US" sz="2400" b="0" strike="noStrike" spc="-1">
-                <a:solidFill>
-                  <a:srgbClr val="191EA2"/>
+              <a:rPr lang="en-US" sz="2000" b="0" strike="noStrike" spc="-1">
+                <a:solidFill>
+                  <a:srgbClr val="000000"/>
                 </a:solidFill>
                 <a:latin typeface="Arial"/>
                 <a:ea typeface="Gill Sans Light"/>
               </a:rPr>
-              <a:t>https://github.com/BenjaminMFindley/Reconfig-2-SYCL-DPCPP/blob/main/Examples/vector_addition/vector_addition.cpp</a:t>
-            </a:r>
-            <a:endParaRPr lang="en-US" sz="2400" b="0" strike="noStrike" spc="-1">
-              <a:solidFill>
-                <a:srgbClr val="000000"/>
+              <a:t>	accessor acc{ B, h };			</a:t>
+            </a:r>
+            <a:r>
+              <a:rPr lang="en-US" sz="2000" b="0" strike="noStrike" spc="-1">
+                <a:solidFill>
+                  <a:srgbClr val="008000"/>
+                </a:solidFill>
+                <a:latin typeface="Arial"/>
+                <a:ea typeface="Gill Sans Light"/>
+              </a:rPr>
+              <a:t>// host code defining accessor, setting up dependencies</a:t>
+            </a:r>
+            <a:endParaRPr lang="en-US" sz="2000" b="0" strike="noStrike" spc="-1">
+              <a:solidFill>
+                <a:srgbClr val="191EA2"/>
+              </a:solidFill>
+              <a:latin typeface="Arial"/>
+            </a:endParaRPr>
+          </a:p>
+          <a:p>
+            <a:pPr marL="55440">
+              <a:lnSpc>
+                <a:spcPct val="100000"/>
+              </a:lnSpc>
+              <a:spcBef>
+                <a:spcPts val="601"/>
+              </a:spcBef>
+            </a:pPr>
+            <a:r>
+              <a:rPr lang="en-US" sz="2000" b="0" strike="noStrike" spc="-1">
+                <a:solidFill>
+                  <a:srgbClr val="000000"/>
+                </a:solidFill>
+                <a:latin typeface="Arial"/>
+                <a:ea typeface="Gill Sans Light"/>
+              </a:rPr>
+              <a:t>	h.parallel_for(size, [=](</a:t>
+            </a:r>
+            <a:r>
+              <a:rPr lang="en-US" sz="2000" b="0" strike="noStrike" spc="-1">
+                <a:solidFill>
+                  <a:srgbClr val="0000FF"/>
+                </a:solidFill>
+                <a:latin typeface="Arial"/>
+                <a:ea typeface="Gill Sans Light"/>
+              </a:rPr>
+              <a:t>auto</a:t>
+            </a:r>
+            <a:r>
+              <a:rPr lang="en-US" sz="2000" b="0" strike="noStrike" spc="-1">
+                <a:solidFill>
+                  <a:srgbClr val="000000"/>
+                </a:solidFill>
+                <a:latin typeface="Arial"/>
+                <a:ea typeface="Gill Sans Light"/>
+              </a:rPr>
+              <a:t>&amp; idx) {</a:t>
+            </a:r>
+            <a:endParaRPr lang="en-US" sz="2000" b="0" strike="noStrike" spc="-1">
+              <a:solidFill>
+                <a:srgbClr val="191EA2"/>
+              </a:solidFill>
+              <a:latin typeface="Arial"/>
+            </a:endParaRPr>
+          </a:p>
+          <a:p>
+            <a:pPr marL="55440">
+              <a:lnSpc>
+                <a:spcPct val="100000"/>
+              </a:lnSpc>
+              <a:spcBef>
+                <a:spcPts val="601"/>
+              </a:spcBef>
+            </a:pPr>
+            <a:r>
+              <a:rPr lang="en-US" sz="2000" b="0" strike="noStrike" spc="-1">
+                <a:solidFill>
+                  <a:srgbClr val="000000"/>
+                </a:solidFill>
+                <a:latin typeface="Arial"/>
+                <a:ea typeface="Gill Sans Light"/>
+              </a:rPr>
+              <a:t>		acc[idx] = idx;				</a:t>
+            </a:r>
+            <a:r>
+              <a:rPr lang="en-US" sz="2000" b="0" strike="noStrike" spc="-1">
+                <a:solidFill>
+                  <a:srgbClr val="008000"/>
+                </a:solidFill>
+                <a:latin typeface="Arial"/>
+                <a:ea typeface="Gill Sans Light"/>
+              </a:rPr>
+              <a:t>// Device code to be run when runtime dependencies are met</a:t>
+            </a:r>
+            <a:endParaRPr lang="en-US" sz="2000" b="0" strike="noStrike" spc="-1">
+              <a:solidFill>
+                <a:srgbClr val="191EA2"/>
+              </a:solidFill>
+              <a:latin typeface="Arial"/>
+            </a:endParaRPr>
+          </a:p>
+          <a:p>
+            <a:pPr marL="55440">
+              <a:lnSpc>
+                <a:spcPct val="100000"/>
+              </a:lnSpc>
+              <a:spcBef>
+                <a:spcPts val="601"/>
+              </a:spcBef>
+            </a:pPr>
+            <a:r>
+              <a:rPr lang="en-US" sz="2000" b="0" strike="noStrike" spc="-1">
+                <a:solidFill>
+                  <a:srgbClr val="000000"/>
+                </a:solidFill>
+                <a:latin typeface="Arial"/>
+                <a:ea typeface="Gill Sans Light"/>
+              </a:rPr>
+              <a:t>	});</a:t>
+            </a:r>
+            <a:endParaRPr lang="en-US" sz="2000" b="0" strike="noStrike" spc="-1">
+              <a:solidFill>
+                <a:srgbClr val="191EA2"/>
+              </a:solidFill>
+              <a:latin typeface="Arial"/>
+            </a:endParaRPr>
+          </a:p>
+          <a:p>
+            <a:pPr marL="55440">
+              <a:lnSpc>
+                <a:spcPct val="100000"/>
+              </a:lnSpc>
+              <a:spcBef>
+                <a:spcPts val="601"/>
+              </a:spcBef>
+            </a:pPr>
+            <a:r>
+              <a:rPr lang="en-US" sz="2000" b="0" strike="noStrike" spc="-1">
+                <a:solidFill>
+                  <a:srgbClr val="000000"/>
+                </a:solidFill>
+                <a:latin typeface="Arial"/>
+                <a:ea typeface="Gill Sans Light"/>
+              </a:rPr>
+              <a:t>});</a:t>
+            </a:r>
+            <a:endParaRPr lang="en-US" sz="2000" b="0" strike="noStrike" spc="-1">
+              <a:solidFill>
+                <a:srgbClr val="191EA2"/>
+              </a:solidFill>
+              <a:latin typeface="Arial"/>
+            </a:endParaRPr>
+          </a:p>
+          <a:p>
+            <a:pPr marL="55440">
+              <a:lnSpc>
+                <a:spcPct val="100000"/>
+              </a:lnSpc>
+              <a:spcBef>
+                <a:spcPts val="601"/>
+              </a:spcBef>
+            </a:pPr>
+            <a:endParaRPr lang="en-US" sz="2000" b="0" strike="noStrike" spc="-1">
+              <a:solidFill>
+                <a:srgbClr val="191EA2"/>
+              </a:solidFill>
+              <a:latin typeface="Arial"/>
+            </a:endParaRPr>
+          </a:p>
+          <a:p>
+            <a:pPr marL="55440">
+              <a:lnSpc>
+                <a:spcPct val="100000"/>
+              </a:lnSpc>
+              <a:spcBef>
+                <a:spcPts val="601"/>
+              </a:spcBef>
+            </a:pPr>
+            <a:endParaRPr lang="en-US" sz="2000" b="0" strike="noStrike" spc="-1">
+              <a:solidFill>
+                <a:srgbClr val="191EA2"/>
+              </a:solidFill>
+              <a:latin typeface="Arial"/>
+            </a:endParaRPr>
+          </a:p>
+          <a:p>
+            <a:pPr marL="55440">
+              <a:lnSpc>
+                <a:spcPct val="100000"/>
+              </a:lnSpc>
+              <a:spcBef>
+                <a:spcPts val="601"/>
+              </a:spcBef>
+            </a:pPr>
+            <a:endParaRPr lang="en-US" sz="2000" b="0" strike="noStrike" spc="-1">
+              <a:solidFill>
+                <a:srgbClr val="191EA2"/>
+              </a:solidFill>
+              <a:latin typeface="Arial"/>
+            </a:endParaRPr>
+          </a:p>
+          <a:p>
+            <a:pPr marL="55440">
+              <a:lnSpc>
+                <a:spcPct val="100000"/>
+              </a:lnSpc>
+              <a:spcBef>
+                <a:spcPts val="601"/>
+              </a:spcBef>
+            </a:pPr>
+            <a:endParaRPr lang="en-US" sz="2000" b="0" strike="noStrike" spc="-1">
+              <a:solidFill>
+                <a:srgbClr val="191EA2"/>
+              </a:solidFill>
+              <a:latin typeface="Arial"/>
+            </a:endParaRPr>
+          </a:p>
+          <a:p>
+            <a:pPr marL="55440">
+              <a:lnSpc>
+                <a:spcPct val="100000"/>
+              </a:lnSpc>
+              <a:spcBef>
+                <a:spcPts val="601"/>
+              </a:spcBef>
+            </a:pPr>
+            <a:endParaRPr lang="en-US" sz="2000" b="0" strike="noStrike" spc="-1">
+              <a:solidFill>
+                <a:srgbClr val="191EA2"/>
+              </a:solidFill>
+              <a:latin typeface="Arial"/>
+            </a:endParaRPr>
+          </a:p>
+          <a:p>
+            <a:pPr marL="55440">
+              <a:lnSpc>
+                <a:spcPct val="100000"/>
+              </a:lnSpc>
+              <a:spcBef>
+                <a:spcPts val="601"/>
+              </a:spcBef>
+            </a:pPr>
+            <a:endParaRPr lang="en-US" sz="2000" b="0" strike="noStrike" spc="-1">
+              <a:solidFill>
+                <a:srgbClr val="191EA2"/>
+              </a:solidFill>
+              <a:latin typeface="Arial"/>
+            </a:endParaRPr>
+          </a:p>
+          <a:p>
+            <a:pPr marL="55440">
+              <a:lnSpc>
+                <a:spcPct val="100000"/>
+              </a:lnSpc>
+              <a:spcBef>
+                <a:spcPts val="601"/>
+              </a:spcBef>
+            </a:pPr>
+            <a:r>
+              <a:rPr lang="en-US" sz="2000" b="0" i="1" strike="noStrike" spc="-1">
+                <a:solidFill>
+                  <a:srgbClr val="000000"/>
+                </a:solidFill>
+                <a:latin typeface="Arial"/>
+                <a:ea typeface="Gill Sans Light"/>
+              </a:rPr>
+              <a:t>Source: Data Parallel C++, James Reinders et al. pg. 27</a:t>
+            </a:r>
+            <a:endParaRPr lang="en-US" sz="2000" b="0" strike="noStrike" spc="-1">
+              <a:solidFill>
+                <a:srgbClr val="191EA2"/>
+              </a:solidFill>
+              <a:latin typeface="Arial"/>
+            </a:endParaRPr>
+          </a:p>
+          <a:p>
+            <a:pPr marL="55440">
+              <a:lnSpc>
+                <a:spcPct val="100000"/>
+              </a:lnSpc>
+              <a:spcBef>
+                <a:spcPts val="601"/>
+              </a:spcBef>
+            </a:pPr>
+            <a:endParaRPr lang="en-US" sz="2000" b="0" strike="noStrike" spc="-1">
+              <a:solidFill>
+                <a:srgbClr val="191EA2"/>
               </a:solidFill>
               <a:latin typeface="Arial"/>
             </a:endParaRPr>
@@ -20509,7 +22153,7 @@
       </p:sp>
       <p:sp>
         <p:nvSpPr>
-          <p:cNvPr id="184" name="TextShape 2"/>
+          <p:cNvPr id="182" name="TextShape 2"/>
           <p:cNvSpPr txBox="1"/>
           <p:nvPr/>
         </p:nvSpPr>
@@ -20536,16 +22180,16 @@
               </a:lnSpc>
             </a:pPr>
             <a:r>
-              <a:rPr lang="en-US" sz="4400" b="1" strike="noStrike" spc="-1">
+              <a:rPr lang="en-US" sz="4000" b="1" strike="noStrike" spc="-1">
                 <a:solidFill>
                   <a:srgbClr val="191EA2"/>
                 </a:solidFill>
                 <a:latin typeface="Arial"/>
                 <a:ea typeface="Gill Sans Light"/>
               </a:rPr>
-              <a:t>Example</a:t>
-            </a:r>
-            <a:endParaRPr lang="en-US" sz="4400" b="0" strike="noStrike" spc="-1">
+              <a:t>Device Work Submission Example</a:t>
+            </a:r>
+            <a:endParaRPr lang="en-US" sz="4000" b="0" strike="noStrike" spc="-1">
               <a:solidFill>
                 <a:srgbClr val="191EA2"/>
               </a:solidFill>
@@ -20608,7 +22252,7 @@
       </p:grpSpPr>
       <p:sp>
         <p:nvSpPr>
-          <p:cNvPr id="185" name="TextShape 1"/>
+          <p:cNvPr id="183" name="TextShape 1"/>
           <p:cNvSpPr txBox="1"/>
           <p:nvPr/>
         </p:nvSpPr>
@@ -20643,16 +22287,16 @@
               <a:buChar char=""/>
             </a:pPr>
             <a:r>
-              <a:rPr lang="en-US" sz="2000" b="0" strike="noStrike" spc="-1">
+              <a:rPr lang="en-US" sz="2800" b="0" strike="noStrike" spc="-1">
                 <a:solidFill>
                   <a:srgbClr val="191EA2"/>
                 </a:solidFill>
                 <a:latin typeface="Arial"/>
                 <a:ea typeface="Gill Sans Light"/>
               </a:rPr>
-              <a:t>Running heterogeneous computing systems efficiently requires careful handling of data</a:t>
-            </a:r>
-            <a:endParaRPr lang="en-US" sz="2000" b="0" strike="noStrike" spc="-1">
+              <a:t>vector_addition.cpp</a:t>
+            </a:r>
+            <a:endParaRPr lang="en-US" sz="2800" b="0" strike="noStrike" spc="-1">
               <a:solidFill>
                 <a:srgbClr val="191EA2"/>
               </a:solidFill>
@@ -20675,424 +22319,18 @@
               <a:buChar char=""/>
             </a:pPr>
             <a:r>
-              <a:rPr lang="en-US" sz="1600" b="0" strike="noStrike" spc="-1">
+              <a:rPr lang="en-US" sz="2400" b="0" strike="noStrike" spc="-1">
                 <a:solidFill>
                   <a:srgbClr val="191EA2"/>
                 </a:solidFill>
                 <a:latin typeface="Arial"/>
                 <a:ea typeface="Gill Sans Light"/>
               </a:rPr>
-              <a:t>Data must be available for accelerator execution as promptly as possible as any idle time is wasted</a:t>
-            </a:r>
-            <a:endParaRPr lang="en-US" sz="1600" b="0" strike="noStrike" spc="-1">
+              <a:t>https://github.com/BenjaminMFindley/Reconfig-2-SYCL-DPCPP/blob/main/Examples/vector_addition/vector_addition.cpp</a:t>
+            </a:r>
+            <a:endParaRPr lang="en-US" sz="2400" b="0" strike="noStrike" spc="-1">
               <a:solidFill>
                 <a:srgbClr val="000000"/>
-              </a:solidFill>
-              <a:latin typeface="Arial"/>
-            </a:endParaRPr>
-          </a:p>
-          <a:p>
-            <a:pPr marL="457200" indent="-401400">
-              <a:lnSpc>
-                <a:spcPct val="100000"/>
-              </a:lnSpc>
-              <a:spcBef>
-                <a:spcPts val="601"/>
-              </a:spcBef>
-              <a:buClr>
-                <a:srgbClr val="000000"/>
-              </a:buClr>
-              <a:buFont typeface="Wingdings" charset="2"/>
-              <a:buChar char=""/>
-            </a:pPr>
-            <a:r>
-              <a:rPr lang="en-US" sz="2000" b="0" strike="noStrike" spc="-1">
-                <a:solidFill>
-                  <a:srgbClr val="191EA2"/>
-                </a:solidFill>
-                <a:latin typeface="Arial"/>
-                <a:ea typeface="Gill Sans Light"/>
-              </a:rPr>
-              <a:t>There are two methods for managing data in DPC++</a:t>
-            </a:r>
-            <a:endParaRPr lang="en-US" sz="2000" b="0" strike="noStrike" spc="-1">
-              <a:solidFill>
-                <a:srgbClr val="191EA2"/>
-              </a:solidFill>
-              <a:latin typeface="Arial"/>
-            </a:endParaRPr>
-          </a:p>
-          <a:p>
-            <a:pPr marL="743040" lvl="1" indent="-280800">
-              <a:lnSpc>
-                <a:spcPct val="100000"/>
-              </a:lnSpc>
-              <a:spcBef>
-                <a:spcPts val="300"/>
-              </a:spcBef>
-              <a:buClr>
-                <a:srgbClr val="191EA2"/>
-              </a:buClr>
-              <a:buSzPct val="50000"/>
-              <a:buFont typeface="Wingdings" charset="2"/>
-              <a:buChar char=""/>
-            </a:pPr>
-            <a:r>
-              <a:rPr lang="en-US" sz="1600" b="0" strike="noStrike" spc="-1">
-                <a:solidFill>
-                  <a:srgbClr val="191EA2"/>
-                </a:solidFill>
-                <a:latin typeface="Arial"/>
-                <a:ea typeface="Gill Sans Light"/>
-              </a:rPr>
-              <a:t>Unified Shared Memory (USM)</a:t>
-            </a:r>
-            <a:endParaRPr lang="en-US" sz="1600" b="0" strike="noStrike" spc="-1">
-              <a:solidFill>
-                <a:srgbClr val="000000"/>
-              </a:solidFill>
-              <a:latin typeface="Arial"/>
-            </a:endParaRPr>
-          </a:p>
-          <a:p>
-            <a:pPr marL="743040" lvl="1" indent="-280800">
-              <a:lnSpc>
-                <a:spcPct val="100000"/>
-              </a:lnSpc>
-              <a:spcBef>
-                <a:spcPts val="300"/>
-              </a:spcBef>
-              <a:buClr>
-                <a:srgbClr val="191EA2"/>
-              </a:buClr>
-              <a:buSzPct val="50000"/>
-              <a:buFont typeface="Wingdings" charset="2"/>
-              <a:buChar char=""/>
-            </a:pPr>
-            <a:r>
-              <a:rPr lang="en-US" sz="1600" b="0" strike="noStrike" spc="-1">
-                <a:solidFill>
-                  <a:srgbClr val="191EA2"/>
-                </a:solidFill>
-                <a:latin typeface="Arial"/>
-                <a:ea typeface="Gill Sans Light"/>
-              </a:rPr>
-              <a:t>Buffers</a:t>
-            </a:r>
-            <a:endParaRPr lang="en-US" sz="1600" b="0" strike="noStrike" spc="-1">
-              <a:solidFill>
-                <a:srgbClr val="000000"/>
-              </a:solidFill>
-              <a:latin typeface="Arial"/>
-            </a:endParaRPr>
-          </a:p>
-          <a:p>
-            <a:pPr marL="457200" indent="-401400">
-              <a:lnSpc>
-                <a:spcPct val="100000"/>
-              </a:lnSpc>
-              <a:spcBef>
-                <a:spcPts val="601"/>
-              </a:spcBef>
-              <a:buClr>
-                <a:srgbClr val="000000"/>
-              </a:buClr>
-              <a:buFont typeface="Wingdings" charset="2"/>
-              <a:buChar char=""/>
-            </a:pPr>
-            <a:r>
-              <a:rPr lang="en-US" sz="2000" b="0" strike="noStrike" spc="-1">
-                <a:solidFill>
-                  <a:srgbClr val="191EA2"/>
-                </a:solidFill>
-                <a:latin typeface="Arial"/>
-                <a:ea typeface="Gill Sans Light"/>
-              </a:rPr>
-              <a:t>Device code requires data as input and may output its own data</a:t>
-            </a:r>
-            <a:endParaRPr lang="en-US" sz="2000" b="0" strike="noStrike" spc="-1">
-              <a:solidFill>
-                <a:srgbClr val="191EA2"/>
-              </a:solidFill>
-              <a:latin typeface="Arial"/>
-            </a:endParaRPr>
-          </a:p>
-          <a:p>
-            <a:pPr marL="457200" indent="-401400">
-              <a:lnSpc>
-                <a:spcPct val="100000"/>
-              </a:lnSpc>
-              <a:spcBef>
-                <a:spcPts val="601"/>
-              </a:spcBef>
-              <a:buClr>
-                <a:srgbClr val="000000"/>
-              </a:buClr>
-              <a:buFont typeface="Wingdings" charset="2"/>
-              <a:buChar char=""/>
-            </a:pPr>
-            <a:r>
-              <a:rPr lang="en-US" sz="2000" b="0" strike="noStrike" spc="-1">
-                <a:solidFill>
-                  <a:srgbClr val="191EA2"/>
-                </a:solidFill>
-                <a:latin typeface="Arial"/>
-                <a:ea typeface="Gill Sans Light"/>
-              </a:rPr>
-              <a:t>Devices may have their own distinct memory which cannot be accessed by the host</a:t>
-            </a:r>
-            <a:endParaRPr lang="en-US" sz="2000" b="0" strike="noStrike" spc="-1">
-              <a:solidFill>
-                <a:srgbClr val="191EA2"/>
-              </a:solidFill>
-              <a:latin typeface="Arial"/>
-            </a:endParaRPr>
-          </a:p>
-          <a:p>
-            <a:pPr marL="743040" lvl="1" indent="-280800">
-              <a:lnSpc>
-                <a:spcPct val="100000"/>
-              </a:lnSpc>
-              <a:spcBef>
-                <a:spcPts val="300"/>
-              </a:spcBef>
-              <a:buClr>
-                <a:srgbClr val="191EA2"/>
-              </a:buClr>
-              <a:buSzPct val="50000"/>
-              <a:buFont typeface="Wingdings" charset="2"/>
-              <a:buChar char=""/>
-            </a:pPr>
-            <a:r>
-              <a:rPr lang="en-US" sz="1600" b="0" strike="noStrike" spc="-1">
-                <a:solidFill>
-                  <a:srgbClr val="191EA2"/>
-                </a:solidFill>
-                <a:latin typeface="Arial"/>
-                <a:ea typeface="Gill Sans Light"/>
-              </a:rPr>
-              <a:t>Proper data management deals with the safe and efficient storage and movement of data between memory pools</a:t>
-            </a:r>
-            <a:endParaRPr lang="en-US" sz="1600" b="0" strike="noStrike" spc="-1">
-              <a:solidFill>
-                <a:srgbClr val="000000"/>
-              </a:solidFill>
-              <a:latin typeface="Arial"/>
-            </a:endParaRPr>
-          </a:p>
-          <a:p>
-            <a:pPr marL="457200" indent="-401400">
-              <a:lnSpc>
-                <a:spcPct val="100000"/>
-              </a:lnSpc>
-              <a:spcBef>
-                <a:spcPts val="601"/>
-              </a:spcBef>
-              <a:buClr>
-                <a:srgbClr val="000000"/>
-              </a:buClr>
-              <a:buFont typeface="Wingdings" charset="2"/>
-              <a:buChar char=""/>
-            </a:pPr>
-            <a:r>
-              <a:rPr lang="en-US" sz="2000" b="0" i="1" strike="noStrike" spc="-1">
-                <a:solidFill>
-                  <a:srgbClr val="191EA2"/>
-                </a:solidFill>
-                <a:latin typeface="Arial"/>
-                <a:ea typeface="Gill Sans Light"/>
-              </a:rPr>
-              <a:t>Remote Accesses</a:t>
-            </a:r>
-            <a:r>
-              <a:rPr lang="en-US" sz="2000" b="0" strike="noStrike" spc="-1">
-                <a:solidFill>
-                  <a:srgbClr val="191EA2"/>
-                </a:solidFill>
-                <a:latin typeface="Arial"/>
-                <a:ea typeface="Gill Sans Light"/>
-              </a:rPr>
-              <a:t> are accesses to data in another device’s memory</a:t>
-            </a:r>
-            <a:endParaRPr lang="en-US" sz="2000" b="0" strike="noStrike" spc="-1">
-              <a:solidFill>
-                <a:srgbClr val="191EA2"/>
-              </a:solidFill>
-              <a:latin typeface="Arial"/>
-            </a:endParaRPr>
-          </a:p>
-          <a:p>
-            <a:pPr marL="743040" lvl="1" indent="-280800">
-              <a:lnSpc>
-                <a:spcPct val="100000"/>
-              </a:lnSpc>
-              <a:spcBef>
-                <a:spcPts val="300"/>
-              </a:spcBef>
-              <a:buClr>
-                <a:srgbClr val="191EA2"/>
-              </a:buClr>
-              <a:buSzPct val="50000"/>
-              <a:buFont typeface="Wingdings" charset="2"/>
-              <a:buChar char=""/>
-            </a:pPr>
-            <a:r>
-              <a:rPr lang="en-US" sz="1600" b="0" strike="noStrike" spc="-1">
-                <a:solidFill>
-                  <a:srgbClr val="191EA2"/>
-                </a:solidFill>
-                <a:latin typeface="Arial"/>
-                <a:ea typeface="Gill Sans Light"/>
-              </a:rPr>
-              <a:t>Very slow</a:t>
-            </a:r>
-            <a:endParaRPr lang="en-US" sz="1600" b="0" strike="noStrike" spc="-1">
-              <a:solidFill>
-                <a:srgbClr val="000000"/>
-              </a:solidFill>
-              <a:latin typeface="Arial"/>
-            </a:endParaRPr>
-          </a:p>
-          <a:p>
-            <a:pPr marL="457200" indent="-401400">
-              <a:lnSpc>
-                <a:spcPct val="100000"/>
-              </a:lnSpc>
-              <a:spcBef>
-                <a:spcPts val="601"/>
-              </a:spcBef>
-              <a:buClr>
-                <a:srgbClr val="000000"/>
-              </a:buClr>
-              <a:buFont typeface="Wingdings" charset="2"/>
-              <a:buChar char=""/>
-            </a:pPr>
-            <a:r>
-              <a:rPr lang="en-US" sz="2000" b="0" i="1" strike="noStrike" spc="-1">
-                <a:solidFill>
-                  <a:srgbClr val="191EA2"/>
-                </a:solidFill>
-                <a:latin typeface="Arial"/>
-                <a:ea typeface="Gill Sans Light"/>
-              </a:rPr>
-              <a:t>Local Accesses</a:t>
-            </a:r>
-            <a:r>
-              <a:rPr lang="en-US" sz="2000" b="0" strike="noStrike" spc="-1">
-                <a:solidFill>
-                  <a:srgbClr val="191EA2"/>
-                </a:solidFill>
-                <a:latin typeface="Arial"/>
-                <a:ea typeface="Gill Sans Light"/>
-              </a:rPr>
-              <a:t> are accesses to data in directly-attached memory</a:t>
-            </a:r>
-            <a:endParaRPr lang="en-US" sz="2000" b="0" strike="noStrike" spc="-1">
-              <a:solidFill>
-                <a:srgbClr val="191EA2"/>
-              </a:solidFill>
-              <a:latin typeface="Arial"/>
-            </a:endParaRPr>
-          </a:p>
-          <a:p>
-            <a:pPr marL="743040" lvl="1" indent="-280800">
-              <a:lnSpc>
-                <a:spcPct val="100000"/>
-              </a:lnSpc>
-              <a:spcBef>
-                <a:spcPts val="300"/>
-              </a:spcBef>
-              <a:buClr>
-                <a:srgbClr val="191EA2"/>
-              </a:buClr>
-              <a:buSzPct val="50000"/>
-              <a:buFont typeface="Wingdings" charset="2"/>
-              <a:buChar char=""/>
-            </a:pPr>
-            <a:r>
-              <a:rPr lang="en-US" sz="1600" b="0" strike="noStrike" spc="-1">
-                <a:solidFill>
-                  <a:srgbClr val="191EA2"/>
-                </a:solidFill>
-                <a:latin typeface="Arial"/>
-                <a:ea typeface="Gill Sans Light"/>
-              </a:rPr>
-              <a:t>Much faster than remote accesses</a:t>
-            </a:r>
-            <a:endParaRPr lang="en-US" sz="1600" b="0" strike="noStrike" spc="-1">
-              <a:solidFill>
-                <a:srgbClr val="000000"/>
-              </a:solidFill>
-              <a:latin typeface="Arial"/>
-            </a:endParaRPr>
-          </a:p>
-          <a:p>
-            <a:pPr marL="743040" lvl="1" indent="-280800">
-              <a:lnSpc>
-                <a:spcPct val="100000"/>
-              </a:lnSpc>
-              <a:spcBef>
-                <a:spcPts val="300"/>
-              </a:spcBef>
-              <a:buClr>
-                <a:srgbClr val="191EA2"/>
-              </a:buClr>
-              <a:buSzPct val="50000"/>
-              <a:buFont typeface="Wingdings" charset="2"/>
-              <a:buChar char=""/>
-            </a:pPr>
-            <a:r>
-              <a:rPr lang="en-US" sz="1600" b="0" strike="noStrike" spc="-1">
-                <a:solidFill>
-                  <a:srgbClr val="191EA2"/>
-                </a:solidFill>
-                <a:latin typeface="Arial"/>
-                <a:ea typeface="Gill Sans Light"/>
-              </a:rPr>
-              <a:t>It is desirable for a device to utilize local memory for computation</a:t>
-            </a:r>
-            <a:endParaRPr lang="en-US" sz="1600" b="0" strike="noStrike" spc="-1">
-              <a:solidFill>
-                <a:srgbClr val="000000"/>
-              </a:solidFill>
-              <a:latin typeface="Arial"/>
-            </a:endParaRPr>
-          </a:p>
-          <a:p>
-            <a:pPr marL="1085760" lvl="2" indent="-282240">
-              <a:lnSpc>
-                <a:spcPct val="100000"/>
-              </a:lnSpc>
-              <a:spcBef>
-                <a:spcPts val="300"/>
-              </a:spcBef>
-              <a:buClr>
-                <a:srgbClr val="000000"/>
-              </a:buClr>
-              <a:buFont typeface="Wingdings" charset="2"/>
-              <a:buChar char=""/>
-            </a:pPr>
-            <a:r>
-              <a:rPr lang="en-US" sz="1200" b="0" strike="noStrike" spc="-1">
-                <a:solidFill>
-                  <a:srgbClr val="000000"/>
-                </a:solidFill>
-                <a:latin typeface="Arial"/>
-                <a:ea typeface="Gill Sans Light"/>
-              </a:rPr>
-              <a:t>May require manual movement of data between memory pools to ensure data is in local scope</a:t>
-            </a:r>
-            <a:endParaRPr lang="en-US" sz="1200" b="0" strike="noStrike" spc="-1">
-              <a:solidFill>
-                <a:srgbClr val="7030A0"/>
-              </a:solidFill>
-              <a:latin typeface="Arial"/>
-            </a:endParaRPr>
-          </a:p>
-          <a:p>
-            <a:endParaRPr lang="en-US" sz="1200" b="0" strike="noStrike" spc="-1">
-              <a:solidFill>
-                <a:srgbClr val="191EA2"/>
               </a:solidFill>
               <a:latin typeface="Arial"/>
             </a:endParaRPr>
@@ -21101,7 +22339,7 @@
       </p:sp>
       <p:sp>
         <p:nvSpPr>
-          <p:cNvPr id="186" name="TextShape 2"/>
+          <p:cNvPr id="184" name="TextShape 2"/>
           <p:cNvSpPr txBox="1"/>
           <p:nvPr/>
         </p:nvSpPr>
@@ -21128,16 +22366,16 @@
               </a:lnSpc>
             </a:pPr>
             <a:r>
-              <a:rPr lang="en-US" sz="4000" b="1" strike="noStrike" spc="-1">
+              <a:rPr lang="en-US" sz="4400" b="1" strike="noStrike" spc="-1">
                 <a:solidFill>
                   <a:srgbClr val="191EA2"/>
                 </a:solidFill>
                 <a:latin typeface="Arial"/>
                 <a:ea typeface="Gill Sans Light"/>
               </a:rPr>
-              <a:t>Data Management</a:t>
-            </a:r>
-            <a:endParaRPr lang="en-US" sz="4000" b="0" strike="noStrike" spc="-1">
+              <a:t>Example</a:t>
+            </a:r>
+            <a:endParaRPr lang="en-US" sz="4400" b="0" strike="noStrike" spc="-1">
               <a:solidFill>
                 <a:srgbClr val="191EA2"/>
               </a:solidFill>
@@ -21200,7 +22438,7 @@
       </p:grpSpPr>
       <p:sp>
         <p:nvSpPr>
-          <p:cNvPr id="187" name="TextShape 1"/>
+          <p:cNvPr id="185" name="TextShape 1"/>
           <p:cNvSpPr txBox="1"/>
           <p:nvPr/>
         </p:nvSpPr>
@@ -21235,47 +22473,16 @@
               <a:buChar char=""/>
             </a:pPr>
             <a:r>
-              <a:rPr lang="en-US" sz="2800" b="0" strike="noStrike" spc="-1">
+              <a:rPr lang="en-US" sz="2000" b="0" strike="noStrike" spc="-1">
                 <a:solidFill>
                   <a:srgbClr val="191EA2"/>
                 </a:solidFill>
                 <a:latin typeface="Arial"/>
                 <a:ea typeface="Gill Sans Light"/>
               </a:rPr>
-              <a:t>Dependencies between tasks may be implicit or explicit</a:t>
-            </a:r>
-            <a:endParaRPr lang="en-US" sz="2800" b="0" strike="noStrike" spc="-1">
-              <a:solidFill>
-                <a:srgbClr val="191EA2"/>
-              </a:solidFill>
-              <a:latin typeface="Arial"/>
-            </a:endParaRPr>
-          </a:p>
-          <a:p>
-            <a:pPr marL="457200" indent="-401400">
-              <a:lnSpc>
-                <a:spcPct val="100000"/>
-              </a:lnSpc>
-              <a:spcBef>
-                <a:spcPts val="601"/>
-              </a:spcBef>
-              <a:buClr>
-                <a:srgbClr val="000000"/>
-              </a:buClr>
-              <a:buFont typeface="Wingdings" charset="2"/>
-              <a:buChar char=""/>
-            </a:pPr>
-            <a:r>
-              <a:rPr lang="en-US" sz="2800" b="0" strike="noStrike" spc="-1">
-                <a:solidFill>
-                  <a:srgbClr val="191EA2"/>
-                </a:solidFill>
-                <a:latin typeface="Arial"/>
-                <a:ea typeface="Gill Sans Light"/>
-              </a:rPr>
-              <a:t>Explicit dependency refers to dependency between computations</a:t>
-            </a:r>
-            <a:endParaRPr lang="en-US" sz="2800" b="0" strike="noStrike" spc="-1">
+              <a:t>Running heterogeneous computing systems efficiently requires careful handling of data</a:t>
+            </a:r>
+            <a:endParaRPr lang="en-US" sz="2000" b="0" strike="noStrike" spc="-1">
               <a:solidFill>
                 <a:srgbClr val="191EA2"/>
               </a:solidFill>
@@ -21298,18 +22505,49 @@
               <a:buChar char=""/>
             </a:pPr>
             <a:r>
-              <a:rPr lang="en-US" sz="2400" b="0" strike="noStrike" spc="-1">
+              <a:rPr lang="en-US" sz="1600" b="0" strike="noStrike" spc="-1">
                 <a:solidFill>
                   <a:srgbClr val="191EA2"/>
                 </a:solidFill>
                 <a:latin typeface="Arial"/>
                 <a:ea typeface="Gill Sans Light"/>
               </a:rPr>
-              <a:t>Most relevant to code utilizing USM for data management</a:t>
-            </a:r>
-            <a:endParaRPr lang="en-US" sz="2400" b="0" strike="noStrike" spc="-1">
+              <a:t>Data must be available for accelerator execution as promptly as possible as any idle time is wasted</a:t>
+            </a:r>
+            <a:endParaRPr lang="en-US" sz="1600" b="0" strike="noStrike" spc="-1">
               <a:solidFill>
                 <a:srgbClr val="000000"/>
+              </a:solidFill>
+              <a:latin typeface="Arial"/>
+            </a:endParaRPr>
+          </a:p>
+          <a:p>
+            <a:pPr marL="457200" indent="-401400">
+              <a:lnSpc>
+                <a:spcPct val="100000"/>
+              </a:lnSpc>
+              <a:spcBef>
+                <a:spcPts val="601"/>
+              </a:spcBef>
+              <a:buClr>
+                <a:srgbClr val="000000"/>
+              </a:buClr>
+              <a:buFont typeface="Wingdings" charset="2"/>
+              <a:buChar char=""/>
+            </a:pPr>
+            <a:r>
+              <a:rPr lang="en-US" sz="2000" b="0" strike="noStrike" spc="-1">
+                <a:solidFill>
+                  <a:srgbClr val="191EA2"/>
+                </a:solidFill>
+                <a:latin typeface="Arial"/>
+                <a:ea typeface="Gill Sans Light"/>
+              </a:rPr>
+              <a:t>There are two methods for managing data in DPC++</a:t>
+            </a:r>
+            <a:endParaRPr lang="en-US" sz="2000" b="0" strike="noStrike" spc="-1">
+              <a:solidFill>
+                <a:srgbClr val="191EA2"/>
               </a:solidFill>
               <a:latin typeface="Arial"/>
             </a:endParaRPr>
@@ -21330,49 +22568,18 @@
               <a:buChar char=""/>
             </a:pPr>
             <a:r>
-              <a:rPr lang="en-US" sz="2400" b="0" strike="noStrike" spc="-1">
+              <a:rPr lang="en-US" sz="1600" b="0" strike="noStrike" spc="-1">
                 <a:solidFill>
                   <a:srgbClr val="191EA2"/>
                 </a:solidFill>
                 <a:latin typeface="Arial"/>
                 <a:ea typeface="Gill Sans Light"/>
               </a:rPr>
-              <a:t>Dependencies specified using events</a:t>
-            </a:r>
-            <a:endParaRPr lang="en-US" sz="2400" b="0" strike="noStrike" spc="-1">
+              <a:t>Unified Shared Memory (USM)</a:t>
+            </a:r>
+            <a:endParaRPr lang="en-US" sz="1600" b="0" strike="noStrike" spc="-1">
               <a:solidFill>
                 <a:srgbClr val="000000"/>
-              </a:solidFill>
-              <a:latin typeface="Arial"/>
-            </a:endParaRPr>
-          </a:p>
-          <a:p>
-            <a:pPr marL="457200" indent="-401400">
-              <a:lnSpc>
-                <a:spcPct val="100000"/>
-              </a:lnSpc>
-              <a:spcBef>
-                <a:spcPts val="601"/>
-              </a:spcBef>
-              <a:buClr>
-                <a:srgbClr val="000000"/>
-              </a:buClr>
-              <a:buFont typeface="Wingdings" charset="2"/>
-              <a:buChar char=""/>
-            </a:pPr>
-            <a:r>
-              <a:rPr lang="en-US" sz="2800" b="0" strike="noStrike" spc="-1">
-                <a:solidFill>
-                  <a:srgbClr val="191EA2"/>
-                </a:solidFill>
-                <a:latin typeface="Arial"/>
-                <a:ea typeface="Gill Sans Light"/>
-              </a:rPr>
-              <a:t>Implicit dependency refers to dependency between data accesses</a:t>
-            </a:r>
-            <a:endParaRPr lang="en-US" sz="2800" b="0" strike="noStrike" spc="-1">
-              <a:solidFill>
-                <a:srgbClr val="191EA2"/>
               </a:solidFill>
               <a:latin typeface="Arial"/>
             </a:endParaRPr>
@@ -21393,18 +22600,80 @@
               <a:buChar char=""/>
             </a:pPr>
             <a:r>
-              <a:rPr lang="en-US" sz="2400" b="0" strike="noStrike" spc="-1">
+              <a:rPr lang="en-US" sz="1600" b="0" strike="noStrike" spc="-1">
                 <a:solidFill>
                   <a:srgbClr val="191EA2"/>
                 </a:solidFill>
                 <a:latin typeface="Arial"/>
                 <a:ea typeface="Gill Sans Light"/>
               </a:rPr>
-              <a:t>Relevant to code utilizing buffers for data management</a:t>
-            </a:r>
-            <a:endParaRPr lang="en-US" sz="2400" b="0" strike="noStrike" spc="-1">
+              <a:t>Buffers</a:t>
+            </a:r>
+            <a:endParaRPr lang="en-US" sz="1600" b="0" strike="noStrike" spc="-1">
               <a:solidFill>
                 <a:srgbClr val="000000"/>
+              </a:solidFill>
+              <a:latin typeface="Arial"/>
+            </a:endParaRPr>
+          </a:p>
+          <a:p>
+            <a:pPr marL="457200" indent="-401400">
+              <a:lnSpc>
+                <a:spcPct val="100000"/>
+              </a:lnSpc>
+              <a:spcBef>
+                <a:spcPts val="601"/>
+              </a:spcBef>
+              <a:buClr>
+                <a:srgbClr val="000000"/>
+              </a:buClr>
+              <a:buFont typeface="Wingdings" charset="2"/>
+              <a:buChar char=""/>
+            </a:pPr>
+            <a:r>
+              <a:rPr lang="en-US" sz="2000" b="0" strike="noStrike" spc="-1">
+                <a:solidFill>
+                  <a:srgbClr val="191EA2"/>
+                </a:solidFill>
+                <a:latin typeface="Arial"/>
+                <a:ea typeface="Gill Sans Light"/>
+              </a:rPr>
+              <a:t>Device code requires data as input and may output its own data</a:t>
+            </a:r>
+            <a:endParaRPr lang="en-US" sz="2000" b="0" strike="noStrike" spc="-1">
+              <a:solidFill>
+                <a:srgbClr val="191EA2"/>
+              </a:solidFill>
+              <a:latin typeface="Arial"/>
+            </a:endParaRPr>
+          </a:p>
+          <a:p>
+            <a:pPr marL="457200" indent="-401400">
+              <a:lnSpc>
+                <a:spcPct val="100000"/>
+              </a:lnSpc>
+              <a:spcBef>
+                <a:spcPts val="601"/>
+              </a:spcBef>
+              <a:buClr>
+                <a:srgbClr val="000000"/>
+              </a:buClr>
+              <a:buFont typeface="Wingdings" charset="2"/>
+              <a:buChar char=""/>
+            </a:pPr>
+            <a:r>
+              <a:rPr lang="en-US" sz="2000" b="0" strike="noStrike" spc="-1">
+                <a:solidFill>
+                  <a:srgbClr val="191EA2"/>
+                </a:solidFill>
+                <a:latin typeface="Arial"/>
+                <a:ea typeface="Gill Sans Light"/>
+              </a:rPr>
+              <a:t>Devices may have their own distinct memory which cannot be accessed by the host</a:t>
+            </a:r>
+            <a:endParaRPr lang="en-US" sz="2000" b="0" strike="noStrike" spc="-1">
+              <a:solidFill>
+                <a:srgbClr val="191EA2"/>
               </a:solidFill>
               <a:latin typeface="Arial"/>
             </a:endParaRPr>
@@ -21425,18 +22694,235 @@
               <a:buChar char=""/>
             </a:pPr>
             <a:r>
-              <a:rPr lang="en-US" sz="2400" b="0" strike="noStrike" spc="-1">
+              <a:rPr lang="en-US" sz="1600" b="0" strike="noStrike" spc="-1">
                 <a:solidFill>
                   <a:srgbClr val="191EA2"/>
                 </a:solidFill>
                 <a:latin typeface="Arial"/>
                 <a:ea typeface="Gill Sans Light"/>
               </a:rPr>
-              <a:t>Dependencies specified through accessors</a:t>
-            </a:r>
-            <a:endParaRPr lang="en-US" sz="2400" b="0" strike="noStrike" spc="-1">
+              <a:t>Proper data management deals with the safe and efficient storage and movement of data between memory pools</a:t>
+            </a:r>
+            <a:endParaRPr lang="en-US" sz="1600" b="0" strike="noStrike" spc="-1">
               <a:solidFill>
                 <a:srgbClr val="000000"/>
+              </a:solidFill>
+              <a:latin typeface="Arial"/>
+            </a:endParaRPr>
+          </a:p>
+          <a:p>
+            <a:pPr marL="457200" indent="-401400">
+              <a:lnSpc>
+                <a:spcPct val="100000"/>
+              </a:lnSpc>
+              <a:spcBef>
+                <a:spcPts val="601"/>
+              </a:spcBef>
+              <a:buClr>
+                <a:srgbClr val="000000"/>
+              </a:buClr>
+              <a:buFont typeface="Wingdings" charset="2"/>
+              <a:buChar char=""/>
+            </a:pPr>
+            <a:r>
+              <a:rPr lang="en-US" sz="2000" b="0" i="1" strike="noStrike" spc="-1">
+                <a:solidFill>
+                  <a:srgbClr val="191EA2"/>
+                </a:solidFill>
+                <a:latin typeface="Arial"/>
+                <a:ea typeface="Gill Sans Light"/>
+              </a:rPr>
+              <a:t>Remote Accesses</a:t>
+            </a:r>
+            <a:r>
+              <a:rPr lang="en-US" sz="2000" b="0" strike="noStrike" spc="-1">
+                <a:solidFill>
+                  <a:srgbClr val="191EA2"/>
+                </a:solidFill>
+                <a:latin typeface="Arial"/>
+                <a:ea typeface="Gill Sans Light"/>
+              </a:rPr>
+              <a:t> are accesses to data in another device’s memory</a:t>
+            </a:r>
+            <a:endParaRPr lang="en-US" sz="2000" b="0" strike="noStrike" spc="-1">
+              <a:solidFill>
+                <a:srgbClr val="191EA2"/>
+              </a:solidFill>
+              <a:latin typeface="Arial"/>
+            </a:endParaRPr>
+          </a:p>
+          <a:p>
+            <a:pPr marL="743040" lvl="1" indent="-280800">
+              <a:lnSpc>
+                <a:spcPct val="100000"/>
+              </a:lnSpc>
+              <a:spcBef>
+                <a:spcPts val="300"/>
+              </a:spcBef>
+              <a:buClr>
+                <a:srgbClr val="191EA2"/>
+              </a:buClr>
+              <a:buSzPct val="50000"/>
+              <a:buFont typeface="Wingdings" charset="2"/>
+              <a:buChar char=""/>
+            </a:pPr>
+            <a:r>
+              <a:rPr lang="en-US" sz="1600" b="0" strike="noStrike" spc="-1">
+                <a:solidFill>
+                  <a:srgbClr val="191EA2"/>
+                </a:solidFill>
+                <a:latin typeface="Arial"/>
+                <a:ea typeface="Gill Sans Light"/>
+              </a:rPr>
+              <a:t>Very slow</a:t>
+            </a:r>
+            <a:endParaRPr lang="en-US" sz="1600" b="0" strike="noStrike" spc="-1">
+              <a:solidFill>
+                <a:srgbClr val="000000"/>
+              </a:solidFill>
+              <a:latin typeface="Arial"/>
+            </a:endParaRPr>
+          </a:p>
+          <a:p>
+            <a:pPr marL="457200" indent="-401400">
+              <a:lnSpc>
+                <a:spcPct val="100000"/>
+              </a:lnSpc>
+              <a:spcBef>
+                <a:spcPts val="601"/>
+              </a:spcBef>
+              <a:buClr>
+                <a:srgbClr val="000000"/>
+              </a:buClr>
+              <a:buFont typeface="Wingdings" charset="2"/>
+              <a:buChar char=""/>
+            </a:pPr>
+            <a:r>
+              <a:rPr lang="en-US" sz="2000" b="0" i="1" strike="noStrike" spc="-1">
+                <a:solidFill>
+                  <a:srgbClr val="191EA2"/>
+                </a:solidFill>
+                <a:latin typeface="Arial"/>
+                <a:ea typeface="Gill Sans Light"/>
+              </a:rPr>
+              <a:t>Local Accesses</a:t>
+            </a:r>
+            <a:r>
+              <a:rPr lang="en-US" sz="2000" b="0" strike="noStrike" spc="-1">
+                <a:solidFill>
+                  <a:srgbClr val="191EA2"/>
+                </a:solidFill>
+                <a:latin typeface="Arial"/>
+                <a:ea typeface="Gill Sans Light"/>
+              </a:rPr>
+              <a:t> are accesses to data in directly-attached memory</a:t>
+            </a:r>
+            <a:endParaRPr lang="en-US" sz="2000" b="0" strike="noStrike" spc="-1">
+              <a:solidFill>
+                <a:srgbClr val="191EA2"/>
+              </a:solidFill>
+              <a:latin typeface="Arial"/>
+            </a:endParaRPr>
+          </a:p>
+          <a:p>
+            <a:pPr marL="743040" lvl="1" indent="-280800">
+              <a:lnSpc>
+                <a:spcPct val="100000"/>
+              </a:lnSpc>
+              <a:spcBef>
+                <a:spcPts val="300"/>
+              </a:spcBef>
+              <a:buClr>
+                <a:srgbClr val="191EA2"/>
+              </a:buClr>
+              <a:buSzPct val="50000"/>
+              <a:buFont typeface="Wingdings" charset="2"/>
+              <a:buChar char=""/>
+            </a:pPr>
+            <a:r>
+              <a:rPr lang="en-US" sz="1600" b="0" strike="noStrike" spc="-1">
+                <a:solidFill>
+                  <a:srgbClr val="191EA2"/>
+                </a:solidFill>
+                <a:latin typeface="Arial"/>
+                <a:ea typeface="Gill Sans Light"/>
+              </a:rPr>
+              <a:t>Much faster than remote accesses</a:t>
+            </a:r>
+            <a:endParaRPr lang="en-US" sz="1600" b="0" strike="noStrike" spc="-1">
+              <a:solidFill>
+                <a:srgbClr val="000000"/>
+              </a:solidFill>
+              <a:latin typeface="Arial"/>
+            </a:endParaRPr>
+          </a:p>
+          <a:p>
+            <a:pPr marL="743040" lvl="1" indent="-280800">
+              <a:lnSpc>
+                <a:spcPct val="100000"/>
+              </a:lnSpc>
+              <a:spcBef>
+                <a:spcPts val="300"/>
+              </a:spcBef>
+              <a:buClr>
+                <a:srgbClr val="191EA2"/>
+              </a:buClr>
+              <a:buSzPct val="50000"/>
+              <a:buFont typeface="Wingdings" charset="2"/>
+              <a:buChar char=""/>
+            </a:pPr>
+            <a:r>
+              <a:rPr lang="en-US" sz="1600" b="0" strike="noStrike" spc="-1">
+                <a:solidFill>
+                  <a:srgbClr val="191EA2"/>
+                </a:solidFill>
+                <a:latin typeface="Arial"/>
+                <a:ea typeface="Gill Sans Light"/>
+              </a:rPr>
+              <a:t>It is desirable for a device to utilize local memory for computation</a:t>
+            </a:r>
+            <a:endParaRPr lang="en-US" sz="1600" b="0" strike="noStrike" spc="-1">
+              <a:solidFill>
+                <a:srgbClr val="000000"/>
+              </a:solidFill>
+              <a:latin typeface="Arial"/>
+            </a:endParaRPr>
+          </a:p>
+          <a:p>
+            <a:pPr marL="1085760" lvl="2" indent="-282240">
+              <a:lnSpc>
+                <a:spcPct val="100000"/>
+              </a:lnSpc>
+              <a:spcBef>
+                <a:spcPts val="300"/>
+              </a:spcBef>
+              <a:buClr>
+                <a:srgbClr val="000000"/>
+              </a:buClr>
+              <a:buFont typeface="Wingdings" charset="2"/>
+              <a:buChar char=""/>
+            </a:pPr>
+            <a:r>
+              <a:rPr lang="en-US" sz="1200" b="0" strike="noStrike" spc="-1">
+                <a:solidFill>
+                  <a:srgbClr val="000000"/>
+                </a:solidFill>
+                <a:latin typeface="Arial"/>
+                <a:ea typeface="Gill Sans Light"/>
+              </a:rPr>
+              <a:t>May require manual movement of data between memory pools to ensure data is in local scope</a:t>
+            </a:r>
+            <a:endParaRPr lang="en-US" sz="1200" b="0" strike="noStrike" spc="-1">
+              <a:solidFill>
+                <a:srgbClr val="7030A0"/>
+              </a:solidFill>
+              <a:latin typeface="Arial"/>
+            </a:endParaRPr>
+          </a:p>
+          <a:p>
+            <a:endParaRPr lang="en-US" sz="1200" b="0" strike="noStrike" spc="-1">
+              <a:solidFill>
+                <a:srgbClr val="191EA2"/>
               </a:solidFill>
               <a:latin typeface="Arial"/>
             </a:endParaRPr>
@@ -21445,7 +22931,7 @@
       </p:sp>
       <p:sp>
         <p:nvSpPr>
-          <p:cNvPr id="188" name="TextShape 2"/>
+          <p:cNvPr id="186" name="TextShape 2"/>
           <p:cNvSpPr txBox="1"/>
           <p:nvPr/>
         </p:nvSpPr>
@@ -21479,7 +22965,7 @@
                 <a:latin typeface="Arial"/>
                 <a:ea typeface="Gill Sans Light"/>
               </a:rPr>
-              <a:t>Dependency</a:t>
+              <a:t>Data Management</a:t>
             </a:r>
             <a:endParaRPr lang="en-US" sz="4000" b="0" strike="noStrike" spc="-1">
               <a:solidFill>
@@ -21544,6 +23030,350 @@
       </p:grpSpPr>
       <p:sp>
         <p:nvSpPr>
+          <p:cNvPr id="187" name="TextShape 1"/>
+          <p:cNvSpPr txBox="1"/>
+          <p:nvPr/>
+        </p:nvSpPr>
+        <p:spPr>
+          <a:xfrm>
+            <a:off x="271440" y="1116000"/>
+            <a:ext cx="11657520" cy="5078520"/>
+          </a:xfrm>
+          <a:prstGeom prst="rect">
+            <a:avLst/>
+          </a:prstGeom>
+          <a:noFill/>
+          <a:ln w="12600">
+            <a:noFill/>
+          </a:ln>
+        </p:spPr>
+        <p:txBody>
+          <a:bodyPr lIns="0" tIns="0" rIns="0" bIns="0"/>
+          <a:lstStyle/>
+          <a:p>
+            <a:pPr marL="457200" indent="-401400">
+              <a:lnSpc>
+                <a:spcPct val="100000"/>
+              </a:lnSpc>
+              <a:spcBef>
+                <a:spcPts val="601"/>
+              </a:spcBef>
+              <a:buClr>
+                <a:srgbClr val="000000"/>
+              </a:buClr>
+              <a:buFont typeface="Wingdings" charset="2"/>
+              <a:buChar char=""/>
+            </a:pPr>
+            <a:r>
+              <a:rPr lang="en-US" sz="2800" b="0" strike="noStrike" spc="-1">
+                <a:solidFill>
+                  <a:srgbClr val="191EA2"/>
+                </a:solidFill>
+                <a:latin typeface="Arial"/>
+                <a:ea typeface="Gill Sans Light"/>
+              </a:rPr>
+              <a:t>Dependencies between tasks may be implicit or explicit</a:t>
+            </a:r>
+            <a:endParaRPr lang="en-US" sz="2800" b="0" strike="noStrike" spc="-1">
+              <a:solidFill>
+                <a:srgbClr val="191EA2"/>
+              </a:solidFill>
+              <a:latin typeface="Arial"/>
+            </a:endParaRPr>
+          </a:p>
+          <a:p>
+            <a:pPr marL="457200" indent="-401400">
+              <a:lnSpc>
+                <a:spcPct val="100000"/>
+              </a:lnSpc>
+              <a:spcBef>
+                <a:spcPts val="601"/>
+              </a:spcBef>
+              <a:buClr>
+                <a:srgbClr val="000000"/>
+              </a:buClr>
+              <a:buFont typeface="Wingdings" charset="2"/>
+              <a:buChar char=""/>
+            </a:pPr>
+            <a:r>
+              <a:rPr lang="en-US" sz="2800" b="0" strike="noStrike" spc="-1">
+                <a:solidFill>
+                  <a:srgbClr val="191EA2"/>
+                </a:solidFill>
+                <a:latin typeface="Arial"/>
+                <a:ea typeface="Gill Sans Light"/>
+              </a:rPr>
+              <a:t>Explicit dependency refers to dependency between computations</a:t>
+            </a:r>
+            <a:endParaRPr lang="en-US" sz="2800" b="0" strike="noStrike" spc="-1">
+              <a:solidFill>
+                <a:srgbClr val="191EA2"/>
+              </a:solidFill>
+              <a:latin typeface="Arial"/>
+            </a:endParaRPr>
+          </a:p>
+          <a:p>
+            <a:pPr marL="743040" lvl="1" indent="-280800">
+              <a:lnSpc>
+                <a:spcPct val="100000"/>
+              </a:lnSpc>
+              <a:spcBef>
+                <a:spcPts val="300"/>
+              </a:spcBef>
+              <a:buClr>
+                <a:srgbClr val="191EA2"/>
+              </a:buClr>
+              <a:buSzPct val="50000"/>
+              <a:buFont typeface="Wingdings" charset="2"/>
+              <a:buChar char=""/>
+            </a:pPr>
+            <a:r>
+              <a:rPr lang="en-US" sz="2400" b="0" strike="noStrike" spc="-1">
+                <a:solidFill>
+                  <a:srgbClr val="191EA2"/>
+                </a:solidFill>
+                <a:latin typeface="Arial"/>
+                <a:ea typeface="Gill Sans Light"/>
+              </a:rPr>
+              <a:t>Most relevant to code utilizing USM for data management</a:t>
+            </a:r>
+            <a:endParaRPr lang="en-US" sz="2400" b="0" strike="noStrike" spc="-1">
+              <a:solidFill>
+                <a:srgbClr val="000000"/>
+              </a:solidFill>
+              <a:latin typeface="Arial"/>
+            </a:endParaRPr>
+          </a:p>
+          <a:p>
+            <a:pPr marL="743040" lvl="1" indent="-280800">
+              <a:lnSpc>
+                <a:spcPct val="100000"/>
+              </a:lnSpc>
+              <a:spcBef>
+                <a:spcPts val="300"/>
+              </a:spcBef>
+              <a:buClr>
+                <a:srgbClr val="191EA2"/>
+              </a:buClr>
+              <a:buSzPct val="50000"/>
+              <a:buFont typeface="Wingdings" charset="2"/>
+              <a:buChar char=""/>
+            </a:pPr>
+            <a:r>
+              <a:rPr lang="en-US" sz="2400" b="0" strike="noStrike" spc="-1">
+                <a:solidFill>
+                  <a:srgbClr val="191EA2"/>
+                </a:solidFill>
+                <a:latin typeface="Arial"/>
+                <a:ea typeface="Gill Sans Light"/>
+              </a:rPr>
+              <a:t>Dependencies specified using events</a:t>
+            </a:r>
+            <a:endParaRPr lang="en-US" sz="2400" b="0" strike="noStrike" spc="-1">
+              <a:solidFill>
+                <a:srgbClr val="000000"/>
+              </a:solidFill>
+              <a:latin typeface="Arial"/>
+            </a:endParaRPr>
+          </a:p>
+          <a:p>
+            <a:pPr marL="457200" indent="-401400">
+              <a:lnSpc>
+                <a:spcPct val="100000"/>
+              </a:lnSpc>
+              <a:spcBef>
+                <a:spcPts val="601"/>
+              </a:spcBef>
+              <a:buClr>
+                <a:srgbClr val="000000"/>
+              </a:buClr>
+              <a:buFont typeface="Wingdings" charset="2"/>
+              <a:buChar char=""/>
+            </a:pPr>
+            <a:r>
+              <a:rPr lang="en-US" sz="2800" b="0" strike="noStrike" spc="-1">
+                <a:solidFill>
+                  <a:srgbClr val="191EA2"/>
+                </a:solidFill>
+                <a:latin typeface="Arial"/>
+                <a:ea typeface="Gill Sans Light"/>
+              </a:rPr>
+              <a:t>Implicit dependency refers to dependency between data accesses</a:t>
+            </a:r>
+            <a:endParaRPr lang="en-US" sz="2800" b="0" strike="noStrike" spc="-1">
+              <a:solidFill>
+                <a:srgbClr val="191EA2"/>
+              </a:solidFill>
+              <a:latin typeface="Arial"/>
+            </a:endParaRPr>
+          </a:p>
+          <a:p>
+            <a:pPr marL="743040" lvl="1" indent="-280800">
+              <a:lnSpc>
+                <a:spcPct val="100000"/>
+              </a:lnSpc>
+              <a:spcBef>
+                <a:spcPts val="300"/>
+              </a:spcBef>
+              <a:buClr>
+                <a:srgbClr val="191EA2"/>
+              </a:buClr>
+              <a:buSzPct val="50000"/>
+              <a:buFont typeface="Wingdings" charset="2"/>
+              <a:buChar char=""/>
+            </a:pPr>
+            <a:r>
+              <a:rPr lang="en-US" sz="2400" b="0" strike="noStrike" spc="-1">
+                <a:solidFill>
+                  <a:srgbClr val="191EA2"/>
+                </a:solidFill>
+                <a:latin typeface="Arial"/>
+                <a:ea typeface="Gill Sans Light"/>
+              </a:rPr>
+              <a:t>Relevant to code utilizing buffers for data management</a:t>
+            </a:r>
+            <a:endParaRPr lang="en-US" sz="2400" b="0" strike="noStrike" spc="-1">
+              <a:solidFill>
+                <a:srgbClr val="000000"/>
+              </a:solidFill>
+              <a:latin typeface="Arial"/>
+            </a:endParaRPr>
+          </a:p>
+          <a:p>
+            <a:pPr marL="743040" lvl="1" indent="-280800">
+              <a:lnSpc>
+                <a:spcPct val="100000"/>
+              </a:lnSpc>
+              <a:spcBef>
+                <a:spcPts val="300"/>
+              </a:spcBef>
+              <a:buClr>
+                <a:srgbClr val="191EA2"/>
+              </a:buClr>
+              <a:buSzPct val="50000"/>
+              <a:buFont typeface="Wingdings" charset="2"/>
+              <a:buChar char=""/>
+            </a:pPr>
+            <a:r>
+              <a:rPr lang="en-US" sz="2400" b="0" strike="noStrike" spc="-1">
+                <a:solidFill>
+                  <a:srgbClr val="191EA2"/>
+                </a:solidFill>
+                <a:latin typeface="Arial"/>
+                <a:ea typeface="Gill Sans Light"/>
+              </a:rPr>
+              <a:t>Dependencies specified through accessors</a:t>
+            </a:r>
+            <a:endParaRPr lang="en-US" sz="2400" b="0" strike="noStrike" spc="-1">
+              <a:solidFill>
+                <a:srgbClr val="000000"/>
+              </a:solidFill>
+              <a:latin typeface="Arial"/>
+            </a:endParaRPr>
+          </a:p>
+        </p:txBody>
+      </p:sp>
+      <p:sp>
+        <p:nvSpPr>
+          <p:cNvPr id="188" name="TextShape 2"/>
+          <p:cNvSpPr txBox="1"/>
+          <p:nvPr/>
+        </p:nvSpPr>
+        <p:spPr>
+          <a:xfrm>
+            <a:off x="1526760" y="0"/>
+            <a:ext cx="9414720" cy="865800"/>
+          </a:xfrm>
+          <a:prstGeom prst="rect">
+            <a:avLst/>
+          </a:prstGeom>
+          <a:noFill/>
+          <a:ln w="12600">
+            <a:noFill/>
+          </a:ln>
+        </p:spPr>
+        <p:txBody>
+          <a:bodyPr lIns="127080" tIns="127080" rIns="127080" bIns="127080" anchor="ctr"/>
+          <a:lstStyle/>
+          <a:p>
+            <a:pPr>
+              <a:lnSpc>
+                <a:spcPct val="100000"/>
+              </a:lnSpc>
+            </a:pPr>
+            <a:r>
+              <a:rPr lang="en-US" sz="4000" b="1" strike="noStrike" spc="-1">
+                <a:solidFill>
+                  <a:srgbClr val="191EA2"/>
+                </a:solidFill>
+                <a:latin typeface="Arial"/>
+                <a:ea typeface="Gill Sans Light"/>
+              </a:rPr>
+              <a:t>Dependency</a:t>
+            </a:r>
+            <a:endParaRPr lang="en-US" sz="4000" b="0" strike="noStrike" spc="-1">
+              <a:solidFill>
+                <a:srgbClr val="191EA2"/>
+              </a:solidFill>
+              <a:latin typeface="Arial"/>
+            </a:endParaRPr>
+          </a:p>
+        </p:txBody>
+      </p:sp>
+    </p:spTree>
+  </p:cSld>
+  <p:clrMapOvr>
+    <a:masterClrMapping/>
+  </p:clrMapOvr>
+  <p:timing>
+    <p:tnLst>
+      <p:par>
+        <p:cTn id="1" dur="indefinite" restart="never" nodeType="tmRoot">
+          <p:childTnLst>
+            <p:seq>
+              <p:cTn id="2" dur="indefinite" nodeType="mainSeq"/>
+              <p:prevCondLst>
+                <p:cond evt="onPrev" delay="0">
+                  <p:tgtEl>
+                    <p:sldTgt/>
+                  </p:tgtEl>
+                </p:cond>
+              </p:prevCondLst>
+              <p:nextCondLst>
+                <p:cond evt="onNext" delay="0">
+                  <p:tgtEl>
+                    <p:sldTgt/>
+                  </p:tgtEl>
+                </p:cond>
+              </p:nextCondLst>
+            </p:seq>
+          </p:childTnLst>
+        </p:cTn>
+      </p:par>
+    </p:tnLst>
+  </p:timing>
+</p:sld>
+</file>
+
+<file path=ppt/slides/slide24.xml><?xml version="1.0" encoding="utf-8"?>
+<p:sld xmlns:a="http://schemas.openxmlformats.org/drawingml/2006/main" xmlns:r="http://schemas.openxmlformats.org/officeDocument/2006/relationships" xmlns:p="http://schemas.openxmlformats.org/presentationml/2006/main">
+  <p:cSld>
+    <p:spTree>
+      <p:nvGrpSpPr>
+        <p:cNvPr id="1" name=""/>
+        <p:cNvGrpSpPr/>
+        <p:nvPr/>
+      </p:nvGrpSpPr>
+      <p:grpSpPr>
+        <a:xfrm>
+          <a:off x="0" y="0"/>
+          <a:ext cx="0" cy="0"/>
+          <a:chOff x="0" y="0"/>
+          <a:chExt cx="0" cy="0"/>
+        </a:xfrm>
+      </p:grpSpPr>
+      <p:sp>
+        <p:nvSpPr>
           <p:cNvPr id="189" name="TextShape 1"/>
           <p:cNvSpPr txBox="1"/>
           <p:nvPr/>
@@ -22049,7 +23879,7 @@
 </p:sld>
 </file>
 
-<file path=ppt/slides/slide24.xml><?xml version="1.0" encoding="utf-8"?>
+<file path=ppt/slides/slide25.xml><?xml version="1.0" encoding="utf-8"?>
 <p:sld xmlns:a="http://schemas.openxmlformats.org/drawingml/2006/main" xmlns:r="http://schemas.openxmlformats.org/officeDocument/2006/relationships" xmlns:p="http://schemas.openxmlformats.org/presentationml/2006/main">
   <p:cSld>
     <p:spTree>
@@ -22460,7 +24290,7 @@
 </p:sld>
 </file>
 
-<file path=ppt/slides/slide25.xml><?xml version="1.0" encoding="utf-8"?>
+<file path=ppt/slides/slide26.xml><?xml version="1.0" encoding="utf-8"?>
 <p:sld xmlns:a="http://schemas.openxmlformats.org/drawingml/2006/main" xmlns:r="http://schemas.openxmlformats.org/officeDocument/2006/relationships" xmlns:p="http://schemas.openxmlformats.org/presentationml/2006/main">
   <p:cSld>
     <p:spTree>
@@ -22619,7 +24449,7 @@
 </p:sld>
 </file>
 
-<file path=ppt/slides/slide26.xml><?xml version="1.0" encoding="utf-8"?>
+<file path=ppt/slides/slide27.xml><?xml version="1.0" encoding="utf-8"?>
 <p:sld xmlns:a="http://schemas.openxmlformats.org/drawingml/2006/main" xmlns:r="http://schemas.openxmlformats.org/officeDocument/2006/relationships" xmlns:p="http://schemas.openxmlformats.org/presentationml/2006/main">
   <p:cSld>
     <p:spTree>
@@ -22978,7 +24808,7 @@
 </p:sld>
 </file>
 
-<file path=ppt/slides/slide27.xml><?xml version="1.0" encoding="utf-8"?>
+<file path=ppt/slides/slide28.xml><?xml version="1.0" encoding="utf-8"?>
 <p:sld xmlns:a="http://schemas.openxmlformats.org/drawingml/2006/main" xmlns:r="http://schemas.openxmlformats.org/officeDocument/2006/relationships" xmlns:p="http://schemas.openxmlformats.org/presentationml/2006/main">
   <p:cSld>
     <p:spTree>
@@ -23733,7 +25563,7 @@
 </p:sld>
 </file>
 
-<file path=ppt/slides/slide28.xml><?xml version="1.0" encoding="utf-8"?>
+<file path=ppt/slides/slide29.xml><?xml version="1.0" encoding="utf-8"?>
 <p:sld xmlns:a="http://schemas.openxmlformats.org/drawingml/2006/main" xmlns:r="http://schemas.openxmlformats.org/officeDocument/2006/relationships" xmlns:p="http://schemas.openxmlformats.org/presentationml/2006/main">
   <p:cSld>
     <p:spTree>
@@ -23876,593 +25706,6 @@
               <a:t>Example</a:t>
             </a:r>
             <a:endParaRPr lang="en-US" sz="4400" b="0" strike="noStrike" spc="-1">
-              <a:solidFill>
-                <a:srgbClr val="191EA2"/>
-              </a:solidFill>
-              <a:latin typeface="Arial"/>
-            </a:endParaRPr>
-          </a:p>
-        </p:txBody>
-      </p:sp>
-    </p:spTree>
-  </p:cSld>
-  <p:clrMapOvr>
-    <a:masterClrMapping/>
-  </p:clrMapOvr>
-</p:sld>
-</file>
-
-<file path=ppt/slides/slide29.xml><?xml version="1.0" encoding="utf-8"?>
-<p:sld xmlns:a="http://schemas.openxmlformats.org/drawingml/2006/main" xmlns:r="http://schemas.openxmlformats.org/officeDocument/2006/relationships" xmlns:p="http://schemas.openxmlformats.org/presentationml/2006/main">
-  <p:cSld>
-    <p:spTree>
-      <p:nvGrpSpPr>
-        <p:cNvPr id="1" name=""/>
-        <p:cNvGrpSpPr/>
-        <p:nvPr/>
-      </p:nvGrpSpPr>
-      <p:grpSpPr>
-        <a:xfrm>
-          <a:off x="0" y="0"/>
-          <a:ext cx="0" cy="0"/>
-          <a:chOff x="0" y="0"/>
-          <a:chExt cx="0" cy="0"/>
-        </a:xfrm>
-      </p:grpSpPr>
-      <p:sp>
-        <p:nvSpPr>
-          <p:cNvPr id="201" name="TextShape 1"/>
-          <p:cNvSpPr txBox="1"/>
-          <p:nvPr/>
-        </p:nvSpPr>
-        <p:spPr>
-          <a:xfrm>
-            <a:off x="271440" y="1116000"/>
-            <a:ext cx="11657520" cy="5078520"/>
-          </a:xfrm>
-          <a:prstGeom prst="rect">
-            <a:avLst/>
-          </a:prstGeom>
-          <a:noFill/>
-          <a:ln w="12600">
-            <a:noFill/>
-          </a:ln>
-        </p:spPr>
-        <p:txBody>
-          <a:bodyPr lIns="0" tIns="0" rIns="0" bIns="0"/>
-          <a:lstStyle/>
-          <a:p>
-            <a:pPr marL="457200" indent="-401400">
-              <a:lnSpc>
-                <a:spcPct val="100000"/>
-              </a:lnSpc>
-              <a:spcBef>
-                <a:spcPts val="601"/>
-              </a:spcBef>
-              <a:buClr>
-                <a:srgbClr val="000000"/>
-              </a:buClr>
-              <a:buFont typeface="Wingdings" charset="2"/>
-              <a:buChar char=""/>
-            </a:pPr>
-            <a:r>
-              <a:rPr lang="en-US" sz="2400" b="0" strike="noStrike" spc="-1">
-                <a:solidFill>
-                  <a:srgbClr val="191EA2"/>
-                </a:solidFill>
-                <a:latin typeface="Arial"/>
-                <a:ea typeface="Gill Sans Light"/>
-              </a:rPr>
-              <a:t>Default selector chooses most capable device at runtime</a:t>
-            </a:r>
-            <a:endParaRPr lang="en-US" sz="2400" b="0" strike="noStrike" spc="-1">
-              <a:solidFill>
-                <a:srgbClr val="191EA2"/>
-              </a:solidFill>
-              <a:latin typeface="Arial"/>
-            </a:endParaRPr>
-          </a:p>
-          <a:p>
-            <a:pPr marL="457200" indent="-401400">
-              <a:lnSpc>
-                <a:spcPct val="100000"/>
-              </a:lnSpc>
-              <a:spcBef>
-                <a:spcPts val="601"/>
-              </a:spcBef>
-              <a:buClr>
-                <a:srgbClr val="000000"/>
-              </a:buClr>
-              <a:buFont typeface="Wingdings" charset="2"/>
-              <a:buChar char=""/>
-            </a:pPr>
-            <a:r>
-              <a:rPr lang="en-US" sz="2400" b="0" strike="noStrike" spc="-1">
-                <a:solidFill>
-                  <a:srgbClr val="191EA2"/>
-                </a:solidFill>
-                <a:latin typeface="Arial"/>
-                <a:ea typeface="Gill Sans Light"/>
-              </a:rPr>
-              <a:t>Device selector classes exist to choose from specific class of device</a:t>
-            </a:r>
-            <a:endParaRPr lang="en-US" sz="2400" b="0" strike="noStrike" spc="-1">
-              <a:solidFill>
-                <a:srgbClr val="191EA2"/>
-              </a:solidFill>
-              <a:latin typeface="Arial"/>
-            </a:endParaRPr>
-          </a:p>
-          <a:p>
-            <a:pPr marL="743040" lvl="1" indent="-280800">
-              <a:lnSpc>
-                <a:spcPct val="100000"/>
-              </a:lnSpc>
-              <a:spcBef>
-                <a:spcPts val="300"/>
-              </a:spcBef>
-              <a:buClr>
-                <a:srgbClr val="191EA2"/>
-              </a:buClr>
-              <a:buSzPct val="50000"/>
-              <a:buFont typeface="Wingdings" charset="2"/>
-              <a:buChar char=""/>
-            </a:pPr>
-            <a:r>
-              <a:rPr lang="en-US" sz="2000" b="0" strike="noStrike" spc="-1">
-                <a:solidFill>
-                  <a:srgbClr val="191EA2"/>
-                </a:solidFill>
-                <a:latin typeface="Arial"/>
-                <a:ea typeface="Gill Sans Light"/>
-              </a:rPr>
-              <a:t>gpu_selector</a:t>
-            </a:r>
-            <a:endParaRPr lang="en-US" sz="2000" b="0" strike="noStrike" spc="-1">
-              <a:solidFill>
-                <a:srgbClr val="000000"/>
-              </a:solidFill>
-              <a:latin typeface="Arial"/>
-            </a:endParaRPr>
-          </a:p>
-          <a:p>
-            <a:pPr marL="743040" lvl="1" indent="-280800">
-              <a:lnSpc>
-                <a:spcPct val="100000"/>
-              </a:lnSpc>
-              <a:spcBef>
-                <a:spcPts val="300"/>
-              </a:spcBef>
-              <a:buClr>
-                <a:srgbClr val="191EA2"/>
-              </a:buClr>
-              <a:buSzPct val="50000"/>
-              <a:buFont typeface="Wingdings" charset="2"/>
-              <a:buChar char=""/>
-            </a:pPr>
-            <a:r>
-              <a:rPr lang="en-US" sz="2000" b="0" strike="noStrike" spc="-1">
-                <a:solidFill>
-                  <a:srgbClr val="191EA2"/>
-                </a:solidFill>
-                <a:latin typeface="Arial"/>
-                <a:ea typeface="Gill Sans Light"/>
-              </a:rPr>
-              <a:t>cpu_selector</a:t>
-            </a:r>
-            <a:endParaRPr lang="en-US" sz="2000" b="0" strike="noStrike" spc="-1">
-              <a:solidFill>
-                <a:srgbClr val="000000"/>
-              </a:solidFill>
-              <a:latin typeface="Arial"/>
-            </a:endParaRPr>
-          </a:p>
-          <a:p>
-            <a:pPr marL="743040" lvl="1" indent="-280800">
-              <a:lnSpc>
-                <a:spcPct val="100000"/>
-              </a:lnSpc>
-              <a:spcBef>
-                <a:spcPts val="300"/>
-              </a:spcBef>
-              <a:buClr>
-                <a:srgbClr val="191EA2"/>
-              </a:buClr>
-              <a:buSzPct val="50000"/>
-              <a:buFont typeface="Wingdings" charset="2"/>
-              <a:buChar char=""/>
-            </a:pPr>
-            <a:r>
-              <a:rPr lang="en-US" sz="2000" b="0" strike="noStrike" spc="-1">
-                <a:solidFill>
-                  <a:srgbClr val="191EA2"/>
-                </a:solidFill>
-                <a:latin typeface="Arial"/>
-                <a:ea typeface="Gill Sans Light"/>
-              </a:rPr>
-              <a:t>accelerator_selector</a:t>
-            </a:r>
-            <a:endParaRPr lang="en-US" sz="2000" b="0" strike="noStrike" spc="-1">
-              <a:solidFill>
-                <a:srgbClr val="000000"/>
-              </a:solidFill>
-              <a:latin typeface="Arial"/>
-            </a:endParaRPr>
-          </a:p>
-          <a:p>
-            <a:pPr marL="743040" lvl="1" indent="-280800">
-              <a:lnSpc>
-                <a:spcPct val="100000"/>
-              </a:lnSpc>
-              <a:spcBef>
-                <a:spcPts val="300"/>
-              </a:spcBef>
-              <a:buClr>
-                <a:srgbClr val="191EA2"/>
-              </a:buClr>
-              <a:buSzPct val="50000"/>
-              <a:buFont typeface="Wingdings" charset="2"/>
-              <a:buChar char=""/>
-            </a:pPr>
-            <a:r>
-              <a:rPr lang="en-US" sz="2000" b="0" strike="noStrike" spc="-1">
-                <a:solidFill>
-                  <a:srgbClr val="191EA2"/>
-                </a:solidFill>
-                <a:latin typeface="Arial"/>
-                <a:ea typeface="Gill Sans Light"/>
-              </a:rPr>
-              <a:t>fpga_selector exists via intel extension</a:t>
-            </a:r>
-            <a:endParaRPr lang="en-US" sz="2000" b="0" strike="noStrike" spc="-1">
-              <a:solidFill>
-                <a:srgbClr val="000000"/>
-              </a:solidFill>
-              <a:latin typeface="Arial"/>
-            </a:endParaRPr>
-          </a:p>
-          <a:p>
-            <a:pPr marL="743040" lvl="1" indent="-280800">
-              <a:lnSpc>
-                <a:spcPct val="100000"/>
-              </a:lnSpc>
-              <a:spcBef>
-                <a:spcPts val="300"/>
-              </a:spcBef>
-              <a:buClr>
-                <a:srgbClr val="191EA2"/>
-              </a:buClr>
-              <a:buSzPct val="50000"/>
-              <a:buFont typeface="Wingdings" charset="2"/>
-              <a:buChar char=""/>
-            </a:pPr>
-            <a:r>
-              <a:rPr lang="en-US" sz="2000" b="0" strike="noStrike" spc="-1">
-                <a:solidFill>
-                  <a:srgbClr val="191EA2"/>
-                </a:solidFill>
-                <a:latin typeface="Arial"/>
-                <a:ea typeface="Gill Sans Light"/>
-              </a:rPr>
-              <a:t>Useful for quick development, but typically want specific device for a task</a:t>
-            </a:r>
-            <a:endParaRPr lang="en-US" sz="2000" b="0" strike="noStrike" spc="-1">
-              <a:solidFill>
-                <a:srgbClr val="000000"/>
-              </a:solidFill>
-              <a:latin typeface="Arial"/>
-            </a:endParaRPr>
-          </a:p>
-          <a:p>
-            <a:pPr marL="457200" indent="-401400">
-              <a:lnSpc>
-                <a:spcPct val="100000"/>
-              </a:lnSpc>
-              <a:spcBef>
-                <a:spcPts val="601"/>
-              </a:spcBef>
-              <a:buClr>
-                <a:srgbClr val="000000"/>
-              </a:buClr>
-              <a:buFont typeface="Wingdings" charset="2"/>
-              <a:buChar char=""/>
-            </a:pPr>
-            <a:r>
-              <a:rPr lang="en-US" sz="2400" b="0" strike="noStrike" spc="-1">
-                <a:solidFill>
-                  <a:srgbClr val="191EA2"/>
-                </a:solidFill>
-                <a:latin typeface="Arial"/>
-                <a:ea typeface="Gill Sans Light"/>
-              </a:rPr>
-              <a:t>Custom selectors created by extending device_selector base class</a:t>
-            </a:r>
-            <a:endParaRPr lang="en-US" sz="2400" b="0" strike="noStrike" spc="-1">
-              <a:solidFill>
-                <a:srgbClr val="191EA2"/>
-              </a:solidFill>
-              <a:latin typeface="Arial"/>
-            </a:endParaRPr>
-          </a:p>
-          <a:p>
-            <a:pPr marL="684000">
-              <a:lnSpc>
-                <a:spcPct val="100000"/>
-              </a:lnSpc>
-              <a:spcBef>
-                <a:spcPts val="300"/>
-              </a:spcBef>
-            </a:pPr>
-            <a:r>
-              <a:rPr lang="en-US" sz="2000" b="0" strike="noStrike" spc="-1">
-                <a:solidFill>
-                  <a:srgbClr val="000000"/>
-                </a:solidFill>
-                <a:latin typeface="Consolas"/>
-                <a:ea typeface="Gill Sans Light"/>
-              </a:rPr>
-              <a:t>virtual</a:t>
-            </a:r>
-            <a:r>
-              <a:rPr lang="en-US" sz="2000" b="0" strike="noStrike" spc="-1">
-                <a:solidFill>
-                  <a:srgbClr val="A31515"/>
-                </a:solidFill>
-                <a:latin typeface="Consolas"/>
-                <a:ea typeface="Gill Sans Light"/>
-              </a:rPr>
-              <a:t> </a:t>
-            </a:r>
-            <a:r>
-              <a:rPr lang="en-US" sz="2000" b="0" strike="noStrike" spc="-1">
-                <a:solidFill>
-                  <a:srgbClr val="0365C0"/>
-                </a:solidFill>
-                <a:latin typeface="Consolas"/>
-                <a:ea typeface="Gill Sans Light"/>
-              </a:rPr>
-              <a:t>int</a:t>
-            </a:r>
-            <a:r>
-              <a:rPr lang="en-US" sz="2000" b="0" strike="noStrike" spc="-1">
-                <a:solidFill>
-                  <a:srgbClr val="A31515"/>
-                </a:solidFill>
-                <a:latin typeface="Consolas"/>
-                <a:ea typeface="Gill Sans Light"/>
-              </a:rPr>
-              <a:t> </a:t>
-            </a:r>
-            <a:r>
-              <a:rPr lang="en-US" sz="2000" b="0" strike="noStrike" spc="-1">
-                <a:solidFill>
-                  <a:srgbClr val="000000"/>
-                </a:solidFill>
-                <a:latin typeface="Consolas"/>
-                <a:ea typeface="Gill Sans Light"/>
-              </a:rPr>
-              <a:t>operator()(</a:t>
-            </a:r>
-            <a:r>
-              <a:rPr lang="en-US" sz="2000" b="0" strike="noStrike" spc="-1">
-                <a:solidFill>
-                  <a:srgbClr val="0365C0"/>
-                </a:solidFill>
-                <a:latin typeface="Consolas"/>
-                <a:ea typeface="Gill Sans Light"/>
-              </a:rPr>
-              <a:t>const</a:t>
-            </a:r>
-            <a:r>
-              <a:rPr lang="en-US" sz="2000" b="0" strike="noStrike" spc="-1">
-                <a:solidFill>
-                  <a:srgbClr val="A31515"/>
-                </a:solidFill>
-                <a:latin typeface="Consolas"/>
-                <a:ea typeface="Gill Sans Light"/>
-              </a:rPr>
-              <a:t> </a:t>
-            </a:r>
-            <a:r>
-              <a:rPr lang="en-US" sz="2000" b="0" strike="noStrike" spc="-1">
-                <a:solidFill>
-                  <a:srgbClr val="000080"/>
-                </a:solidFill>
-                <a:latin typeface="Consolas"/>
-                <a:ea typeface="Gill Sans Light"/>
-              </a:rPr>
-              <a:t>device</a:t>
-            </a:r>
-            <a:r>
-              <a:rPr lang="en-US" sz="2000" b="0" strike="noStrike" spc="-1">
-                <a:solidFill>
-                  <a:srgbClr val="A31515"/>
-                </a:solidFill>
-                <a:latin typeface="Consolas"/>
-                <a:ea typeface="Gill Sans Light"/>
-              </a:rPr>
-              <a:t> </a:t>
-            </a:r>
-            <a:r>
-              <a:rPr lang="en-US" sz="2000" b="0" strike="noStrike" spc="-1">
-                <a:solidFill>
-                  <a:srgbClr val="000000"/>
-                </a:solidFill>
-                <a:latin typeface="Consolas"/>
-                <a:ea typeface="Gill Sans Light"/>
-              </a:rPr>
-              <a:t>&amp;</a:t>
-            </a:r>
-            <a:r>
-              <a:rPr lang="en-US" sz="2000" b="0" strike="noStrike" spc="-1">
-                <a:solidFill>
-                  <a:srgbClr val="000080"/>
-                </a:solidFill>
-                <a:latin typeface="Consolas"/>
-                <a:ea typeface="Gill Sans Light"/>
-              </a:rPr>
-              <a:t>dev</a:t>
-            </a:r>
-            <a:r>
-              <a:rPr lang="en-US" sz="2000" b="0" strike="noStrike" spc="-1">
-                <a:solidFill>
-                  <a:srgbClr val="000000"/>
-                </a:solidFill>
-                <a:latin typeface="Consolas"/>
-                <a:ea typeface="Gill Sans Light"/>
-              </a:rPr>
-              <a:t>)</a:t>
-            </a:r>
-            <a:r>
-              <a:rPr lang="en-US" sz="2000" b="0" strike="noStrike" spc="-1">
-                <a:solidFill>
-                  <a:srgbClr val="A31515"/>
-                </a:solidFill>
-                <a:latin typeface="Consolas"/>
-                <a:ea typeface="Gill Sans Light"/>
-              </a:rPr>
-              <a:t> </a:t>
-            </a:r>
-            <a:r>
-              <a:rPr lang="en-US" sz="2000" b="0" strike="noStrike" spc="-1">
-                <a:solidFill>
-                  <a:srgbClr val="0365C0"/>
-                </a:solidFill>
-                <a:latin typeface="Consolas"/>
-                <a:ea typeface="Gill Sans Light"/>
-              </a:rPr>
-              <a:t>const</a:t>
-            </a:r>
-            <a:r>
-              <a:rPr lang="en-US" sz="2000" b="0" strike="noStrike" spc="-1">
-                <a:solidFill>
-                  <a:srgbClr val="A31515"/>
-                </a:solidFill>
-                <a:latin typeface="Consolas"/>
-                <a:ea typeface="Gill Sans Light"/>
-              </a:rPr>
-              <a:t> </a:t>
-            </a:r>
-            <a:r>
-              <a:rPr lang="en-US" sz="2000" b="0" strike="noStrike" spc="-1">
-                <a:solidFill>
-                  <a:srgbClr val="000000"/>
-                </a:solidFill>
-                <a:latin typeface="Consolas"/>
-                <a:ea typeface="Gill Sans Light"/>
-              </a:rPr>
-              <a:t>{</a:t>
-            </a:r>
-            <a:endParaRPr lang="en-US" sz="2000" b="0" strike="noStrike" spc="-1">
-              <a:solidFill>
-                <a:srgbClr val="191EA2"/>
-              </a:solidFill>
-              <a:latin typeface="Arial"/>
-            </a:endParaRPr>
-          </a:p>
-          <a:p>
-            <a:pPr marL="684000">
-              <a:lnSpc>
-                <a:spcPct val="100000"/>
-              </a:lnSpc>
-              <a:spcBef>
-                <a:spcPts val="300"/>
-              </a:spcBef>
-            </a:pPr>
-            <a:r>
-              <a:rPr lang="en-US" sz="2000" b="0" strike="noStrike" spc="-1">
-                <a:solidFill>
-                  <a:srgbClr val="A31515"/>
-                </a:solidFill>
-                <a:latin typeface="Consolas"/>
-                <a:ea typeface="Gill Sans Light"/>
-              </a:rPr>
-              <a:t>		</a:t>
-            </a:r>
-            <a:r>
-              <a:rPr lang="en-US" sz="2000" b="0" strike="noStrike" spc="-1">
-                <a:solidFill>
-                  <a:srgbClr val="00882B"/>
-                </a:solidFill>
-                <a:latin typeface="Consolas"/>
-                <a:ea typeface="Gill Sans Light"/>
-              </a:rPr>
-              <a:t>/* Device selection logic */</a:t>
-            </a:r>
-            <a:endParaRPr lang="en-US" sz="2000" b="0" strike="noStrike" spc="-1">
-              <a:solidFill>
-                <a:srgbClr val="191EA2"/>
-              </a:solidFill>
-              <a:latin typeface="Arial"/>
-            </a:endParaRPr>
-          </a:p>
-          <a:p>
-            <a:pPr marL="684000">
-              <a:lnSpc>
-                <a:spcPct val="100000"/>
-              </a:lnSpc>
-              <a:spcBef>
-                <a:spcPts val="300"/>
-              </a:spcBef>
-            </a:pPr>
-            <a:r>
-              <a:rPr lang="en-US" sz="2000" b="0" strike="noStrike" spc="-1">
-                <a:solidFill>
-                  <a:srgbClr val="000000"/>
-                </a:solidFill>
-                <a:latin typeface="Consolas"/>
-                <a:ea typeface="Gill Sans Light"/>
-              </a:rPr>
-              <a:t>}</a:t>
-            </a:r>
-            <a:endParaRPr lang="en-US" sz="2000" b="0" strike="noStrike" spc="-1">
-              <a:solidFill>
-                <a:srgbClr val="191EA2"/>
-              </a:solidFill>
-              <a:latin typeface="Arial"/>
-            </a:endParaRPr>
-          </a:p>
-        </p:txBody>
-      </p:sp>
-      <p:sp>
-        <p:nvSpPr>
-          <p:cNvPr id="202" name="TextShape 2"/>
-          <p:cNvSpPr txBox="1"/>
-          <p:nvPr/>
-        </p:nvSpPr>
-        <p:spPr>
-          <a:xfrm>
-            <a:off x="1526760" y="0"/>
-            <a:ext cx="9414720" cy="865800"/>
-          </a:xfrm>
-          <a:prstGeom prst="rect">
-            <a:avLst/>
-          </a:prstGeom>
-          <a:noFill/>
-          <a:ln w="12600">
-            <a:noFill/>
-          </a:ln>
-        </p:spPr>
-        <p:txBody>
-          <a:bodyPr lIns="127080" tIns="127080" rIns="127080" bIns="127080" anchor="ctr"/>
-          <a:lstStyle/>
-          <a:p>
-            <a:pPr>
-              <a:lnSpc>
-                <a:spcPct val="100000"/>
-              </a:lnSpc>
-            </a:pPr>
-            <a:r>
-              <a:rPr lang="en-US" sz="4000" b="1" strike="noStrike" spc="-1">
-                <a:solidFill>
-                  <a:srgbClr val="191EA2"/>
-                </a:solidFill>
-                <a:latin typeface="Arial"/>
-                <a:ea typeface="Gill Sans Light"/>
-              </a:rPr>
-              <a:t>Device Selection</a:t>
-            </a:r>
-            <a:endParaRPr lang="en-US" sz="4000" b="0" strike="noStrike" spc="-1">
               <a:solidFill>
                 <a:srgbClr val="191EA2"/>
               </a:solidFill>
@@ -25229,6 +26472,593 @@
       </p:grpSpPr>
       <p:sp>
         <p:nvSpPr>
+          <p:cNvPr id="201" name="TextShape 1"/>
+          <p:cNvSpPr txBox="1"/>
+          <p:nvPr/>
+        </p:nvSpPr>
+        <p:spPr>
+          <a:xfrm>
+            <a:off x="271440" y="1116000"/>
+            <a:ext cx="11657520" cy="5078520"/>
+          </a:xfrm>
+          <a:prstGeom prst="rect">
+            <a:avLst/>
+          </a:prstGeom>
+          <a:noFill/>
+          <a:ln w="12600">
+            <a:noFill/>
+          </a:ln>
+        </p:spPr>
+        <p:txBody>
+          <a:bodyPr lIns="0" tIns="0" rIns="0" bIns="0"/>
+          <a:lstStyle/>
+          <a:p>
+            <a:pPr marL="457200" indent="-401400">
+              <a:lnSpc>
+                <a:spcPct val="100000"/>
+              </a:lnSpc>
+              <a:spcBef>
+                <a:spcPts val="601"/>
+              </a:spcBef>
+              <a:buClr>
+                <a:srgbClr val="000000"/>
+              </a:buClr>
+              <a:buFont typeface="Wingdings" charset="2"/>
+              <a:buChar char=""/>
+            </a:pPr>
+            <a:r>
+              <a:rPr lang="en-US" sz="2400" b="0" strike="noStrike" spc="-1">
+                <a:solidFill>
+                  <a:srgbClr val="191EA2"/>
+                </a:solidFill>
+                <a:latin typeface="Arial"/>
+                <a:ea typeface="Gill Sans Light"/>
+              </a:rPr>
+              <a:t>Default selector chooses most capable device at runtime</a:t>
+            </a:r>
+            <a:endParaRPr lang="en-US" sz="2400" b="0" strike="noStrike" spc="-1">
+              <a:solidFill>
+                <a:srgbClr val="191EA2"/>
+              </a:solidFill>
+              <a:latin typeface="Arial"/>
+            </a:endParaRPr>
+          </a:p>
+          <a:p>
+            <a:pPr marL="457200" indent="-401400">
+              <a:lnSpc>
+                <a:spcPct val="100000"/>
+              </a:lnSpc>
+              <a:spcBef>
+                <a:spcPts val="601"/>
+              </a:spcBef>
+              <a:buClr>
+                <a:srgbClr val="000000"/>
+              </a:buClr>
+              <a:buFont typeface="Wingdings" charset="2"/>
+              <a:buChar char=""/>
+            </a:pPr>
+            <a:r>
+              <a:rPr lang="en-US" sz="2400" b="0" strike="noStrike" spc="-1">
+                <a:solidFill>
+                  <a:srgbClr val="191EA2"/>
+                </a:solidFill>
+                <a:latin typeface="Arial"/>
+                <a:ea typeface="Gill Sans Light"/>
+              </a:rPr>
+              <a:t>Device selector classes exist to choose from specific class of device</a:t>
+            </a:r>
+            <a:endParaRPr lang="en-US" sz="2400" b="0" strike="noStrike" spc="-1">
+              <a:solidFill>
+                <a:srgbClr val="191EA2"/>
+              </a:solidFill>
+              <a:latin typeface="Arial"/>
+            </a:endParaRPr>
+          </a:p>
+          <a:p>
+            <a:pPr marL="743040" lvl="1" indent="-280800">
+              <a:lnSpc>
+                <a:spcPct val="100000"/>
+              </a:lnSpc>
+              <a:spcBef>
+                <a:spcPts val="300"/>
+              </a:spcBef>
+              <a:buClr>
+                <a:srgbClr val="191EA2"/>
+              </a:buClr>
+              <a:buSzPct val="50000"/>
+              <a:buFont typeface="Wingdings" charset="2"/>
+              <a:buChar char=""/>
+            </a:pPr>
+            <a:r>
+              <a:rPr lang="en-US" sz="2000" b="0" strike="noStrike" spc="-1">
+                <a:solidFill>
+                  <a:srgbClr val="191EA2"/>
+                </a:solidFill>
+                <a:latin typeface="Arial"/>
+                <a:ea typeface="Gill Sans Light"/>
+              </a:rPr>
+              <a:t>gpu_selector</a:t>
+            </a:r>
+            <a:endParaRPr lang="en-US" sz="2000" b="0" strike="noStrike" spc="-1">
+              <a:solidFill>
+                <a:srgbClr val="000000"/>
+              </a:solidFill>
+              <a:latin typeface="Arial"/>
+            </a:endParaRPr>
+          </a:p>
+          <a:p>
+            <a:pPr marL="743040" lvl="1" indent="-280800">
+              <a:lnSpc>
+                <a:spcPct val="100000"/>
+              </a:lnSpc>
+              <a:spcBef>
+                <a:spcPts val="300"/>
+              </a:spcBef>
+              <a:buClr>
+                <a:srgbClr val="191EA2"/>
+              </a:buClr>
+              <a:buSzPct val="50000"/>
+              <a:buFont typeface="Wingdings" charset="2"/>
+              <a:buChar char=""/>
+            </a:pPr>
+            <a:r>
+              <a:rPr lang="en-US" sz="2000" b="0" strike="noStrike" spc="-1">
+                <a:solidFill>
+                  <a:srgbClr val="191EA2"/>
+                </a:solidFill>
+                <a:latin typeface="Arial"/>
+                <a:ea typeface="Gill Sans Light"/>
+              </a:rPr>
+              <a:t>cpu_selector</a:t>
+            </a:r>
+            <a:endParaRPr lang="en-US" sz="2000" b="0" strike="noStrike" spc="-1">
+              <a:solidFill>
+                <a:srgbClr val="000000"/>
+              </a:solidFill>
+              <a:latin typeface="Arial"/>
+            </a:endParaRPr>
+          </a:p>
+          <a:p>
+            <a:pPr marL="743040" lvl="1" indent="-280800">
+              <a:lnSpc>
+                <a:spcPct val="100000"/>
+              </a:lnSpc>
+              <a:spcBef>
+                <a:spcPts val="300"/>
+              </a:spcBef>
+              <a:buClr>
+                <a:srgbClr val="191EA2"/>
+              </a:buClr>
+              <a:buSzPct val="50000"/>
+              <a:buFont typeface="Wingdings" charset="2"/>
+              <a:buChar char=""/>
+            </a:pPr>
+            <a:r>
+              <a:rPr lang="en-US" sz="2000" b="0" strike="noStrike" spc="-1">
+                <a:solidFill>
+                  <a:srgbClr val="191EA2"/>
+                </a:solidFill>
+                <a:latin typeface="Arial"/>
+                <a:ea typeface="Gill Sans Light"/>
+              </a:rPr>
+              <a:t>accelerator_selector</a:t>
+            </a:r>
+            <a:endParaRPr lang="en-US" sz="2000" b="0" strike="noStrike" spc="-1">
+              <a:solidFill>
+                <a:srgbClr val="000000"/>
+              </a:solidFill>
+              <a:latin typeface="Arial"/>
+            </a:endParaRPr>
+          </a:p>
+          <a:p>
+            <a:pPr marL="743040" lvl="1" indent="-280800">
+              <a:lnSpc>
+                <a:spcPct val="100000"/>
+              </a:lnSpc>
+              <a:spcBef>
+                <a:spcPts val="300"/>
+              </a:spcBef>
+              <a:buClr>
+                <a:srgbClr val="191EA2"/>
+              </a:buClr>
+              <a:buSzPct val="50000"/>
+              <a:buFont typeface="Wingdings" charset="2"/>
+              <a:buChar char=""/>
+            </a:pPr>
+            <a:r>
+              <a:rPr lang="en-US" sz="2000" b="0" strike="noStrike" spc="-1">
+                <a:solidFill>
+                  <a:srgbClr val="191EA2"/>
+                </a:solidFill>
+                <a:latin typeface="Arial"/>
+                <a:ea typeface="Gill Sans Light"/>
+              </a:rPr>
+              <a:t>fpga_selector exists via intel extension</a:t>
+            </a:r>
+            <a:endParaRPr lang="en-US" sz="2000" b="0" strike="noStrike" spc="-1">
+              <a:solidFill>
+                <a:srgbClr val="000000"/>
+              </a:solidFill>
+              <a:latin typeface="Arial"/>
+            </a:endParaRPr>
+          </a:p>
+          <a:p>
+            <a:pPr marL="743040" lvl="1" indent="-280800">
+              <a:lnSpc>
+                <a:spcPct val="100000"/>
+              </a:lnSpc>
+              <a:spcBef>
+                <a:spcPts val="300"/>
+              </a:spcBef>
+              <a:buClr>
+                <a:srgbClr val="191EA2"/>
+              </a:buClr>
+              <a:buSzPct val="50000"/>
+              <a:buFont typeface="Wingdings" charset="2"/>
+              <a:buChar char=""/>
+            </a:pPr>
+            <a:r>
+              <a:rPr lang="en-US" sz="2000" b="0" strike="noStrike" spc="-1">
+                <a:solidFill>
+                  <a:srgbClr val="191EA2"/>
+                </a:solidFill>
+                <a:latin typeface="Arial"/>
+                <a:ea typeface="Gill Sans Light"/>
+              </a:rPr>
+              <a:t>Useful for quick development, but typically want specific device for a task</a:t>
+            </a:r>
+            <a:endParaRPr lang="en-US" sz="2000" b="0" strike="noStrike" spc="-1">
+              <a:solidFill>
+                <a:srgbClr val="000000"/>
+              </a:solidFill>
+              <a:latin typeface="Arial"/>
+            </a:endParaRPr>
+          </a:p>
+          <a:p>
+            <a:pPr marL="457200" indent="-401400">
+              <a:lnSpc>
+                <a:spcPct val="100000"/>
+              </a:lnSpc>
+              <a:spcBef>
+                <a:spcPts val="601"/>
+              </a:spcBef>
+              <a:buClr>
+                <a:srgbClr val="000000"/>
+              </a:buClr>
+              <a:buFont typeface="Wingdings" charset="2"/>
+              <a:buChar char=""/>
+            </a:pPr>
+            <a:r>
+              <a:rPr lang="en-US" sz="2400" b="0" strike="noStrike" spc="-1">
+                <a:solidFill>
+                  <a:srgbClr val="191EA2"/>
+                </a:solidFill>
+                <a:latin typeface="Arial"/>
+                <a:ea typeface="Gill Sans Light"/>
+              </a:rPr>
+              <a:t>Custom selectors created by extending device_selector base class</a:t>
+            </a:r>
+            <a:endParaRPr lang="en-US" sz="2400" b="0" strike="noStrike" spc="-1">
+              <a:solidFill>
+                <a:srgbClr val="191EA2"/>
+              </a:solidFill>
+              <a:latin typeface="Arial"/>
+            </a:endParaRPr>
+          </a:p>
+          <a:p>
+            <a:pPr marL="684000">
+              <a:lnSpc>
+                <a:spcPct val="100000"/>
+              </a:lnSpc>
+              <a:spcBef>
+                <a:spcPts val="300"/>
+              </a:spcBef>
+            </a:pPr>
+            <a:r>
+              <a:rPr lang="en-US" sz="2000" b="0" strike="noStrike" spc="-1">
+                <a:solidFill>
+                  <a:srgbClr val="000000"/>
+                </a:solidFill>
+                <a:latin typeface="Consolas"/>
+                <a:ea typeface="Gill Sans Light"/>
+              </a:rPr>
+              <a:t>virtual</a:t>
+            </a:r>
+            <a:r>
+              <a:rPr lang="en-US" sz="2000" b="0" strike="noStrike" spc="-1">
+                <a:solidFill>
+                  <a:srgbClr val="A31515"/>
+                </a:solidFill>
+                <a:latin typeface="Consolas"/>
+                <a:ea typeface="Gill Sans Light"/>
+              </a:rPr>
+              <a:t> </a:t>
+            </a:r>
+            <a:r>
+              <a:rPr lang="en-US" sz="2000" b="0" strike="noStrike" spc="-1">
+                <a:solidFill>
+                  <a:srgbClr val="0365C0"/>
+                </a:solidFill>
+                <a:latin typeface="Consolas"/>
+                <a:ea typeface="Gill Sans Light"/>
+              </a:rPr>
+              <a:t>int</a:t>
+            </a:r>
+            <a:r>
+              <a:rPr lang="en-US" sz="2000" b="0" strike="noStrike" spc="-1">
+                <a:solidFill>
+                  <a:srgbClr val="A31515"/>
+                </a:solidFill>
+                <a:latin typeface="Consolas"/>
+                <a:ea typeface="Gill Sans Light"/>
+              </a:rPr>
+              <a:t> </a:t>
+            </a:r>
+            <a:r>
+              <a:rPr lang="en-US" sz="2000" b="0" strike="noStrike" spc="-1">
+                <a:solidFill>
+                  <a:srgbClr val="000000"/>
+                </a:solidFill>
+                <a:latin typeface="Consolas"/>
+                <a:ea typeface="Gill Sans Light"/>
+              </a:rPr>
+              <a:t>operator()(</a:t>
+            </a:r>
+            <a:r>
+              <a:rPr lang="en-US" sz="2000" b="0" strike="noStrike" spc="-1">
+                <a:solidFill>
+                  <a:srgbClr val="0365C0"/>
+                </a:solidFill>
+                <a:latin typeface="Consolas"/>
+                <a:ea typeface="Gill Sans Light"/>
+              </a:rPr>
+              <a:t>const</a:t>
+            </a:r>
+            <a:r>
+              <a:rPr lang="en-US" sz="2000" b="0" strike="noStrike" spc="-1">
+                <a:solidFill>
+                  <a:srgbClr val="A31515"/>
+                </a:solidFill>
+                <a:latin typeface="Consolas"/>
+                <a:ea typeface="Gill Sans Light"/>
+              </a:rPr>
+              <a:t> </a:t>
+            </a:r>
+            <a:r>
+              <a:rPr lang="en-US" sz="2000" b="0" strike="noStrike" spc="-1">
+                <a:solidFill>
+                  <a:srgbClr val="000080"/>
+                </a:solidFill>
+                <a:latin typeface="Consolas"/>
+                <a:ea typeface="Gill Sans Light"/>
+              </a:rPr>
+              <a:t>device</a:t>
+            </a:r>
+            <a:r>
+              <a:rPr lang="en-US" sz="2000" b="0" strike="noStrike" spc="-1">
+                <a:solidFill>
+                  <a:srgbClr val="A31515"/>
+                </a:solidFill>
+                <a:latin typeface="Consolas"/>
+                <a:ea typeface="Gill Sans Light"/>
+              </a:rPr>
+              <a:t> </a:t>
+            </a:r>
+            <a:r>
+              <a:rPr lang="en-US" sz="2000" b="0" strike="noStrike" spc="-1">
+                <a:solidFill>
+                  <a:srgbClr val="000000"/>
+                </a:solidFill>
+                <a:latin typeface="Consolas"/>
+                <a:ea typeface="Gill Sans Light"/>
+              </a:rPr>
+              <a:t>&amp;</a:t>
+            </a:r>
+            <a:r>
+              <a:rPr lang="en-US" sz="2000" b="0" strike="noStrike" spc="-1">
+                <a:solidFill>
+                  <a:srgbClr val="000080"/>
+                </a:solidFill>
+                <a:latin typeface="Consolas"/>
+                <a:ea typeface="Gill Sans Light"/>
+              </a:rPr>
+              <a:t>dev</a:t>
+            </a:r>
+            <a:r>
+              <a:rPr lang="en-US" sz="2000" b="0" strike="noStrike" spc="-1">
+                <a:solidFill>
+                  <a:srgbClr val="000000"/>
+                </a:solidFill>
+                <a:latin typeface="Consolas"/>
+                <a:ea typeface="Gill Sans Light"/>
+              </a:rPr>
+              <a:t>)</a:t>
+            </a:r>
+            <a:r>
+              <a:rPr lang="en-US" sz="2000" b="0" strike="noStrike" spc="-1">
+                <a:solidFill>
+                  <a:srgbClr val="A31515"/>
+                </a:solidFill>
+                <a:latin typeface="Consolas"/>
+                <a:ea typeface="Gill Sans Light"/>
+              </a:rPr>
+              <a:t> </a:t>
+            </a:r>
+            <a:r>
+              <a:rPr lang="en-US" sz="2000" b="0" strike="noStrike" spc="-1">
+                <a:solidFill>
+                  <a:srgbClr val="0365C0"/>
+                </a:solidFill>
+                <a:latin typeface="Consolas"/>
+                <a:ea typeface="Gill Sans Light"/>
+              </a:rPr>
+              <a:t>const</a:t>
+            </a:r>
+            <a:r>
+              <a:rPr lang="en-US" sz="2000" b="0" strike="noStrike" spc="-1">
+                <a:solidFill>
+                  <a:srgbClr val="A31515"/>
+                </a:solidFill>
+                <a:latin typeface="Consolas"/>
+                <a:ea typeface="Gill Sans Light"/>
+              </a:rPr>
+              <a:t> </a:t>
+            </a:r>
+            <a:r>
+              <a:rPr lang="en-US" sz="2000" b="0" strike="noStrike" spc="-1">
+                <a:solidFill>
+                  <a:srgbClr val="000000"/>
+                </a:solidFill>
+                <a:latin typeface="Consolas"/>
+                <a:ea typeface="Gill Sans Light"/>
+              </a:rPr>
+              <a:t>{</a:t>
+            </a:r>
+            <a:endParaRPr lang="en-US" sz="2000" b="0" strike="noStrike" spc="-1">
+              <a:solidFill>
+                <a:srgbClr val="191EA2"/>
+              </a:solidFill>
+              <a:latin typeface="Arial"/>
+            </a:endParaRPr>
+          </a:p>
+          <a:p>
+            <a:pPr marL="684000">
+              <a:lnSpc>
+                <a:spcPct val="100000"/>
+              </a:lnSpc>
+              <a:spcBef>
+                <a:spcPts val="300"/>
+              </a:spcBef>
+            </a:pPr>
+            <a:r>
+              <a:rPr lang="en-US" sz="2000" b="0" strike="noStrike" spc="-1">
+                <a:solidFill>
+                  <a:srgbClr val="A31515"/>
+                </a:solidFill>
+                <a:latin typeface="Consolas"/>
+                <a:ea typeface="Gill Sans Light"/>
+              </a:rPr>
+              <a:t>		</a:t>
+            </a:r>
+            <a:r>
+              <a:rPr lang="en-US" sz="2000" b="0" strike="noStrike" spc="-1">
+                <a:solidFill>
+                  <a:srgbClr val="00882B"/>
+                </a:solidFill>
+                <a:latin typeface="Consolas"/>
+                <a:ea typeface="Gill Sans Light"/>
+              </a:rPr>
+              <a:t>/* Device selection logic */</a:t>
+            </a:r>
+            <a:endParaRPr lang="en-US" sz="2000" b="0" strike="noStrike" spc="-1">
+              <a:solidFill>
+                <a:srgbClr val="191EA2"/>
+              </a:solidFill>
+              <a:latin typeface="Arial"/>
+            </a:endParaRPr>
+          </a:p>
+          <a:p>
+            <a:pPr marL="684000">
+              <a:lnSpc>
+                <a:spcPct val="100000"/>
+              </a:lnSpc>
+              <a:spcBef>
+                <a:spcPts val="300"/>
+              </a:spcBef>
+            </a:pPr>
+            <a:r>
+              <a:rPr lang="en-US" sz="2000" b="0" strike="noStrike" spc="-1">
+                <a:solidFill>
+                  <a:srgbClr val="000000"/>
+                </a:solidFill>
+                <a:latin typeface="Consolas"/>
+                <a:ea typeface="Gill Sans Light"/>
+              </a:rPr>
+              <a:t>}</a:t>
+            </a:r>
+            <a:endParaRPr lang="en-US" sz="2000" b="0" strike="noStrike" spc="-1">
+              <a:solidFill>
+                <a:srgbClr val="191EA2"/>
+              </a:solidFill>
+              <a:latin typeface="Arial"/>
+            </a:endParaRPr>
+          </a:p>
+        </p:txBody>
+      </p:sp>
+      <p:sp>
+        <p:nvSpPr>
+          <p:cNvPr id="202" name="TextShape 2"/>
+          <p:cNvSpPr txBox="1"/>
+          <p:nvPr/>
+        </p:nvSpPr>
+        <p:spPr>
+          <a:xfrm>
+            <a:off x="1526760" y="0"/>
+            <a:ext cx="9414720" cy="865800"/>
+          </a:xfrm>
+          <a:prstGeom prst="rect">
+            <a:avLst/>
+          </a:prstGeom>
+          <a:noFill/>
+          <a:ln w="12600">
+            <a:noFill/>
+          </a:ln>
+        </p:spPr>
+        <p:txBody>
+          <a:bodyPr lIns="127080" tIns="127080" rIns="127080" bIns="127080" anchor="ctr"/>
+          <a:lstStyle/>
+          <a:p>
+            <a:pPr>
+              <a:lnSpc>
+                <a:spcPct val="100000"/>
+              </a:lnSpc>
+            </a:pPr>
+            <a:r>
+              <a:rPr lang="en-US" sz="4000" b="1" strike="noStrike" spc="-1">
+                <a:solidFill>
+                  <a:srgbClr val="191EA2"/>
+                </a:solidFill>
+                <a:latin typeface="Arial"/>
+                <a:ea typeface="Gill Sans Light"/>
+              </a:rPr>
+              <a:t>Device Selection</a:t>
+            </a:r>
+            <a:endParaRPr lang="en-US" sz="4000" b="0" strike="noStrike" spc="-1">
+              <a:solidFill>
+                <a:srgbClr val="191EA2"/>
+              </a:solidFill>
+              <a:latin typeface="Arial"/>
+            </a:endParaRPr>
+          </a:p>
+        </p:txBody>
+      </p:sp>
+    </p:spTree>
+  </p:cSld>
+  <p:clrMapOvr>
+    <a:masterClrMapping/>
+  </p:clrMapOvr>
+</p:sld>
+</file>
+
+<file path=ppt/slides/slide31.xml><?xml version="1.0" encoding="utf-8"?>
+<p:sld xmlns:a="http://schemas.openxmlformats.org/drawingml/2006/main" xmlns:r="http://schemas.openxmlformats.org/officeDocument/2006/relationships" xmlns:p="http://schemas.openxmlformats.org/presentationml/2006/main">
+  <p:cSld>
+    <p:spTree>
+      <p:nvGrpSpPr>
+        <p:cNvPr id="1" name=""/>
+        <p:cNvGrpSpPr/>
+        <p:nvPr/>
+      </p:nvGrpSpPr>
+      <p:grpSpPr>
+        <a:xfrm>
+          <a:off x="0" y="0"/>
+          <a:ext cx="0" cy="0"/>
+          <a:chOff x="0" y="0"/>
+          <a:chExt cx="0" cy="0"/>
+        </a:xfrm>
+      </p:grpSpPr>
+      <p:sp>
+        <p:nvSpPr>
           <p:cNvPr id="203" name="TextShape 1"/>
           <p:cNvSpPr txBox="1"/>
           <p:nvPr/>
@@ -25566,7 +27396,7 @@
 </p:sld>
 </file>
 
-<file path=ppt/slides/slide31.xml><?xml version="1.0" encoding="utf-8"?>
+<file path=ppt/slides/slide32.xml><?xml version="1.0" encoding="utf-8"?>
 <p:sld xmlns:a="http://schemas.openxmlformats.org/drawingml/2006/main" xmlns:r="http://schemas.openxmlformats.org/officeDocument/2006/relationships" xmlns:p="http://schemas.openxmlformats.org/presentationml/2006/main">
   <p:cSld>
     <p:spTree>
@@ -25990,7 +27820,7 @@
 </p:sld>
 </file>
 
-<file path=ppt/slides/slide32.xml><?xml version="1.0" encoding="utf-8"?>
+<file path=ppt/slides/slide33.xml><?xml version="1.0" encoding="utf-8"?>
 <p:sld xmlns:a="http://schemas.openxmlformats.org/drawingml/2006/main" xmlns:r="http://schemas.openxmlformats.org/officeDocument/2006/relationships" xmlns:p="http://schemas.openxmlformats.org/presentationml/2006/main">
   <p:cSld>
     <p:spTree>
@@ -27308,7 +29138,7 @@
           </a:ln>
           <a:extLst>
             <a:ext uri="{C572A759-6A51-4108-AA02-DFA0A04FC94B}">
-              <ma14:wrappingTextBoxFlag xmlns:ma14="http://schemas.microsoft.com/office/mac/drawingml/2011/main" xmlns="" val="1"/>
+              <ma14:wrappingTextBoxFlag xmlns="" xmlns:ma14="http://schemas.microsoft.com/office/mac/drawingml/2011/main" val="1"/>
             </a:ext>
           </a:extLst>
         </p:spPr>
@@ -28005,7 +29835,7 @@
           </a:ln>
           <a:extLst>
             <a:ext uri="{C572A759-6A51-4108-AA02-DFA0A04FC94B}">
-              <ma14:wrappingTextBoxFlag xmlns="" xmlns:ma14="http://schemas.microsoft.com/office/mac/drawingml/2011/main" val="1"/>
+              <ma14:wrappingTextBoxFlag xmlns:ma14="http://schemas.microsoft.com/office/mac/drawingml/2011/main" xmlns="" val="1"/>
             </a:ext>
           </a:extLst>
         </p:spPr>
@@ -28818,7 +30648,7 @@
           </a:ln>
           <a:extLst>
             <a:ext uri="{C572A759-6A51-4108-AA02-DFA0A04FC94B}">
-              <ma14:wrappingTextBoxFlag xmlns="" xmlns:ma14="http://schemas.microsoft.com/office/mac/drawingml/2011/main" val="1"/>
+              <ma14:wrappingTextBoxFlag xmlns:ma14="http://schemas.microsoft.com/office/mac/drawingml/2011/main" xmlns="" val="1"/>
             </a:ext>
           </a:extLst>
         </p:spPr>
@@ -29579,7 +31409,7 @@
           </a:ln>
           <a:extLst>
             <a:ext uri="{C572A759-6A51-4108-AA02-DFA0A04FC94B}">
-              <ma14:wrappingTextBoxFlag xmlns:ma14="http://schemas.microsoft.com/office/mac/drawingml/2011/main" xmlns="" val="1"/>
+              <ma14:wrappingTextBoxFlag xmlns="" xmlns:ma14="http://schemas.microsoft.com/office/mac/drawingml/2011/main" val="1"/>
             </a:ext>
           </a:extLst>
         </p:spPr>
@@ -30246,6 +32076,12 @@
 </file>
 
 <file path=ppt/tags/tag8.xml><?xml version="1.0" encoding="utf-8"?>
+<p:tagLst xmlns:a="http://schemas.openxmlformats.org/drawingml/2006/main" xmlns:r="http://schemas.openxmlformats.org/officeDocument/2006/relationships" xmlns:p="http://schemas.openxmlformats.org/presentationml/2006/main">
+  <p:tag name="TIMING" val="|71.9|107.7"/>
+</p:tagLst>
+</file>
+
+<file path=ppt/tags/tag9.xml><?xml version="1.0" encoding="utf-8"?>
 <p:tagLst xmlns:a="http://schemas.openxmlformats.org/drawingml/2006/main" xmlns:r="http://schemas.openxmlformats.org/officeDocument/2006/relationships" xmlns:p="http://schemas.openxmlformats.org/presentationml/2006/main">
   <p:tag name="TIMING" val="|71.9|107.7"/>
 </p:tagLst>
@@ -34627,18 +36463,18 @@
 </file>
 
 <file path=customXml/item1.xml><?xml version="1.0" encoding="utf-8"?>
-<p:properties xmlns:p="http://schemas.microsoft.com/office/2006/metadata/properties" xmlns:xsi="http://www.w3.org/2001/XMLSchema-instance" xmlns:pc="http://schemas.microsoft.com/office/infopath/2007/PartnerControls">
-  <documentManagement/>
-</p:properties>
-</file>
-
-<file path=customXml/item2.xml><?xml version="1.0" encoding="utf-8"?>
 <?mso-contentType ?>
 <FormTemplates xmlns="http://schemas.microsoft.com/sharepoint/v3/contenttype/forms">
   <Display>DocumentLibraryForm</Display>
   <Edit>DocumentLibraryForm</Edit>
   <New>DocumentLibraryForm</New>
 </FormTemplates>
+</file>
+
+<file path=customXml/item2.xml><?xml version="1.0" encoding="utf-8"?>
+<p:properties xmlns:p="http://schemas.microsoft.com/office/2006/metadata/properties" xmlns:xsi="http://www.w3.org/2001/XMLSchema-instance" xmlns:pc="http://schemas.microsoft.com/office/infopath/2007/PartnerControls">
+  <documentManagement/>
+</p:properties>
 </file>
 
 <file path=customXml/item3.xml><?xml version="1.0" encoding="utf-8"?>
@@ -34800,25 +36636,25 @@
 </file>
 
 <file path=customXml/itemProps1.xml><?xml version="1.0" encoding="utf-8"?>
-<ds:datastoreItem xmlns:ds="http://schemas.openxmlformats.org/officeDocument/2006/customXml" ds:itemID="{796C1367-8D37-49A1-BF4B-2E9150DA2B52}">
+<ds:datastoreItem xmlns:ds="http://schemas.openxmlformats.org/officeDocument/2006/customXml" ds:itemID="{39D54C70-8A1F-433D-B3DF-B7287D9E1633}">
   <ds:schemaRefs>
-    <ds:schemaRef ds:uri="http://schemas.microsoft.com/office/2006/documentManagement/types"/>
-    <ds:schemaRef ds:uri="http://schemas.microsoft.com/office/2006/metadata/properties"/>
-    <ds:schemaRef ds:uri="http://schemas.microsoft.com/office/infopath/2007/PartnerControls"/>
-    <ds:schemaRef ds:uri="63fc63a6-18cf-4814-8dee-b8d6616a2bda"/>
-    <ds:schemaRef ds:uri="http://purl.org/dc/elements/1.1/"/>
-    <ds:schemaRef ds:uri="http://purl.org/dc/terms/"/>
-    <ds:schemaRef ds:uri="http://purl.org/dc/dcmitype/"/>
-    <ds:schemaRef ds:uri="http://schemas.openxmlformats.org/package/2006/metadata/core-properties"/>
-    <ds:schemaRef ds:uri="http://www.w3.org/XML/1998/namespace"/>
+    <ds:schemaRef ds:uri="http://schemas.microsoft.com/sharepoint/v3/contenttype/forms"/>
   </ds:schemaRefs>
 </ds:datastoreItem>
 </file>
 
 <file path=customXml/itemProps2.xml><?xml version="1.0" encoding="utf-8"?>
-<ds:datastoreItem xmlns:ds="http://schemas.openxmlformats.org/officeDocument/2006/customXml" ds:itemID="{39D54C70-8A1F-433D-B3DF-B7287D9E1633}">
+<ds:datastoreItem xmlns:ds="http://schemas.openxmlformats.org/officeDocument/2006/customXml" ds:itemID="{796C1367-8D37-49A1-BF4B-2E9150DA2B52}">
   <ds:schemaRefs>
-    <ds:schemaRef ds:uri="http://schemas.microsoft.com/sharepoint/v3/contenttype/forms"/>
+    <ds:schemaRef ds:uri="http://purl.org/dc/elements/1.1/"/>
+    <ds:schemaRef ds:uri="http://schemas.microsoft.com/office/2006/metadata/properties"/>
+    <ds:schemaRef ds:uri="http://purl.org/dc/terms/"/>
+    <ds:schemaRef ds:uri="http://schemas.openxmlformats.org/package/2006/metadata/core-properties"/>
+    <ds:schemaRef ds:uri="http://schemas.microsoft.com/office/2006/documentManagement/types"/>
+    <ds:schemaRef ds:uri="http://schemas.microsoft.com/office/infopath/2007/PartnerControls"/>
+    <ds:schemaRef ds:uri="63fc63a6-18cf-4814-8dee-b8d6616a2bda"/>
+    <ds:schemaRef ds:uri="http://www.w3.org/XML/1998/namespace"/>
+    <ds:schemaRef ds:uri="http://purl.org/dc/dcmitype/"/>
   </ds:schemaRefs>
 </ds:datastoreItem>
 </file>

--- a/Slides/SYCL intro.pptx
+++ b/Slides/SYCL intro.pptx
@@ -24725,13 +24725,60 @@
               <a:defRPr/>
             </a:pPr>
             <a:r>
-              <a:rPr lang="en-US" dirty="0">
-                <a:solidFill>
-                  <a:sysClr val="windowText" lastClr="000000"/>
-                </a:solidFill>
-              </a:rPr>
+              <a:rPr lang="en-GB" dirty="0"/>
               <a:t>E.g. GPUs are optimized for data-parallel computing</a:t>
             </a:r>
+          </a:p>
+          <a:p>
+            <a:pPr>
+              <a:defRPr/>
+            </a:pPr>
+            <a:r>
+              <a:rPr lang="en-US" dirty="0"/>
+              <a:t>Heterogeneous computing systems can delegate tasks to hardware specialized for each task</a:t>
+            </a:r>
+          </a:p>
+          <a:p>
+            <a:pPr lvl="1">
+              <a:defRPr/>
+            </a:pPr>
+            <a:r>
+              <a:rPr lang="fr-FR" dirty="0" err="1"/>
+              <a:t>CPUs</a:t>
+            </a:r>
+            <a:r>
+              <a:rPr lang="fr-FR" dirty="0"/>
+              <a:t>, </a:t>
+            </a:r>
+            <a:r>
+              <a:rPr lang="fr-FR" dirty="0" err="1"/>
+              <a:t>GPUs</a:t>
+            </a:r>
+            <a:r>
+              <a:rPr lang="fr-FR" dirty="0"/>
+              <a:t>, </a:t>
+            </a:r>
+            <a:r>
+              <a:rPr lang="fr-FR" dirty="0" err="1"/>
+              <a:t>FPGAs</a:t>
+            </a:r>
+            <a:r>
+              <a:rPr lang="fr-FR" dirty="0"/>
+              <a:t>, </a:t>
+            </a:r>
+            <a:r>
+              <a:rPr lang="fr-FR" dirty="0" err="1"/>
+              <a:t>ASICs</a:t>
+            </a:r>
+            <a:r>
+              <a:rPr lang="fr-FR" dirty="0"/>
+              <a:t>, etc.</a:t>
+            </a:r>
+          </a:p>
+          <a:p>
+            <a:pPr lvl="1">
+              <a:defRPr/>
+            </a:pPr>
             <a:endParaRPr kumimoji="0" lang="en-US" b="0" i="0" u="none" strike="noStrike" kern="0" cap="none" spc="0" normalizeH="0" baseline="0" noProof="0" dirty="0">
               <a:ln>
                 <a:noFill/>
@@ -24748,35 +24795,23 @@
             </a:endParaRPr>
           </a:p>
           <a:p>
-            <a:pPr>
-              <a:defRPr/>
-            </a:pPr>
-            <a:r>
-              <a:rPr lang="en-US" dirty="0"/>
-              <a:t>Heterogeneous computing systems can delegate tasks to hardware specialized for each task</a:t>
-            </a:r>
-          </a:p>
-          <a:p>
             <a:pPr lvl="1">
               <a:defRPr/>
             </a:pPr>
-            <a:r>
-              <a:rPr kumimoji="0" lang="en-US" b="0" i="0" u="none" strike="noStrike" kern="0" cap="none" spc="0" normalizeH="0" baseline="0" noProof="0" dirty="0">
-                <a:ln>
-                  <a:noFill/>
-                </a:ln>
-                <a:solidFill>
-                  <a:sysClr val="windowText" lastClr="000000"/>
-                </a:solidFill>
-                <a:effectLst/>
-                <a:uLnTx/>
-                <a:uFillTx/>
-                <a:latin typeface="Arial" panose="020B0604020202020204" pitchFamily="34" charset="0"/>
-                <a:cs typeface="Arial" panose="020B0604020202020204" pitchFamily="34" charset="0"/>
-                <a:sym typeface="Gill Sans Light"/>
-              </a:rPr>
-              <a:t>CPUs, GPUs, FPGAs, ASICs, etc.</a:t>
-            </a:r>
+            <a:endParaRPr kumimoji="0" lang="en-US" b="0" i="0" u="none" strike="noStrike" kern="0" cap="none" spc="0" normalizeH="0" baseline="0" noProof="0" dirty="0">
+              <a:ln>
+                <a:noFill/>
+              </a:ln>
+              <a:solidFill>
+                <a:sysClr val="windowText" lastClr="000000"/>
+              </a:solidFill>
+              <a:effectLst/>
+              <a:uLnTx/>
+              <a:uFillTx/>
+              <a:latin typeface="Arial" panose="020B0604020202020204" pitchFamily="34" charset="0"/>
+              <a:cs typeface="Arial" panose="020B0604020202020204" pitchFamily="34" charset="0"/>
+              <a:sym typeface="Gill Sans Light"/>
+            </a:endParaRPr>
           </a:p>
           <a:p>
             <a:pPr marL="457200" marR="0" lvl="0" indent="-401803" defTabSz="410730" eaLnBrk="1" fontAlgn="auto" latinLnBrk="0" hangingPunct="1">
